--- a/BTS_Analysis_Results_Lawrencia_Archer.pptx
+++ b/BTS_Analysis_Results_Lawrencia_Archer.pptx
@@ -5,7 +5,7 @@
     <p:sldMasterId id="2147483648" r:id="rId1"/>
   </p:sldMasterIdLst>
   <p:notesMasterIdLst>
-    <p:notesMasterId r:id="rId12"/>
+    <p:notesMasterId r:id="rId15"/>
   </p:notesMasterIdLst>
   <p:sldIdLst>
     <p:sldId id="256" r:id="rId2"/>
@@ -18,34 +18,37 @@
     <p:sldId id="263" r:id="rId9"/>
     <p:sldId id="264" r:id="rId10"/>
     <p:sldId id="265" r:id="rId11"/>
+    <p:sldId id="268" r:id="rId12"/>
+    <p:sldId id="266" r:id="rId13"/>
+    <p:sldId id="267" r:id="rId14"/>
   </p:sldIdLst>
   <p:sldSz cx="9144000" cy="5143500" type="screen16x9"/>
   <p:notesSz cx="9144000" cy="5143500"/>
   <p:embeddedFontLst>
     <p:embeddedFont>
       <p:font typeface="Consolas" panose="020B0609020204030204" pitchFamily="49" charset="0"/>
-      <p:regular r:id="rId13"/>
-      <p:bold r:id="rId14"/>
-      <p:italic r:id="rId15"/>
-      <p:boldItalic r:id="rId16"/>
+      <p:regular r:id="rId16"/>
+      <p:bold r:id="rId17"/>
+      <p:italic r:id="rId18"/>
+      <p:boldItalic r:id="rId19"/>
     </p:embeddedFont>
     <p:embeddedFont>
       <p:font typeface="Metrophobic" panose="020B0604020202020204" charset="0"/>
-      <p:regular r:id="rId17"/>
-      <p:bold r:id="rId18"/>
+      <p:regular r:id="rId20"/>
+      <p:bold r:id="rId21"/>
     </p:embeddedFont>
     <p:embeddedFont>
       <p:font typeface="Open Sans" panose="020B0606030504020204" pitchFamily="34" charset="0"/>
-      <p:regular r:id="rId19"/>
-      <p:bold r:id="rId20"/>
+      <p:regular r:id="rId22"/>
+      <p:bold r:id="rId23"/>
     </p:embeddedFont>
     <p:embeddedFont>
       <p:font typeface="Open Sans-demi_bold" panose="020B0604020202020204" charset="0"/>
-      <p:regular r:id="rId21"/>
+      <p:regular r:id="rId24"/>
     </p:embeddedFont>
   </p:embeddedFontLst>
   <p:custDataLst>
-    <p:tags r:id="rId22"/>
+    <p:tags r:id="rId25"/>
   </p:custDataLst>
   <p:defaultTextStyle>
     <a:defPPr>
@@ -225,7 +228,7 @@
           <a:p>
             <a:fld id="{44B65459-4C01-9248-BDAA-F28591FAF6F5}" type="datetimeFigureOut">
               <a:rPr lang="en-US" smtClean="0"/>
-              <a:t>7/23/2025</a:t>
+              <a:t>7/24/2025</a:t>
             </a:fld>
             <a:endParaRPr lang="en-US"/>
           </a:p>
@@ -514,7 +517,7 @@
           <p:cNvPr id="2" name="Title 1">
             <a:extLst>
               <a:ext uri="{96959B2B-DCE1-478B-9EA3-79D4CC1F3BF6}">
-                <a16:creationId xmlns:a16="http://schemas.microsoft.com/office/drawing/2010/main" xmlns:vt="http://schemas.openxmlformats.org/officeDocument/2006/docPropsVTypes" xmlns:ns1="http://schemas.openxmlformats.org/officeDocument/2006/extended-properties" xmlns:cs="http://schemas.microsoft.com/office/drawing/2012/chartStyle" xmlns:c="http://schemas.openxmlformats.org/drawingml/2006/chart" xmlns="" id="{0BB91BD6-E52D-4A9E-A098-DE681B603EFF}"/>
+                <a16:creationId xmlns="" xmlns:c="http://schemas.openxmlformats.org/drawingml/2006/chart" xmlns:cs="http://schemas.microsoft.com/office/drawing/2012/chartStyle" xmlns:ns1="http://schemas.openxmlformats.org/officeDocument/2006/extended-properties" xmlns:vt="http://schemas.openxmlformats.org/officeDocument/2006/docPropsVTypes" xmlns:a16="http://schemas.microsoft.com/office/drawing/2010/main" id="{0BB91BD6-E52D-4A9E-A098-DE681B603EFF}"/>
               </a:ext>
             </a:extLst>
           </p:cNvPr>
@@ -552,7 +555,7 @@
           <p:cNvPr id="3" name="Subtitle 2">
             <a:extLst>
               <a:ext uri="{D50537D3-92A8-4E92-8E7D-3A932BF7D65F}">
-                <a16:creationId xmlns:a16="http://schemas.microsoft.com/office/drawing/2010/main" xmlns:vt="http://schemas.openxmlformats.org/officeDocument/2006/docPropsVTypes" xmlns:ns1="http://schemas.openxmlformats.org/officeDocument/2006/extended-properties" xmlns:cs="http://schemas.microsoft.com/office/drawing/2012/chartStyle" xmlns:c="http://schemas.openxmlformats.org/drawingml/2006/chart" xmlns="" id="{E07279EE-A6F3-4135-A196-76AA112AB7B3}"/>
+                <a16:creationId xmlns="" xmlns:c="http://schemas.openxmlformats.org/drawingml/2006/chart" xmlns:cs="http://schemas.microsoft.com/office/drawing/2012/chartStyle" xmlns:ns1="http://schemas.openxmlformats.org/officeDocument/2006/extended-properties" xmlns:vt="http://schemas.openxmlformats.org/officeDocument/2006/docPropsVTypes" xmlns:a16="http://schemas.microsoft.com/office/drawing/2010/main" id="{E07279EE-A6F3-4135-A196-76AA112AB7B3}"/>
               </a:ext>
             </a:extLst>
           </p:cNvPr>
@@ -607,7 +610,7 @@
           <p:cNvPr id="4" name="Slide Number Placeholder 5">
             <a:extLst>
               <a:ext uri="{73C17392-2E34-4F19-B2C1-E4EF702E6BE9}">
-                <a16:creationId xmlns:a16="http://schemas.microsoft.com/office/drawing/2010/main" xmlns:vt="http://schemas.openxmlformats.org/officeDocument/2006/docPropsVTypes" xmlns:ns1="http://schemas.openxmlformats.org/officeDocument/2006/extended-properties" xmlns:cs="http://schemas.microsoft.com/office/drawing/2012/chartStyle" xmlns:c="http://schemas.openxmlformats.org/drawingml/2006/chart" xmlns="" id="{0BBAF225-875E-4AAB-9120-ADED6273FEAC}"/>
+                <a16:creationId xmlns="" xmlns:c="http://schemas.openxmlformats.org/drawingml/2006/chart" xmlns:cs="http://schemas.microsoft.com/office/drawing/2012/chartStyle" xmlns:ns1="http://schemas.openxmlformats.org/officeDocument/2006/extended-properties" xmlns:vt="http://schemas.openxmlformats.org/officeDocument/2006/docPropsVTypes" xmlns:a16="http://schemas.microsoft.com/office/drawing/2010/main" id="{0BBAF225-875E-4AAB-9120-ADED6273FEAC}"/>
               </a:ext>
             </a:extLst>
           </p:cNvPr>
@@ -637,7 +640,7 @@
           <p:cNvPr id="5" name="Footer Placeholder 4">
             <a:extLst>
               <a:ext uri="{AAB8D64F-DE83-4216-A45C-810480D97018}">
-                <a16:creationId xmlns:a16="http://schemas.microsoft.com/office/drawing/2010/main" xmlns:vt="http://schemas.openxmlformats.org/officeDocument/2006/docPropsVTypes" xmlns:ns1="http://schemas.openxmlformats.org/officeDocument/2006/extended-properties" xmlns:cs="http://schemas.microsoft.com/office/drawing/2012/chartStyle" xmlns:c="http://schemas.openxmlformats.org/drawingml/2006/chart" xmlns="" id="{B0DD4ECA-F0B0-4185-A45B-3947DC4923C9}"/>
+                <a16:creationId xmlns="" xmlns:c="http://schemas.openxmlformats.org/drawingml/2006/chart" xmlns:cs="http://schemas.microsoft.com/office/drawing/2012/chartStyle" xmlns:ns1="http://schemas.openxmlformats.org/officeDocument/2006/extended-properties" xmlns:vt="http://schemas.openxmlformats.org/officeDocument/2006/docPropsVTypes" xmlns:a16="http://schemas.microsoft.com/office/drawing/2010/main" id="{B0DD4ECA-F0B0-4185-A45B-3947DC4923C9}"/>
               </a:ext>
             </a:extLst>
           </p:cNvPr>
@@ -667,7 +670,7 @@
           <p:cNvPr id="6" name="Date Placeholder 3">
             <a:extLst>
               <a:ext uri="{B2BA1D13-BEEF-4E73-9CF4-5C55CD291848}">
-                <a16:creationId xmlns:a16="http://schemas.microsoft.com/office/drawing/2010/main" xmlns:vt="http://schemas.openxmlformats.org/officeDocument/2006/docPropsVTypes" xmlns:ns1="http://schemas.openxmlformats.org/officeDocument/2006/extended-properties" xmlns:cs="http://schemas.microsoft.com/office/drawing/2012/chartStyle" xmlns:c="http://schemas.openxmlformats.org/drawingml/2006/chart" xmlns="" id="{9DA20C87-9112-46CD-B6DB-98ED58849ED8}"/>
+                <a16:creationId xmlns="" xmlns:c="http://schemas.openxmlformats.org/drawingml/2006/chart" xmlns:cs="http://schemas.microsoft.com/office/drawing/2012/chartStyle" xmlns:ns1="http://schemas.openxmlformats.org/officeDocument/2006/extended-properties" xmlns:vt="http://schemas.openxmlformats.org/officeDocument/2006/docPropsVTypes" xmlns:a16="http://schemas.microsoft.com/office/drawing/2010/main" id="{9DA20C87-9112-46CD-B6DB-98ED58849ED8}"/>
               </a:ext>
             </a:extLst>
           </p:cNvPr>
@@ -697,7 +700,7 @@
           <p:cNvPr id="7" name="Group 6">
             <a:extLst>
               <a:ext uri="{074C47F9-C464-4BA7-8094-913F9B7EADA1}">
-                <a16:creationId xmlns:a16="http://schemas.microsoft.com/office/drawing/2010/main" xmlns:vt="http://schemas.openxmlformats.org/officeDocument/2006/docPropsVTypes" xmlns:ns1="http://schemas.openxmlformats.org/officeDocument/2006/extended-properties" xmlns:cs="http://schemas.microsoft.com/office/drawing/2012/chartStyle" xmlns:c="http://schemas.openxmlformats.org/drawingml/2006/chart" xmlns="" id="{A294BC7B-5DBC-494E-B849-0F866CD8C7A9}"/>
+                <a16:creationId xmlns="" xmlns:c="http://schemas.openxmlformats.org/drawingml/2006/chart" xmlns:cs="http://schemas.microsoft.com/office/drawing/2012/chartStyle" xmlns:ns1="http://schemas.openxmlformats.org/officeDocument/2006/extended-properties" xmlns:vt="http://schemas.openxmlformats.org/officeDocument/2006/docPropsVTypes" xmlns:a16="http://schemas.microsoft.com/office/drawing/2010/main" id="{A294BC7B-5DBC-494E-B849-0F866CD8C7A9}"/>
               </a:ext>
             </a:extLst>
           </p:cNvPr>
@@ -719,7 +722,7 @@
             <p:cNvPr id="8" name="Freeform: Shape 7">
               <a:extLst>
                 <a:ext uri="{0C07B5D4-2604-4A0F-B87B-EE03242618B5}">
-                  <a16:creationId xmlns:a16="http://schemas.microsoft.com/office/drawing/2010/main" xmlns:vt="http://schemas.openxmlformats.org/officeDocument/2006/docPropsVTypes" xmlns:ns1="http://schemas.openxmlformats.org/officeDocument/2006/extended-properties" xmlns:cs="http://schemas.microsoft.com/office/drawing/2012/chartStyle" xmlns:c="http://schemas.openxmlformats.org/drawingml/2006/chart" xmlns="" id="{D3B56255-DAA9-4913-8414-5243230CF581}"/>
+                  <a16:creationId xmlns="" xmlns:c="http://schemas.openxmlformats.org/drawingml/2006/chart" xmlns:cs="http://schemas.microsoft.com/office/drawing/2012/chartStyle" xmlns:ns1="http://schemas.openxmlformats.org/officeDocument/2006/extended-properties" xmlns:vt="http://schemas.openxmlformats.org/officeDocument/2006/docPropsVTypes" xmlns:a16="http://schemas.microsoft.com/office/drawing/2010/main" id="{D3B56255-DAA9-4913-8414-5243230CF581}"/>
                 </a:ext>
               </a:extLst>
             </p:cNvPr>
@@ -794,7 +797,7 @@
             <p:cNvPr id="9" name="Freeform: Shape 8">
               <a:extLst>
                 <a:ext uri="{86261A4B-1BBB-4259-AC41-B2B76BCACB17}">
-                  <a16:creationId xmlns:a16="http://schemas.microsoft.com/office/drawing/2010/main" xmlns:vt="http://schemas.openxmlformats.org/officeDocument/2006/docPropsVTypes" xmlns:ns1="http://schemas.openxmlformats.org/officeDocument/2006/extended-properties" xmlns:cs="http://schemas.microsoft.com/office/drawing/2012/chartStyle" xmlns:c="http://schemas.openxmlformats.org/drawingml/2006/chart" xmlns="" id="{CE2443D3-E347-4D23-A1ED-2EF14C08C906}"/>
+                  <a16:creationId xmlns="" xmlns:c="http://schemas.openxmlformats.org/drawingml/2006/chart" xmlns:cs="http://schemas.microsoft.com/office/drawing/2012/chartStyle" xmlns:ns1="http://schemas.openxmlformats.org/officeDocument/2006/extended-properties" xmlns:vt="http://schemas.openxmlformats.org/officeDocument/2006/docPropsVTypes" xmlns:a16="http://schemas.microsoft.com/office/drawing/2010/main" id="{CE2443D3-E347-4D23-A1ED-2EF14C08C906}"/>
                 </a:ext>
               </a:extLst>
             </p:cNvPr>
@@ -869,7 +872,7 @@
             <p:cNvPr id="10" name="Freeform: Shape 9">
               <a:extLst>
                 <a:ext uri="{724C1C26-55C9-4331-824C-A0F996C53FEA}">
-                  <a16:creationId xmlns:a16="http://schemas.microsoft.com/office/drawing/2010/main" xmlns:vt="http://schemas.openxmlformats.org/officeDocument/2006/docPropsVTypes" xmlns:ns1="http://schemas.openxmlformats.org/officeDocument/2006/extended-properties" xmlns:cs="http://schemas.microsoft.com/office/drawing/2012/chartStyle" xmlns:c="http://schemas.openxmlformats.org/drawingml/2006/chart" xmlns="" id="{80630631-4216-46F4-A7CF-514AB26690FA}"/>
+                  <a16:creationId xmlns="" xmlns:c="http://schemas.openxmlformats.org/drawingml/2006/chart" xmlns:cs="http://schemas.microsoft.com/office/drawing/2012/chartStyle" xmlns:ns1="http://schemas.openxmlformats.org/officeDocument/2006/extended-properties" xmlns:vt="http://schemas.openxmlformats.org/officeDocument/2006/docPropsVTypes" xmlns:a16="http://schemas.microsoft.com/office/drawing/2010/main" id="{80630631-4216-46F4-A7CF-514AB26690FA}"/>
                 </a:ext>
               </a:extLst>
             </p:cNvPr>
@@ -944,7 +947,7 @@
             <p:cNvPr id="11" name="Freeform: Shape 10">
               <a:extLst>
                 <a:ext uri="{7B7971EC-3C58-4610-92DB-D7CD5FF31E96}">
-                  <a16:creationId xmlns:a16="http://schemas.microsoft.com/office/drawing/2010/main" xmlns:vt="http://schemas.openxmlformats.org/officeDocument/2006/docPropsVTypes" xmlns:ns1="http://schemas.openxmlformats.org/officeDocument/2006/extended-properties" xmlns:cs="http://schemas.microsoft.com/office/drawing/2012/chartStyle" xmlns:c="http://schemas.openxmlformats.org/drawingml/2006/chart" xmlns="" id="{6B6A7B79-C92E-47EB-BE00-25DFC2627CFC}"/>
+                  <a16:creationId xmlns="" xmlns:c="http://schemas.openxmlformats.org/drawingml/2006/chart" xmlns:cs="http://schemas.microsoft.com/office/drawing/2012/chartStyle" xmlns:ns1="http://schemas.openxmlformats.org/officeDocument/2006/extended-properties" xmlns:vt="http://schemas.openxmlformats.org/officeDocument/2006/docPropsVTypes" xmlns:a16="http://schemas.microsoft.com/office/drawing/2010/main" id="{6B6A7B79-C92E-47EB-BE00-25DFC2627CFC}"/>
                 </a:ext>
               </a:extLst>
             </p:cNvPr>
@@ -1025,7 +1028,7 @@
             <p:cNvPr id="12" name="Freeform: Shape 11">
               <a:extLst>
                 <a:ext uri="{984C5E53-9425-40BE-9071-6BEB33F75C22}">
-                  <a16:creationId xmlns:a16="http://schemas.microsoft.com/office/drawing/2010/main" xmlns:vt="http://schemas.openxmlformats.org/officeDocument/2006/docPropsVTypes" xmlns:ns1="http://schemas.openxmlformats.org/officeDocument/2006/extended-properties" xmlns:cs="http://schemas.microsoft.com/office/drawing/2012/chartStyle" xmlns:c="http://schemas.openxmlformats.org/drawingml/2006/chart" xmlns="" id="{C2AFB9F0-FA3A-479F-A92B-700B907A2455}"/>
+                  <a16:creationId xmlns="" xmlns:c="http://schemas.openxmlformats.org/drawingml/2006/chart" xmlns:cs="http://schemas.microsoft.com/office/drawing/2012/chartStyle" xmlns:ns1="http://schemas.openxmlformats.org/officeDocument/2006/extended-properties" xmlns:vt="http://schemas.openxmlformats.org/officeDocument/2006/docPropsVTypes" xmlns:a16="http://schemas.microsoft.com/office/drawing/2010/main" id="{C2AFB9F0-FA3A-479F-A92B-700B907A2455}"/>
                 </a:ext>
               </a:extLst>
             </p:cNvPr>
@@ -1100,7 +1103,7 @@
             <p:cNvPr id="13" name="Freeform: Shape 12">
               <a:extLst>
                 <a:ext uri="{3CC9F7CD-1606-4895-B346-E403184D4C05}">
-                  <a16:creationId xmlns:a16="http://schemas.microsoft.com/office/drawing/2010/main" xmlns:vt="http://schemas.openxmlformats.org/officeDocument/2006/docPropsVTypes" xmlns:ns1="http://schemas.openxmlformats.org/officeDocument/2006/extended-properties" xmlns:cs="http://schemas.microsoft.com/office/drawing/2012/chartStyle" xmlns:c="http://schemas.openxmlformats.org/drawingml/2006/chart" xmlns="" id="{5751DB6A-940F-46E8-B0F0-C614B5CBA1B7}"/>
+                  <a16:creationId xmlns="" xmlns:c="http://schemas.openxmlformats.org/drawingml/2006/chart" xmlns:cs="http://schemas.microsoft.com/office/drawing/2012/chartStyle" xmlns:ns1="http://schemas.openxmlformats.org/officeDocument/2006/extended-properties" xmlns:vt="http://schemas.openxmlformats.org/officeDocument/2006/docPropsVTypes" xmlns:a16="http://schemas.microsoft.com/office/drawing/2010/main" id="{5751DB6A-940F-46E8-B0F0-C614B5CBA1B7}"/>
                 </a:ext>
               </a:extLst>
             </p:cNvPr>
@@ -1177,7 +1180,7 @@
             <p:cNvPr id="14" name="Freeform: Shape 13">
               <a:extLst>
                 <a:ext uri="{2A86A6A7-A276-4088-B0C7-BF4533C88B14}">
-                  <a16:creationId xmlns:a16="http://schemas.microsoft.com/office/drawing/2010/main" xmlns:vt="http://schemas.openxmlformats.org/officeDocument/2006/docPropsVTypes" xmlns:ns1="http://schemas.openxmlformats.org/officeDocument/2006/extended-properties" xmlns:cs="http://schemas.microsoft.com/office/drawing/2012/chartStyle" xmlns:c="http://schemas.openxmlformats.org/drawingml/2006/chart" xmlns="" id="{7EAAE9E4-1041-45C7-A8BB-E674CCD14D5C}"/>
+                  <a16:creationId xmlns="" xmlns:c="http://schemas.openxmlformats.org/drawingml/2006/chart" xmlns:cs="http://schemas.microsoft.com/office/drawing/2012/chartStyle" xmlns:ns1="http://schemas.openxmlformats.org/officeDocument/2006/extended-properties" xmlns:vt="http://schemas.openxmlformats.org/officeDocument/2006/docPropsVTypes" xmlns:a16="http://schemas.microsoft.com/office/drawing/2010/main" id="{7EAAE9E4-1041-45C7-A8BB-E674CCD14D5C}"/>
                 </a:ext>
               </a:extLst>
             </p:cNvPr>
@@ -1252,7 +1255,7 @@
             <p:cNvPr id="15" name="Freeform: Shape 14">
               <a:extLst>
                 <a:ext uri="{FD383C68-2129-4B92-8542-BA8AC878C22D}">
-                  <a16:creationId xmlns:a16="http://schemas.microsoft.com/office/drawing/2010/main" xmlns:vt="http://schemas.openxmlformats.org/officeDocument/2006/docPropsVTypes" xmlns:ns1="http://schemas.openxmlformats.org/officeDocument/2006/extended-properties" xmlns:cs="http://schemas.microsoft.com/office/drawing/2012/chartStyle" xmlns:c="http://schemas.openxmlformats.org/drawingml/2006/chart" xmlns="" id="{F681A7CC-87EF-4AF6-B496-67B8345183E2}"/>
+                  <a16:creationId xmlns="" xmlns:c="http://schemas.openxmlformats.org/drawingml/2006/chart" xmlns:cs="http://schemas.microsoft.com/office/drawing/2012/chartStyle" xmlns:ns1="http://schemas.openxmlformats.org/officeDocument/2006/extended-properties" xmlns:vt="http://schemas.openxmlformats.org/officeDocument/2006/docPropsVTypes" xmlns:a16="http://schemas.microsoft.com/office/drawing/2010/main" id="{F681A7CC-87EF-4AF6-B496-67B8345183E2}"/>
                 </a:ext>
               </a:extLst>
             </p:cNvPr>
@@ -1327,7 +1330,7 @@
             <p:cNvPr id="16" name="Freeform: Shape 15">
               <a:extLst>
                 <a:ext uri="{D6A14BFE-DE7D-4746-9B92-C92A6350DB9D}">
-                  <a16:creationId xmlns:a16="http://schemas.microsoft.com/office/drawing/2010/main" xmlns:vt="http://schemas.openxmlformats.org/officeDocument/2006/docPropsVTypes" xmlns:ns1="http://schemas.openxmlformats.org/officeDocument/2006/extended-properties" xmlns:cs="http://schemas.microsoft.com/office/drawing/2012/chartStyle" xmlns:c="http://schemas.openxmlformats.org/drawingml/2006/chart" xmlns="" id="{8046300C-050C-496D-BF81-B65687722192}"/>
+                  <a16:creationId xmlns="" xmlns:c="http://schemas.openxmlformats.org/drawingml/2006/chart" xmlns:cs="http://schemas.microsoft.com/office/drawing/2012/chartStyle" xmlns:ns1="http://schemas.openxmlformats.org/officeDocument/2006/extended-properties" xmlns:vt="http://schemas.openxmlformats.org/officeDocument/2006/docPropsVTypes" xmlns:a16="http://schemas.microsoft.com/office/drawing/2010/main" id="{8046300C-050C-496D-BF81-B65687722192}"/>
                 </a:ext>
               </a:extLst>
             </p:cNvPr>
@@ -1402,7 +1405,7 @@
             <p:cNvPr id="17" name="Freeform: Shape 16">
               <a:extLst>
                 <a:ext uri="{CA980A6B-F965-4045-861A-69BD8BDA6AAC}">
-                  <a16:creationId xmlns:a16="http://schemas.microsoft.com/office/drawing/2010/main" xmlns:vt="http://schemas.openxmlformats.org/officeDocument/2006/docPropsVTypes" xmlns:ns1="http://schemas.openxmlformats.org/officeDocument/2006/extended-properties" xmlns:cs="http://schemas.microsoft.com/office/drawing/2012/chartStyle" xmlns:c="http://schemas.openxmlformats.org/drawingml/2006/chart" xmlns="" id="{E77A833B-09D5-43A6-B8B5-9AE8A0377D02}"/>
+                  <a16:creationId xmlns="" xmlns:c="http://schemas.openxmlformats.org/drawingml/2006/chart" xmlns:cs="http://schemas.microsoft.com/office/drawing/2012/chartStyle" xmlns:ns1="http://schemas.openxmlformats.org/officeDocument/2006/extended-properties" xmlns:vt="http://schemas.openxmlformats.org/officeDocument/2006/docPropsVTypes" xmlns:a16="http://schemas.microsoft.com/office/drawing/2010/main" id="{E77A833B-09D5-43A6-B8B5-9AE8A0377D02}"/>
                 </a:ext>
               </a:extLst>
             </p:cNvPr>
@@ -1477,7 +1480,7 @@
             <p:cNvPr id="18" name="Freeform: Shape 17">
               <a:extLst>
                 <a:ext uri="{979F923E-5BD1-4431-9838-255EDF444783}">
-                  <a16:creationId xmlns:a16="http://schemas.microsoft.com/office/drawing/2010/main" xmlns:vt="http://schemas.openxmlformats.org/officeDocument/2006/docPropsVTypes" xmlns:ns1="http://schemas.openxmlformats.org/officeDocument/2006/extended-properties" xmlns:cs="http://schemas.microsoft.com/office/drawing/2012/chartStyle" xmlns:c="http://schemas.openxmlformats.org/drawingml/2006/chart" xmlns="" id="{B6FB2A4A-590E-429C-90DF-681E1453F8F3}"/>
+                  <a16:creationId xmlns="" xmlns:c="http://schemas.openxmlformats.org/drawingml/2006/chart" xmlns:cs="http://schemas.microsoft.com/office/drawing/2012/chartStyle" xmlns:ns1="http://schemas.openxmlformats.org/officeDocument/2006/extended-properties" xmlns:vt="http://schemas.openxmlformats.org/officeDocument/2006/docPropsVTypes" xmlns:a16="http://schemas.microsoft.com/office/drawing/2010/main" id="{B6FB2A4A-590E-429C-90DF-681E1453F8F3}"/>
                 </a:ext>
               </a:extLst>
             </p:cNvPr>
@@ -1553,7 +1556,7 @@
           <p:cNvPr id="19" name="Freeform: Shape 18">
             <a:extLst>
               <a:ext uri="{FEA596EA-3B5B-42B0-8610-0EA1E2C71D51}">
-                <a16:creationId xmlns:a16="http://schemas.microsoft.com/office/drawing/2010/main" xmlns:vt="http://schemas.openxmlformats.org/officeDocument/2006/docPropsVTypes" xmlns:ns1="http://schemas.openxmlformats.org/officeDocument/2006/extended-properties" xmlns:cs="http://schemas.microsoft.com/office/drawing/2012/chartStyle" xmlns:c="http://schemas.openxmlformats.org/drawingml/2006/chart" xmlns="" id="{0E407ECB-C890-491D-960E-1C31C0844AE0}"/>
+                <a16:creationId xmlns="" xmlns:c="http://schemas.openxmlformats.org/drawingml/2006/chart" xmlns:cs="http://schemas.microsoft.com/office/drawing/2012/chartStyle" xmlns:ns1="http://schemas.openxmlformats.org/officeDocument/2006/extended-properties" xmlns:vt="http://schemas.openxmlformats.org/officeDocument/2006/docPropsVTypes" xmlns:a16="http://schemas.microsoft.com/office/drawing/2010/main" id="{0E407ECB-C890-491D-960E-1C31C0844AE0}"/>
               </a:ext>
             </a:extLst>
           </p:cNvPr>
@@ -1627,7 +1630,7 @@
           <p:cNvPr id="20" name="Freeform: Shape 19">
             <a:extLst>
               <a:ext uri="{7E05D070-7872-4D8A-8CE4-A467DB550BBA}">
-                <a16:creationId xmlns:a16="http://schemas.microsoft.com/office/drawing/2010/main" xmlns:vt="http://schemas.openxmlformats.org/officeDocument/2006/docPropsVTypes" xmlns:ns1="http://schemas.openxmlformats.org/officeDocument/2006/extended-properties" xmlns:cs="http://schemas.microsoft.com/office/drawing/2012/chartStyle" xmlns:c="http://schemas.openxmlformats.org/drawingml/2006/chart" xmlns="" id="{8BBFB0E7-D829-4AAB-9922-192935B3F5F7}"/>
+                <a16:creationId xmlns="" xmlns:c="http://schemas.openxmlformats.org/drawingml/2006/chart" xmlns:cs="http://schemas.microsoft.com/office/drawing/2012/chartStyle" xmlns:ns1="http://schemas.openxmlformats.org/officeDocument/2006/extended-properties" xmlns:vt="http://schemas.openxmlformats.org/officeDocument/2006/docPropsVTypes" xmlns:a16="http://schemas.microsoft.com/office/drawing/2010/main" id="{8BBFB0E7-D829-4AAB-9922-192935B3F5F7}"/>
               </a:ext>
             </a:extLst>
           </p:cNvPr>
@@ -1701,7 +1704,7 @@
           <p:cNvPr id="21" name="Freeform: Shape 20">
             <a:extLst>
               <a:ext uri="{370B6EAF-B750-43C6-9E47-643BE241852C}">
-                <a16:creationId xmlns:a16="http://schemas.microsoft.com/office/drawing/2010/main" xmlns:vt="http://schemas.openxmlformats.org/officeDocument/2006/docPropsVTypes" xmlns:ns1="http://schemas.openxmlformats.org/officeDocument/2006/extended-properties" xmlns:cs="http://schemas.microsoft.com/office/drawing/2012/chartStyle" xmlns:c="http://schemas.openxmlformats.org/drawingml/2006/chart" xmlns="" id="{67AB7BC0-C156-4635-9C4E-566733D77682}"/>
+                <a16:creationId xmlns="" xmlns:c="http://schemas.openxmlformats.org/drawingml/2006/chart" xmlns:cs="http://schemas.microsoft.com/office/drawing/2012/chartStyle" xmlns:ns1="http://schemas.openxmlformats.org/officeDocument/2006/extended-properties" xmlns:vt="http://schemas.openxmlformats.org/officeDocument/2006/docPropsVTypes" xmlns:a16="http://schemas.microsoft.com/office/drawing/2010/main" id="{67AB7BC0-C156-4635-9C4E-566733D77682}"/>
               </a:ext>
             </a:extLst>
           </p:cNvPr>
@@ -1775,7 +1778,7 @@
           <p:cNvPr id="22" name="Freeform: Shape 21">
             <a:extLst>
               <a:ext uri="{34A2305C-E15F-453E-B13D-2E1034E9F78D}">
-                <a16:creationId xmlns:a16="http://schemas.microsoft.com/office/drawing/2010/main" xmlns:vt="http://schemas.openxmlformats.org/officeDocument/2006/docPropsVTypes" xmlns:ns1="http://schemas.openxmlformats.org/officeDocument/2006/extended-properties" xmlns:cs="http://schemas.microsoft.com/office/drawing/2012/chartStyle" xmlns:c="http://schemas.openxmlformats.org/drawingml/2006/chart" xmlns="" id="{CEC0A1DF-6CED-44B8-8F69-810711088A4A}"/>
+                <a16:creationId xmlns="" xmlns:c="http://schemas.openxmlformats.org/drawingml/2006/chart" xmlns:cs="http://schemas.microsoft.com/office/drawing/2012/chartStyle" xmlns:ns1="http://schemas.openxmlformats.org/officeDocument/2006/extended-properties" xmlns:vt="http://schemas.openxmlformats.org/officeDocument/2006/docPropsVTypes" xmlns:a16="http://schemas.microsoft.com/office/drawing/2010/main" id="{CEC0A1DF-6CED-44B8-8F69-810711088A4A}"/>
               </a:ext>
             </a:extLst>
           </p:cNvPr>
@@ -1849,7 +1852,7 @@
           <p:cNvPr id="23" name="Freeform: Shape 22">
             <a:extLst>
               <a:ext uri="{9357DCFD-3A05-4992-BA58-95D8CFC602C1}">
-                <a16:creationId xmlns:a16="http://schemas.microsoft.com/office/drawing/2010/main" xmlns:vt="http://schemas.openxmlformats.org/officeDocument/2006/docPropsVTypes" xmlns:ns1="http://schemas.openxmlformats.org/officeDocument/2006/extended-properties" xmlns:cs="http://schemas.microsoft.com/office/drawing/2012/chartStyle" xmlns:c="http://schemas.openxmlformats.org/drawingml/2006/chart" xmlns="" id="{7818115A-4E35-4DFC-81F7-367B016928CB}"/>
+                <a16:creationId xmlns="" xmlns:c="http://schemas.openxmlformats.org/drawingml/2006/chart" xmlns:cs="http://schemas.microsoft.com/office/drawing/2012/chartStyle" xmlns:ns1="http://schemas.openxmlformats.org/officeDocument/2006/extended-properties" xmlns:vt="http://schemas.openxmlformats.org/officeDocument/2006/docPropsVTypes" xmlns:a16="http://schemas.microsoft.com/office/drawing/2010/main" id="{7818115A-4E35-4DFC-81F7-367B016928CB}"/>
               </a:ext>
             </a:extLst>
           </p:cNvPr>
@@ -1923,7 +1926,7 @@
           <p:cNvPr id="24" name="Freeform: Shape 23">
             <a:extLst>
               <a:ext uri="{25CCE821-B2FC-4364-94F8-A08A3B931C1E}">
-                <a16:creationId xmlns:a16="http://schemas.microsoft.com/office/drawing/2010/main" xmlns:vt="http://schemas.openxmlformats.org/officeDocument/2006/docPropsVTypes" xmlns:ns1="http://schemas.openxmlformats.org/officeDocument/2006/extended-properties" xmlns:cs="http://schemas.microsoft.com/office/drawing/2012/chartStyle" xmlns:c="http://schemas.openxmlformats.org/drawingml/2006/chart" xmlns="" id="{31C50284-A5CD-400D-A071-9531A773F3B7}"/>
+                <a16:creationId xmlns="" xmlns:c="http://schemas.openxmlformats.org/drawingml/2006/chart" xmlns:cs="http://schemas.microsoft.com/office/drawing/2012/chartStyle" xmlns:ns1="http://schemas.openxmlformats.org/officeDocument/2006/extended-properties" xmlns:vt="http://schemas.openxmlformats.org/officeDocument/2006/docPropsVTypes" xmlns:a16="http://schemas.microsoft.com/office/drawing/2010/main" id="{31C50284-A5CD-400D-A071-9531A773F3B7}"/>
               </a:ext>
             </a:extLst>
           </p:cNvPr>
@@ -1997,7 +2000,7 @@
           <p:cNvPr id="25" name="Freeform: Shape 24">
             <a:extLst>
               <a:ext uri="{01A64BAE-119C-4B46-8DB7-5537C29B9377}">
-                <a16:creationId xmlns:a16="http://schemas.microsoft.com/office/drawing/2010/main" xmlns:vt="http://schemas.openxmlformats.org/officeDocument/2006/docPropsVTypes" xmlns:ns1="http://schemas.openxmlformats.org/officeDocument/2006/extended-properties" xmlns:cs="http://schemas.microsoft.com/office/drawing/2012/chartStyle" xmlns:c="http://schemas.openxmlformats.org/drawingml/2006/chart" xmlns="" id="{8C353F6E-FD86-4998-BD09-7109994012EC}"/>
+                <a16:creationId xmlns="" xmlns:c="http://schemas.openxmlformats.org/drawingml/2006/chart" xmlns:cs="http://schemas.microsoft.com/office/drawing/2012/chartStyle" xmlns:ns1="http://schemas.openxmlformats.org/officeDocument/2006/extended-properties" xmlns:vt="http://schemas.openxmlformats.org/officeDocument/2006/docPropsVTypes" xmlns:a16="http://schemas.microsoft.com/office/drawing/2010/main" id="{8C353F6E-FD86-4998-BD09-7109994012EC}"/>
               </a:ext>
             </a:extLst>
           </p:cNvPr>
@@ -2071,7 +2074,7 @@
           <p:cNvPr id="26" name="Freeform: Shape 25">
             <a:extLst>
               <a:ext uri="{F78E01A8-786D-434E-A05E-AF4BFA0DC561}">
-                <a16:creationId xmlns:a16="http://schemas.microsoft.com/office/drawing/2010/main" xmlns:vt="http://schemas.openxmlformats.org/officeDocument/2006/docPropsVTypes" xmlns:ns1="http://schemas.openxmlformats.org/officeDocument/2006/extended-properties" xmlns:cs="http://schemas.microsoft.com/office/drawing/2012/chartStyle" xmlns:c="http://schemas.openxmlformats.org/drawingml/2006/chart" xmlns="" id="{373C4882-36B7-4A90-AECB-CF262F2B4761}"/>
+                <a16:creationId xmlns="" xmlns:c="http://schemas.openxmlformats.org/drawingml/2006/chart" xmlns:cs="http://schemas.microsoft.com/office/drawing/2012/chartStyle" xmlns:ns1="http://schemas.openxmlformats.org/officeDocument/2006/extended-properties" xmlns:vt="http://schemas.openxmlformats.org/officeDocument/2006/docPropsVTypes" xmlns:a16="http://schemas.microsoft.com/office/drawing/2010/main" id="{373C4882-36B7-4A90-AECB-CF262F2B4761}"/>
               </a:ext>
             </a:extLst>
           </p:cNvPr>
@@ -2145,7 +2148,7 @@
           <p:cNvPr id="27" name="Freeform: Shape 26">
             <a:extLst>
               <a:ext uri="{F3B1FDFD-1875-4448-AE37-139A4D99ADFB}">
-                <a16:creationId xmlns:a16="http://schemas.microsoft.com/office/drawing/2010/main" xmlns:vt="http://schemas.openxmlformats.org/officeDocument/2006/docPropsVTypes" xmlns:ns1="http://schemas.openxmlformats.org/officeDocument/2006/extended-properties" xmlns:cs="http://schemas.microsoft.com/office/drawing/2012/chartStyle" xmlns:c="http://schemas.openxmlformats.org/drawingml/2006/chart" xmlns="" id="{B3317B16-FBBE-4AF7-A47F-E41AE6CF0B56}"/>
+                <a16:creationId xmlns="" xmlns:c="http://schemas.openxmlformats.org/drawingml/2006/chart" xmlns:cs="http://schemas.microsoft.com/office/drawing/2012/chartStyle" xmlns:ns1="http://schemas.openxmlformats.org/officeDocument/2006/extended-properties" xmlns:vt="http://schemas.openxmlformats.org/officeDocument/2006/docPropsVTypes" xmlns:a16="http://schemas.microsoft.com/office/drawing/2010/main" id="{B3317B16-FBBE-4AF7-A47F-E41AE6CF0B56}"/>
               </a:ext>
             </a:extLst>
           </p:cNvPr>
@@ -2219,7 +2222,7 @@
           <p:cNvPr id="28" name="Freeform: Shape 27">
             <a:extLst>
               <a:ext uri="{368C9CCC-51B1-4839-9ED8-A3E5C688D490}">
-                <a16:creationId xmlns:a16="http://schemas.microsoft.com/office/drawing/2010/main" xmlns:vt="http://schemas.openxmlformats.org/officeDocument/2006/docPropsVTypes" xmlns:ns1="http://schemas.openxmlformats.org/officeDocument/2006/extended-properties" xmlns:cs="http://schemas.microsoft.com/office/drawing/2012/chartStyle" xmlns:c="http://schemas.openxmlformats.org/drawingml/2006/chart" xmlns="" id="{36CAF962-B12F-4A26-86B6-E514BB21DCFC}"/>
+                <a16:creationId xmlns="" xmlns:c="http://schemas.openxmlformats.org/drawingml/2006/chart" xmlns:cs="http://schemas.microsoft.com/office/drawing/2012/chartStyle" xmlns:ns1="http://schemas.openxmlformats.org/officeDocument/2006/extended-properties" xmlns:vt="http://schemas.openxmlformats.org/officeDocument/2006/docPropsVTypes" xmlns:a16="http://schemas.microsoft.com/office/drawing/2010/main" id="{36CAF962-B12F-4A26-86B6-E514BB21DCFC}"/>
               </a:ext>
             </a:extLst>
           </p:cNvPr>
@@ -2293,7 +2296,7 @@
           <p:cNvPr id="29" name="Freeform: Shape 28">
             <a:extLst>
               <a:ext uri="{BEC78CF5-0B69-420B-A284-9A38B241D2A0}">
-                <a16:creationId xmlns:a16="http://schemas.microsoft.com/office/drawing/2010/main" xmlns:vt="http://schemas.openxmlformats.org/officeDocument/2006/docPropsVTypes" xmlns:ns1="http://schemas.openxmlformats.org/officeDocument/2006/extended-properties" xmlns:cs="http://schemas.microsoft.com/office/drawing/2012/chartStyle" xmlns:c="http://schemas.openxmlformats.org/drawingml/2006/chart" xmlns="" id="{938A7874-920C-4FFA-9986-36615905EC3A}"/>
+                <a16:creationId xmlns="" xmlns:c="http://schemas.openxmlformats.org/drawingml/2006/chart" xmlns:cs="http://schemas.microsoft.com/office/drawing/2012/chartStyle" xmlns:ns1="http://schemas.openxmlformats.org/officeDocument/2006/extended-properties" xmlns:vt="http://schemas.openxmlformats.org/officeDocument/2006/docPropsVTypes" xmlns:a16="http://schemas.microsoft.com/office/drawing/2010/main" id="{938A7874-920C-4FFA-9986-36615905EC3A}"/>
               </a:ext>
             </a:extLst>
           </p:cNvPr>
@@ -2367,7 +2370,7 @@
           <p:cNvPr id="30" name="Freeform: Shape 29">
             <a:extLst>
               <a:ext uri="{72FBDDF8-BD97-4D83-9A90-931A26BA0DF7}">
-                <a16:creationId xmlns:a16="http://schemas.microsoft.com/office/drawing/2010/main" xmlns:vt="http://schemas.openxmlformats.org/officeDocument/2006/docPropsVTypes" xmlns:ns1="http://schemas.openxmlformats.org/officeDocument/2006/extended-properties" xmlns:cs="http://schemas.microsoft.com/office/drawing/2012/chartStyle" xmlns:c="http://schemas.openxmlformats.org/drawingml/2006/chart" xmlns="" id="{7754BD57-50C8-4ABA-90A0-410B59E6FAD4}"/>
+                <a16:creationId xmlns="" xmlns:c="http://schemas.openxmlformats.org/drawingml/2006/chart" xmlns:cs="http://schemas.microsoft.com/office/drawing/2012/chartStyle" xmlns:ns1="http://schemas.openxmlformats.org/officeDocument/2006/extended-properties" xmlns:vt="http://schemas.openxmlformats.org/officeDocument/2006/docPropsVTypes" xmlns:a16="http://schemas.microsoft.com/office/drawing/2010/main" id="{7754BD57-50C8-4ABA-90A0-410B59E6FAD4}"/>
               </a:ext>
             </a:extLst>
           </p:cNvPr>
@@ -2441,7 +2444,7 @@
           <p:cNvPr id="31" name="Freeform: Shape 30">
             <a:extLst>
               <a:ext uri="{07339C62-F6E6-4106-85F2-B3C49E042D14}">
-                <a16:creationId xmlns:a16="http://schemas.microsoft.com/office/drawing/2010/main" xmlns:vt="http://schemas.openxmlformats.org/officeDocument/2006/docPropsVTypes" xmlns:ns1="http://schemas.openxmlformats.org/officeDocument/2006/extended-properties" xmlns:cs="http://schemas.microsoft.com/office/drawing/2012/chartStyle" xmlns:c="http://schemas.openxmlformats.org/drawingml/2006/chart" xmlns="" id="{C660E377-CEF9-442E-8FF0-B51C94DA78FD}"/>
+                <a16:creationId xmlns="" xmlns:c="http://schemas.openxmlformats.org/drawingml/2006/chart" xmlns:cs="http://schemas.microsoft.com/office/drawing/2012/chartStyle" xmlns:ns1="http://schemas.openxmlformats.org/officeDocument/2006/extended-properties" xmlns:vt="http://schemas.openxmlformats.org/officeDocument/2006/docPropsVTypes" xmlns:a16="http://schemas.microsoft.com/office/drawing/2010/main" id="{C660E377-CEF9-442E-8FF0-B51C94DA78FD}"/>
               </a:ext>
             </a:extLst>
           </p:cNvPr>
@@ -2513,7 +2516,7 @@
     </p:spTree>
     <p:extLst>
       <p:ext uri="{9290DA7C-F38C-4640-98B4-124957F8E463}">
-        <p14:creationId xmlns:p14="http://schemas.microsoft.com/office/powerpoint/2010/main" xmlns:vt="http://schemas.openxmlformats.org/officeDocument/2006/docPropsVTypes" xmlns:ns1="http://schemas.openxmlformats.org/officeDocument/2006/extended-properties" xmlns:cs="http://schemas.microsoft.com/office/drawing/2012/chartStyle" xmlns:c="http://schemas.openxmlformats.org/drawingml/2006/chart" xmlns="" val="1753295003049"/>
+        <p14:creationId xmlns="" xmlns:c="http://schemas.openxmlformats.org/drawingml/2006/chart" xmlns:cs="http://schemas.microsoft.com/office/drawing/2012/chartStyle" xmlns:ns1="http://schemas.openxmlformats.org/officeDocument/2006/extended-properties" xmlns:vt="http://schemas.openxmlformats.org/officeDocument/2006/docPropsVTypes" xmlns:p14="http://schemas.microsoft.com/office/powerpoint/2010/main" val="1753295003049"/>
       </p:ext>
     </p:extLst>
   </p:cSld>
@@ -2545,7 +2548,7 @@
           <p:cNvPr id="2" name="Isosceles Triangle 1">
             <a:extLst>
               <a:ext uri="{EF2D107F-46F9-427C-BE70-BC20B9E5B212}">
-                <a16:creationId xmlns:a16="http://schemas.microsoft.com/office/drawing/2010/main" xmlns:vt="http://schemas.openxmlformats.org/officeDocument/2006/docPropsVTypes" xmlns:ns1="http://schemas.openxmlformats.org/officeDocument/2006/extended-properties" xmlns:cs="http://schemas.microsoft.com/office/drawing/2012/chartStyle" xmlns:c="http://schemas.openxmlformats.org/drawingml/2006/chart" xmlns="" id="{F0EAF2AD-2AC9-4951-B888-EAC5198D6F0D}"/>
+                <a16:creationId xmlns="" xmlns:c="http://schemas.openxmlformats.org/drawingml/2006/chart" xmlns:cs="http://schemas.microsoft.com/office/drawing/2012/chartStyle" xmlns:ns1="http://schemas.openxmlformats.org/officeDocument/2006/extended-properties" xmlns:vt="http://schemas.openxmlformats.org/officeDocument/2006/docPropsVTypes" xmlns:a16="http://schemas.microsoft.com/office/drawing/2010/main" id="{F0EAF2AD-2AC9-4951-B888-EAC5198D6F0D}"/>
               </a:ext>
             </a:extLst>
           </p:cNvPr>
@@ -2603,7 +2606,7 @@
           <p:cNvPr id="3" name="Freeform: Shape 2">
             <a:extLst>
               <a:ext uri="{246272FF-8742-49BA-A092-AEC9B8A77A36}">
-                <a16:creationId xmlns:a16="http://schemas.microsoft.com/office/drawing/2010/main" xmlns:vt="http://schemas.openxmlformats.org/officeDocument/2006/docPropsVTypes" xmlns:ns1="http://schemas.openxmlformats.org/officeDocument/2006/extended-properties" xmlns:cs="http://schemas.microsoft.com/office/drawing/2012/chartStyle" xmlns:c="http://schemas.openxmlformats.org/drawingml/2006/chart" xmlns="" id="{84501415-D9E9-4C30-B0FA-F1C4E76DCF9A}"/>
+                <a16:creationId xmlns="" xmlns:c="http://schemas.openxmlformats.org/drawingml/2006/chart" xmlns:cs="http://schemas.microsoft.com/office/drawing/2012/chartStyle" xmlns:ns1="http://schemas.openxmlformats.org/officeDocument/2006/extended-properties" xmlns:vt="http://schemas.openxmlformats.org/officeDocument/2006/docPropsVTypes" xmlns:a16="http://schemas.microsoft.com/office/drawing/2010/main" id="{84501415-D9E9-4C30-B0FA-F1C4E76DCF9A}"/>
               </a:ext>
             </a:extLst>
           </p:cNvPr>
@@ -2677,7 +2680,7 @@
           <p:cNvPr id="4" name="Title 1">
             <a:extLst>
               <a:ext uri="{02D4AB8B-7F14-4ACC-B9F1-B6512D982973}">
-                <a16:creationId xmlns:a16="http://schemas.microsoft.com/office/drawing/2010/main" xmlns:vt="http://schemas.openxmlformats.org/officeDocument/2006/docPropsVTypes" xmlns:ns1="http://schemas.openxmlformats.org/officeDocument/2006/extended-properties" xmlns:cs="http://schemas.microsoft.com/office/drawing/2012/chartStyle" xmlns:c="http://schemas.openxmlformats.org/drawingml/2006/chart" xmlns="" id="{5BB4720D-9002-4418-B3A8-EA9734E5BE1D}"/>
+                <a16:creationId xmlns="" xmlns:c="http://schemas.openxmlformats.org/drawingml/2006/chart" xmlns:cs="http://schemas.microsoft.com/office/drawing/2012/chartStyle" xmlns:ns1="http://schemas.openxmlformats.org/officeDocument/2006/extended-properties" xmlns:vt="http://schemas.openxmlformats.org/officeDocument/2006/docPropsVTypes" xmlns:a16="http://schemas.microsoft.com/office/drawing/2010/main" id="{5BB4720D-9002-4418-B3A8-EA9734E5BE1D}"/>
               </a:ext>
             </a:extLst>
           </p:cNvPr>
@@ -2712,7 +2715,7 @@
           <p:cNvPr id="5" name="Content Placeholder 2">
             <a:extLst>
               <a:ext uri="{D287C9EE-C817-4705-BE1A-1BA42BADBC7B}">
-                <a16:creationId xmlns:a16="http://schemas.microsoft.com/office/drawing/2010/main" xmlns:vt="http://schemas.openxmlformats.org/officeDocument/2006/docPropsVTypes" xmlns:ns1="http://schemas.openxmlformats.org/officeDocument/2006/extended-properties" xmlns:cs="http://schemas.microsoft.com/office/drawing/2012/chartStyle" xmlns:c="http://schemas.openxmlformats.org/drawingml/2006/chart" xmlns="" id="{DFD4CC7F-79C2-4143-BC8C-251B59AEA1BA}"/>
+                <a16:creationId xmlns="" xmlns:c="http://schemas.openxmlformats.org/drawingml/2006/chart" xmlns:cs="http://schemas.microsoft.com/office/drawing/2012/chartStyle" xmlns:ns1="http://schemas.openxmlformats.org/officeDocument/2006/extended-properties" xmlns:vt="http://schemas.openxmlformats.org/officeDocument/2006/docPropsVTypes" xmlns:a16="http://schemas.microsoft.com/office/drawing/2010/main" id="{DFD4CC7F-79C2-4143-BC8C-251B59AEA1BA}"/>
               </a:ext>
             </a:extLst>
           </p:cNvPr>
@@ -2760,7 +2763,7 @@
           <p:cNvPr id="6" name="Content Placeholder 2">
             <a:extLst>
               <a:ext uri="{456C571C-EBA8-4DB6-B889-E832660DC336}">
-                <a16:creationId xmlns:a16="http://schemas.microsoft.com/office/drawing/2010/main" xmlns:vt="http://schemas.openxmlformats.org/officeDocument/2006/docPropsVTypes" xmlns:ns1="http://schemas.openxmlformats.org/officeDocument/2006/extended-properties" xmlns:cs="http://schemas.microsoft.com/office/drawing/2012/chartStyle" xmlns:c="http://schemas.openxmlformats.org/drawingml/2006/chart" xmlns="" id="{61D218F0-1800-4D5E-8564-DB2AFE4BBB72}"/>
+                <a16:creationId xmlns="" xmlns:c="http://schemas.openxmlformats.org/drawingml/2006/chart" xmlns:cs="http://schemas.microsoft.com/office/drawing/2012/chartStyle" xmlns:ns1="http://schemas.openxmlformats.org/officeDocument/2006/extended-properties" xmlns:vt="http://schemas.openxmlformats.org/officeDocument/2006/docPropsVTypes" xmlns:a16="http://schemas.microsoft.com/office/drawing/2010/main" id="{61D218F0-1800-4D5E-8564-DB2AFE4BBB72}"/>
               </a:ext>
             </a:extLst>
           </p:cNvPr>
@@ -2808,7 +2811,7 @@
           <p:cNvPr id="7" name="Content Placeholder 2">
             <a:extLst>
               <a:ext uri="{0448DAEB-5592-4AB6-971E-8B6D31C97B3D}">
-                <a16:creationId xmlns:a16="http://schemas.microsoft.com/office/drawing/2010/main" xmlns:vt="http://schemas.openxmlformats.org/officeDocument/2006/docPropsVTypes" xmlns:ns1="http://schemas.openxmlformats.org/officeDocument/2006/extended-properties" xmlns:cs="http://schemas.microsoft.com/office/drawing/2012/chartStyle" xmlns:c="http://schemas.openxmlformats.org/drawingml/2006/chart" xmlns="" id="{D1F06B0D-B92D-4C7D-A6A0-10A4990712F8}"/>
+                <a16:creationId xmlns="" xmlns:c="http://schemas.openxmlformats.org/drawingml/2006/chart" xmlns:cs="http://schemas.microsoft.com/office/drawing/2012/chartStyle" xmlns:ns1="http://schemas.openxmlformats.org/officeDocument/2006/extended-properties" xmlns:vt="http://schemas.openxmlformats.org/officeDocument/2006/docPropsVTypes" xmlns:a16="http://schemas.microsoft.com/office/drawing/2010/main" id="{D1F06B0D-B92D-4C7D-A6A0-10A4990712F8}"/>
               </a:ext>
             </a:extLst>
           </p:cNvPr>
@@ -2856,7 +2859,7 @@
           <p:cNvPr id="8" name="Slide Number Placeholder 4">
             <a:extLst>
               <a:ext uri="{AE430757-BE0F-455E-BEFD-0EBC3C6C8944}">
-                <a16:creationId xmlns:a16="http://schemas.microsoft.com/office/drawing/2010/main" xmlns:vt="http://schemas.openxmlformats.org/officeDocument/2006/docPropsVTypes" xmlns:ns1="http://schemas.openxmlformats.org/officeDocument/2006/extended-properties" xmlns:cs="http://schemas.microsoft.com/office/drawing/2012/chartStyle" xmlns:c="http://schemas.openxmlformats.org/drawingml/2006/chart" xmlns="" id="{DB9BD877-DFEF-49F2-B93A-033F4946FB6D}"/>
+                <a16:creationId xmlns="" xmlns:c="http://schemas.openxmlformats.org/drawingml/2006/chart" xmlns:cs="http://schemas.microsoft.com/office/drawing/2012/chartStyle" xmlns:ns1="http://schemas.openxmlformats.org/officeDocument/2006/extended-properties" xmlns:vt="http://schemas.openxmlformats.org/officeDocument/2006/docPropsVTypes" xmlns:a16="http://schemas.microsoft.com/office/drawing/2010/main" id="{DB9BD877-DFEF-49F2-B93A-033F4946FB6D}"/>
               </a:ext>
             </a:extLst>
           </p:cNvPr>
@@ -2884,7 +2887,7 @@
           <p:cNvPr id="9" name="Footer Placeholder 3">
             <a:extLst>
               <a:ext uri="{ED712834-01B5-4CB6-98CC-D75AF3F7C15E}">
-                <a16:creationId xmlns:a16="http://schemas.microsoft.com/office/drawing/2010/main" xmlns:vt="http://schemas.openxmlformats.org/officeDocument/2006/docPropsVTypes" xmlns:ns1="http://schemas.openxmlformats.org/officeDocument/2006/extended-properties" xmlns:cs="http://schemas.microsoft.com/office/drawing/2012/chartStyle" xmlns:c="http://schemas.openxmlformats.org/drawingml/2006/chart" xmlns="" id="{F58B47E7-2FB7-4DF8-A68A-D664D4F1BC7E}"/>
+                <a16:creationId xmlns="" xmlns:c="http://schemas.openxmlformats.org/drawingml/2006/chart" xmlns:cs="http://schemas.microsoft.com/office/drawing/2012/chartStyle" xmlns:ns1="http://schemas.openxmlformats.org/officeDocument/2006/extended-properties" xmlns:vt="http://schemas.openxmlformats.org/officeDocument/2006/docPropsVTypes" xmlns:a16="http://schemas.microsoft.com/office/drawing/2010/main" id="{F58B47E7-2FB7-4DF8-A68A-D664D4F1BC7E}"/>
               </a:ext>
             </a:extLst>
           </p:cNvPr>
@@ -2912,7 +2915,7 @@
           <p:cNvPr id="10" name="Date Placeholder 1">
             <a:extLst>
               <a:ext uri="{526BB989-6830-4351-870A-07A86C9AE6B2}">
-                <a16:creationId xmlns:a16="http://schemas.microsoft.com/office/drawing/2010/main" xmlns:vt="http://schemas.openxmlformats.org/officeDocument/2006/docPropsVTypes" xmlns:ns1="http://schemas.openxmlformats.org/officeDocument/2006/extended-properties" xmlns:cs="http://schemas.microsoft.com/office/drawing/2012/chartStyle" xmlns:c="http://schemas.openxmlformats.org/drawingml/2006/chart" xmlns="" id="{174DD198-3CB5-48B5-ABFA-8D08CC670A24}"/>
+                <a16:creationId xmlns="" xmlns:c="http://schemas.openxmlformats.org/drawingml/2006/chart" xmlns:cs="http://schemas.microsoft.com/office/drawing/2012/chartStyle" xmlns:ns1="http://schemas.openxmlformats.org/officeDocument/2006/extended-properties" xmlns:vt="http://schemas.openxmlformats.org/officeDocument/2006/docPropsVTypes" xmlns:a16="http://schemas.microsoft.com/office/drawing/2010/main" id="{174DD198-3CB5-48B5-ABFA-8D08CC670A24}"/>
               </a:ext>
             </a:extLst>
           </p:cNvPr>
@@ -2940,7 +2943,7 @@
           <p:cNvPr id="11" name="Group 10">
             <a:extLst>
               <a:ext uri="{138C49F2-DAD3-4708-9864-5A9EE56965A8}">
-                <a16:creationId xmlns:a16="http://schemas.microsoft.com/office/drawing/2010/main" xmlns:vt="http://schemas.openxmlformats.org/officeDocument/2006/docPropsVTypes" xmlns:ns1="http://schemas.openxmlformats.org/officeDocument/2006/extended-properties" xmlns:cs="http://schemas.microsoft.com/office/drawing/2012/chartStyle" xmlns:c="http://schemas.openxmlformats.org/drawingml/2006/chart" xmlns="" id="{56F9C8F1-30DB-4FF8-8EA5-3B6691796C7B}"/>
+                <a16:creationId xmlns="" xmlns:c="http://schemas.openxmlformats.org/drawingml/2006/chart" xmlns:cs="http://schemas.microsoft.com/office/drawing/2012/chartStyle" xmlns:ns1="http://schemas.openxmlformats.org/officeDocument/2006/extended-properties" xmlns:vt="http://schemas.openxmlformats.org/officeDocument/2006/docPropsVTypes" xmlns:a16="http://schemas.microsoft.com/office/drawing/2010/main" id="{56F9C8F1-30DB-4FF8-8EA5-3B6691796C7B}"/>
               </a:ext>
             </a:extLst>
           </p:cNvPr>
@@ -2962,7 +2965,7 @@
             <p:cNvPr id="12" name="Freeform: Shape 11">
               <a:extLst>
                 <a:ext uri="{33058F82-F26D-40BC-9B8D-42E704788A16}">
-                  <a16:creationId xmlns:a16="http://schemas.microsoft.com/office/drawing/2010/main" xmlns:vt="http://schemas.openxmlformats.org/officeDocument/2006/docPropsVTypes" xmlns:ns1="http://schemas.openxmlformats.org/officeDocument/2006/extended-properties" xmlns:cs="http://schemas.microsoft.com/office/drawing/2012/chartStyle" xmlns:c="http://schemas.openxmlformats.org/drawingml/2006/chart" xmlns="" id="{D6A9EF12-88F5-43C0-A820-5E05BEB4B300}"/>
+                  <a16:creationId xmlns="" xmlns:c="http://schemas.openxmlformats.org/drawingml/2006/chart" xmlns:cs="http://schemas.microsoft.com/office/drawing/2012/chartStyle" xmlns:ns1="http://schemas.openxmlformats.org/officeDocument/2006/extended-properties" xmlns:vt="http://schemas.openxmlformats.org/officeDocument/2006/docPropsVTypes" xmlns:a16="http://schemas.microsoft.com/office/drawing/2010/main" id="{D6A9EF12-88F5-43C0-A820-5E05BEB4B300}"/>
                 </a:ext>
               </a:extLst>
             </p:cNvPr>
@@ -3039,7 +3042,7 @@
             <p:cNvPr id="13" name="Freeform: Shape 12">
               <a:extLst>
                 <a:ext uri="{9EA09F05-5514-4B05-8CA6-4C038B841F2E}">
-                  <a16:creationId xmlns:a16="http://schemas.microsoft.com/office/drawing/2010/main" xmlns:vt="http://schemas.openxmlformats.org/officeDocument/2006/docPropsVTypes" xmlns:ns1="http://schemas.openxmlformats.org/officeDocument/2006/extended-properties" xmlns:cs="http://schemas.microsoft.com/office/drawing/2012/chartStyle" xmlns:c="http://schemas.openxmlformats.org/drawingml/2006/chart" xmlns="" id="{5A15B938-5835-40BE-8594-4F04A45B9530}"/>
+                  <a16:creationId xmlns="" xmlns:c="http://schemas.openxmlformats.org/drawingml/2006/chart" xmlns:cs="http://schemas.microsoft.com/office/drawing/2012/chartStyle" xmlns:ns1="http://schemas.openxmlformats.org/officeDocument/2006/extended-properties" xmlns:vt="http://schemas.openxmlformats.org/officeDocument/2006/docPropsVTypes" xmlns:a16="http://schemas.microsoft.com/office/drawing/2010/main" id="{5A15B938-5835-40BE-8594-4F04A45B9530}"/>
                 </a:ext>
               </a:extLst>
             </p:cNvPr>
@@ -3116,7 +3119,7 @@
             <p:cNvPr id="14" name="Freeform: Shape 13">
               <a:extLst>
                 <a:ext uri="{8E4E29EC-B3A6-4E88-8C68-CC7488662B8E}">
-                  <a16:creationId xmlns:a16="http://schemas.microsoft.com/office/drawing/2010/main" xmlns:vt="http://schemas.openxmlformats.org/officeDocument/2006/docPropsVTypes" xmlns:ns1="http://schemas.openxmlformats.org/officeDocument/2006/extended-properties" xmlns:cs="http://schemas.microsoft.com/office/drawing/2012/chartStyle" xmlns:c="http://schemas.openxmlformats.org/drawingml/2006/chart" xmlns="" id="{5C9E740F-1524-426A-A506-C3DE26D69124}"/>
+                  <a16:creationId xmlns="" xmlns:c="http://schemas.openxmlformats.org/drawingml/2006/chart" xmlns:cs="http://schemas.microsoft.com/office/drawing/2012/chartStyle" xmlns:ns1="http://schemas.openxmlformats.org/officeDocument/2006/extended-properties" xmlns:vt="http://schemas.openxmlformats.org/officeDocument/2006/docPropsVTypes" xmlns:a16="http://schemas.microsoft.com/office/drawing/2010/main" id="{5C9E740F-1524-426A-A506-C3DE26D69124}"/>
                 </a:ext>
               </a:extLst>
             </p:cNvPr>
@@ -3194,7 +3197,7 @@
           <p:cNvPr id="15" name="Picture Placeholder 2">
             <a:extLst>
               <a:ext uri="{4682B0CF-DCF1-4852-9995-F77BC723DD8E}">
-                <a16:creationId xmlns:a16="http://schemas.microsoft.com/office/drawing/2010/main" xmlns:vt="http://schemas.openxmlformats.org/officeDocument/2006/docPropsVTypes" xmlns:ns1="http://schemas.openxmlformats.org/officeDocument/2006/extended-properties" xmlns:cs="http://schemas.microsoft.com/office/drawing/2012/chartStyle" xmlns:c="http://schemas.openxmlformats.org/drawingml/2006/chart" xmlns="" id="{2323EF5C-0FD6-412A-8B30-3CA9F03B3907}"/>
+                <a16:creationId xmlns="" xmlns:c="http://schemas.openxmlformats.org/drawingml/2006/chart" xmlns:cs="http://schemas.microsoft.com/office/drawing/2012/chartStyle" xmlns:ns1="http://schemas.openxmlformats.org/officeDocument/2006/extended-properties" xmlns:vt="http://schemas.openxmlformats.org/officeDocument/2006/docPropsVTypes" xmlns:a16="http://schemas.microsoft.com/office/drawing/2010/main" id="{2323EF5C-0FD6-412A-8B30-3CA9F03B3907}"/>
               </a:ext>
             </a:extLst>
           </p:cNvPr>
@@ -3240,7 +3243,7 @@
           <p:cNvPr id="16" name="Picture Placeholder 2">
             <a:extLst>
               <a:ext uri="{A0F64D99-65E0-4FE4-BD00-2322030E1C57}">
-                <a16:creationId xmlns:a16="http://schemas.microsoft.com/office/drawing/2010/main" xmlns:vt="http://schemas.openxmlformats.org/officeDocument/2006/docPropsVTypes" xmlns:ns1="http://schemas.openxmlformats.org/officeDocument/2006/extended-properties" xmlns:cs="http://schemas.microsoft.com/office/drawing/2012/chartStyle" xmlns:c="http://schemas.openxmlformats.org/drawingml/2006/chart" xmlns="" id="{431E9B51-11E6-4911-B76C-A6732CEFF4B0}"/>
+                <a16:creationId xmlns="" xmlns:c="http://schemas.openxmlformats.org/drawingml/2006/chart" xmlns:cs="http://schemas.microsoft.com/office/drawing/2012/chartStyle" xmlns:ns1="http://schemas.openxmlformats.org/officeDocument/2006/extended-properties" xmlns:vt="http://schemas.openxmlformats.org/officeDocument/2006/docPropsVTypes" xmlns:a16="http://schemas.microsoft.com/office/drawing/2010/main" id="{431E9B51-11E6-4911-B76C-A6732CEFF4B0}"/>
               </a:ext>
             </a:extLst>
           </p:cNvPr>
@@ -3286,7 +3289,7 @@
           <p:cNvPr id="17" name="Freeform: Shape 16">
             <a:extLst>
               <a:ext uri="{ECE4BBCF-D92A-47F6-8A8C-0E3F1DBD5671}">
-                <a16:creationId xmlns:a16="http://schemas.microsoft.com/office/drawing/2010/main" xmlns:vt="http://schemas.openxmlformats.org/officeDocument/2006/docPropsVTypes" xmlns:ns1="http://schemas.openxmlformats.org/officeDocument/2006/extended-properties" xmlns:cs="http://schemas.microsoft.com/office/drawing/2012/chartStyle" xmlns:c="http://schemas.openxmlformats.org/drawingml/2006/chart" xmlns="" id="{B83AAA11-1368-43FE-A46A-A091A2E724E1}"/>
+                <a16:creationId xmlns="" xmlns:c="http://schemas.openxmlformats.org/drawingml/2006/chart" xmlns:cs="http://schemas.microsoft.com/office/drawing/2012/chartStyle" xmlns:ns1="http://schemas.openxmlformats.org/officeDocument/2006/extended-properties" xmlns:vt="http://schemas.openxmlformats.org/officeDocument/2006/docPropsVTypes" xmlns:a16="http://schemas.microsoft.com/office/drawing/2010/main" id="{B83AAA11-1368-43FE-A46A-A091A2E724E1}"/>
               </a:ext>
             </a:extLst>
           </p:cNvPr>
@@ -3360,7 +3363,7 @@
           <p:cNvPr id="18" name="Picture Placeholder 2">
             <a:extLst>
               <a:ext uri="{39591538-661E-4554-BBEF-9455E67E337F}">
-                <a16:creationId xmlns:a16="http://schemas.microsoft.com/office/drawing/2010/main" xmlns:vt="http://schemas.openxmlformats.org/officeDocument/2006/docPropsVTypes" xmlns:ns1="http://schemas.openxmlformats.org/officeDocument/2006/extended-properties" xmlns:cs="http://schemas.microsoft.com/office/drawing/2012/chartStyle" xmlns:c="http://schemas.openxmlformats.org/drawingml/2006/chart" xmlns="" id="{070CC683-C4AF-4E5D-9F7D-20523392F967}"/>
+                <a16:creationId xmlns="" xmlns:c="http://schemas.openxmlformats.org/drawingml/2006/chart" xmlns:cs="http://schemas.microsoft.com/office/drawing/2012/chartStyle" xmlns:ns1="http://schemas.openxmlformats.org/officeDocument/2006/extended-properties" xmlns:vt="http://schemas.openxmlformats.org/officeDocument/2006/docPropsVTypes" xmlns:a16="http://schemas.microsoft.com/office/drawing/2010/main" id="{070CC683-C4AF-4E5D-9F7D-20523392F967}"/>
               </a:ext>
             </a:extLst>
           </p:cNvPr>
@@ -3406,7 +3409,7 @@
           <p:cNvPr id="19" name="Group 18">
             <a:extLst>
               <a:ext uri="{8AF648D9-EF89-4DE4-A0A1-88D06CE278C3}">
-                <a16:creationId xmlns:a16="http://schemas.microsoft.com/office/drawing/2010/main" xmlns:vt="http://schemas.openxmlformats.org/officeDocument/2006/docPropsVTypes" xmlns:ns1="http://schemas.openxmlformats.org/officeDocument/2006/extended-properties" xmlns:cs="http://schemas.microsoft.com/office/drawing/2012/chartStyle" xmlns:c="http://schemas.openxmlformats.org/drawingml/2006/chart" xmlns="" id="{FEAA062F-D85C-4DEE-87D2-C81018EFBE17}"/>
+                <a16:creationId xmlns="" xmlns:c="http://schemas.openxmlformats.org/drawingml/2006/chart" xmlns:cs="http://schemas.microsoft.com/office/drawing/2012/chartStyle" xmlns:ns1="http://schemas.openxmlformats.org/officeDocument/2006/extended-properties" xmlns:vt="http://schemas.openxmlformats.org/officeDocument/2006/docPropsVTypes" xmlns:a16="http://schemas.microsoft.com/office/drawing/2010/main" id="{FEAA062F-D85C-4DEE-87D2-C81018EFBE17}"/>
               </a:ext>
             </a:extLst>
           </p:cNvPr>
@@ -3428,7 +3431,7 @@
             <p:cNvPr id="20" name="Freeform: Shape 19">
               <a:extLst>
                 <a:ext uri="{852A85A3-38E6-407A-94AE-478C8C7EBDF7}">
-                  <a16:creationId xmlns:a16="http://schemas.microsoft.com/office/drawing/2010/main" xmlns:vt="http://schemas.openxmlformats.org/officeDocument/2006/docPropsVTypes" xmlns:ns1="http://schemas.openxmlformats.org/officeDocument/2006/extended-properties" xmlns:cs="http://schemas.microsoft.com/office/drawing/2012/chartStyle" xmlns:c="http://schemas.openxmlformats.org/drawingml/2006/chart" xmlns="" id="{2E992624-4D81-4D53-9D79-2506DC554FE3}"/>
+                  <a16:creationId xmlns="" xmlns:c="http://schemas.openxmlformats.org/drawingml/2006/chart" xmlns:cs="http://schemas.microsoft.com/office/drawing/2012/chartStyle" xmlns:ns1="http://schemas.openxmlformats.org/officeDocument/2006/extended-properties" xmlns:vt="http://schemas.openxmlformats.org/officeDocument/2006/docPropsVTypes" xmlns:a16="http://schemas.microsoft.com/office/drawing/2010/main" id="{2E992624-4D81-4D53-9D79-2506DC554FE3}"/>
                 </a:ext>
               </a:extLst>
             </p:cNvPr>
@@ -3505,7 +3508,7 @@
             <p:cNvPr id="21" name="Freeform: Shape 20">
               <a:extLst>
                 <a:ext uri="{9F38B950-73E5-45EC-BCB8-7B630D04AEA0}">
-                  <a16:creationId xmlns:a16="http://schemas.microsoft.com/office/drawing/2010/main" xmlns:vt="http://schemas.openxmlformats.org/officeDocument/2006/docPropsVTypes" xmlns:ns1="http://schemas.openxmlformats.org/officeDocument/2006/extended-properties" xmlns:cs="http://schemas.microsoft.com/office/drawing/2012/chartStyle" xmlns:c="http://schemas.openxmlformats.org/drawingml/2006/chart" xmlns="" id="{4D39AEB0-7622-446A-B982-E8471F4CDA4C}"/>
+                  <a16:creationId xmlns="" xmlns:c="http://schemas.openxmlformats.org/drawingml/2006/chart" xmlns:cs="http://schemas.microsoft.com/office/drawing/2012/chartStyle" xmlns:ns1="http://schemas.openxmlformats.org/officeDocument/2006/extended-properties" xmlns:vt="http://schemas.openxmlformats.org/officeDocument/2006/docPropsVTypes" xmlns:a16="http://schemas.microsoft.com/office/drawing/2010/main" id="{4D39AEB0-7622-446A-B982-E8471F4CDA4C}"/>
                 </a:ext>
               </a:extLst>
             </p:cNvPr>
@@ -3583,7 +3586,7 @@
           <p:cNvPr id="22" name="Group 21">
             <a:extLst>
               <a:ext uri="{115304CC-A334-4E1B-A9D2-B16B8A40E890}">
-                <a16:creationId xmlns:a16="http://schemas.microsoft.com/office/drawing/2010/main" xmlns:vt="http://schemas.openxmlformats.org/officeDocument/2006/docPropsVTypes" xmlns:ns1="http://schemas.openxmlformats.org/officeDocument/2006/extended-properties" xmlns:cs="http://schemas.microsoft.com/office/drawing/2012/chartStyle" xmlns:c="http://schemas.openxmlformats.org/drawingml/2006/chart" xmlns="" id="{0511A1C0-BFE6-4B02-ACB3-919CDE90E1C3}"/>
+                <a16:creationId xmlns="" xmlns:c="http://schemas.openxmlformats.org/drawingml/2006/chart" xmlns:cs="http://schemas.microsoft.com/office/drawing/2012/chartStyle" xmlns:ns1="http://schemas.openxmlformats.org/officeDocument/2006/extended-properties" xmlns:vt="http://schemas.openxmlformats.org/officeDocument/2006/docPropsVTypes" xmlns:a16="http://schemas.microsoft.com/office/drawing/2010/main" id="{0511A1C0-BFE6-4B02-ACB3-919CDE90E1C3}"/>
               </a:ext>
             </a:extLst>
           </p:cNvPr>
@@ -3605,7 +3608,7 @@
             <p:cNvPr id="23" name="Freeform: Shape 22">
               <a:extLst>
                 <a:ext uri="{84B9AD11-326C-47A0-B462-04E02AD1B922}">
-                  <a16:creationId xmlns:a16="http://schemas.microsoft.com/office/drawing/2010/main" xmlns:vt="http://schemas.openxmlformats.org/officeDocument/2006/docPropsVTypes" xmlns:ns1="http://schemas.openxmlformats.org/officeDocument/2006/extended-properties" xmlns:cs="http://schemas.microsoft.com/office/drawing/2012/chartStyle" xmlns:c="http://schemas.openxmlformats.org/drawingml/2006/chart" xmlns="" id="{263FF302-B2A9-4B8C-A521-83A452299439}"/>
+                  <a16:creationId xmlns="" xmlns:c="http://schemas.openxmlformats.org/drawingml/2006/chart" xmlns:cs="http://schemas.microsoft.com/office/drawing/2012/chartStyle" xmlns:ns1="http://schemas.openxmlformats.org/officeDocument/2006/extended-properties" xmlns:vt="http://schemas.openxmlformats.org/officeDocument/2006/docPropsVTypes" xmlns:a16="http://schemas.microsoft.com/office/drawing/2010/main" id="{263FF302-B2A9-4B8C-A521-83A452299439}"/>
                 </a:ext>
               </a:extLst>
             </p:cNvPr>
@@ -3682,7 +3685,7 @@
             <p:cNvPr id="24" name="Freeform: Shape 23">
               <a:extLst>
                 <a:ext uri="{FCDE1B3D-B1AA-4008-8DE4-7792052532AD}">
-                  <a16:creationId xmlns:a16="http://schemas.microsoft.com/office/drawing/2010/main" xmlns:vt="http://schemas.openxmlformats.org/officeDocument/2006/docPropsVTypes" xmlns:ns1="http://schemas.openxmlformats.org/officeDocument/2006/extended-properties" xmlns:cs="http://schemas.microsoft.com/office/drawing/2012/chartStyle" xmlns:c="http://schemas.openxmlformats.org/drawingml/2006/chart" xmlns="" id="{36F840C3-CB8F-4D89-9994-FD0535464169}"/>
+                  <a16:creationId xmlns="" xmlns:c="http://schemas.openxmlformats.org/drawingml/2006/chart" xmlns:cs="http://schemas.microsoft.com/office/drawing/2012/chartStyle" xmlns:ns1="http://schemas.openxmlformats.org/officeDocument/2006/extended-properties" xmlns:vt="http://schemas.openxmlformats.org/officeDocument/2006/docPropsVTypes" xmlns:a16="http://schemas.microsoft.com/office/drawing/2010/main" id="{36F840C3-CB8F-4D89-9994-FD0535464169}"/>
                 </a:ext>
               </a:extLst>
             </p:cNvPr>
@@ -3761,7 +3764,7 @@
     </p:custDataLst>
     <p:extLst>
       <p:ext uri="{80D99E81-2AF2-4763-B7F4-9758900EB619}">
-        <p14:creationId xmlns:p14="http://schemas.microsoft.com/office/powerpoint/2010/main" xmlns:vt="http://schemas.openxmlformats.org/officeDocument/2006/docPropsVTypes" xmlns:ns1="http://schemas.openxmlformats.org/officeDocument/2006/extended-properties" xmlns:cs="http://schemas.microsoft.com/office/drawing/2012/chartStyle" xmlns:c="http://schemas.openxmlformats.org/drawingml/2006/chart" xmlns="" val="1753295003066"/>
+        <p14:creationId xmlns="" xmlns:c="http://schemas.openxmlformats.org/drawingml/2006/chart" xmlns:cs="http://schemas.microsoft.com/office/drawing/2012/chartStyle" xmlns:ns1="http://schemas.openxmlformats.org/officeDocument/2006/extended-properties" xmlns:vt="http://schemas.openxmlformats.org/officeDocument/2006/docPropsVTypes" xmlns:p14="http://schemas.microsoft.com/office/powerpoint/2010/main" val="1753295003066"/>
       </p:ext>
     </p:extLst>
   </p:cSld>
@@ -3793,7 +3796,7 @@
           <p:cNvPr id="2" name="Freeform: Shape 1">
             <a:extLst>
               <a:ext uri="{6CBEDBE8-ADFB-4B46-86A1-6EAE42CB9BAC}">
-                <a16:creationId xmlns:a16="http://schemas.microsoft.com/office/drawing/2010/main" xmlns:vt="http://schemas.openxmlformats.org/officeDocument/2006/docPropsVTypes" xmlns:ns1="http://schemas.openxmlformats.org/officeDocument/2006/extended-properties" xmlns:cs="http://schemas.microsoft.com/office/drawing/2012/chartStyle" xmlns:c="http://schemas.openxmlformats.org/drawingml/2006/chart" xmlns="" id="{907C691E-B482-48C9-B86E-28BD65BDEA42}"/>
+                <a16:creationId xmlns="" xmlns:c="http://schemas.openxmlformats.org/drawingml/2006/chart" xmlns:cs="http://schemas.microsoft.com/office/drawing/2012/chartStyle" xmlns:ns1="http://schemas.openxmlformats.org/officeDocument/2006/extended-properties" xmlns:vt="http://schemas.openxmlformats.org/officeDocument/2006/docPropsVTypes" xmlns:a16="http://schemas.microsoft.com/office/drawing/2010/main" id="{907C691E-B482-48C9-B86E-28BD65BDEA42}"/>
               </a:ext>
             </a:extLst>
           </p:cNvPr>
@@ -3869,7 +3872,7 @@
           <p:cNvPr id="3" name="Isosceles Triangle 2">
             <a:extLst>
               <a:ext uri="{3F577446-95EC-47D1-A141-399FCD2429EF}">
-                <a16:creationId xmlns:a16="http://schemas.microsoft.com/office/drawing/2010/main" xmlns:vt="http://schemas.openxmlformats.org/officeDocument/2006/docPropsVTypes" xmlns:ns1="http://schemas.openxmlformats.org/officeDocument/2006/extended-properties" xmlns:cs="http://schemas.microsoft.com/office/drawing/2012/chartStyle" xmlns:c="http://schemas.openxmlformats.org/drawingml/2006/chart" xmlns="" id="{AC9214AD-C347-4301-9835-D53A75A7B27D}"/>
+                <a16:creationId xmlns="" xmlns:c="http://schemas.openxmlformats.org/drawingml/2006/chart" xmlns:cs="http://schemas.microsoft.com/office/drawing/2012/chartStyle" xmlns:ns1="http://schemas.openxmlformats.org/officeDocument/2006/extended-properties" xmlns:vt="http://schemas.openxmlformats.org/officeDocument/2006/docPropsVTypes" xmlns:a16="http://schemas.microsoft.com/office/drawing/2010/main" id="{AC9214AD-C347-4301-9835-D53A75A7B27D}"/>
               </a:ext>
             </a:extLst>
           </p:cNvPr>
@@ -3929,7 +3932,7 @@
           <p:cNvPr id="4" name="Isosceles Triangle 3">
             <a:extLst>
               <a:ext uri="{130F1BFF-E9B2-424B-930D-CAFB5525FDBC}">
-                <a16:creationId xmlns:a16="http://schemas.microsoft.com/office/drawing/2010/main" xmlns:vt="http://schemas.openxmlformats.org/officeDocument/2006/docPropsVTypes" xmlns:ns1="http://schemas.openxmlformats.org/officeDocument/2006/extended-properties" xmlns:cs="http://schemas.microsoft.com/office/drawing/2012/chartStyle" xmlns:c="http://schemas.openxmlformats.org/drawingml/2006/chart" xmlns="" id="{09FB3B93-027A-469E-8C55-E599CD3FEE3B}"/>
+                <a16:creationId xmlns="" xmlns:c="http://schemas.openxmlformats.org/drawingml/2006/chart" xmlns:cs="http://schemas.microsoft.com/office/drawing/2012/chartStyle" xmlns:ns1="http://schemas.openxmlformats.org/officeDocument/2006/extended-properties" xmlns:vt="http://schemas.openxmlformats.org/officeDocument/2006/docPropsVTypes" xmlns:a16="http://schemas.microsoft.com/office/drawing/2010/main" id="{09FB3B93-027A-469E-8C55-E599CD3FEE3B}"/>
               </a:ext>
             </a:extLst>
           </p:cNvPr>
@@ -3989,7 +3992,7 @@
           <p:cNvPr id="5" name="Isosceles Triangle 4">
             <a:extLst>
               <a:ext uri="{BE98A217-AA91-4144-A01C-17BFBF196088}">
-                <a16:creationId xmlns:a16="http://schemas.microsoft.com/office/drawing/2010/main" xmlns:vt="http://schemas.openxmlformats.org/officeDocument/2006/docPropsVTypes" xmlns:ns1="http://schemas.openxmlformats.org/officeDocument/2006/extended-properties" xmlns:cs="http://schemas.microsoft.com/office/drawing/2012/chartStyle" xmlns:c="http://schemas.openxmlformats.org/drawingml/2006/chart" xmlns="" id="{36B29964-46EF-48B4-97F7-B70A3B6C819A}"/>
+                <a16:creationId xmlns="" xmlns:c="http://schemas.openxmlformats.org/drawingml/2006/chart" xmlns:cs="http://schemas.microsoft.com/office/drawing/2012/chartStyle" xmlns:ns1="http://schemas.openxmlformats.org/officeDocument/2006/extended-properties" xmlns:vt="http://schemas.openxmlformats.org/officeDocument/2006/docPropsVTypes" xmlns:a16="http://schemas.microsoft.com/office/drawing/2010/main" id="{36B29964-46EF-48B4-97F7-B70A3B6C819A}"/>
               </a:ext>
             </a:extLst>
           </p:cNvPr>
@@ -4047,7 +4050,7 @@
           <p:cNvPr id="6" name="Picture Placeholder 2">
             <a:extLst>
               <a:ext uri="{494FE632-96A8-4388-BE01-41618FB0932E}">
-                <a16:creationId xmlns:a16="http://schemas.microsoft.com/office/drawing/2010/main" xmlns:vt="http://schemas.openxmlformats.org/officeDocument/2006/docPropsVTypes" xmlns:ns1="http://schemas.openxmlformats.org/officeDocument/2006/extended-properties" xmlns:cs="http://schemas.microsoft.com/office/drawing/2012/chartStyle" xmlns:c="http://schemas.openxmlformats.org/drawingml/2006/chart" xmlns="" id="{922B8230-CF27-4D60-8BF8-CD7D49E8D569}"/>
+                <a16:creationId xmlns="" xmlns:c="http://schemas.openxmlformats.org/drawingml/2006/chart" xmlns:cs="http://schemas.microsoft.com/office/drawing/2012/chartStyle" xmlns:ns1="http://schemas.openxmlformats.org/officeDocument/2006/extended-properties" xmlns:vt="http://schemas.openxmlformats.org/officeDocument/2006/docPropsVTypes" xmlns:a16="http://schemas.microsoft.com/office/drawing/2010/main" id="{922B8230-CF27-4D60-8BF8-CD7D49E8D569}"/>
               </a:ext>
             </a:extLst>
           </p:cNvPr>
@@ -4095,7 +4098,7 @@
           <p:cNvPr id="7" name="Title 1">
             <a:extLst>
               <a:ext uri="{777E3F58-3BAB-48F4-B2CB-FF8E0A88D20E}">
-                <a16:creationId xmlns:a16="http://schemas.microsoft.com/office/drawing/2010/main" xmlns:vt="http://schemas.openxmlformats.org/officeDocument/2006/docPropsVTypes" xmlns:ns1="http://schemas.openxmlformats.org/officeDocument/2006/extended-properties" xmlns:cs="http://schemas.microsoft.com/office/drawing/2012/chartStyle" xmlns:c="http://schemas.openxmlformats.org/drawingml/2006/chart" xmlns="" id="{915C4590-9C62-44D6-B91D-4FB7A55AF98F}"/>
+                <a16:creationId xmlns="" xmlns:c="http://schemas.openxmlformats.org/drawingml/2006/chart" xmlns:cs="http://schemas.microsoft.com/office/drawing/2012/chartStyle" xmlns:ns1="http://schemas.openxmlformats.org/officeDocument/2006/extended-properties" xmlns:vt="http://schemas.openxmlformats.org/officeDocument/2006/docPropsVTypes" xmlns:a16="http://schemas.microsoft.com/office/drawing/2010/main" id="{915C4590-9C62-44D6-B91D-4FB7A55AF98F}"/>
               </a:ext>
             </a:extLst>
           </p:cNvPr>
@@ -4130,7 +4133,7 @@
           <p:cNvPr id="8" name="Slide Number Placeholder 4">
             <a:extLst>
               <a:ext uri="{7527C277-E324-44AF-BF25-9336CD0E68F8}">
-                <a16:creationId xmlns:a16="http://schemas.microsoft.com/office/drawing/2010/main" xmlns:vt="http://schemas.openxmlformats.org/officeDocument/2006/docPropsVTypes" xmlns:ns1="http://schemas.openxmlformats.org/officeDocument/2006/extended-properties" xmlns:cs="http://schemas.microsoft.com/office/drawing/2012/chartStyle" xmlns:c="http://schemas.openxmlformats.org/drawingml/2006/chart" xmlns="" id="{6A29FA1A-AF2D-4E50-8CB0-FAA4AED2EC43}"/>
+                <a16:creationId xmlns="" xmlns:c="http://schemas.openxmlformats.org/drawingml/2006/chart" xmlns:cs="http://schemas.microsoft.com/office/drawing/2012/chartStyle" xmlns:ns1="http://schemas.openxmlformats.org/officeDocument/2006/extended-properties" xmlns:vt="http://schemas.openxmlformats.org/officeDocument/2006/docPropsVTypes" xmlns:a16="http://schemas.microsoft.com/office/drawing/2010/main" id="{6A29FA1A-AF2D-4E50-8CB0-FAA4AED2EC43}"/>
               </a:ext>
             </a:extLst>
           </p:cNvPr>
@@ -4158,7 +4161,7 @@
           <p:cNvPr id="9" name="Footer Placeholder 3">
             <a:extLst>
               <a:ext uri="{62BFD424-74DD-4533-BA83-F2EA054D6394}">
-                <a16:creationId xmlns:a16="http://schemas.microsoft.com/office/drawing/2010/main" xmlns:vt="http://schemas.openxmlformats.org/officeDocument/2006/docPropsVTypes" xmlns:ns1="http://schemas.openxmlformats.org/officeDocument/2006/extended-properties" xmlns:cs="http://schemas.microsoft.com/office/drawing/2012/chartStyle" xmlns:c="http://schemas.openxmlformats.org/drawingml/2006/chart" xmlns="" id="{9EF7226F-8AF1-4846-9227-7992F6C41965}"/>
+                <a16:creationId xmlns="" xmlns:c="http://schemas.openxmlformats.org/drawingml/2006/chart" xmlns:cs="http://schemas.microsoft.com/office/drawing/2012/chartStyle" xmlns:ns1="http://schemas.openxmlformats.org/officeDocument/2006/extended-properties" xmlns:vt="http://schemas.openxmlformats.org/officeDocument/2006/docPropsVTypes" xmlns:a16="http://schemas.microsoft.com/office/drawing/2010/main" id="{9EF7226F-8AF1-4846-9227-7992F6C41965}"/>
               </a:ext>
             </a:extLst>
           </p:cNvPr>
@@ -4186,7 +4189,7 @@
           <p:cNvPr id="10" name="Date Placeholder 1">
             <a:extLst>
               <a:ext uri="{8967DADA-C016-464F-9A98-4DE1F15A3A11}">
-                <a16:creationId xmlns:a16="http://schemas.microsoft.com/office/drawing/2010/main" xmlns:vt="http://schemas.openxmlformats.org/officeDocument/2006/docPropsVTypes" xmlns:ns1="http://schemas.openxmlformats.org/officeDocument/2006/extended-properties" xmlns:cs="http://schemas.microsoft.com/office/drawing/2012/chartStyle" xmlns:c="http://schemas.openxmlformats.org/drawingml/2006/chart" xmlns="" id="{4850C01D-1E8A-4BC8-B045-A5F829AF2A30}"/>
+                <a16:creationId xmlns="" xmlns:c="http://schemas.openxmlformats.org/drawingml/2006/chart" xmlns:cs="http://schemas.microsoft.com/office/drawing/2012/chartStyle" xmlns:ns1="http://schemas.openxmlformats.org/officeDocument/2006/extended-properties" xmlns:vt="http://schemas.openxmlformats.org/officeDocument/2006/docPropsVTypes" xmlns:a16="http://schemas.microsoft.com/office/drawing/2010/main" id="{4850C01D-1E8A-4BC8-B045-A5F829AF2A30}"/>
               </a:ext>
             </a:extLst>
           </p:cNvPr>
@@ -4214,7 +4217,7 @@
           <p:cNvPr id="11" name="Freeform: Shape 10">
             <a:extLst>
               <a:ext uri="{935A72BB-FA0C-4E80-B1DB-58D813F7F31F}">
-                <a16:creationId xmlns:a16="http://schemas.microsoft.com/office/drawing/2010/main" xmlns:vt="http://schemas.openxmlformats.org/officeDocument/2006/docPropsVTypes" xmlns:ns1="http://schemas.openxmlformats.org/officeDocument/2006/extended-properties" xmlns:cs="http://schemas.microsoft.com/office/drawing/2012/chartStyle" xmlns:c="http://schemas.openxmlformats.org/drawingml/2006/chart" xmlns="" id="{D1CE984D-18E9-40D2-98BC-6F7172D3ACB2}"/>
+                <a16:creationId xmlns="" xmlns:c="http://schemas.openxmlformats.org/drawingml/2006/chart" xmlns:cs="http://schemas.microsoft.com/office/drawing/2012/chartStyle" xmlns:ns1="http://schemas.openxmlformats.org/officeDocument/2006/extended-properties" xmlns:vt="http://schemas.openxmlformats.org/officeDocument/2006/docPropsVTypes" xmlns:a16="http://schemas.microsoft.com/office/drawing/2010/main" id="{D1CE984D-18E9-40D2-98BC-6F7172D3ACB2}"/>
               </a:ext>
             </a:extLst>
           </p:cNvPr>
@@ -4290,7 +4293,7 @@
           <p:cNvPr id="12" name="Group 11">
             <a:extLst>
               <a:ext uri="{2EF09E0F-6B13-4DE3-9F90-8B24BDF94939}">
-                <a16:creationId xmlns:a16="http://schemas.microsoft.com/office/drawing/2010/main" xmlns:vt="http://schemas.openxmlformats.org/officeDocument/2006/docPropsVTypes" xmlns:ns1="http://schemas.openxmlformats.org/officeDocument/2006/extended-properties" xmlns:cs="http://schemas.microsoft.com/office/drawing/2012/chartStyle" xmlns:c="http://schemas.openxmlformats.org/drawingml/2006/chart" xmlns="" id="{A9B43D76-CAA7-4904-9C07-60FE575DF096}"/>
+                <a16:creationId xmlns="" xmlns:c="http://schemas.openxmlformats.org/drawingml/2006/chart" xmlns:cs="http://schemas.microsoft.com/office/drawing/2012/chartStyle" xmlns:ns1="http://schemas.openxmlformats.org/officeDocument/2006/extended-properties" xmlns:vt="http://schemas.openxmlformats.org/officeDocument/2006/docPropsVTypes" xmlns:a16="http://schemas.microsoft.com/office/drawing/2010/main" id="{A9B43D76-CAA7-4904-9C07-60FE575DF096}"/>
               </a:ext>
             </a:extLst>
           </p:cNvPr>
@@ -4312,7 +4315,7 @@
             <p:cNvPr id="13" name="Freeform: Shape 12">
               <a:extLst>
                 <a:ext uri="{F0946513-5CC7-4950-A958-23F5F0B309A6}">
-                  <a16:creationId xmlns:a16="http://schemas.microsoft.com/office/drawing/2010/main" xmlns:vt="http://schemas.openxmlformats.org/officeDocument/2006/docPropsVTypes" xmlns:ns1="http://schemas.openxmlformats.org/officeDocument/2006/extended-properties" xmlns:cs="http://schemas.microsoft.com/office/drawing/2012/chartStyle" xmlns:c="http://schemas.openxmlformats.org/drawingml/2006/chart" xmlns="" id="{377AFE4A-D89D-4677-B1FA-5D3F46C1820F}"/>
+                  <a16:creationId xmlns="" xmlns:c="http://schemas.openxmlformats.org/drawingml/2006/chart" xmlns:cs="http://schemas.microsoft.com/office/drawing/2012/chartStyle" xmlns:ns1="http://schemas.openxmlformats.org/officeDocument/2006/extended-properties" xmlns:vt="http://schemas.openxmlformats.org/officeDocument/2006/docPropsVTypes" xmlns:a16="http://schemas.microsoft.com/office/drawing/2010/main" id="{377AFE4A-D89D-4677-B1FA-5D3F46C1820F}"/>
                 </a:ext>
               </a:extLst>
             </p:cNvPr>
@@ -4389,7 +4392,7 @@
             <p:cNvPr id="14" name="Freeform: Shape 13">
               <a:extLst>
                 <a:ext uri="{460C6037-FBFA-46DC-84D2-D2D6D1C19602}">
-                  <a16:creationId xmlns:a16="http://schemas.microsoft.com/office/drawing/2010/main" xmlns:vt="http://schemas.openxmlformats.org/officeDocument/2006/docPropsVTypes" xmlns:ns1="http://schemas.openxmlformats.org/officeDocument/2006/extended-properties" xmlns:cs="http://schemas.microsoft.com/office/drawing/2012/chartStyle" xmlns:c="http://schemas.openxmlformats.org/drawingml/2006/chart" xmlns="" id="{72767116-1AF9-4F10-AAC5-706872FBDB43}"/>
+                  <a16:creationId xmlns="" xmlns:c="http://schemas.openxmlformats.org/drawingml/2006/chart" xmlns:cs="http://schemas.microsoft.com/office/drawing/2012/chartStyle" xmlns:ns1="http://schemas.openxmlformats.org/officeDocument/2006/extended-properties" xmlns:vt="http://schemas.openxmlformats.org/officeDocument/2006/docPropsVTypes" xmlns:a16="http://schemas.microsoft.com/office/drawing/2010/main" id="{72767116-1AF9-4F10-AAC5-706872FBDB43}"/>
                 </a:ext>
               </a:extLst>
             </p:cNvPr>
@@ -4466,7 +4469,7 @@
             <p:cNvPr id="15" name="Freeform: Shape 14">
               <a:extLst>
                 <a:ext uri="{7BA626D0-3882-490B-87B7-335ABB172671}">
-                  <a16:creationId xmlns:a16="http://schemas.microsoft.com/office/drawing/2010/main" xmlns:vt="http://schemas.openxmlformats.org/officeDocument/2006/docPropsVTypes" xmlns:ns1="http://schemas.openxmlformats.org/officeDocument/2006/extended-properties" xmlns:cs="http://schemas.microsoft.com/office/drawing/2012/chartStyle" xmlns:c="http://schemas.openxmlformats.org/drawingml/2006/chart" xmlns="" id="{5B3D9371-B39B-4924-9BAC-8A16FA6F3638}"/>
+                  <a16:creationId xmlns="" xmlns:c="http://schemas.openxmlformats.org/drawingml/2006/chart" xmlns:cs="http://schemas.microsoft.com/office/drawing/2012/chartStyle" xmlns:ns1="http://schemas.openxmlformats.org/officeDocument/2006/extended-properties" xmlns:vt="http://schemas.openxmlformats.org/officeDocument/2006/docPropsVTypes" xmlns:a16="http://schemas.microsoft.com/office/drawing/2010/main" id="{5B3D9371-B39B-4924-9BAC-8A16FA6F3638}"/>
                 </a:ext>
               </a:extLst>
             </p:cNvPr>
@@ -4544,7 +4547,7 @@
           <p:cNvPr id="16" name="Freeform: Shape 15">
             <a:extLst>
               <a:ext uri="{2AD47EFF-8BBF-4C08-AE57-8C6D45BDA36A}">
-                <a16:creationId xmlns:a16="http://schemas.microsoft.com/office/drawing/2010/main" xmlns:vt="http://schemas.openxmlformats.org/officeDocument/2006/docPropsVTypes" xmlns:ns1="http://schemas.openxmlformats.org/officeDocument/2006/extended-properties" xmlns:cs="http://schemas.microsoft.com/office/drawing/2012/chartStyle" xmlns:c="http://schemas.openxmlformats.org/drawingml/2006/chart" xmlns="" id="{6FAF7E3A-380C-4EB0-B210-FF50CBCEDFDD}"/>
+                <a16:creationId xmlns="" xmlns:c="http://schemas.openxmlformats.org/drawingml/2006/chart" xmlns:cs="http://schemas.microsoft.com/office/drawing/2012/chartStyle" xmlns:ns1="http://schemas.openxmlformats.org/officeDocument/2006/extended-properties" xmlns:vt="http://schemas.openxmlformats.org/officeDocument/2006/docPropsVTypes" xmlns:a16="http://schemas.microsoft.com/office/drawing/2010/main" id="{6FAF7E3A-380C-4EB0-B210-FF50CBCEDFDD}"/>
               </a:ext>
             </a:extLst>
           </p:cNvPr>
@@ -4620,7 +4623,7 @@
           <p:cNvPr id="17" name="Freeform: Shape 16">
             <a:extLst>
               <a:ext uri="{EACECEBF-85BB-4F28-AEDD-FB4C500E96DD}">
-                <a16:creationId xmlns:a16="http://schemas.microsoft.com/office/drawing/2010/main" xmlns:vt="http://schemas.openxmlformats.org/officeDocument/2006/docPropsVTypes" xmlns:ns1="http://schemas.openxmlformats.org/officeDocument/2006/extended-properties" xmlns:cs="http://schemas.microsoft.com/office/drawing/2012/chartStyle" xmlns:c="http://schemas.openxmlformats.org/drawingml/2006/chart" xmlns="" id="{0482CBE2-FD77-4BA0-8BAB-E306A87A88A1}"/>
+                <a16:creationId xmlns="" xmlns:c="http://schemas.openxmlformats.org/drawingml/2006/chart" xmlns:cs="http://schemas.microsoft.com/office/drawing/2012/chartStyle" xmlns:ns1="http://schemas.openxmlformats.org/officeDocument/2006/extended-properties" xmlns:vt="http://schemas.openxmlformats.org/officeDocument/2006/docPropsVTypes" xmlns:a16="http://schemas.microsoft.com/office/drawing/2010/main" id="{0482CBE2-FD77-4BA0-8BAB-E306A87A88A1}"/>
               </a:ext>
             </a:extLst>
           </p:cNvPr>
@@ -4696,7 +4699,7 @@
           <p:cNvPr id="18" name="Picture Placeholder 2">
             <a:extLst>
               <a:ext uri="{4D0807FB-A3A3-42A6-8831-9039EF0B1536}">
-                <a16:creationId xmlns:a16="http://schemas.microsoft.com/office/drawing/2010/main" xmlns:vt="http://schemas.openxmlformats.org/officeDocument/2006/docPropsVTypes" xmlns:ns1="http://schemas.openxmlformats.org/officeDocument/2006/extended-properties" xmlns:cs="http://schemas.microsoft.com/office/drawing/2012/chartStyle" xmlns:c="http://schemas.openxmlformats.org/drawingml/2006/chart" xmlns="" id="{23C8D20A-280D-467A-9D2D-B6C7CBF3CFDE}"/>
+                <a16:creationId xmlns="" xmlns:c="http://schemas.openxmlformats.org/drawingml/2006/chart" xmlns:cs="http://schemas.microsoft.com/office/drawing/2012/chartStyle" xmlns:ns1="http://schemas.openxmlformats.org/officeDocument/2006/extended-properties" xmlns:vt="http://schemas.openxmlformats.org/officeDocument/2006/docPropsVTypes" xmlns:a16="http://schemas.microsoft.com/office/drawing/2010/main" id="{23C8D20A-280D-467A-9D2D-B6C7CBF3CFDE}"/>
               </a:ext>
             </a:extLst>
           </p:cNvPr>
@@ -4744,7 +4747,7 @@
           <p:cNvPr id="19" name="Picture Placeholder 2">
             <a:extLst>
               <a:ext uri="{7273CF33-2E7B-4935-A49D-BF52F976EC75}">
-                <a16:creationId xmlns:a16="http://schemas.microsoft.com/office/drawing/2010/main" xmlns:vt="http://schemas.openxmlformats.org/officeDocument/2006/docPropsVTypes" xmlns:ns1="http://schemas.openxmlformats.org/officeDocument/2006/extended-properties" xmlns:cs="http://schemas.microsoft.com/office/drawing/2012/chartStyle" xmlns:c="http://schemas.openxmlformats.org/drawingml/2006/chart" xmlns="" id="{E853D8F1-B23F-485E-9BC7-6DD9827934B0}"/>
+                <a16:creationId xmlns="" xmlns:c="http://schemas.openxmlformats.org/drawingml/2006/chart" xmlns:cs="http://schemas.microsoft.com/office/drawing/2012/chartStyle" xmlns:ns1="http://schemas.openxmlformats.org/officeDocument/2006/extended-properties" xmlns:vt="http://schemas.openxmlformats.org/officeDocument/2006/docPropsVTypes" xmlns:a16="http://schemas.microsoft.com/office/drawing/2010/main" id="{E853D8F1-B23F-485E-9BC7-6DD9827934B0}"/>
               </a:ext>
             </a:extLst>
           </p:cNvPr>
@@ -4792,7 +4795,7 @@
           <p:cNvPr id="20" name="Picture Placeholder 2">
             <a:extLst>
               <a:ext uri="{AAD1FFCB-7751-421D-9D17-01F75EA7E1F8}">
-                <a16:creationId xmlns:a16="http://schemas.microsoft.com/office/drawing/2010/main" xmlns:vt="http://schemas.openxmlformats.org/officeDocument/2006/docPropsVTypes" xmlns:ns1="http://schemas.openxmlformats.org/officeDocument/2006/extended-properties" xmlns:cs="http://schemas.microsoft.com/office/drawing/2012/chartStyle" xmlns:c="http://schemas.openxmlformats.org/drawingml/2006/chart" xmlns="" id="{04C1D791-5B9C-4DC1-8FFA-0FEE38D32C29}"/>
+                <a16:creationId xmlns="" xmlns:c="http://schemas.openxmlformats.org/drawingml/2006/chart" xmlns:cs="http://schemas.microsoft.com/office/drawing/2012/chartStyle" xmlns:ns1="http://schemas.openxmlformats.org/officeDocument/2006/extended-properties" xmlns:vt="http://schemas.openxmlformats.org/officeDocument/2006/docPropsVTypes" xmlns:a16="http://schemas.microsoft.com/office/drawing/2010/main" id="{04C1D791-5B9C-4DC1-8FFA-0FEE38D32C29}"/>
               </a:ext>
             </a:extLst>
           </p:cNvPr>
@@ -4839,7 +4842,7 @@
     </p:custDataLst>
     <p:extLst>
       <p:ext uri="{587BB53C-849A-459D-BE5F-6B67224F1D42}">
-        <p14:creationId xmlns:p14="http://schemas.microsoft.com/office/powerpoint/2010/main" xmlns:vt="http://schemas.openxmlformats.org/officeDocument/2006/docPropsVTypes" xmlns:ns1="http://schemas.openxmlformats.org/officeDocument/2006/extended-properties" xmlns:cs="http://schemas.microsoft.com/office/drawing/2012/chartStyle" xmlns:c="http://schemas.openxmlformats.org/drawingml/2006/chart" xmlns="" val="1753295003069"/>
+        <p14:creationId xmlns="" xmlns:c="http://schemas.openxmlformats.org/drawingml/2006/chart" xmlns:cs="http://schemas.microsoft.com/office/drawing/2012/chartStyle" xmlns:ns1="http://schemas.openxmlformats.org/officeDocument/2006/extended-properties" xmlns:vt="http://schemas.openxmlformats.org/officeDocument/2006/docPropsVTypes" xmlns:p14="http://schemas.microsoft.com/office/powerpoint/2010/main" val="1753295003069"/>
       </p:ext>
     </p:extLst>
   </p:cSld>
@@ -4871,7 +4874,7 @@
           <p:cNvPr id="2" name="Title 7">
             <a:extLst>
               <a:ext uri="{A6CA7C0C-ACEF-48AF-B3F9-43524A088E45}">
-                <a16:creationId xmlns:a16="http://schemas.microsoft.com/office/drawing/2010/main" xmlns:vt="http://schemas.openxmlformats.org/officeDocument/2006/docPropsVTypes" xmlns:ns1="http://schemas.openxmlformats.org/officeDocument/2006/extended-properties" xmlns:cs="http://schemas.microsoft.com/office/drawing/2012/chartStyle" xmlns:c="http://schemas.openxmlformats.org/drawingml/2006/chart" xmlns="" id="{EC62953F-EE90-4D2A-B428-5D90E0042BB0}"/>
+                <a16:creationId xmlns="" xmlns:c="http://schemas.openxmlformats.org/drawingml/2006/chart" xmlns:cs="http://schemas.microsoft.com/office/drawing/2012/chartStyle" xmlns:ns1="http://schemas.openxmlformats.org/officeDocument/2006/extended-properties" xmlns:vt="http://schemas.openxmlformats.org/officeDocument/2006/docPropsVTypes" xmlns:a16="http://schemas.microsoft.com/office/drawing/2010/main" id="{EC62953F-EE90-4D2A-B428-5D90E0042BB0}"/>
               </a:ext>
             </a:extLst>
           </p:cNvPr>
@@ -4906,7 +4909,7 @@
           <p:cNvPr id="3" name="Content Placeholder 2">
             <a:extLst>
               <a:ext uri="{E4F98ADB-7AAC-42AE-9DCC-EFB3A2C68EBF}">
-                <a16:creationId xmlns:a16="http://schemas.microsoft.com/office/drawing/2010/main" xmlns:vt="http://schemas.openxmlformats.org/officeDocument/2006/docPropsVTypes" xmlns:ns1="http://schemas.openxmlformats.org/officeDocument/2006/extended-properties" xmlns:cs="http://schemas.microsoft.com/office/drawing/2012/chartStyle" xmlns:c="http://schemas.openxmlformats.org/drawingml/2006/chart" xmlns="" id="{9FB90A12-6B63-4B7E-B3CF-0725F7EB7589}"/>
+                <a16:creationId xmlns="" xmlns:c="http://schemas.openxmlformats.org/drawingml/2006/chart" xmlns:cs="http://schemas.microsoft.com/office/drawing/2012/chartStyle" xmlns:ns1="http://schemas.openxmlformats.org/officeDocument/2006/extended-properties" xmlns:vt="http://schemas.openxmlformats.org/officeDocument/2006/docPropsVTypes" xmlns:a16="http://schemas.microsoft.com/office/drawing/2010/main" id="{9FB90A12-6B63-4B7E-B3CF-0725F7EB7589}"/>
               </a:ext>
             </a:extLst>
           </p:cNvPr>
@@ -4976,7 +4979,7 @@
           <p:cNvPr id="4" name="Slide Number Placeholder 4">
             <a:extLst>
               <a:ext uri="{F6056FC6-0AB1-46D5-B59C-B46F3D8DACDA}">
-                <a16:creationId xmlns:a16="http://schemas.microsoft.com/office/drawing/2010/main" xmlns:vt="http://schemas.openxmlformats.org/officeDocument/2006/docPropsVTypes" xmlns:ns1="http://schemas.openxmlformats.org/officeDocument/2006/extended-properties" xmlns:cs="http://schemas.microsoft.com/office/drawing/2012/chartStyle" xmlns:c="http://schemas.openxmlformats.org/drawingml/2006/chart" xmlns="" id="{9D9542D2-4630-4A13-A117-2E67B3D1C31F}"/>
+                <a16:creationId xmlns="" xmlns:c="http://schemas.openxmlformats.org/drawingml/2006/chart" xmlns:cs="http://schemas.microsoft.com/office/drawing/2012/chartStyle" xmlns:ns1="http://schemas.openxmlformats.org/officeDocument/2006/extended-properties" xmlns:vt="http://schemas.openxmlformats.org/officeDocument/2006/docPropsVTypes" xmlns:a16="http://schemas.microsoft.com/office/drawing/2010/main" id="{9D9542D2-4630-4A13-A117-2E67B3D1C31F}"/>
               </a:ext>
             </a:extLst>
           </p:cNvPr>
@@ -5004,7 +5007,7 @@
           <p:cNvPr id="5" name="Footer Placeholder 3">
             <a:extLst>
               <a:ext uri="{EB3B61FA-CBD9-4C4E-9FE6-6A49A0948466}">
-                <a16:creationId xmlns:a16="http://schemas.microsoft.com/office/drawing/2010/main" xmlns:vt="http://schemas.openxmlformats.org/officeDocument/2006/docPropsVTypes" xmlns:ns1="http://schemas.openxmlformats.org/officeDocument/2006/extended-properties" xmlns:cs="http://schemas.microsoft.com/office/drawing/2012/chartStyle" xmlns:c="http://schemas.openxmlformats.org/drawingml/2006/chart" xmlns="" id="{7AECFA10-CABE-4861-8CF0-F63E1E67C14C}"/>
+                <a16:creationId xmlns="" xmlns:c="http://schemas.openxmlformats.org/drawingml/2006/chart" xmlns:cs="http://schemas.microsoft.com/office/drawing/2012/chartStyle" xmlns:ns1="http://schemas.openxmlformats.org/officeDocument/2006/extended-properties" xmlns:vt="http://schemas.openxmlformats.org/officeDocument/2006/docPropsVTypes" xmlns:a16="http://schemas.microsoft.com/office/drawing/2010/main" id="{7AECFA10-CABE-4861-8CF0-F63E1E67C14C}"/>
               </a:ext>
             </a:extLst>
           </p:cNvPr>
@@ -5032,7 +5035,7 @@
           <p:cNvPr id="6" name="Date Placeholder 1">
             <a:extLst>
               <a:ext uri="{B14FD44C-1E40-4E84-AB72-F35BDE67F690}">
-                <a16:creationId xmlns:a16="http://schemas.microsoft.com/office/drawing/2010/main" xmlns:vt="http://schemas.openxmlformats.org/officeDocument/2006/docPropsVTypes" xmlns:ns1="http://schemas.openxmlformats.org/officeDocument/2006/extended-properties" xmlns:cs="http://schemas.microsoft.com/office/drawing/2012/chartStyle" xmlns:c="http://schemas.openxmlformats.org/drawingml/2006/chart" xmlns="" id="{6540C1AA-FE31-47D0-A785-AD3186089D9A}"/>
+                <a16:creationId xmlns="" xmlns:c="http://schemas.openxmlformats.org/drawingml/2006/chart" xmlns:cs="http://schemas.microsoft.com/office/drawing/2012/chartStyle" xmlns:ns1="http://schemas.openxmlformats.org/officeDocument/2006/extended-properties" xmlns:vt="http://schemas.openxmlformats.org/officeDocument/2006/docPropsVTypes" xmlns:a16="http://schemas.microsoft.com/office/drawing/2010/main" id="{6540C1AA-FE31-47D0-A785-AD3186089D9A}"/>
               </a:ext>
             </a:extLst>
           </p:cNvPr>
@@ -5060,7 +5063,7 @@
           <p:cNvPr id="7" name="Group 6">
             <a:extLst>
               <a:ext uri="{20C659C5-8935-44E6-9B66-819BDE72949C}">
-                <a16:creationId xmlns:a16="http://schemas.microsoft.com/office/drawing/2010/main" xmlns:vt="http://schemas.openxmlformats.org/officeDocument/2006/docPropsVTypes" xmlns:ns1="http://schemas.openxmlformats.org/officeDocument/2006/extended-properties" xmlns:cs="http://schemas.microsoft.com/office/drawing/2012/chartStyle" xmlns:c="http://schemas.openxmlformats.org/drawingml/2006/chart" xmlns="" id="{52EDA26A-C81B-4C24-8A6A-4239674D7A1C}"/>
+                <a16:creationId xmlns="" xmlns:c="http://schemas.openxmlformats.org/drawingml/2006/chart" xmlns:cs="http://schemas.microsoft.com/office/drawing/2012/chartStyle" xmlns:ns1="http://schemas.openxmlformats.org/officeDocument/2006/extended-properties" xmlns:vt="http://schemas.openxmlformats.org/officeDocument/2006/docPropsVTypes" xmlns:a16="http://schemas.microsoft.com/office/drawing/2010/main" id="{52EDA26A-C81B-4C24-8A6A-4239674D7A1C}"/>
               </a:ext>
             </a:extLst>
           </p:cNvPr>
@@ -5082,7 +5085,7 @@
             <p:cNvPr id="8" name="Freeform: Shape 7">
               <a:extLst>
                 <a:ext uri="{129FD0C0-3B84-4ED1-A35C-3A1B0E323CFE}">
-                  <a16:creationId xmlns:a16="http://schemas.microsoft.com/office/drawing/2010/main" xmlns:vt="http://schemas.openxmlformats.org/officeDocument/2006/docPropsVTypes" xmlns:ns1="http://schemas.openxmlformats.org/officeDocument/2006/extended-properties" xmlns:cs="http://schemas.microsoft.com/office/drawing/2012/chartStyle" xmlns:c="http://schemas.openxmlformats.org/drawingml/2006/chart" xmlns="" id="{D3C5BCDE-00AB-444A-A582-237AD0DC1598}"/>
+                  <a16:creationId xmlns="" xmlns:c="http://schemas.openxmlformats.org/drawingml/2006/chart" xmlns:cs="http://schemas.microsoft.com/office/drawing/2012/chartStyle" xmlns:ns1="http://schemas.openxmlformats.org/officeDocument/2006/extended-properties" xmlns:vt="http://schemas.openxmlformats.org/officeDocument/2006/docPropsVTypes" xmlns:a16="http://schemas.microsoft.com/office/drawing/2010/main" id="{D3C5BCDE-00AB-444A-A582-237AD0DC1598}"/>
                 </a:ext>
               </a:extLst>
             </p:cNvPr>
@@ -5159,7 +5162,7 @@
             <p:cNvPr id="9" name="Freeform: Shape 8">
               <a:extLst>
                 <a:ext uri="{542490C4-1F2E-4F72-8589-71ADE43F0ED5}">
-                  <a16:creationId xmlns:a16="http://schemas.microsoft.com/office/drawing/2010/main" xmlns:vt="http://schemas.openxmlformats.org/officeDocument/2006/docPropsVTypes" xmlns:ns1="http://schemas.openxmlformats.org/officeDocument/2006/extended-properties" xmlns:cs="http://schemas.microsoft.com/office/drawing/2012/chartStyle" xmlns:c="http://schemas.openxmlformats.org/drawingml/2006/chart" xmlns="" id="{EF78CA8A-7B59-4C89-9895-F8350C370EF9}"/>
+                  <a16:creationId xmlns="" xmlns:c="http://schemas.openxmlformats.org/drawingml/2006/chart" xmlns:cs="http://schemas.microsoft.com/office/drawing/2012/chartStyle" xmlns:ns1="http://schemas.openxmlformats.org/officeDocument/2006/extended-properties" xmlns:vt="http://schemas.openxmlformats.org/officeDocument/2006/docPropsVTypes" xmlns:a16="http://schemas.microsoft.com/office/drawing/2010/main" id="{EF78CA8A-7B59-4C89-9895-F8350C370EF9}"/>
                 </a:ext>
               </a:extLst>
             </p:cNvPr>
@@ -5236,7 +5239,7 @@
             <p:cNvPr id="10" name="Freeform: Shape 9">
               <a:extLst>
                 <a:ext uri="{970A441F-2F5C-49BC-9C40-1D6C3A89091A}">
-                  <a16:creationId xmlns:a16="http://schemas.microsoft.com/office/drawing/2010/main" xmlns:vt="http://schemas.openxmlformats.org/officeDocument/2006/docPropsVTypes" xmlns:ns1="http://schemas.openxmlformats.org/officeDocument/2006/extended-properties" xmlns:cs="http://schemas.microsoft.com/office/drawing/2012/chartStyle" xmlns:c="http://schemas.openxmlformats.org/drawingml/2006/chart" xmlns="" id="{C08A935D-0A73-4ED4-B152-BC14F4648AE4}"/>
+                  <a16:creationId xmlns="" xmlns:c="http://schemas.openxmlformats.org/drawingml/2006/chart" xmlns:cs="http://schemas.microsoft.com/office/drawing/2012/chartStyle" xmlns:ns1="http://schemas.openxmlformats.org/officeDocument/2006/extended-properties" xmlns:vt="http://schemas.openxmlformats.org/officeDocument/2006/docPropsVTypes" xmlns:a16="http://schemas.microsoft.com/office/drawing/2010/main" id="{C08A935D-0A73-4ED4-B152-BC14F4648AE4}"/>
                 </a:ext>
               </a:extLst>
             </p:cNvPr>
@@ -5314,7 +5317,7 @@
           <p:cNvPr id="11" name="Freeform: Shape 10">
             <a:extLst>
               <a:ext uri="{6744F1B2-057A-49C0-B32D-EB29DD435770}">
-                <a16:creationId xmlns:a16="http://schemas.microsoft.com/office/drawing/2010/main" xmlns:vt="http://schemas.openxmlformats.org/officeDocument/2006/docPropsVTypes" xmlns:ns1="http://schemas.openxmlformats.org/officeDocument/2006/extended-properties" xmlns:cs="http://schemas.microsoft.com/office/drawing/2012/chartStyle" xmlns:c="http://schemas.openxmlformats.org/drawingml/2006/chart" xmlns="" id="{728398D1-1EEF-49CF-BB58-2EAD0B60FD80}"/>
+                <a16:creationId xmlns="" xmlns:c="http://schemas.openxmlformats.org/drawingml/2006/chart" xmlns:cs="http://schemas.microsoft.com/office/drawing/2012/chartStyle" xmlns:ns1="http://schemas.openxmlformats.org/officeDocument/2006/extended-properties" xmlns:vt="http://schemas.openxmlformats.org/officeDocument/2006/docPropsVTypes" xmlns:a16="http://schemas.microsoft.com/office/drawing/2010/main" id="{728398D1-1EEF-49CF-BB58-2EAD0B60FD80}"/>
               </a:ext>
             </a:extLst>
           </p:cNvPr>
@@ -5390,7 +5393,7 @@
           <p:cNvPr id="12" name="Freeform: Shape 11">
             <a:extLst>
               <a:ext uri="{E58AAB0C-0267-4541-96C7-71385EBBF008}">
-                <a16:creationId xmlns:a16="http://schemas.microsoft.com/office/drawing/2010/main" xmlns:vt="http://schemas.openxmlformats.org/officeDocument/2006/docPropsVTypes" xmlns:ns1="http://schemas.openxmlformats.org/officeDocument/2006/extended-properties" xmlns:cs="http://schemas.microsoft.com/office/drawing/2012/chartStyle" xmlns:c="http://schemas.openxmlformats.org/drawingml/2006/chart" xmlns="" id="{66626DE4-36C2-458B-B618-397F9588F5F9}"/>
+                <a16:creationId xmlns="" xmlns:c="http://schemas.openxmlformats.org/drawingml/2006/chart" xmlns:cs="http://schemas.microsoft.com/office/drawing/2012/chartStyle" xmlns:ns1="http://schemas.openxmlformats.org/officeDocument/2006/extended-properties" xmlns:vt="http://schemas.openxmlformats.org/officeDocument/2006/docPropsVTypes" xmlns:a16="http://schemas.microsoft.com/office/drawing/2010/main" id="{66626DE4-36C2-458B-B618-397F9588F5F9}"/>
               </a:ext>
             </a:extLst>
           </p:cNvPr>
@@ -5466,7 +5469,7 @@
           <p:cNvPr id="13" name="Freeform: Shape 12">
             <a:extLst>
               <a:ext uri="{B570F36D-377A-4CF2-B4C7-8B8FE4437A79}">
-                <a16:creationId xmlns:a16="http://schemas.microsoft.com/office/drawing/2010/main" xmlns:vt="http://schemas.openxmlformats.org/officeDocument/2006/docPropsVTypes" xmlns:ns1="http://schemas.openxmlformats.org/officeDocument/2006/extended-properties" xmlns:cs="http://schemas.microsoft.com/office/drawing/2012/chartStyle" xmlns:c="http://schemas.openxmlformats.org/drawingml/2006/chart" xmlns="" id="{7496D20C-80F5-487A-99D5-7D4A3F83EA42}"/>
+                <a16:creationId xmlns="" xmlns:c="http://schemas.openxmlformats.org/drawingml/2006/chart" xmlns:cs="http://schemas.microsoft.com/office/drawing/2012/chartStyle" xmlns:ns1="http://schemas.openxmlformats.org/officeDocument/2006/extended-properties" xmlns:vt="http://schemas.openxmlformats.org/officeDocument/2006/docPropsVTypes" xmlns:a16="http://schemas.microsoft.com/office/drawing/2010/main" id="{7496D20C-80F5-487A-99D5-7D4A3F83EA42}"/>
               </a:ext>
             </a:extLst>
           </p:cNvPr>
@@ -5542,7 +5545,7 @@
           <p:cNvPr id="14" name="Freeform: Shape 13">
             <a:extLst>
               <a:ext uri="{47F48773-85EA-42EC-BE67-A25109274BA4}">
-                <a16:creationId xmlns:a16="http://schemas.microsoft.com/office/drawing/2010/main" xmlns:vt="http://schemas.openxmlformats.org/officeDocument/2006/docPropsVTypes" xmlns:ns1="http://schemas.openxmlformats.org/officeDocument/2006/extended-properties" xmlns:cs="http://schemas.microsoft.com/office/drawing/2012/chartStyle" xmlns:c="http://schemas.openxmlformats.org/drawingml/2006/chart" xmlns="" id="{0F738EFD-52E0-46D9-9D87-F0986ECAB2E3}"/>
+                <a16:creationId xmlns="" xmlns:c="http://schemas.openxmlformats.org/drawingml/2006/chart" xmlns:cs="http://schemas.microsoft.com/office/drawing/2012/chartStyle" xmlns:ns1="http://schemas.openxmlformats.org/officeDocument/2006/extended-properties" xmlns:vt="http://schemas.openxmlformats.org/officeDocument/2006/docPropsVTypes" xmlns:a16="http://schemas.microsoft.com/office/drawing/2010/main" id="{0F738EFD-52E0-46D9-9D87-F0986ECAB2E3}"/>
               </a:ext>
             </a:extLst>
           </p:cNvPr>
@@ -5616,7 +5619,7 @@
     </p:spTree>
     <p:extLst>
       <p:ext uri="{8EF695D6-0B42-4E1B-B7D0-463011656DF9}">
-        <p14:creationId xmlns:p14="http://schemas.microsoft.com/office/powerpoint/2010/main" xmlns:vt="http://schemas.openxmlformats.org/officeDocument/2006/docPropsVTypes" xmlns:ns1="http://schemas.openxmlformats.org/officeDocument/2006/extended-properties" xmlns:cs="http://schemas.microsoft.com/office/drawing/2012/chartStyle" xmlns:c="http://schemas.openxmlformats.org/drawingml/2006/chart" xmlns="" val="1753295003051"/>
+        <p14:creationId xmlns="" xmlns:c="http://schemas.openxmlformats.org/drawingml/2006/chart" xmlns:cs="http://schemas.microsoft.com/office/drawing/2012/chartStyle" xmlns:ns1="http://schemas.openxmlformats.org/officeDocument/2006/extended-properties" xmlns:vt="http://schemas.openxmlformats.org/officeDocument/2006/docPropsVTypes" xmlns:p14="http://schemas.microsoft.com/office/powerpoint/2010/main" val="1753295003051"/>
       </p:ext>
     </p:extLst>
   </p:cSld>
@@ -5648,7 +5651,7 @@
           <p:cNvPr id="2" name="Text Placeholder 2">
             <a:extLst>
               <a:ext uri="{411A4351-4EC9-4710-8E6F-F015EE162542}">
-                <a16:creationId xmlns:a16="http://schemas.microsoft.com/office/drawing/2010/main" xmlns:vt="http://schemas.openxmlformats.org/officeDocument/2006/docPropsVTypes" xmlns:ns1="http://schemas.openxmlformats.org/officeDocument/2006/extended-properties" xmlns:cs="http://schemas.microsoft.com/office/drawing/2012/chartStyle" xmlns:c="http://schemas.openxmlformats.org/drawingml/2006/chart" xmlns="" id="{E5E53EDD-55D0-46E6-8825-48729803B1D4}"/>
+                <a16:creationId xmlns="" xmlns:c="http://schemas.openxmlformats.org/drawingml/2006/chart" xmlns:cs="http://schemas.microsoft.com/office/drawing/2012/chartStyle" xmlns:ns1="http://schemas.openxmlformats.org/officeDocument/2006/extended-properties" xmlns:vt="http://schemas.openxmlformats.org/officeDocument/2006/docPropsVTypes" xmlns:a16="http://schemas.microsoft.com/office/drawing/2010/main" id="{E5E53EDD-55D0-46E6-8825-48729803B1D4}"/>
               </a:ext>
             </a:extLst>
           </p:cNvPr>
@@ -5704,7 +5707,7 @@
           <p:cNvPr id="3" name="Title 1">
             <a:extLst>
               <a:ext uri="{A17BDBF6-C746-4E2D-9DD3-84CCD48205B6}">
-                <a16:creationId xmlns:a16="http://schemas.microsoft.com/office/drawing/2010/main" xmlns:vt="http://schemas.openxmlformats.org/officeDocument/2006/docPropsVTypes" xmlns:ns1="http://schemas.openxmlformats.org/officeDocument/2006/extended-properties" xmlns:cs="http://schemas.microsoft.com/office/drawing/2012/chartStyle" xmlns:c="http://schemas.openxmlformats.org/drawingml/2006/chart" xmlns="" id="{397F9181-C8CD-4DC4-8C73-E1906FE3DCD5}"/>
+                <a16:creationId xmlns="" xmlns:c="http://schemas.openxmlformats.org/drawingml/2006/chart" xmlns:cs="http://schemas.microsoft.com/office/drawing/2012/chartStyle" xmlns:ns1="http://schemas.openxmlformats.org/officeDocument/2006/extended-properties" xmlns:vt="http://schemas.openxmlformats.org/officeDocument/2006/docPropsVTypes" xmlns:a16="http://schemas.microsoft.com/office/drawing/2010/main" id="{397F9181-C8CD-4DC4-8C73-E1906FE3DCD5}"/>
               </a:ext>
             </a:extLst>
           </p:cNvPr>
@@ -5742,7 +5745,7 @@
           <p:cNvPr id="4" name="Slide Number Placeholder 5">
             <a:extLst>
               <a:ext uri="{C1CC88C1-6198-44E0-AA10-40BC62E2D95E}">
-                <a16:creationId xmlns:a16="http://schemas.microsoft.com/office/drawing/2010/main" xmlns:vt="http://schemas.openxmlformats.org/officeDocument/2006/docPropsVTypes" xmlns:ns1="http://schemas.openxmlformats.org/officeDocument/2006/extended-properties" xmlns:cs="http://schemas.microsoft.com/office/drawing/2012/chartStyle" xmlns:c="http://schemas.openxmlformats.org/drawingml/2006/chart" xmlns="" id="{DEE0C38A-4410-4555-BCE7-E0CE41A5EC27}"/>
+                <a16:creationId xmlns="" xmlns:c="http://schemas.openxmlformats.org/drawingml/2006/chart" xmlns:cs="http://schemas.microsoft.com/office/drawing/2012/chartStyle" xmlns:ns1="http://schemas.openxmlformats.org/officeDocument/2006/extended-properties" xmlns:vt="http://schemas.openxmlformats.org/officeDocument/2006/docPropsVTypes" xmlns:a16="http://schemas.microsoft.com/office/drawing/2010/main" id="{DEE0C38A-4410-4555-BCE7-E0CE41A5EC27}"/>
               </a:ext>
             </a:extLst>
           </p:cNvPr>
@@ -5772,7 +5775,7 @@
           <p:cNvPr id="5" name="Footer Placeholder 4">
             <a:extLst>
               <a:ext uri="{E08B126D-E87F-4EF0-9605-5E6614DEEDE2}">
-                <a16:creationId xmlns:a16="http://schemas.microsoft.com/office/drawing/2010/main" xmlns:vt="http://schemas.openxmlformats.org/officeDocument/2006/docPropsVTypes" xmlns:ns1="http://schemas.openxmlformats.org/officeDocument/2006/extended-properties" xmlns:cs="http://schemas.microsoft.com/office/drawing/2012/chartStyle" xmlns:c="http://schemas.openxmlformats.org/drawingml/2006/chart" xmlns="" id="{28716E34-801E-4D7B-8956-39AE1E8F48D7}"/>
+                <a16:creationId xmlns="" xmlns:c="http://schemas.openxmlformats.org/drawingml/2006/chart" xmlns:cs="http://schemas.microsoft.com/office/drawing/2012/chartStyle" xmlns:ns1="http://schemas.openxmlformats.org/officeDocument/2006/extended-properties" xmlns:vt="http://schemas.openxmlformats.org/officeDocument/2006/docPropsVTypes" xmlns:a16="http://schemas.microsoft.com/office/drawing/2010/main" id="{28716E34-801E-4D7B-8956-39AE1E8F48D7}"/>
               </a:ext>
             </a:extLst>
           </p:cNvPr>
@@ -5802,7 +5805,7 @@
           <p:cNvPr id="6" name="Date Placeholder 3">
             <a:extLst>
               <a:ext uri="{7EFD6C04-10E1-47D8-9735-734A0F6EFE96}">
-                <a16:creationId xmlns:a16="http://schemas.microsoft.com/office/drawing/2010/main" xmlns:vt="http://schemas.openxmlformats.org/officeDocument/2006/docPropsVTypes" xmlns:ns1="http://schemas.openxmlformats.org/officeDocument/2006/extended-properties" xmlns:cs="http://schemas.microsoft.com/office/drawing/2012/chartStyle" xmlns:c="http://schemas.openxmlformats.org/drawingml/2006/chart" xmlns="" id="{2763C475-6E1D-4C9B-8B8F-35B4DC2716F5}"/>
+                <a16:creationId xmlns="" xmlns:c="http://schemas.openxmlformats.org/drawingml/2006/chart" xmlns:cs="http://schemas.microsoft.com/office/drawing/2012/chartStyle" xmlns:ns1="http://schemas.openxmlformats.org/officeDocument/2006/extended-properties" xmlns:vt="http://schemas.openxmlformats.org/officeDocument/2006/docPropsVTypes" xmlns:a16="http://schemas.microsoft.com/office/drawing/2010/main" id="{2763C475-6E1D-4C9B-8B8F-35B4DC2716F5}"/>
               </a:ext>
             </a:extLst>
           </p:cNvPr>
@@ -5832,7 +5835,7 @@
           <p:cNvPr id="7" name="TextBox 6">
             <a:extLst>
               <a:ext uri="{39E790AF-20EA-4599-9D0C-5ADFAF76CBC0}">
-                <a16:creationId xmlns:a16="http://schemas.microsoft.com/office/drawing/2010/main" xmlns:vt="http://schemas.openxmlformats.org/officeDocument/2006/docPropsVTypes" xmlns:ns1="http://schemas.openxmlformats.org/officeDocument/2006/extended-properties" xmlns:cs="http://schemas.microsoft.com/office/drawing/2012/chartStyle" xmlns:c="http://schemas.openxmlformats.org/drawingml/2006/chart" xmlns="" id="{D7BB24AC-C58E-4D6C-B675-FC1A9194FA1F}"/>
+                <a16:creationId xmlns="" xmlns:c="http://schemas.openxmlformats.org/drawingml/2006/chart" xmlns:cs="http://schemas.microsoft.com/office/drawing/2012/chartStyle" xmlns:ns1="http://schemas.openxmlformats.org/officeDocument/2006/extended-properties" xmlns:vt="http://schemas.openxmlformats.org/officeDocument/2006/docPropsVTypes" xmlns:a16="http://schemas.microsoft.com/office/drawing/2010/main" id="{D7BB24AC-C58E-4D6C-B675-FC1A9194FA1F}"/>
               </a:ext>
             </a:extLst>
           </p:cNvPr>
@@ -5868,7 +5871,7 @@
           <p:cNvPr id="8" name="Group 7">
             <a:extLst>
               <a:ext uri="{C0637C6B-983D-4276-A79D-9DB57F61DA59}">
-                <a16:creationId xmlns:a16="http://schemas.microsoft.com/office/drawing/2010/main" xmlns:vt="http://schemas.openxmlformats.org/officeDocument/2006/docPropsVTypes" xmlns:ns1="http://schemas.openxmlformats.org/officeDocument/2006/extended-properties" xmlns:cs="http://schemas.microsoft.com/office/drawing/2012/chartStyle" xmlns:c="http://schemas.openxmlformats.org/drawingml/2006/chart" xmlns="" id="{E0C03833-0798-427F-8EF4-9A8FA66AC69E}"/>
+                <a16:creationId xmlns="" xmlns:c="http://schemas.openxmlformats.org/drawingml/2006/chart" xmlns:cs="http://schemas.microsoft.com/office/drawing/2012/chartStyle" xmlns:ns1="http://schemas.openxmlformats.org/officeDocument/2006/extended-properties" xmlns:vt="http://schemas.openxmlformats.org/officeDocument/2006/docPropsVTypes" xmlns:a16="http://schemas.microsoft.com/office/drawing/2010/main" id="{E0C03833-0798-427F-8EF4-9A8FA66AC69E}"/>
               </a:ext>
             </a:extLst>
           </p:cNvPr>
@@ -5890,7 +5893,7 @@
             <p:cNvPr id="9" name="Freeform: Shape 8">
               <a:extLst>
                 <a:ext uri="{796C167C-18C4-4A01-BBA8-B5D840027773}">
-                  <a16:creationId xmlns:a16="http://schemas.microsoft.com/office/drawing/2010/main" xmlns:vt="http://schemas.openxmlformats.org/officeDocument/2006/docPropsVTypes" xmlns:ns1="http://schemas.openxmlformats.org/officeDocument/2006/extended-properties" xmlns:cs="http://schemas.microsoft.com/office/drawing/2012/chartStyle" xmlns:c="http://schemas.openxmlformats.org/drawingml/2006/chart" xmlns="" id="{84063E87-AF31-43B9-8F4D-7AECBB25E477}"/>
+                  <a16:creationId xmlns="" xmlns:c="http://schemas.openxmlformats.org/drawingml/2006/chart" xmlns:cs="http://schemas.microsoft.com/office/drawing/2012/chartStyle" xmlns:ns1="http://schemas.openxmlformats.org/officeDocument/2006/extended-properties" xmlns:vt="http://schemas.openxmlformats.org/officeDocument/2006/docPropsVTypes" xmlns:a16="http://schemas.microsoft.com/office/drawing/2010/main" id="{84063E87-AF31-43B9-8F4D-7AECBB25E477}"/>
                 </a:ext>
               </a:extLst>
             </p:cNvPr>
@@ -5965,7 +5968,7 @@
             <p:cNvPr id="10" name="Freeform: Shape 9">
               <a:extLst>
                 <a:ext uri="{F33B7B4E-2065-4A13-96B9-686BE8C33708}">
-                  <a16:creationId xmlns:a16="http://schemas.microsoft.com/office/drawing/2010/main" xmlns:vt="http://schemas.openxmlformats.org/officeDocument/2006/docPropsVTypes" xmlns:ns1="http://schemas.openxmlformats.org/officeDocument/2006/extended-properties" xmlns:cs="http://schemas.microsoft.com/office/drawing/2012/chartStyle" xmlns:c="http://schemas.openxmlformats.org/drawingml/2006/chart" xmlns="" id="{C58E41AB-A2B3-4695-94DA-EA9D14332CF5}"/>
+                  <a16:creationId xmlns="" xmlns:c="http://schemas.openxmlformats.org/drawingml/2006/chart" xmlns:cs="http://schemas.microsoft.com/office/drawing/2012/chartStyle" xmlns:ns1="http://schemas.openxmlformats.org/officeDocument/2006/extended-properties" xmlns:vt="http://schemas.openxmlformats.org/officeDocument/2006/docPropsVTypes" xmlns:a16="http://schemas.microsoft.com/office/drawing/2010/main" id="{C58E41AB-A2B3-4695-94DA-EA9D14332CF5}"/>
                 </a:ext>
               </a:extLst>
             </p:cNvPr>
@@ -6040,7 +6043,7 @@
             <p:cNvPr id="11" name="Freeform: Shape 10">
               <a:extLst>
                 <a:ext uri="{49423C06-6EA3-4695-88FD-823A360FDD87}">
-                  <a16:creationId xmlns:a16="http://schemas.microsoft.com/office/drawing/2010/main" xmlns:vt="http://schemas.openxmlformats.org/officeDocument/2006/docPropsVTypes" xmlns:ns1="http://schemas.openxmlformats.org/officeDocument/2006/extended-properties" xmlns:cs="http://schemas.microsoft.com/office/drawing/2012/chartStyle" xmlns:c="http://schemas.openxmlformats.org/drawingml/2006/chart" xmlns="" id="{94B9002F-2096-4671-82ED-E5D40DF7163E}"/>
+                  <a16:creationId xmlns="" xmlns:c="http://schemas.openxmlformats.org/drawingml/2006/chart" xmlns:cs="http://schemas.microsoft.com/office/drawing/2012/chartStyle" xmlns:ns1="http://schemas.openxmlformats.org/officeDocument/2006/extended-properties" xmlns:vt="http://schemas.openxmlformats.org/officeDocument/2006/docPropsVTypes" xmlns:a16="http://schemas.microsoft.com/office/drawing/2010/main" id="{94B9002F-2096-4671-82ED-E5D40DF7163E}"/>
                 </a:ext>
               </a:extLst>
             </p:cNvPr>
@@ -6115,7 +6118,7 @@
             <p:cNvPr id="12" name="Freeform: Shape 11">
               <a:extLst>
                 <a:ext uri="{B9BB0747-53E8-4C81-A1DA-EA516ED4A45F}">
-                  <a16:creationId xmlns:a16="http://schemas.microsoft.com/office/drawing/2010/main" xmlns:vt="http://schemas.openxmlformats.org/officeDocument/2006/docPropsVTypes" xmlns:ns1="http://schemas.openxmlformats.org/officeDocument/2006/extended-properties" xmlns:cs="http://schemas.microsoft.com/office/drawing/2012/chartStyle" xmlns:c="http://schemas.openxmlformats.org/drawingml/2006/chart" xmlns="" id="{D718E2E9-0F4E-4824-87D2-466AFA7DA950}"/>
+                  <a16:creationId xmlns="" xmlns:c="http://schemas.openxmlformats.org/drawingml/2006/chart" xmlns:cs="http://schemas.microsoft.com/office/drawing/2012/chartStyle" xmlns:ns1="http://schemas.openxmlformats.org/officeDocument/2006/extended-properties" xmlns:vt="http://schemas.openxmlformats.org/officeDocument/2006/docPropsVTypes" xmlns:a16="http://schemas.microsoft.com/office/drawing/2010/main" id="{D718E2E9-0F4E-4824-87D2-466AFA7DA950}"/>
                 </a:ext>
               </a:extLst>
             </p:cNvPr>
@@ -6196,7 +6199,7 @@
             <p:cNvPr id="13" name="Freeform: Shape 12">
               <a:extLst>
                 <a:ext uri="{27A5CDB9-F24A-44E0-9941-538BE06E4485}">
-                  <a16:creationId xmlns:a16="http://schemas.microsoft.com/office/drawing/2010/main" xmlns:vt="http://schemas.openxmlformats.org/officeDocument/2006/docPropsVTypes" xmlns:ns1="http://schemas.openxmlformats.org/officeDocument/2006/extended-properties" xmlns:cs="http://schemas.microsoft.com/office/drawing/2012/chartStyle" xmlns:c="http://schemas.openxmlformats.org/drawingml/2006/chart" xmlns="" id="{D213DB4F-BF7F-4581-8C59-B3D3F7785883}"/>
+                  <a16:creationId xmlns="" xmlns:c="http://schemas.openxmlformats.org/drawingml/2006/chart" xmlns:cs="http://schemas.microsoft.com/office/drawing/2012/chartStyle" xmlns:ns1="http://schemas.openxmlformats.org/officeDocument/2006/extended-properties" xmlns:vt="http://schemas.openxmlformats.org/officeDocument/2006/docPropsVTypes" xmlns:a16="http://schemas.microsoft.com/office/drawing/2010/main" id="{D213DB4F-BF7F-4581-8C59-B3D3F7785883}"/>
                 </a:ext>
               </a:extLst>
             </p:cNvPr>
@@ -6271,7 +6274,7 @@
             <p:cNvPr id="14" name="Freeform: Shape 13">
               <a:extLst>
                 <a:ext uri="{BB42F1B5-EEE3-429E-A9C1-CA0972663636}">
-                  <a16:creationId xmlns:a16="http://schemas.microsoft.com/office/drawing/2010/main" xmlns:vt="http://schemas.openxmlformats.org/officeDocument/2006/docPropsVTypes" xmlns:ns1="http://schemas.openxmlformats.org/officeDocument/2006/extended-properties" xmlns:cs="http://schemas.microsoft.com/office/drawing/2012/chartStyle" xmlns:c="http://schemas.openxmlformats.org/drawingml/2006/chart" xmlns="" id="{EBFB6C80-F0BA-4237-8A42-AB298AE74803}"/>
+                  <a16:creationId xmlns="" xmlns:c="http://schemas.openxmlformats.org/drawingml/2006/chart" xmlns:cs="http://schemas.microsoft.com/office/drawing/2012/chartStyle" xmlns:ns1="http://schemas.openxmlformats.org/officeDocument/2006/extended-properties" xmlns:vt="http://schemas.openxmlformats.org/officeDocument/2006/docPropsVTypes" xmlns:a16="http://schemas.microsoft.com/office/drawing/2010/main" id="{EBFB6C80-F0BA-4237-8A42-AB298AE74803}"/>
                 </a:ext>
               </a:extLst>
             </p:cNvPr>
@@ -6348,7 +6351,7 @@
             <p:cNvPr id="15" name="Freeform: Shape 14">
               <a:extLst>
                 <a:ext uri="{D860ABE5-4165-45AC-B7D5-A5F9B6F93021}">
-                  <a16:creationId xmlns:a16="http://schemas.microsoft.com/office/drawing/2010/main" xmlns:vt="http://schemas.openxmlformats.org/officeDocument/2006/docPropsVTypes" xmlns:ns1="http://schemas.openxmlformats.org/officeDocument/2006/extended-properties" xmlns:cs="http://schemas.microsoft.com/office/drawing/2012/chartStyle" xmlns:c="http://schemas.openxmlformats.org/drawingml/2006/chart" xmlns="" id="{8DF8813F-32DE-46D2-AA09-90D226C98985}"/>
+                  <a16:creationId xmlns="" xmlns:c="http://schemas.openxmlformats.org/drawingml/2006/chart" xmlns:cs="http://schemas.microsoft.com/office/drawing/2012/chartStyle" xmlns:ns1="http://schemas.openxmlformats.org/officeDocument/2006/extended-properties" xmlns:vt="http://schemas.openxmlformats.org/officeDocument/2006/docPropsVTypes" xmlns:a16="http://schemas.microsoft.com/office/drawing/2010/main" id="{8DF8813F-32DE-46D2-AA09-90D226C98985}"/>
                 </a:ext>
               </a:extLst>
             </p:cNvPr>
@@ -6423,7 +6426,7 @@
             <p:cNvPr id="16" name="Freeform: Shape 15">
               <a:extLst>
                 <a:ext uri="{A758C09F-F875-425C-AFCA-E4F85A338A62}">
-                  <a16:creationId xmlns:a16="http://schemas.microsoft.com/office/drawing/2010/main" xmlns:vt="http://schemas.openxmlformats.org/officeDocument/2006/docPropsVTypes" xmlns:ns1="http://schemas.openxmlformats.org/officeDocument/2006/extended-properties" xmlns:cs="http://schemas.microsoft.com/office/drawing/2012/chartStyle" xmlns:c="http://schemas.openxmlformats.org/drawingml/2006/chart" xmlns="" id="{5F293AD3-FBA6-40C9-9F66-D0E2B274AB35}"/>
+                  <a16:creationId xmlns="" xmlns:c="http://schemas.openxmlformats.org/drawingml/2006/chart" xmlns:cs="http://schemas.microsoft.com/office/drawing/2012/chartStyle" xmlns:ns1="http://schemas.openxmlformats.org/officeDocument/2006/extended-properties" xmlns:vt="http://schemas.openxmlformats.org/officeDocument/2006/docPropsVTypes" xmlns:a16="http://schemas.microsoft.com/office/drawing/2010/main" id="{5F293AD3-FBA6-40C9-9F66-D0E2B274AB35}"/>
                 </a:ext>
               </a:extLst>
             </p:cNvPr>
@@ -6498,7 +6501,7 @@
             <p:cNvPr id="17" name="Freeform: Shape 16">
               <a:extLst>
                 <a:ext uri="{76C72185-95BA-45A6-A42F-F3E35B24FF51}">
-                  <a16:creationId xmlns:a16="http://schemas.microsoft.com/office/drawing/2010/main" xmlns:vt="http://schemas.openxmlformats.org/officeDocument/2006/docPropsVTypes" xmlns:ns1="http://schemas.openxmlformats.org/officeDocument/2006/extended-properties" xmlns:cs="http://schemas.microsoft.com/office/drawing/2012/chartStyle" xmlns:c="http://schemas.openxmlformats.org/drawingml/2006/chart" xmlns="" id="{DFDFAFE2-0EA3-45E9-8C23-9E0CE43031C0}"/>
+                  <a16:creationId xmlns="" xmlns:c="http://schemas.openxmlformats.org/drawingml/2006/chart" xmlns:cs="http://schemas.microsoft.com/office/drawing/2012/chartStyle" xmlns:ns1="http://schemas.openxmlformats.org/officeDocument/2006/extended-properties" xmlns:vt="http://schemas.openxmlformats.org/officeDocument/2006/docPropsVTypes" xmlns:a16="http://schemas.microsoft.com/office/drawing/2010/main" id="{DFDFAFE2-0EA3-45E9-8C23-9E0CE43031C0}"/>
                 </a:ext>
               </a:extLst>
             </p:cNvPr>
@@ -6573,7 +6576,7 @@
             <p:cNvPr id="18" name="Freeform: Shape 17">
               <a:extLst>
                 <a:ext uri="{7FF88738-3776-4341-8135-725CC5B5726D}">
-                  <a16:creationId xmlns:a16="http://schemas.microsoft.com/office/drawing/2010/main" xmlns:vt="http://schemas.openxmlformats.org/officeDocument/2006/docPropsVTypes" xmlns:ns1="http://schemas.openxmlformats.org/officeDocument/2006/extended-properties" xmlns:cs="http://schemas.microsoft.com/office/drawing/2012/chartStyle" xmlns:c="http://schemas.openxmlformats.org/drawingml/2006/chart" xmlns="" id="{B1FDAEBE-6174-4D57-973D-C70D411C476F}"/>
+                  <a16:creationId xmlns="" xmlns:c="http://schemas.openxmlformats.org/drawingml/2006/chart" xmlns:cs="http://schemas.microsoft.com/office/drawing/2012/chartStyle" xmlns:ns1="http://schemas.openxmlformats.org/officeDocument/2006/extended-properties" xmlns:vt="http://schemas.openxmlformats.org/officeDocument/2006/docPropsVTypes" xmlns:a16="http://schemas.microsoft.com/office/drawing/2010/main" id="{B1FDAEBE-6174-4D57-973D-C70D411C476F}"/>
                 </a:ext>
               </a:extLst>
             </p:cNvPr>
@@ -6648,7 +6651,7 @@
             <p:cNvPr id="19" name="Freeform: Shape 18">
               <a:extLst>
                 <a:ext uri="{B9ED800A-2815-4486-880F-C20BC3D195A9}">
-                  <a16:creationId xmlns:a16="http://schemas.microsoft.com/office/drawing/2010/main" xmlns:vt="http://schemas.openxmlformats.org/officeDocument/2006/docPropsVTypes" xmlns:ns1="http://schemas.openxmlformats.org/officeDocument/2006/extended-properties" xmlns:cs="http://schemas.microsoft.com/office/drawing/2012/chartStyle" xmlns:c="http://schemas.openxmlformats.org/drawingml/2006/chart" xmlns="" id="{9CFB8EED-A156-40C2-A168-0870AFC36DBE}"/>
+                  <a16:creationId xmlns="" xmlns:c="http://schemas.openxmlformats.org/drawingml/2006/chart" xmlns:cs="http://schemas.microsoft.com/office/drawing/2012/chartStyle" xmlns:ns1="http://schemas.openxmlformats.org/officeDocument/2006/extended-properties" xmlns:vt="http://schemas.openxmlformats.org/officeDocument/2006/docPropsVTypes" xmlns:a16="http://schemas.microsoft.com/office/drawing/2010/main" id="{9CFB8EED-A156-40C2-A168-0870AFC36DBE}"/>
                 </a:ext>
               </a:extLst>
             </p:cNvPr>
@@ -6724,7 +6727,7 @@
           <p:cNvPr id="20" name="Freeform: Shape 19">
             <a:extLst>
               <a:ext uri="{CBF1B255-D431-449B-87E6-A995D2B78DF0}">
-                <a16:creationId xmlns:a16="http://schemas.microsoft.com/office/drawing/2010/main" xmlns:vt="http://schemas.openxmlformats.org/officeDocument/2006/docPropsVTypes" xmlns:ns1="http://schemas.openxmlformats.org/officeDocument/2006/extended-properties" xmlns:cs="http://schemas.microsoft.com/office/drawing/2012/chartStyle" xmlns:c="http://schemas.openxmlformats.org/drawingml/2006/chart" xmlns="" id="{76E9412F-D5BA-4619-B104-30961F45B1D0}"/>
+                <a16:creationId xmlns="" xmlns:c="http://schemas.openxmlformats.org/drawingml/2006/chart" xmlns:cs="http://schemas.microsoft.com/office/drawing/2012/chartStyle" xmlns:ns1="http://schemas.openxmlformats.org/officeDocument/2006/extended-properties" xmlns:vt="http://schemas.openxmlformats.org/officeDocument/2006/docPropsVTypes" xmlns:a16="http://schemas.microsoft.com/office/drawing/2010/main" id="{76E9412F-D5BA-4619-B104-30961F45B1D0}"/>
               </a:ext>
             </a:extLst>
           </p:cNvPr>
@@ -6798,7 +6801,7 @@
           <p:cNvPr id="21" name="Freeform: Shape 20">
             <a:extLst>
               <a:ext uri="{606CAA64-E1C2-4F7D-ACBD-93C90C94435F}">
-                <a16:creationId xmlns:a16="http://schemas.microsoft.com/office/drawing/2010/main" xmlns:vt="http://schemas.openxmlformats.org/officeDocument/2006/docPropsVTypes" xmlns:ns1="http://schemas.openxmlformats.org/officeDocument/2006/extended-properties" xmlns:cs="http://schemas.microsoft.com/office/drawing/2012/chartStyle" xmlns:c="http://schemas.openxmlformats.org/drawingml/2006/chart" xmlns="" id="{3CAD9BFF-57D2-4772-A0F2-3A0B29D8F311}"/>
+                <a16:creationId xmlns="" xmlns:c="http://schemas.openxmlformats.org/drawingml/2006/chart" xmlns:cs="http://schemas.microsoft.com/office/drawing/2012/chartStyle" xmlns:ns1="http://schemas.openxmlformats.org/officeDocument/2006/extended-properties" xmlns:vt="http://schemas.openxmlformats.org/officeDocument/2006/docPropsVTypes" xmlns:a16="http://schemas.microsoft.com/office/drawing/2010/main" id="{3CAD9BFF-57D2-4772-A0F2-3A0B29D8F311}"/>
               </a:ext>
             </a:extLst>
           </p:cNvPr>
@@ -6872,7 +6875,7 @@
           <p:cNvPr id="22" name="Freeform: Shape 21">
             <a:extLst>
               <a:ext uri="{C8631E23-18F8-4E99-BD40-5424DD42AE99}">
-                <a16:creationId xmlns:a16="http://schemas.microsoft.com/office/drawing/2010/main" xmlns:vt="http://schemas.openxmlformats.org/officeDocument/2006/docPropsVTypes" xmlns:ns1="http://schemas.openxmlformats.org/officeDocument/2006/extended-properties" xmlns:cs="http://schemas.microsoft.com/office/drawing/2012/chartStyle" xmlns:c="http://schemas.openxmlformats.org/drawingml/2006/chart" xmlns="" id="{A43A0260-D022-4A46-8D48-2053041F246A}"/>
+                <a16:creationId xmlns="" xmlns:c="http://schemas.openxmlformats.org/drawingml/2006/chart" xmlns:cs="http://schemas.microsoft.com/office/drawing/2012/chartStyle" xmlns:ns1="http://schemas.openxmlformats.org/officeDocument/2006/extended-properties" xmlns:vt="http://schemas.openxmlformats.org/officeDocument/2006/docPropsVTypes" xmlns:a16="http://schemas.microsoft.com/office/drawing/2010/main" id="{A43A0260-D022-4A46-8D48-2053041F246A}"/>
               </a:ext>
             </a:extLst>
           </p:cNvPr>
@@ -6946,7 +6949,7 @@
           <p:cNvPr id="23" name="Freeform: Shape 22">
             <a:extLst>
               <a:ext uri="{40CC0100-4DAE-46E2-BE6B-DEC866E0A302}">
-                <a16:creationId xmlns:a16="http://schemas.microsoft.com/office/drawing/2010/main" xmlns:vt="http://schemas.openxmlformats.org/officeDocument/2006/docPropsVTypes" xmlns:ns1="http://schemas.openxmlformats.org/officeDocument/2006/extended-properties" xmlns:cs="http://schemas.microsoft.com/office/drawing/2012/chartStyle" xmlns:c="http://schemas.openxmlformats.org/drawingml/2006/chart" xmlns="" id="{3C4A255D-248D-4759-AD02-FD97D820C8D6}"/>
+                <a16:creationId xmlns="" xmlns:c="http://schemas.openxmlformats.org/drawingml/2006/chart" xmlns:cs="http://schemas.microsoft.com/office/drawing/2012/chartStyle" xmlns:ns1="http://schemas.openxmlformats.org/officeDocument/2006/extended-properties" xmlns:vt="http://schemas.openxmlformats.org/officeDocument/2006/docPropsVTypes" xmlns:a16="http://schemas.microsoft.com/office/drawing/2010/main" id="{3C4A255D-248D-4759-AD02-FD97D820C8D6}"/>
               </a:ext>
             </a:extLst>
           </p:cNvPr>
@@ -7020,7 +7023,7 @@
           <p:cNvPr id="24" name="Freeform: Shape 23">
             <a:extLst>
               <a:ext uri="{9FB3A71C-BFC0-44F4-A743-033F876EA52B}">
-                <a16:creationId xmlns:a16="http://schemas.microsoft.com/office/drawing/2010/main" xmlns:vt="http://schemas.openxmlformats.org/officeDocument/2006/docPropsVTypes" xmlns:ns1="http://schemas.openxmlformats.org/officeDocument/2006/extended-properties" xmlns:cs="http://schemas.microsoft.com/office/drawing/2012/chartStyle" xmlns:c="http://schemas.openxmlformats.org/drawingml/2006/chart" xmlns="" id="{139F1574-CBF7-416E-9E73-EB958D423325}"/>
+                <a16:creationId xmlns="" xmlns:c="http://schemas.openxmlformats.org/drawingml/2006/chart" xmlns:cs="http://schemas.microsoft.com/office/drawing/2012/chartStyle" xmlns:ns1="http://schemas.openxmlformats.org/officeDocument/2006/extended-properties" xmlns:vt="http://schemas.openxmlformats.org/officeDocument/2006/docPropsVTypes" xmlns:a16="http://schemas.microsoft.com/office/drawing/2010/main" id="{139F1574-CBF7-416E-9E73-EB958D423325}"/>
               </a:ext>
             </a:extLst>
           </p:cNvPr>
@@ -7094,7 +7097,7 @@
           <p:cNvPr id="25" name="Freeform: Shape 24">
             <a:extLst>
               <a:ext uri="{1F7F9E2A-4DDB-427E-B4C6-44AEB890A67B}">
-                <a16:creationId xmlns:a16="http://schemas.microsoft.com/office/drawing/2010/main" xmlns:vt="http://schemas.openxmlformats.org/officeDocument/2006/docPropsVTypes" xmlns:ns1="http://schemas.openxmlformats.org/officeDocument/2006/extended-properties" xmlns:cs="http://schemas.microsoft.com/office/drawing/2012/chartStyle" xmlns:c="http://schemas.openxmlformats.org/drawingml/2006/chart" xmlns="" id="{D59AB782-8AAA-4397-8930-E10003A46A33}"/>
+                <a16:creationId xmlns="" xmlns:c="http://schemas.openxmlformats.org/drawingml/2006/chart" xmlns:cs="http://schemas.microsoft.com/office/drawing/2012/chartStyle" xmlns:ns1="http://schemas.openxmlformats.org/officeDocument/2006/extended-properties" xmlns:vt="http://schemas.openxmlformats.org/officeDocument/2006/docPropsVTypes" xmlns:a16="http://schemas.microsoft.com/office/drawing/2010/main" id="{D59AB782-8AAA-4397-8930-E10003A46A33}"/>
               </a:ext>
             </a:extLst>
           </p:cNvPr>
@@ -7168,7 +7171,7 @@
           <p:cNvPr id="26" name="Freeform: Shape 25">
             <a:extLst>
               <a:ext uri="{0E011CCC-4952-45B7-8DCB-681AEB9AAF79}">
-                <a16:creationId xmlns:a16="http://schemas.microsoft.com/office/drawing/2010/main" xmlns:vt="http://schemas.openxmlformats.org/officeDocument/2006/docPropsVTypes" xmlns:ns1="http://schemas.openxmlformats.org/officeDocument/2006/extended-properties" xmlns:cs="http://schemas.microsoft.com/office/drawing/2012/chartStyle" xmlns:c="http://schemas.openxmlformats.org/drawingml/2006/chart" xmlns="" id="{55C16053-455E-40DE-9A46-8A898D65BD0C}"/>
+                <a16:creationId xmlns="" xmlns:c="http://schemas.openxmlformats.org/drawingml/2006/chart" xmlns:cs="http://schemas.microsoft.com/office/drawing/2012/chartStyle" xmlns:ns1="http://schemas.openxmlformats.org/officeDocument/2006/extended-properties" xmlns:vt="http://schemas.openxmlformats.org/officeDocument/2006/docPropsVTypes" xmlns:a16="http://schemas.microsoft.com/office/drawing/2010/main" id="{55C16053-455E-40DE-9A46-8A898D65BD0C}"/>
               </a:ext>
             </a:extLst>
           </p:cNvPr>
@@ -7242,7 +7245,7 @@
           <p:cNvPr id="27" name="Freeform: Shape 26">
             <a:extLst>
               <a:ext uri="{1D68AE77-9FC5-4D37-A9F0-251BB0EFFB3B}">
-                <a16:creationId xmlns:a16="http://schemas.microsoft.com/office/drawing/2010/main" xmlns:vt="http://schemas.openxmlformats.org/officeDocument/2006/docPropsVTypes" xmlns:ns1="http://schemas.openxmlformats.org/officeDocument/2006/extended-properties" xmlns:cs="http://schemas.microsoft.com/office/drawing/2012/chartStyle" xmlns:c="http://schemas.openxmlformats.org/drawingml/2006/chart" xmlns="" id="{79E9D051-81E1-46F3-BF60-D7A73AB8DD7E}"/>
+                <a16:creationId xmlns="" xmlns:c="http://schemas.openxmlformats.org/drawingml/2006/chart" xmlns:cs="http://schemas.microsoft.com/office/drawing/2012/chartStyle" xmlns:ns1="http://schemas.openxmlformats.org/officeDocument/2006/extended-properties" xmlns:vt="http://schemas.openxmlformats.org/officeDocument/2006/docPropsVTypes" xmlns:a16="http://schemas.microsoft.com/office/drawing/2010/main" id="{79E9D051-81E1-46F3-BF60-D7A73AB8DD7E}"/>
               </a:ext>
             </a:extLst>
           </p:cNvPr>
@@ -7316,7 +7319,7 @@
           <p:cNvPr id="28" name="Freeform: Shape 27">
             <a:extLst>
               <a:ext uri="{1B336B09-C783-4B53-812E-BE5B6986C389}">
-                <a16:creationId xmlns:a16="http://schemas.microsoft.com/office/drawing/2010/main" xmlns:vt="http://schemas.openxmlformats.org/officeDocument/2006/docPropsVTypes" xmlns:ns1="http://schemas.openxmlformats.org/officeDocument/2006/extended-properties" xmlns:cs="http://schemas.microsoft.com/office/drawing/2012/chartStyle" xmlns:c="http://schemas.openxmlformats.org/drawingml/2006/chart" xmlns="" id="{10FC38B6-C207-4C5B-B7B0-9DAFB1F4D20E}"/>
+                <a16:creationId xmlns="" xmlns:c="http://schemas.openxmlformats.org/drawingml/2006/chart" xmlns:cs="http://schemas.microsoft.com/office/drawing/2012/chartStyle" xmlns:ns1="http://schemas.openxmlformats.org/officeDocument/2006/extended-properties" xmlns:vt="http://schemas.openxmlformats.org/officeDocument/2006/docPropsVTypes" xmlns:a16="http://schemas.microsoft.com/office/drawing/2010/main" id="{10FC38B6-C207-4C5B-B7B0-9DAFB1F4D20E}"/>
               </a:ext>
             </a:extLst>
           </p:cNvPr>
@@ -7390,7 +7393,7 @@
           <p:cNvPr id="29" name="Freeform: Shape 28">
             <a:extLst>
               <a:ext uri="{DB55D8BF-D3F1-43DE-86CB-642B5312891F}">
-                <a16:creationId xmlns:a16="http://schemas.microsoft.com/office/drawing/2010/main" xmlns:vt="http://schemas.openxmlformats.org/officeDocument/2006/docPropsVTypes" xmlns:ns1="http://schemas.openxmlformats.org/officeDocument/2006/extended-properties" xmlns:cs="http://schemas.microsoft.com/office/drawing/2012/chartStyle" xmlns:c="http://schemas.openxmlformats.org/drawingml/2006/chart" xmlns="" id="{09AAFB3E-D3A4-46DD-867A-567D6D7B4BFB}"/>
+                <a16:creationId xmlns="" xmlns:c="http://schemas.openxmlformats.org/drawingml/2006/chart" xmlns:cs="http://schemas.microsoft.com/office/drawing/2012/chartStyle" xmlns:ns1="http://schemas.openxmlformats.org/officeDocument/2006/extended-properties" xmlns:vt="http://schemas.openxmlformats.org/officeDocument/2006/docPropsVTypes" xmlns:a16="http://schemas.microsoft.com/office/drawing/2010/main" id="{09AAFB3E-D3A4-46DD-867A-567D6D7B4BFB}"/>
               </a:ext>
             </a:extLst>
           </p:cNvPr>
@@ -7464,7 +7467,7 @@
           <p:cNvPr id="30" name="Freeform: Shape 29">
             <a:extLst>
               <a:ext uri="{95F98397-B7C8-4432-A305-3CA7A17F23E2}">
-                <a16:creationId xmlns:a16="http://schemas.microsoft.com/office/drawing/2010/main" xmlns:vt="http://schemas.openxmlformats.org/officeDocument/2006/docPropsVTypes" xmlns:ns1="http://schemas.openxmlformats.org/officeDocument/2006/extended-properties" xmlns:cs="http://schemas.microsoft.com/office/drawing/2012/chartStyle" xmlns:c="http://schemas.openxmlformats.org/drawingml/2006/chart" xmlns="" id="{5ADFF12D-9257-483F-BA0D-E60E204D2836}"/>
+                <a16:creationId xmlns="" xmlns:c="http://schemas.openxmlformats.org/drawingml/2006/chart" xmlns:cs="http://schemas.microsoft.com/office/drawing/2012/chartStyle" xmlns:ns1="http://schemas.openxmlformats.org/officeDocument/2006/extended-properties" xmlns:vt="http://schemas.openxmlformats.org/officeDocument/2006/docPropsVTypes" xmlns:a16="http://schemas.microsoft.com/office/drawing/2010/main" id="{5ADFF12D-9257-483F-BA0D-E60E204D2836}"/>
               </a:ext>
             </a:extLst>
           </p:cNvPr>
@@ -7538,7 +7541,7 @@
           <p:cNvPr id="31" name="Freeform: Shape 30">
             <a:extLst>
               <a:ext uri="{54E6CE47-EAF8-4A1B-BBB0-980147A9B4C6}">
-                <a16:creationId xmlns:a16="http://schemas.microsoft.com/office/drawing/2010/main" xmlns:vt="http://schemas.openxmlformats.org/officeDocument/2006/docPropsVTypes" xmlns:ns1="http://schemas.openxmlformats.org/officeDocument/2006/extended-properties" xmlns:cs="http://schemas.microsoft.com/office/drawing/2012/chartStyle" xmlns:c="http://schemas.openxmlformats.org/drawingml/2006/chart" xmlns="" id="{857BD236-F0BD-454D-81AB-65E5565E1A88}"/>
+                <a16:creationId xmlns="" xmlns:c="http://schemas.openxmlformats.org/drawingml/2006/chart" xmlns:cs="http://schemas.microsoft.com/office/drawing/2012/chartStyle" xmlns:ns1="http://schemas.openxmlformats.org/officeDocument/2006/extended-properties" xmlns:vt="http://schemas.openxmlformats.org/officeDocument/2006/docPropsVTypes" xmlns:a16="http://schemas.microsoft.com/office/drawing/2010/main" id="{857BD236-F0BD-454D-81AB-65E5565E1A88}"/>
               </a:ext>
             </a:extLst>
           </p:cNvPr>
@@ -7612,7 +7615,7 @@
           <p:cNvPr id="32" name="Freeform: Shape 31">
             <a:extLst>
               <a:ext uri="{8E1119DA-D023-4401-9C8B-E54083BD44D9}">
-                <a16:creationId xmlns:a16="http://schemas.microsoft.com/office/drawing/2010/main" xmlns:vt="http://schemas.openxmlformats.org/officeDocument/2006/docPropsVTypes" xmlns:ns1="http://schemas.openxmlformats.org/officeDocument/2006/extended-properties" xmlns:cs="http://schemas.microsoft.com/office/drawing/2012/chartStyle" xmlns:c="http://schemas.openxmlformats.org/drawingml/2006/chart" xmlns="" id="{7D793AC6-1F4F-4064-8BDA-F0C7ECDFEED1}"/>
+                <a16:creationId xmlns="" xmlns:c="http://schemas.openxmlformats.org/drawingml/2006/chart" xmlns:cs="http://schemas.microsoft.com/office/drawing/2012/chartStyle" xmlns:ns1="http://schemas.openxmlformats.org/officeDocument/2006/extended-properties" xmlns:vt="http://schemas.openxmlformats.org/officeDocument/2006/docPropsVTypes" xmlns:a16="http://schemas.microsoft.com/office/drawing/2010/main" id="{7D793AC6-1F4F-4064-8BDA-F0C7ECDFEED1}"/>
               </a:ext>
             </a:extLst>
           </p:cNvPr>
@@ -7684,7 +7687,7 @@
     </p:spTree>
     <p:extLst>
       <p:ext uri="{6C9841F0-0E01-4787-9EA9-2A81BBD98356}">
-        <p14:creationId xmlns:p14="http://schemas.microsoft.com/office/powerpoint/2010/main" xmlns:vt="http://schemas.openxmlformats.org/officeDocument/2006/docPropsVTypes" xmlns:ns1="http://schemas.openxmlformats.org/officeDocument/2006/extended-properties" xmlns:cs="http://schemas.microsoft.com/office/drawing/2012/chartStyle" xmlns:c="http://schemas.openxmlformats.org/drawingml/2006/chart" xmlns="" val="1753295003053"/>
+        <p14:creationId xmlns="" xmlns:c="http://schemas.openxmlformats.org/drawingml/2006/chart" xmlns:cs="http://schemas.microsoft.com/office/drawing/2012/chartStyle" xmlns:ns1="http://schemas.openxmlformats.org/officeDocument/2006/extended-properties" xmlns:vt="http://schemas.openxmlformats.org/officeDocument/2006/docPropsVTypes" xmlns:p14="http://schemas.microsoft.com/office/powerpoint/2010/main" val="1753295003053"/>
       </p:ext>
     </p:extLst>
   </p:cSld>
@@ -7716,7 +7719,7 @@
           <p:cNvPr id="2" name="Title 1">
             <a:extLst>
               <a:ext uri="{EA422166-CA2B-45C7-8515-C539E0BB4BC0}">
-                <a16:creationId xmlns:a16="http://schemas.microsoft.com/office/drawing/2010/main" xmlns:vt="http://schemas.openxmlformats.org/officeDocument/2006/docPropsVTypes" xmlns:ns1="http://schemas.openxmlformats.org/officeDocument/2006/extended-properties" xmlns:cs="http://schemas.microsoft.com/office/drawing/2012/chartStyle" xmlns:c="http://schemas.openxmlformats.org/drawingml/2006/chart" xmlns="" id="{F7BCFC0B-FBCD-430E-AE6B-6EF5DCF2DF22}"/>
+                <a16:creationId xmlns="" xmlns:c="http://schemas.openxmlformats.org/drawingml/2006/chart" xmlns:cs="http://schemas.microsoft.com/office/drawing/2012/chartStyle" xmlns:ns1="http://schemas.openxmlformats.org/officeDocument/2006/extended-properties" xmlns:vt="http://schemas.openxmlformats.org/officeDocument/2006/docPropsVTypes" xmlns:a16="http://schemas.microsoft.com/office/drawing/2010/main" id="{F7BCFC0B-FBCD-430E-AE6B-6EF5DCF2DF22}"/>
               </a:ext>
             </a:extLst>
           </p:cNvPr>
@@ -7751,7 +7754,7 @@
           <p:cNvPr id="3" name="Content Placeholder 2">
             <a:extLst>
               <a:ext uri="{E48D40B6-5381-4EC6-BD3E-6E20D885B813}">
-                <a16:creationId xmlns:a16="http://schemas.microsoft.com/office/drawing/2010/main" xmlns:vt="http://schemas.openxmlformats.org/officeDocument/2006/docPropsVTypes" xmlns:ns1="http://schemas.openxmlformats.org/officeDocument/2006/extended-properties" xmlns:cs="http://schemas.microsoft.com/office/drawing/2012/chartStyle" xmlns:c="http://schemas.openxmlformats.org/drawingml/2006/chart" xmlns="" id="{2B6BE9ED-B8EF-4AEE-8042-089E3AE213A7}"/>
+                <a16:creationId xmlns="" xmlns:c="http://schemas.openxmlformats.org/drawingml/2006/chart" xmlns:cs="http://schemas.microsoft.com/office/drawing/2012/chartStyle" xmlns:ns1="http://schemas.openxmlformats.org/officeDocument/2006/extended-properties" xmlns:vt="http://schemas.openxmlformats.org/officeDocument/2006/docPropsVTypes" xmlns:a16="http://schemas.microsoft.com/office/drawing/2010/main" id="{2B6BE9ED-B8EF-4AEE-8042-089E3AE213A7}"/>
               </a:ext>
             </a:extLst>
           </p:cNvPr>
@@ -7821,7 +7824,7 @@
           <p:cNvPr id="4" name="Content Placeholder 2">
             <a:extLst>
               <a:ext uri="{3F0DC6C3-D1AE-4108-8797-07E0BB999508}">
-                <a16:creationId xmlns:a16="http://schemas.microsoft.com/office/drawing/2010/main" xmlns:vt="http://schemas.openxmlformats.org/officeDocument/2006/docPropsVTypes" xmlns:ns1="http://schemas.openxmlformats.org/officeDocument/2006/extended-properties" xmlns:cs="http://schemas.microsoft.com/office/drawing/2012/chartStyle" xmlns:c="http://schemas.openxmlformats.org/drawingml/2006/chart" xmlns="" id="{BB074E69-BC0E-4081-8408-CEE61F8ACE1B}"/>
+                <a16:creationId xmlns="" xmlns:c="http://schemas.openxmlformats.org/drawingml/2006/chart" xmlns:cs="http://schemas.microsoft.com/office/drawing/2012/chartStyle" xmlns:ns1="http://schemas.openxmlformats.org/officeDocument/2006/extended-properties" xmlns:vt="http://schemas.openxmlformats.org/officeDocument/2006/docPropsVTypes" xmlns:a16="http://schemas.microsoft.com/office/drawing/2010/main" id="{BB074E69-BC0E-4081-8408-CEE61F8ACE1B}"/>
               </a:ext>
             </a:extLst>
           </p:cNvPr>
@@ -7891,7 +7894,7 @@
           <p:cNvPr id="5" name="Slide Number Placeholder 6">
             <a:extLst>
               <a:ext uri="{C28D4EA6-7EFA-457B-89CE-D90E9AEE22F0}">
-                <a16:creationId xmlns:a16="http://schemas.microsoft.com/office/drawing/2010/main" xmlns:vt="http://schemas.openxmlformats.org/officeDocument/2006/docPropsVTypes" xmlns:ns1="http://schemas.openxmlformats.org/officeDocument/2006/extended-properties" xmlns:cs="http://schemas.microsoft.com/office/drawing/2012/chartStyle" xmlns:c="http://schemas.openxmlformats.org/drawingml/2006/chart" xmlns="" id="{295CFD7C-376B-494C-AD3D-A73F29BA971D}"/>
+                <a16:creationId xmlns="" xmlns:c="http://schemas.openxmlformats.org/drawingml/2006/chart" xmlns:cs="http://schemas.microsoft.com/office/drawing/2012/chartStyle" xmlns:ns1="http://schemas.openxmlformats.org/officeDocument/2006/extended-properties" xmlns:vt="http://schemas.openxmlformats.org/officeDocument/2006/docPropsVTypes" xmlns:a16="http://schemas.microsoft.com/office/drawing/2010/main" id="{295CFD7C-376B-494C-AD3D-A73F29BA971D}"/>
               </a:ext>
             </a:extLst>
           </p:cNvPr>
@@ -7919,7 +7922,7 @@
           <p:cNvPr id="6" name="Footer Placeholder 5">
             <a:extLst>
               <a:ext uri="{4E48C491-7224-4709-9990-E52EB6DCD5E7}">
-                <a16:creationId xmlns:a16="http://schemas.microsoft.com/office/drawing/2010/main" xmlns:vt="http://schemas.openxmlformats.org/officeDocument/2006/docPropsVTypes" xmlns:ns1="http://schemas.openxmlformats.org/officeDocument/2006/extended-properties" xmlns:cs="http://schemas.microsoft.com/office/drawing/2012/chartStyle" xmlns:c="http://schemas.openxmlformats.org/drawingml/2006/chart" xmlns="" id="{CA88A4B0-82FC-4CF0-B164-007D94A4014E}"/>
+                <a16:creationId xmlns="" xmlns:c="http://schemas.openxmlformats.org/drawingml/2006/chart" xmlns:cs="http://schemas.microsoft.com/office/drawing/2012/chartStyle" xmlns:ns1="http://schemas.openxmlformats.org/officeDocument/2006/extended-properties" xmlns:vt="http://schemas.openxmlformats.org/officeDocument/2006/docPropsVTypes" xmlns:a16="http://schemas.microsoft.com/office/drawing/2010/main" id="{CA88A4B0-82FC-4CF0-B164-007D94A4014E}"/>
               </a:ext>
             </a:extLst>
           </p:cNvPr>
@@ -7947,7 +7950,7 @@
           <p:cNvPr id="7" name="Date Placeholder 4">
             <a:extLst>
               <a:ext uri="{9BF00713-ACEB-4D81-9296-18838620294E}">
-                <a16:creationId xmlns:a16="http://schemas.microsoft.com/office/drawing/2010/main" xmlns:vt="http://schemas.openxmlformats.org/officeDocument/2006/docPropsVTypes" xmlns:ns1="http://schemas.openxmlformats.org/officeDocument/2006/extended-properties" xmlns:cs="http://schemas.microsoft.com/office/drawing/2012/chartStyle" xmlns:c="http://schemas.openxmlformats.org/drawingml/2006/chart" xmlns="" id="{5B0DA976-C19D-41DF-8B75-6B6D61FA9B54}"/>
+                <a16:creationId xmlns="" xmlns:c="http://schemas.openxmlformats.org/drawingml/2006/chart" xmlns:cs="http://schemas.microsoft.com/office/drawing/2012/chartStyle" xmlns:ns1="http://schemas.openxmlformats.org/officeDocument/2006/extended-properties" xmlns:vt="http://schemas.openxmlformats.org/officeDocument/2006/docPropsVTypes" xmlns:a16="http://schemas.microsoft.com/office/drawing/2010/main" id="{5B0DA976-C19D-41DF-8B75-6B6D61FA9B54}"/>
               </a:ext>
             </a:extLst>
           </p:cNvPr>
@@ -7975,7 +7978,7 @@
           <p:cNvPr id="8" name="Freeform: Shape 7">
             <a:extLst>
               <a:ext uri="{AD986B4C-5054-46A1-88B3-ECAEEFF6A5D1}">
-                <a16:creationId xmlns:a16="http://schemas.microsoft.com/office/drawing/2010/main" xmlns:vt="http://schemas.openxmlformats.org/officeDocument/2006/docPropsVTypes" xmlns:ns1="http://schemas.openxmlformats.org/officeDocument/2006/extended-properties" xmlns:cs="http://schemas.microsoft.com/office/drawing/2012/chartStyle" xmlns:c="http://schemas.openxmlformats.org/drawingml/2006/chart" xmlns="" id="{1D53879D-3164-47FF-9325-677056A549E0}"/>
+                <a16:creationId xmlns="" xmlns:c="http://schemas.openxmlformats.org/drawingml/2006/chart" xmlns:cs="http://schemas.microsoft.com/office/drawing/2012/chartStyle" xmlns:ns1="http://schemas.openxmlformats.org/officeDocument/2006/extended-properties" xmlns:vt="http://schemas.openxmlformats.org/officeDocument/2006/docPropsVTypes" xmlns:a16="http://schemas.microsoft.com/office/drawing/2010/main" id="{1D53879D-3164-47FF-9325-677056A549E0}"/>
               </a:ext>
             </a:extLst>
           </p:cNvPr>
@@ -8051,7 +8054,7 @@
           <p:cNvPr id="9" name="Group 8">
             <a:extLst>
               <a:ext uri="{9E655D0F-5C3C-46AC-8166-D70CAC473192}">
-                <a16:creationId xmlns:a16="http://schemas.microsoft.com/office/drawing/2010/main" xmlns:vt="http://schemas.openxmlformats.org/officeDocument/2006/docPropsVTypes" xmlns:ns1="http://schemas.openxmlformats.org/officeDocument/2006/extended-properties" xmlns:cs="http://schemas.microsoft.com/office/drawing/2012/chartStyle" xmlns:c="http://schemas.openxmlformats.org/drawingml/2006/chart" xmlns="" id="{248D3880-F616-4AF1-B499-75FB4116FF1F}"/>
+                <a16:creationId xmlns="" xmlns:c="http://schemas.openxmlformats.org/drawingml/2006/chart" xmlns:cs="http://schemas.microsoft.com/office/drawing/2012/chartStyle" xmlns:ns1="http://schemas.openxmlformats.org/officeDocument/2006/extended-properties" xmlns:vt="http://schemas.openxmlformats.org/officeDocument/2006/docPropsVTypes" xmlns:a16="http://schemas.microsoft.com/office/drawing/2010/main" id="{248D3880-F616-4AF1-B499-75FB4116FF1F}"/>
               </a:ext>
             </a:extLst>
           </p:cNvPr>
@@ -8073,7 +8076,7 @@
             <p:cNvPr id="10" name="Freeform: Shape 9">
               <a:extLst>
                 <a:ext uri="{CBBDECE9-0EEA-47D3-8408-4D771189C7AE}">
-                  <a16:creationId xmlns:a16="http://schemas.microsoft.com/office/drawing/2010/main" xmlns:vt="http://schemas.openxmlformats.org/officeDocument/2006/docPropsVTypes" xmlns:ns1="http://schemas.openxmlformats.org/officeDocument/2006/extended-properties" xmlns:cs="http://schemas.microsoft.com/office/drawing/2012/chartStyle" xmlns:c="http://schemas.openxmlformats.org/drawingml/2006/chart" xmlns="" id="{ACB3682F-F628-4608-9C6D-8036852DFD57}"/>
+                  <a16:creationId xmlns="" xmlns:c="http://schemas.openxmlformats.org/drawingml/2006/chart" xmlns:cs="http://schemas.microsoft.com/office/drawing/2012/chartStyle" xmlns:ns1="http://schemas.openxmlformats.org/officeDocument/2006/extended-properties" xmlns:vt="http://schemas.openxmlformats.org/officeDocument/2006/docPropsVTypes" xmlns:a16="http://schemas.microsoft.com/office/drawing/2010/main" id="{ACB3682F-F628-4608-9C6D-8036852DFD57}"/>
                 </a:ext>
               </a:extLst>
             </p:cNvPr>
@@ -8150,7 +8153,7 @@
             <p:cNvPr id="11" name="Freeform: Shape 10">
               <a:extLst>
                 <a:ext uri="{6296D61C-6DF6-4F8D-A5A7-108C53C55993}">
-                  <a16:creationId xmlns:a16="http://schemas.microsoft.com/office/drawing/2010/main" xmlns:vt="http://schemas.openxmlformats.org/officeDocument/2006/docPropsVTypes" xmlns:ns1="http://schemas.openxmlformats.org/officeDocument/2006/extended-properties" xmlns:cs="http://schemas.microsoft.com/office/drawing/2012/chartStyle" xmlns:c="http://schemas.openxmlformats.org/drawingml/2006/chart" xmlns="" id="{CD31AC4B-EA0C-4EB0-B19E-551A1CD9E570}"/>
+                  <a16:creationId xmlns="" xmlns:c="http://schemas.openxmlformats.org/drawingml/2006/chart" xmlns:cs="http://schemas.microsoft.com/office/drawing/2012/chartStyle" xmlns:ns1="http://schemas.openxmlformats.org/officeDocument/2006/extended-properties" xmlns:vt="http://schemas.openxmlformats.org/officeDocument/2006/docPropsVTypes" xmlns:a16="http://schemas.microsoft.com/office/drawing/2010/main" id="{CD31AC4B-EA0C-4EB0-B19E-551A1CD9E570}"/>
                 </a:ext>
               </a:extLst>
             </p:cNvPr>
@@ -8227,7 +8230,7 @@
             <p:cNvPr id="12" name="Freeform: Shape 11">
               <a:extLst>
                 <a:ext uri="{FFAC8B2F-9D02-4337-BEDD-DD5791D5ADB3}">
-                  <a16:creationId xmlns:a16="http://schemas.microsoft.com/office/drawing/2010/main" xmlns:vt="http://schemas.openxmlformats.org/officeDocument/2006/docPropsVTypes" xmlns:ns1="http://schemas.openxmlformats.org/officeDocument/2006/extended-properties" xmlns:cs="http://schemas.microsoft.com/office/drawing/2012/chartStyle" xmlns:c="http://schemas.openxmlformats.org/drawingml/2006/chart" xmlns="" id="{AC4E213D-0EBF-4DFA-B556-8D831A06F1A3}"/>
+                  <a16:creationId xmlns="" xmlns:c="http://schemas.openxmlformats.org/drawingml/2006/chart" xmlns:cs="http://schemas.microsoft.com/office/drawing/2012/chartStyle" xmlns:ns1="http://schemas.openxmlformats.org/officeDocument/2006/extended-properties" xmlns:vt="http://schemas.openxmlformats.org/officeDocument/2006/docPropsVTypes" xmlns:a16="http://schemas.microsoft.com/office/drawing/2010/main" id="{AC4E213D-0EBF-4DFA-B556-8D831A06F1A3}"/>
                 </a:ext>
               </a:extLst>
             </p:cNvPr>
@@ -8305,7 +8308,7 @@
           <p:cNvPr id="13" name="Freeform: Shape 12">
             <a:extLst>
               <a:ext uri="{C6074E24-4B74-457E-9F55-DEA8FE2559A0}">
-                <a16:creationId xmlns:a16="http://schemas.microsoft.com/office/drawing/2010/main" xmlns:vt="http://schemas.openxmlformats.org/officeDocument/2006/docPropsVTypes" xmlns:ns1="http://schemas.openxmlformats.org/officeDocument/2006/extended-properties" xmlns:cs="http://schemas.microsoft.com/office/drawing/2012/chartStyle" xmlns:c="http://schemas.openxmlformats.org/drawingml/2006/chart" xmlns="" id="{061CBAC0-12D8-4FEF-97B9-F48883C098FD}"/>
+                <a16:creationId xmlns="" xmlns:c="http://schemas.openxmlformats.org/drawingml/2006/chart" xmlns:cs="http://schemas.microsoft.com/office/drawing/2012/chartStyle" xmlns:ns1="http://schemas.openxmlformats.org/officeDocument/2006/extended-properties" xmlns:vt="http://schemas.openxmlformats.org/officeDocument/2006/docPropsVTypes" xmlns:a16="http://schemas.microsoft.com/office/drawing/2010/main" id="{061CBAC0-12D8-4FEF-97B9-F48883C098FD}"/>
               </a:ext>
             </a:extLst>
           </p:cNvPr>
@@ -8381,7 +8384,7 @@
           <p:cNvPr id="14" name="Freeform: Shape 13">
             <a:extLst>
               <a:ext uri="{B59A7825-4949-4DDC-BD00-5A88D0F72C3E}">
-                <a16:creationId xmlns:a16="http://schemas.microsoft.com/office/drawing/2010/main" xmlns:vt="http://schemas.openxmlformats.org/officeDocument/2006/docPropsVTypes" xmlns:ns1="http://schemas.openxmlformats.org/officeDocument/2006/extended-properties" xmlns:cs="http://schemas.microsoft.com/office/drawing/2012/chartStyle" xmlns:c="http://schemas.openxmlformats.org/drawingml/2006/chart" xmlns="" id="{5C1E6F80-9437-49AC-8E43-79F55F618137}"/>
+                <a16:creationId xmlns="" xmlns:c="http://schemas.openxmlformats.org/drawingml/2006/chart" xmlns:cs="http://schemas.microsoft.com/office/drawing/2012/chartStyle" xmlns:ns1="http://schemas.openxmlformats.org/officeDocument/2006/extended-properties" xmlns:vt="http://schemas.openxmlformats.org/officeDocument/2006/docPropsVTypes" xmlns:a16="http://schemas.microsoft.com/office/drawing/2010/main" id="{5C1E6F80-9437-49AC-8E43-79F55F618137}"/>
               </a:ext>
             </a:extLst>
           </p:cNvPr>
@@ -8457,7 +8460,7 @@
           <p:cNvPr id="15" name="Freeform: Shape 14">
             <a:extLst>
               <a:ext uri="{E9EDE563-F960-4658-964C-6C02109492B4}">
-                <a16:creationId xmlns:a16="http://schemas.microsoft.com/office/drawing/2010/main" xmlns:vt="http://schemas.openxmlformats.org/officeDocument/2006/docPropsVTypes" xmlns:ns1="http://schemas.openxmlformats.org/officeDocument/2006/extended-properties" xmlns:cs="http://schemas.microsoft.com/office/drawing/2012/chartStyle" xmlns:c="http://schemas.openxmlformats.org/drawingml/2006/chart" xmlns="" id="{28693F7B-A7AC-482B-A918-5587C035FA95}"/>
+                <a16:creationId xmlns="" xmlns:c="http://schemas.openxmlformats.org/drawingml/2006/chart" xmlns:cs="http://schemas.microsoft.com/office/drawing/2012/chartStyle" xmlns:ns1="http://schemas.openxmlformats.org/officeDocument/2006/extended-properties" xmlns:vt="http://schemas.openxmlformats.org/officeDocument/2006/docPropsVTypes" xmlns:a16="http://schemas.microsoft.com/office/drawing/2010/main" id="{28693F7B-A7AC-482B-A918-5587C035FA95}"/>
               </a:ext>
             </a:extLst>
           </p:cNvPr>
@@ -8533,7 +8536,7 @@
           <p:cNvPr id="16" name="Freeform: Shape 15">
             <a:extLst>
               <a:ext uri="{5AAFE225-127B-43EC-A4C5-9AE86B0C7051}">
-                <a16:creationId xmlns:a16="http://schemas.microsoft.com/office/drawing/2010/main" xmlns:vt="http://schemas.openxmlformats.org/officeDocument/2006/docPropsVTypes" xmlns:ns1="http://schemas.openxmlformats.org/officeDocument/2006/extended-properties" xmlns:cs="http://schemas.microsoft.com/office/drawing/2012/chartStyle" xmlns:c="http://schemas.openxmlformats.org/drawingml/2006/chart" xmlns="" id="{0A683799-9F4A-4485-A81F-D7A783BE4032}"/>
+                <a16:creationId xmlns="" xmlns:c="http://schemas.openxmlformats.org/drawingml/2006/chart" xmlns:cs="http://schemas.microsoft.com/office/drawing/2012/chartStyle" xmlns:ns1="http://schemas.openxmlformats.org/officeDocument/2006/extended-properties" xmlns:vt="http://schemas.openxmlformats.org/officeDocument/2006/docPropsVTypes" xmlns:a16="http://schemas.microsoft.com/office/drawing/2010/main" id="{0A683799-9F4A-4485-A81F-D7A783BE4032}"/>
               </a:ext>
             </a:extLst>
           </p:cNvPr>
@@ -8607,7 +8610,7 @@
     </p:spTree>
     <p:extLst>
       <p:ext uri="{6331BEBE-45E1-4A12-8A06-E59DEA3F9641}">
-        <p14:creationId xmlns:p14="http://schemas.microsoft.com/office/powerpoint/2010/main" xmlns:vt="http://schemas.openxmlformats.org/officeDocument/2006/docPropsVTypes" xmlns:ns1="http://schemas.openxmlformats.org/officeDocument/2006/extended-properties" xmlns:cs="http://schemas.microsoft.com/office/drawing/2012/chartStyle" xmlns:c="http://schemas.openxmlformats.org/drawingml/2006/chart" xmlns="" val="1753295003055"/>
+        <p14:creationId xmlns="" xmlns:c="http://schemas.openxmlformats.org/drawingml/2006/chart" xmlns:cs="http://schemas.microsoft.com/office/drawing/2012/chartStyle" xmlns:ns1="http://schemas.openxmlformats.org/officeDocument/2006/extended-properties" xmlns:vt="http://schemas.openxmlformats.org/officeDocument/2006/docPropsVTypes" xmlns:p14="http://schemas.microsoft.com/office/powerpoint/2010/main" val="1753295003055"/>
       </p:ext>
     </p:extLst>
   </p:cSld>
@@ -8639,7 +8642,7 @@
           <p:cNvPr id="2" name="Group 1">
             <a:extLst>
               <a:ext uri="{68A31225-06B6-4276-9859-11B52D2FE7C8}">
-                <a16:creationId xmlns:a16="http://schemas.microsoft.com/office/drawing/2010/main" xmlns:vt="http://schemas.openxmlformats.org/officeDocument/2006/docPropsVTypes" xmlns:ns1="http://schemas.openxmlformats.org/officeDocument/2006/extended-properties" xmlns:cs="http://schemas.microsoft.com/office/drawing/2012/chartStyle" xmlns:c="http://schemas.openxmlformats.org/drawingml/2006/chart" xmlns="" id="{108C1ED4-9DAE-40BF-9550-EE1021296F75}"/>
+                <a16:creationId xmlns="" xmlns:c="http://schemas.openxmlformats.org/drawingml/2006/chart" xmlns:cs="http://schemas.microsoft.com/office/drawing/2012/chartStyle" xmlns:ns1="http://schemas.openxmlformats.org/officeDocument/2006/extended-properties" xmlns:vt="http://schemas.openxmlformats.org/officeDocument/2006/docPropsVTypes" xmlns:a16="http://schemas.microsoft.com/office/drawing/2010/main" id="{108C1ED4-9DAE-40BF-9550-EE1021296F75}"/>
               </a:ext>
             </a:extLst>
           </p:cNvPr>
@@ -8661,7 +8664,7 @@
             <p:cNvPr id="3" name="Freeform: Shape 2">
               <a:extLst>
                 <a:ext uri="{CBA3A8A2-B519-4F78-8F67-B0767D409EF3}">
-                  <a16:creationId xmlns:a16="http://schemas.microsoft.com/office/drawing/2010/main" xmlns:vt="http://schemas.openxmlformats.org/officeDocument/2006/docPropsVTypes" xmlns:ns1="http://schemas.openxmlformats.org/officeDocument/2006/extended-properties" xmlns:cs="http://schemas.microsoft.com/office/drawing/2012/chartStyle" xmlns:c="http://schemas.openxmlformats.org/drawingml/2006/chart" xmlns="" id="{5C2E1513-6E84-4E71-8953-C90FAE7E0C0C}"/>
+                  <a16:creationId xmlns="" xmlns:c="http://schemas.openxmlformats.org/drawingml/2006/chart" xmlns:cs="http://schemas.microsoft.com/office/drawing/2012/chartStyle" xmlns:ns1="http://schemas.openxmlformats.org/officeDocument/2006/extended-properties" xmlns:vt="http://schemas.openxmlformats.org/officeDocument/2006/docPropsVTypes" xmlns:a16="http://schemas.microsoft.com/office/drawing/2010/main" id="{5C2E1513-6E84-4E71-8953-C90FAE7E0C0C}"/>
                 </a:ext>
               </a:extLst>
             </p:cNvPr>
@@ -8738,7 +8741,7 @@
             <p:cNvPr id="4" name="Freeform: Shape 3">
               <a:extLst>
                 <a:ext uri="{6C7A20FB-14E0-4A30-8731-9E75377D088A}">
-                  <a16:creationId xmlns:a16="http://schemas.microsoft.com/office/drawing/2010/main" xmlns:vt="http://schemas.openxmlformats.org/officeDocument/2006/docPropsVTypes" xmlns:ns1="http://schemas.openxmlformats.org/officeDocument/2006/extended-properties" xmlns:cs="http://schemas.microsoft.com/office/drawing/2012/chartStyle" xmlns:c="http://schemas.openxmlformats.org/drawingml/2006/chart" xmlns="" id="{45E5EA51-6B78-4C0D-9E37-2C296F720819}"/>
+                  <a16:creationId xmlns="" xmlns:c="http://schemas.openxmlformats.org/drawingml/2006/chart" xmlns:cs="http://schemas.microsoft.com/office/drawing/2012/chartStyle" xmlns:ns1="http://schemas.openxmlformats.org/officeDocument/2006/extended-properties" xmlns:vt="http://schemas.openxmlformats.org/officeDocument/2006/docPropsVTypes" xmlns:a16="http://schemas.microsoft.com/office/drawing/2010/main" id="{45E5EA51-6B78-4C0D-9E37-2C296F720819}"/>
                 </a:ext>
               </a:extLst>
             </p:cNvPr>
@@ -8816,7 +8819,7 @@
           <p:cNvPr id="5" name="Group 4">
             <a:extLst>
               <a:ext uri="{B4CEE2E9-90ED-45C6-9917-984239271930}">
-                <a16:creationId xmlns:a16="http://schemas.microsoft.com/office/drawing/2010/main" xmlns:vt="http://schemas.openxmlformats.org/officeDocument/2006/docPropsVTypes" xmlns:ns1="http://schemas.openxmlformats.org/officeDocument/2006/extended-properties" xmlns:cs="http://schemas.microsoft.com/office/drawing/2012/chartStyle" xmlns:c="http://schemas.openxmlformats.org/drawingml/2006/chart" xmlns="" id="{20F2E4CC-644C-4868-83CD-BD312301B205}"/>
+                <a16:creationId xmlns="" xmlns:c="http://schemas.openxmlformats.org/drawingml/2006/chart" xmlns:cs="http://schemas.microsoft.com/office/drawing/2012/chartStyle" xmlns:ns1="http://schemas.openxmlformats.org/officeDocument/2006/extended-properties" xmlns:vt="http://schemas.openxmlformats.org/officeDocument/2006/docPropsVTypes" xmlns:a16="http://schemas.microsoft.com/office/drawing/2010/main" id="{20F2E4CC-644C-4868-83CD-BD312301B205}"/>
               </a:ext>
             </a:extLst>
           </p:cNvPr>
@@ -8838,7 +8841,7 @@
             <p:cNvPr id="6" name="Freeform: Shape 5">
               <a:extLst>
                 <a:ext uri="{66A8AF1C-69EF-46C4-A985-D9359BAFB8CD}">
-                  <a16:creationId xmlns:a16="http://schemas.microsoft.com/office/drawing/2010/main" xmlns:vt="http://schemas.openxmlformats.org/officeDocument/2006/docPropsVTypes" xmlns:ns1="http://schemas.openxmlformats.org/officeDocument/2006/extended-properties" xmlns:cs="http://schemas.microsoft.com/office/drawing/2012/chartStyle" xmlns:c="http://schemas.openxmlformats.org/drawingml/2006/chart" xmlns="" id="{A0647C5D-7249-4FCE-BF08-4D7119D8334B}"/>
+                  <a16:creationId xmlns="" xmlns:c="http://schemas.openxmlformats.org/drawingml/2006/chart" xmlns:cs="http://schemas.microsoft.com/office/drawing/2012/chartStyle" xmlns:ns1="http://schemas.openxmlformats.org/officeDocument/2006/extended-properties" xmlns:vt="http://schemas.openxmlformats.org/officeDocument/2006/docPropsVTypes" xmlns:a16="http://schemas.microsoft.com/office/drawing/2010/main" id="{A0647C5D-7249-4FCE-BF08-4D7119D8334B}"/>
                 </a:ext>
               </a:extLst>
             </p:cNvPr>
@@ -8915,7 +8918,7 @@
             <p:cNvPr id="7" name="Freeform: Shape 6">
               <a:extLst>
                 <a:ext uri="{FE1919A1-029C-424C-BF01-7784354F5ACF}">
-                  <a16:creationId xmlns:a16="http://schemas.microsoft.com/office/drawing/2010/main" xmlns:vt="http://schemas.openxmlformats.org/officeDocument/2006/docPropsVTypes" xmlns:ns1="http://schemas.openxmlformats.org/officeDocument/2006/extended-properties" xmlns:cs="http://schemas.microsoft.com/office/drawing/2012/chartStyle" xmlns:c="http://schemas.openxmlformats.org/drawingml/2006/chart" xmlns="" id="{25A4BB57-F73B-40A3-8371-2B19CE624C79}"/>
+                  <a16:creationId xmlns="" xmlns:c="http://schemas.openxmlformats.org/drawingml/2006/chart" xmlns:cs="http://schemas.microsoft.com/office/drawing/2012/chartStyle" xmlns:ns1="http://schemas.openxmlformats.org/officeDocument/2006/extended-properties" xmlns:vt="http://schemas.openxmlformats.org/officeDocument/2006/docPropsVTypes" xmlns:a16="http://schemas.microsoft.com/office/drawing/2010/main" id="{25A4BB57-F73B-40A3-8371-2B19CE624C79}"/>
                 </a:ext>
               </a:extLst>
             </p:cNvPr>
@@ -8993,7 +8996,7 @@
           <p:cNvPr id="8" name="Text Placeholder 2">
             <a:extLst>
               <a:ext uri="{BF028401-525E-45D4-BBBA-175329489167}">
-                <a16:creationId xmlns:a16="http://schemas.microsoft.com/office/drawing/2010/main" xmlns:vt="http://schemas.openxmlformats.org/officeDocument/2006/docPropsVTypes" xmlns:ns1="http://schemas.openxmlformats.org/officeDocument/2006/extended-properties" xmlns:cs="http://schemas.microsoft.com/office/drawing/2012/chartStyle" xmlns:c="http://schemas.openxmlformats.org/drawingml/2006/chart" xmlns="" id="{3B895D60-8B8D-4F79-8FD4-DD62B09E592A}"/>
+                <a16:creationId xmlns="" xmlns:c="http://schemas.openxmlformats.org/drawingml/2006/chart" xmlns:cs="http://schemas.microsoft.com/office/drawing/2012/chartStyle" xmlns:ns1="http://schemas.openxmlformats.org/officeDocument/2006/extended-properties" xmlns:vt="http://schemas.openxmlformats.org/officeDocument/2006/docPropsVTypes" xmlns:a16="http://schemas.microsoft.com/office/drawing/2010/main" id="{3B895D60-8B8D-4F79-8FD4-DD62B09E592A}"/>
               </a:ext>
             </a:extLst>
           </p:cNvPr>
@@ -9050,7 +9053,7 @@
           <p:cNvPr id="9" name="Text Placeholder 4">
             <a:extLst>
               <a:ext uri="{72A5A44F-DB02-42F3-BA2B-59ECCB017DDD}">
-                <a16:creationId xmlns:a16="http://schemas.microsoft.com/office/drawing/2010/main" xmlns:vt="http://schemas.openxmlformats.org/officeDocument/2006/docPropsVTypes" xmlns:ns1="http://schemas.openxmlformats.org/officeDocument/2006/extended-properties" xmlns:cs="http://schemas.microsoft.com/office/drawing/2012/chartStyle" xmlns:c="http://schemas.openxmlformats.org/drawingml/2006/chart" xmlns="" id="{8C2F7BEB-8D8C-4DD6-944F-FB274891B20E}"/>
+                <a16:creationId xmlns="" xmlns:c="http://schemas.openxmlformats.org/drawingml/2006/chart" xmlns:cs="http://schemas.microsoft.com/office/drawing/2012/chartStyle" xmlns:ns1="http://schemas.openxmlformats.org/officeDocument/2006/extended-properties" xmlns:vt="http://schemas.openxmlformats.org/officeDocument/2006/docPropsVTypes" xmlns:a16="http://schemas.microsoft.com/office/drawing/2010/main" id="{8C2F7BEB-8D8C-4DD6-944F-FB274891B20E}"/>
               </a:ext>
             </a:extLst>
           </p:cNvPr>
@@ -9107,7 +9110,7 @@
           <p:cNvPr id="10" name="Content Placeholder 2">
             <a:extLst>
               <a:ext uri="{38AEE73F-795D-4F3B-86C5-7EEC8367613C}">
-                <a16:creationId xmlns:a16="http://schemas.microsoft.com/office/drawing/2010/main" xmlns:vt="http://schemas.openxmlformats.org/officeDocument/2006/docPropsVTypes" xmlns:ns1="http://schemas.openxmlformats.org/officeDocument/2006/extended-properties" xmlns:cs="http://schemas.microsoft.com/office/drawing/2012/chartStyle" xmlns:c="http://schemas.openxmlformats.org/drawingml/2006/chart" xmlns="" id="{0C55DCDB-016D-4DF6-8D29-3D6A577B7322}"/>
+                <a16:creationId xmlns="" xmlns:c="http://schemas.openxmlformats.org/drawingml/2006/chart" xmlns:cs="http://schemas.microsoft.com/office/drawing/2012/chartStyle" xmlns:ns1="http://schemas.openxmlformats.org/officeDocument/2006/extended-properties" xmlns:vt="http://schemas.openxmlformats.org/officeDocument/2006/docPropsVTypes" xmlns:a16="http://schemas.microsoft.com/office/drawing/2010/main" id="{0C55DCDB-016D-4DF6-8D29-3D6A577B7322}"/>
               </a:ext>
             </a:extLst>
           </p:cNvPr>
@@ -9177,7 +9180,7 @@
           <p:cNvPr id="11" name="Title 1">
             <a:extLst>
               <a:ext uri="{9CFAD998-BD79-4F14-9A85-060E97738E80}">
-                <a16:creationId xmlns:a16="http://schemas.microsoft.com/office/drawing/2010/main" xmlns:vt="http://schemas.openxmlformats.org/officeDocument/2006/docPropsVTypes" xmlns:ns1="http://schemas.openxmlformats.org/officeDocument/2006/extended-properties" xmlns:cs="http://schemas.microsoft.com/office/drawing/2012/chartStyle" xmlns:c="http://schemas.openxmlformats.org/drawingml/2006/chart" xmlns="" id="{E043DA3A-3C7E-40CB-8242-78438B73957D}"/>
+                <a16:creationId xmlns="" xmlns:c="http://schemas.openxmlformats.org/drawingml/2006/chart" xmlns:cs="http://schemas.microsoft.com/office/drawing/2012/chartStyle" xmlns:ns1="http://schemas.openxmlformats.org/officeDocument/2006/extended-properties" xmlns:vt="http://schemas.openxmlformats.org/officeDocument/2006/docPropsVTypes" xmlns:a16="http://schemas.microsoft.com/office/drawing/2010/main" id="{E043DA3A-3C7E-40CB-8242-78438B73957D}"/>
               </a:ext>
             </a:extLst>
           </p:cNvPr>
@@ -9212,7 +9215,7 @@
           <p:cNvPr id="12" name="Content Placeholder 2">
             <a:extLst>
               <a:ext uri="{08F27A6B-17E8-4C8E-80AB-06937F4535ED}">
-                <a16:creationId xmlns:a16="http://schemas.microsoft.com/office/drawing/2010/main" xmlns:vt="http://schemas.openxmlformats.org/officeDocument/2006/docPropsVTypes" xmlns:ns1="http://schemas.openxmlformats.org/officeDocument/2006/extended-properties" xmlns:cs="http://schemas.microsoft.com/office/drawing/2012/chartStyle" xmlns:c="http://schemas.openxmlformats.org/drawingml/2006/chart" xmlns="" id="{4A9C0344-9255-4D8B-9DEC-F9B57102E264}"/>
+                <a16:creationId xmlns="" xmlns:c="http://schemas.openxmlformats.org/drawingml/2006/chart" xmlns:cs="http://schemas.microsoft.com/office/drawing/2012/chartStyle" xmlns:ns1="http://schemas.openxmlformats.org/officeDocument/2006/extended-properties" xmlns:vt="http://schemas.openxmlformats.org/officeDocument/2006/docPropsVTypes" xmlns:a16="http://schemas.microsoft.com/office/drawing/2010/main" id="{4A9C0344-9255-4D8B-9DEC-F9B57102E264}"/>
               </a:ext>
             </a:extLst>
           </p:cNvPr>
@@ -9282,7 +9285,7 @@
           <p:cNvPr id="13" name="Date Placeholder 4">
             <a:extLst>
               <a:ext uri="{726F8130-9409-40C7-8FE0-12166BCC0B15}">
-                <a16:creationId xmlns:a16="http://schemas.microsoft.com/office/drawing/2010/main" xmlns:vt="http://schemas.openxmlformats.org/officeDocument/2006/docPropsVTypes" xmlns:ns1="http://schemas.openxmlformats.org/officeDocument/2006/extended-properties" xmlns:cs="http://schemas.microsoft.com/office/drawing/2012/chartStyle" xmlns:c="http://schemas.openxmlformats.org/drawingml/2006/chart" xmlns="" id="{E2B454D5-8DF4-4ECD-8D06-AE5FAA89C38D}"/>
+                <a16:creationId xmlns="" xmlns:c="http://schemas.openxmlformats.org/drawingml/2006/chart" xmlns:cs="http://schemas.microsoft.com/office/drawing/2012/chartStyle" xmlns:ns1="http://schemas.openxmlformats.org/officeDocument/2006/extended-properties" xmlns:vt="http://schemas.openxmlformats.org/officeDocument/2006/docPropsVTypes" xmlns:a16="http://schemas.microsoft.com/office/drawing/2010/main" id="{E2B454D5-8DF4-4ECD-8D06-AE5FAA89C38D}"/>
               </a:ext>
             </a:extLst>
           </p:cNvPr>
@@ -9310,7 +9313,7 @@
           <p:cNvPr id="14" name="Footer Placeholder 5">
             <a:extLst>
               <a:ext uri="{BB7004CF-ADD1-485D-BBB8-E366251F587B}">
-                <a16:creationId xmlns:a16="http://schemas.microsoft.com/office/drawing/2010/main" xmlns:vt="http://schemas.openxmlformats.org/officeDocument/2006/docPropsVTypes" xmlns:ns1="http://schemas.openxmlformats.org/officeDocument/2006/extended-properties" xmlns:cs="http://schemas.microsoft.com/office/drawing/2012/chartStyle" xmlns:c="http://schemas.openxmlformats.org/drawingml/2006/chart" xmlns="" id="{1575193D-994B-445A-A741-F07C279B63F4}"/>
+                <a16:creationId xmlns="" xmlns:c="http://schemas.openxmlformats.org/drawingml/2006/chart" xmlns:cs="http://schemas.microsoft.com/office/drawing/2012/chartStyle" xmlns:ns1="http://schemas.openxmlformats.org/officeDocument/2006/extended-properties" xmlns:vt="http://schemas.openxmlformats.org/officeDocument/2006/docPropsVTypes" xmlns:a16="http://schemas.microsoft.com/office/drawing/2010/main" id="{1575193D-994B-445A-A741-F07C279B63F4}"/>
               </a:ext>
             </a:extLst>
           </p:cNvPr>
@@ -9338,7 +9341,7 @@
           <p:cNvPr id="15" name="Slide Number Placeholder 6">
             <a:extLst>
               <a:ext uri="{67580870-BBF9-4759-BE86-AAE9B8ACE4D5}">
-                <a16:creationId xmlns:a16="http://schemas.microsoft.com/office/drawing/2010/main" xmlns:vt="http://schemas.openxmlformats.org/officeDocument/2006/docPropsVTypes" xmlns:ns1="http://schemas.openxmlformats.org/officeDocument/2006/extended-properties" xmlns:cs="http://schemas.microsoft.com/office/drawing/2012/chartStyle" xmlns:c="http://schemas.openxmlformats.org/drawingml/2006/chart" xmlns="" id="{3AA50A50-4CA8-4A7D-8827-99AF1DA80B1A}"/>
+                <a16:creationId xmlns="" xmlns:c="http://schemas.openxmlformats.org/drawingml/2006/chart" xmlns:cs="http://schemas.microsoft.com/office/drawing/2012/chartStyle" xmlns:ns1="http://schemas.openxmlformats.org/officeDocument/2006/extended-properties" xmlns:vt="http://schemas.openxmlformats.org/officeDocument/2006/docPropsVTypes" xmlns:a16="http://schemas.microsoft.com/office/drawing/2010/main" id="{3AA50A50-4CA8-4A7D-8827-99AF1DA80B1A}"/>
               </a:ext>
             </a:extLst>
           </p:cNvPr>
@@ -9366,7 +9369,7 @@
           <p:cNvPr id="16" name="Freeform: Shape 15">
             <a:extLst>
               <a:ext uri="{579EDC23-9C3E-404E-91BD-458DF35BE637}">
-                <a16:creationId xmlns:a16="http://schemas.microsoft.com/office/drawing/2010/main" xmlns:vt="http://schemas.openxmlformats.org/officeDocument/2006/docPropsVTypes" xmlns:ns1="http://schemas.openxmlformats.org/officeDocument/2006/extended-properties" xmlns:cs="http://schemas.microsoft.com/office/drawing/2012/chartStyle" xmlns:c="http://schemas.openxmlformats.org/drawingml/2006/chart" xmlns="" id="{CE74B109-E2A4-4FA9-AE7A-313B8BF88BA0}"/>
+                <a16:creationId xmlns="" xmlns:c="http://schemas.openxmlformats.org/drawingml/2006/chart" xmlns:cs="http://schemas.microsoft.com/office/drawing/2012/chartStyle" xmlns:ns1="http://schemas.openxmlformats.org/officeDocument/2006/extended-properties" xmlns:vt="http://schemas.openxmlformats.org/officeDocument/2006/docPropsVTypes" xmlns:a16="http://schemas.microsoft.com/office/drawing/2010/main" id="{CE74B109-E2A4-4FA9-AE7A-313B8BF88BA0}"/>
               </a:ext>
             </a:extLst>
           </p:cNvPr>
@@ -9442,7 +9445,7 @@
           <p:cNvPr id="17" name="Freeform: Shape 16">
             <a:extLst>
               <a:ext uri="{91AFFE3F-0435-47F0-B6F1-9AC3EC43CFBF}">
-                <a16:creationId xmlns:a16="http://schemas.microsoft.com/office/drawing/2010/main" xmlns:vt="http://schemas.openxmlformats.org/officeDocument/2006/docPropsVTypes" xmlns:ns1="http://schemas.openxmlformats.org/officeDocument/2006/extended-properties" xmlns:cs="http://schemas.microsoft.com/office/drawing/2012/chartStyle" xmlns:c="http://schemas.openxmlformats.org/drawingml/2006/chart" xmlns="" id="{06B68FB3-3B1D-43A2-9FC5-CAC60DB9233C}"/>
+                <a16:creationId xmlns="" xmlns:c="http://schemas.openxmlformats.org/drawingml/2006/chart" xmlns:cs="http://schemas.microsoft.com/office/drawing/2012/chartStyle" xmlns:ns1="http://schemas.openxmlformats.org/officeDocument/2006/extended-properties" xmlns:vt="http://schemas.openxmlformats.org/officeDocument/2006/docPropsVTypes" xmlns:a16="http://schemas.microsoft.com/office/drawing/2010/main" id="{06B68FB3-3B1D-43A2-9FC5-CAC60DB9233C}"/>
               </a:ext>
             </a:extLst>
           </p:cNvPr>
@@ -9518,7 +9521,7 @@
           <p:cNvPr id="18" name="Group 17">
             <a:extLst>
               <a:ext uri="{A20EB184-A1C0-476D-BCDB-826D6BA94019}">
-                <a16:creationId xmlns:a16="http://schemas.microsoft.com/office/drawing/2010/main" xmlns:vt="http://schemas.openxmlformats.org/officeDocument/2006/docPropsVTypes" xmlns:ns1="http://schemas.openxmlformats.org/officeDocument/2006/extended-properties" xmlns:cs="http://schemas.microsoft.com/office/drawing/2012/chartStyle" xmlns:c="http://schemas.openxmlformats.org/drawingml/2006/chart" xmlns="" id="{75351742-DF1E-46E6-99F2-C4A9D1BB8D37}"/>
+                <a16:creationId xmlns="" xmlns:c="http://schemas.openxmlformats.org/drawingml/2006/chart" xmlns:cs="http://schemas.microsoft.com/office/drawing/2012/chartStyle" xmlns:ns1="http://schemas.openxmlformats.org/officeDocument/2006/extended-properties" xmlns:vt="http://schemas.openxmlformats.org/officeDocument/2006/docPropsVTypes" xmlns:a16="http://schemas.microsoft.com/office/drawing/2010/main" id="{75351742-DF1E-46E6-99F2-C4A9D1BB8D37}"/>
               </a:ext>
             </a:extLst>
           </p:cNvPr>
@@ -9545,7 +9548,7 @@
             <p:cNvPr id="19" name="Freeform: Shape 18">
               <a:extLst>
                 <a:ext uri="{22516FB4-4A13-45DA-A9F9-18C5ADA3CA11}">
-                  <a16:creationId xmlns:a16="http://schemas.microsoft.com/office/drawing/2010/main" xmlns:vt="http://schemas.openxmlformats.org/officeDocument/2006/docPropsVTypes" xmlns:ns1="http://schemas.openxmlformats.org/officeDocument/2006/extended-properties" xmlns:cs="http://schemas.microsoft.com/office/drawing/2012/chartStyle" xmlns:c="http://schemas.openxmlformats.org/drawingml/2006/chart" xmlns="" id="{6402F28C-8105-43B2-BC1B-74D88AF38083}"/>
+                  <a16:creationId xmlns="" xmlns:c="http://schemas.openxmlformats.org/drawingml/2006/chart" xmlns:cs="http://schemas.microsoft.com/office/drawing/2012/chartStyle" xmlns:ns1="http://schemas.openxmlformats.org/officeDocument/2006/extended-properties" xmlns:vt="http://schemas.openxmlformats.org/officeDocument/2006/docPropsVTypes" xmlns:a16="http://schemas.microsoft.com/office/drawing/2010/main" id="{6402F28C-8105-43B2-BC1B-74D88AF38083}"/>
                 </a:ext>
               </a:extLst>
             </p:cNvPr>
@@ -9618,7 +9621,7 @@
             <p:cNvPr id="20" name="Freeform: Shape 19">
               <a:extLst>
                 <a:ext uri="{0168DF0D-6BED-40B0-B6F9-58323E1F5081}">
-                  <a16:creationId xmlns:a16="http://schemas.microsoft.com/office/drawing/2010/main" xmlns:vt="http://schemas.openxmlformats.org/officeDocument/2006/docPropsVTypes" xmlns:ns1="http://schemas.openxmlformats.org/officeDocument/2006/extended-properties" xmlns:cs="http://schemas.microsoft.com/office/drawing/2012/chartStyle" xmlns:c="http://schemas.openxmlformats.org/drawingml/2006/chart" xmlns="" id="{FAA25995-6D43-45A7-87F2-F609D2038E02}"/>
+                  <a16:creationId xmlns="" xmlns:c="http://schemas.openxmlformats.org/drawingml/2006/chart" xmlns:cs="http://schemas.microsoft.com/office/drawing/2012/chartStyle" xmlns:ns1="http://schemas.openxmlformats.org/officeDocument/2006/extended-properties" xmlns:vt="http://schemas.openxmlformats.org/officeDocument/2006/docPropsVTypes" xmlns:a16="http://schemas.microsoft.com/office/drawing/2010/main" id="{FAA25995-6D43-45A7-87F2-F609D2038E02}"/>
                 </a:ext>
               </a:extLst>
             </p:cNvPr>
@@ -9693,7 +9696,7 @@
     </p:custDataLst>
     <p:extLst>
       <p:ext uri="{E1DB2CA4-C0FB-4D6A-ACE9-BD778789770B}">
-        <p14:creationId xmlns:p14="http://schemas.microsoft.com/office/powerpoint/2010/main" xmlns:vt="http://schemas.openxmlformats.org/officeDocument/2006/docPropsVTypes" xmlns:ns1="http://schemas.openxmlformats.org/officeDocument/2006/extended-properties" xmlns:cs="http://schemas.microsoft.com/office/drawing/2012/chartStyle" xmlns:c="http://schemas.openxmlformats.org/drawingml/2006/chart" xmlns="" val="1753295003057"/>
+        <p14:creationId xmlns="" xmlns:c="http://schemas.openxmlformats.org/drawingml/2006/chart" xmlns:cs="http://schemas.microsoft.com/office/drawing/2012/chartStyle" xmlns:ns1="http://schemas.openxmlformats.org/officeDocument/2006/extended-properties" xmlns:vt="http://schemas.openxmlformats.org/officeDocument/2006/docPropsVTypes" xmlns:p14="http://schemas.microsoft.com/office/powerpoint/2010/main" val="1753295003057"/>
       </p:ext>
     </p:extLst>
   </p:cSld>
@@ -9725,7 +9728,7 @@
           <p:cNvPr id="2" name="Title 1">
             <a:extLst>
               <a:ext uri="{C1716A27-7594-422B-AA92-955FEFF7FC39}">
-                <a16:creationId xmlns:a16="http://schemas.microsoft.com/office/drawing/2010/main" xmlns:vt="http://schemas.openxmlformats.org/officeDocument/2006/docPropsVTypes" xmlns:ns1="http://schemas.openxmlformats.org/officeDocument/2006/extended-properties" xmlns:cs="http://schemas.microsoft.com/office/drawing/2012/chartStyle" xmlns:c="http://schemas.openxmlformats.org/drawingml/2006/chart" xmlns="" id="{C1804DAD-4260-4646-8A87-C4EAEB444338}"/>
+                <a16:creationId xmlns="" xmlns:c="http://schemas.openxmlformats.org/drawingml/2006/chart" xmlns:cs="http://schemas.microsoft.com/office/drawing/2012/chartStyle" xmlns:ns1="http://schemas.openxmlformats.org/officeDocument/2006/extended-properties" xmlns:vt="http://schemas.openxmlformats.org/officeDocument/2006/docPropsVTypes" xmlns:a16="http://schemas.microsoft.com/office/drawing/2010/main" id="{C1804DAD-4260-4646-8A87-C4EAEB444338}"/>
               </a:ext>
             </a:extLst>
           </p:cNvPr>
@@ -9760,7 +9763,7 @@
           <p:cNvPr id="3" name="Slide Number Placeholder 3">
             <a:extLst>
               <a:ext uri="{8A3B1AEB-2994-4786-8F33-AC7671C73D72}">
-                <a16:creationId xmlns:a16="http://schemas.microsoft.com/office/drawing/2010/main" xmlns:vt="http://schemas.openxmlformats.org/officeDocument/2006/docPropsVTypes" xmlns:ns1="http://schemas.openxmlformats.org/officeDocument/2006/extended-properties" xmlns:cs="http://schemas.microsoft.com/office/drawing/2012/chartStyle" xmlns:c="http://schemas.openxmlformats.org/drawingml/2006/chart" xmlns="" id="{C2F9BC94-5E45-40AD-AE73-549ABDC8F075}"/>
+                <a16:creationId xmlns="" xmlns:c="http://schemas.openxmlformats.org/drawingml/2006/chart" xmlns:cs="http://schemas.microsoft.com/office/drawing/2012/chartStyle" xmlns:ns1="http://schemas.openxmlformats.org/officeDocument/2006/extended-properties" xmlns:vt="http://schemas.openxmlformats.org/officeDocument/2006/docPropsVTypes" xmlns:a16="http://schemas.microsoft.com/office/drawing/2010/main" id="{C2F9BC94-5E45-40AD-AE73-549ABDC8F075}"/>
               </a:ext>
             </a:extLst>
           </p:cNvPr>
@@ -9788,7 +9791,7 @@
           <p:cNvPr id="4" name="Footer Placeholder 2">
             <a:extLst>
               <a:ext uri="{23B9D41A-BEF0-44C7-BF87-1EEABD007B87}">
-                <a16:creationId xmlns:a16="http://schemas.microsoft.com/office/drawing/2010/main" xmlns:vt="http://schemas.openxmlformats.org/officeDocument/2006/docPropsVTypes" xmlns:ns1="http://schemas.openxmlformats.org/officeDocument/2006/extended-properties" xmlns:cs="http://schemas.microsoft.com/office/drawing/2012/chartStyle" xmlns:c="http://schemas.openxmlformats.org/drawingml/2006/chart" xmlns="" id="{485D30AD-BEB9-4ADD-AC7F-3494853D1C91}"/>
+                <a16:creationId xmlns="" xmlns:c="http://schemas.openxmlformats.org/drawingml/2006/chart" xmlns:cs="http://schemas.microsoft.com/office/drawing/2012/chartStyle" xmlns:ns1="http://schemas.openxmlformats.org/officeDocument/2006/extended-properties" xmlns:vt="http://schemas.openxmlformats.org/officeDocument/2006/docPropsVTypes" xmlns:a16="http://schemas.microsoft.com/office/drawing/2010/main" id="{485D30AD-BEB9-4ADD-AC7F-3494853D1C91}"/>
               </a:ext>
             </a:extLst>
           </p:cNvPr>
@@ -9816,7 +9819,7 @@
           <p:cNvPr id="5" name="Date Placeholder 1">
             <a:extLst>
               <a:ext uri="{483F0E6F-5EC8-4C99-B6EF-2C46F349E4C2}">
-                <a16:creationId xmlns:a16="http://schemas.microsoft.com/office/drawing/2010/main" xmlns:vt="http://schemas.openxmlformats.org/officeDocument/2006/docPropsVTypes" xmlns:ns1="http://schemas.openxmlformats.org/officeDocument/2006/extended-properties" xmlns:cs="http://schemas.microsoft.com/office/drawing/2012/chartStyle" xmlns:c="http://schemas.openxmlformats.org/drawingml/2006/chart" xmlns="" id="{1BD154A7-4C8B-4DB1-B3C6-CDA4FE90850D}"/>
+                <a16:creationId xmlns="" xmlns:c="http://schemas.openxmlformats.org/drawingml/2006/chart" xmlns:cs="http://schemas.microsoft.com/office/drawing/2012/chartStyle" xmlns:ns1="http://schemas.openxmlformats.org/officeDocument/2006/extended-properties" xmlns:vt="http://schemas.openxmlformats.org/officeDocument/2006/docPropsVTypes" xmlns:a16="http://schemas.microsoft.com/office/drawing/2010/main" id="{1BD154A7-4C8B-4DB1-B3C6-CDA4FE90850D}"/>
               </a:ext>
             </a:extLst>
           </p:cNvPr>
@@ -9844,7 +9847,7 @@
           <p:cNvPr id="6" name="Group 5">
             <a:extLst>
               <a:ext uri="{9B19017A-293F-4D20-B631-935DA36AE985}">
-                <a16:creationId xmlns:a16="http://schemas.microsoft.com/office/drawing/2010/main" xmlns:vt="http://schemas.openxmlformats.org/officeDocument/2006/docPropsVTypes" xmlns:ns1="http://schemas.openxmlformats.org/officeDocument/2006/extended-properties" xmlns:cs="http://schemas.microsoft.com/office/drawing/2012/chartStyle" xmlns:c="http://schemas.openxmlformats.org/drawingml/2006/chart" xmlns="" id="{CD2A4BED-75A8-4CAC-A10D-2803FE08BE21}"/>
+                <a16:creationId xmlns="" xmlns:c="http://schemas.openxmlformats.org/drawingml/2006/chart" xmlns:cs="http://schemas.microsoft.com/office/drawing/2012/chartStyle" xmlns:ns1="http://schemas.openxmlformats.org/officeDocument/2006/extended-properties" xmlns:vt="http://schemas.openxmlformats.org/officeDocument/2006/docPropsVTypes" xmlns:a16="http://schemas.microsoft.com/office/drawing/2010/main" id="{CD2A4BED-75A8-4CAC-A10D-2803FE08BE21}"/>
               </a:ext>
             </a:extLst>
           </p:cNvPr>
@@ -9866,7 +9869,7 @@
             <p:cNvPr id="7" name="Freeform: Shape 6">
               <a:extLst>
                 <a:ext uri="{ECC79D16-4452-462B-8A5F-80416999591A}">
-                  <a16:creationId xmlns:a16="http://schemas.microsoft.com/office/drawing/2010/main" xmlns:vt="http://schemas.openxmlformats.org/officeDocument/2006/docPropsVTypes" xmlns:ns1="http://schemas.openxmlformats.org/officeDocument/2006/extended-properties" xmlns:cs="http://schemas.microsoft.com/office/drawing/2012/chartStyle" xmlns:c="http://schemas.openxmlformats.org/drawingml/2006/chart" xmlns="" id="{21957B59-16F8-4785-B908-5190F368438A}"/>
+                  <a16:creationId xmlns="" xmlns:c="http://schemas.openxmlformats.org/drawingml/2006/chart" xmlns:cs="http://schemas.microsoft.com/office/drawing/2012/chartStyle" xmlns:ns1="http://schemas.openxmlformats.org/officeDocument/2006/extended-properties" xmlns:vt="http://schemas.openxmlformats.org/officeDocument/2006/docPropsVTypes" xmlns:a16="http://schemas.microsoft.com/office/drawing/2010/main" id="{21957B59-16F8-4785-B908-5190F368438A}"/>
                 </a:ext>
               </a:extLst>
             </p:cNvPr>
@@ -9947,7 +9950,7 @@
             <p:cNvPr id="8" name="Freeform: Shape 7">
               <a:extLst>
                 <a:ext uri="{82CBC70D-DA50-425D-BE19-6D73326765FC}">
-                  <a16:creationId xmlns:a16="http://schemas.microsoft.com/office/drawing/2010/main" xmlns:vt="http://schemas.openxmlformats.org/officeDocument/2006/docPropsVTypes" xmlns:ns1="http://schemas.openxmlformats.org/officeDocument/2006/extended-properties" xmlns:cs="http://schemas.microsoft.com/office/drawing/2012/chartStyle" xmlns:c="http://schemas.openxmlformats.org/drawingml/2006/chart" xmlns="" id="{AB02FA87-9A10-45C9-95B3-9F63DA0EB4C7}"/>
+                  <a16:creationId xmlns="" xmlns:c="http://schemas.openxmlformats.org/drawingml/2006/chart" xmlns:cs="http://schemas.microsoft.com/office/drawing/2012/chartStyle" xmlns:ns1="http://schemas.openxmlformats.org/officeDocument/2006/extended-properties" xmlns:vt="http://schemas.openxmlformats.org/officeDocument/2006/docPropsVTypes" xmlns:a16="http://schemas.microsoft.com/office/drawing/2010/main" id="{AB02FA87-9A10-45C9-95B3-9F63DA0EB4C7}"/>
                 </a:ext>
               </a:extLst>
             </p:cNvPr>
@@ -10022,7 +10025,7 @@
             <p:cNvPr id="9" name="Freeform: Shape 8">
               <a:extLst>
                 <a:ext uri="{C7CE6492-6F8E-4D3D-AD7E-C0A7F4FECC61}">
-                  <a16:creationId xmlns:a16="http://schemas.microsoft.com/office/drawing/2010/main" xmlns:vt="http://schemas.openxmlformats.org/officeDocument/2006/docPropsVTypes" xmlns:ns1="http://schemas.openxmlformats.org/officeDocument/2006/extended-properties" xmlns:cs="http://schemas.microsoft.com/office/drawing/2012/chartStyle" xmlns:c="http://schemas.openxmlformats.org/drawingml/2006/chart" xmlns="" id="{8B53E46A-BFE5-481E-ADC9-EDA18CB76CA0}"/>
+                  <a16:creationId xmlns="" xmlns:c="http://schemas.openxmlformats.org/drawingml/2006/chart" xmlns:cs="http://schemas.microsoft.com/office/drawing/2012/chartStyle" xmlns:ns1="http://schemas.openxmlformats.org/officeDocument/2006/extended-properties" xmlns:vt="http://schemas.openxmlformats.org/officeDocument/2006/docPropsVTypes" xmlns:a16="http://schemas.microsoft.com/office/drawing/2010/main" id="{8B53E46A-BFE5-481E-ADC9-EDA18CB76CA0}"/>
                 </a:ext>
               </a:extLst>
             </p:cNvPr>
@@ -10097,7 +10100,7 @@
             <p:cNvPr id="10" name="Freeform: Shape 9">
               <a:extLst>
                 <a:ext uri="{098B1C9E-1E9B-45A0-81FF-09B714DC754C}">
-                  <a16:creationId xmlns:a16="http://schemas.microsoft.com/office/drawing/2010/main" xmlns:vt="http://schemas.openxmlformats.org/officeDocument/2006/docPropsVTypes" xmlns:ns1="http://schemas.openxmlformats.org/officeDocument/2006/extended-properties" xmlns:cs="http://schemas.microsoft.com/office/drawing/2012/chartStyle" xmlns:c="http://schemas.openxmlformats.org/drawingml/2006/chart" xmlns="" id="{6AAB3D57-5E84-44E3-844C-64004A7E30EF}"/>
+                  <a16:creationId xmlns="" xmlns:c="http://schemas.openxmlformats.org/drawingml/2006/chart" xmlns:cs="http://schemas.microsoft.com/office/drawing/2012/chartStyle" xmlns:ns1="http://schemas.openxmlformats.org/officeDocument/2006/extended-properties" xmlns:vt="http://schemas.openxmlformats.org/officeDocument/2006/docPropsVTypes" xmlns:a16="http://schemas.microsoft.com/office/drawing/2010/main" id="{6AAB3D57-5E84-44E3-844C-64004A7E30EF}"/>
                 </a:ext>
               </a:extLst>
             </p:cNvPr>
@@ -10172,7 +10175,7 @@
             <p:cNvPr id="11" name="Freeform: Shape 10">
               <a:extLst>
                 <a:ext uri="{5825F969-8CB4-492A-932E-5E53A516724A}">
-                  <a16:creationId xmlns:a16="http://schemas.microsoft.com/office/drawing/2010/main" xmlns:vt="http://schemas.openxmlformats.org/officeDocument/2006/docPropsVTypes" xmlns:ns1="http://schemas.openxmlformats.org/officeDocument/2006/extended-properties" xmlns:cs="http://schemas.microsoft.com/office/drawing/2012/chartStyle" xmlns:c="http://schemas.openxmlformats.org/drawingml/2006/chart" xmlns="" id="{E979E953-6CF6-4E1B-B582-7F5C41874A53}"/>
+                  <a16:creationId xmlns="" xmlns:c="http://schemas.openxmlformats.org/drawingml/2006/chart" xmlns:cs="http://schemas.microsoft.com/office/drawing/2012/chartStyle" xmlns:ns1="http://schemas.openxmlformats.org/officeDocument/2006/extended-properties" xmlns:vt="http://schemas.openxmlformats.org/officeDocument/2006/docPropsVTypes" xmlns:a16="http://schemas.microsoft.com/office/drawing/2010/main" id="{E979E953-6CF6-4E1B-B582-7F5C41874A53}"/>
                 </a:ext>
               </a:extLst>
             </p:cNvPr>
@@ -10247,7 +10250,7 @@
             <p:cNvPr id="12" name="Freeform: Shape 11">
               <a:extLst>
                 <a:ext uri="{B53933E4-B31D-4B01-8137-7DEAD824FA4E}">
-                  <a16:creationId xmlns:a16="http://schemas.microsoft.com/office/drawing/2010/main" xmlns:vt="http://schemas.openxmlformats.org/officeDocument/2006/docPropsVTypes" xmlns:ns1="http://schemas.openxmlformats.org/officeDocument/2006/extended-properties" xmlns:cs="http://schemas.microsoft.com/office/drawing/2012/chartStyle" xmlns:c="http://schemas.openxmlformats.org/drawingml/2006/chart" xmlns="" id="{B2A05B22-775C-48E3-8F25-AE17228A6C3C}"/>
+                  <a16:creationId xmlns="" xmlns:c="http://schemas.openxmlformats.org/drawingml/2006/chart" xmlns:cs="http://schemas.microsoft.com/office/drawing/2012/chartStyle" xmlns:ns1="http://schemas.openxmlformats.org/officeDocument/2006/extended-properties" xmlns:vt="http://schemas.openxmlformats.org/officeDocument/2006/docPropsVTypes" xmlns:a16="http://schemas.microsoft.com/office/drawing/2010/main" id="{B2A05B22-775C-48E3-8F25-AE17228A6C3C}"/>
                 </a:ext>
               </a:extLst>
             </p:cNvPr>
@@ -10322,7 +10325,7 @@
             <p:cNvPr id="13" name="Freeform: Shape 12">
               <a:extLst>
                 <a:ext uri="{45803C59-EFD8-4AF2-A269-09D8B148A96B}">
-                  <a16:creationId xmlns:a16="http://schemas.microsoft.com/office/drawing/2010/main" xmlns:vt="http://schemas.openxmlformats.org/officeDocument/2006/docPropsVTypes" xmlns:ns1="http://schemas.openxmlformats.org/officeDocument/2006/extended-properties" xmlns:cs="http://schemas.microsoft.com/office/drawing/2012/chartStyle" xmlns:c="http://schemas.openxmlformats.org/drawingml/2006/chart" xmlns="" id="{8E86E018-0521-4B12-8E68-F819A94C730A}"/>
+                  <a16:creationId xmlns="" xmlns:c="http://schemas.openxmlformats.org/drawingml/2006/chart" xmlns:cs="http://schemas.microsoft.com/office/drawing/2012/chartStyle" xmlns:ns1="http://schemas.openxmlformats.org/officeDocument/2006/extended-properties" xmlns:vt="http://schemas.openxmlformats.org/officeDocument/2006/docPropsVTypes" xmlns:a16="http://schemas.microsoft.com/office/drawing/2010/main" id="{8E86E018-0521-4B12-8E68-F819A94C730A}"/>
                 </a:ext>
               </a:extLst>
             </p:cNvPr>
@@ -10397,7 +10400,7 @@
             <p:cNvPr id="14" name="Freeform: Shape 13">
               <a:extLst>
                 <a:ext uri="{CE0CDE97-E0E7-456B-B1ED-FBC975C57242}">
-                  <a16:creationId xmlns:a16="http://schemas.microsoft.com/office/drawing/2010/main" xmlns:vt="http://schemas.openxmlformats.org/officeDocument/2006/docPropsVTypes" xmlns:ns1="http://schemas.openxmlformats.org/officeDocument/2006/extended-properties" xmlns:cs="http://schemas.microsoft.com/office/drawing/2012/chartStyle" xmlns:c="http://schemas.openxmlformats.org/drawingml/2006/chart" xmlns="" id="{121D0B82-D1AB-495D-B90A-A9C232C6BD9C}"/>
+                  <a16:creationId xmlns="" xmlns:c="http://schemas.openxmlformats.org/drawingml/2006/chart" xmlns:cs="http://schemas.microsoft.com/office/drawing/2012/chartStyle" xmlns:ns1="http://schemas.openxmlformats.org/officeDocument/2006/extended-properties" xmlns:vt="http://schemas.openxmlformats.org/officeDocument/2006/docPropsVTypes" xmlns:a16="http://schemas.microsoft.com/office/drawing/2010/main" id="{121D0B82-D1AB-495D-B90A-A9C232C6BD9C}"/>
                 </a:ext>
               </a:extLst>
             </p:cNvPr>
@@ -10472,7 +10475,7 @@
             <p:cNvPr id="15" name="Freeform: Shape 14">
               <a:extLst>
                 <a:ext uri="{BB837F22-F52C-4CCC-9C7E-8245673E5E7D}">
-                  <a16:creationId xmlns:a16="http://schemas.microsoft.com/office/drawing/2010/main" xmlns:vt="http://schemas.openxmlformats.org/officeDocument/2006/docPropsVTypes" xmlns:ns1="http://schemas.openxmlformats.org/officeDocument/2006/extended-properties" xmlns:cs="http://schemas.microsoft.com/office/drawing/2012/chartStyle" xmlns:c="http://schemas.openxmlformats.org/drawingml/2006/chart" xmlns="" id="{FD918875-BBB1-4923-BCD7-D1D91C2D5789}"/>
+                  <a16:creationId xmlns="" xmlns:c="http://schemas.openxmlformats.org/drawingml/2006/chart" xmlns:cs="http://schemas.microsoft.com/office/drawing/2012/chartStyle" xmlns:ns1="http://schemas.openxmlformats.org/officeDocument/2006/extended-properties" xmlns:vt="http://schemas.openxmlformats.org/officeDocument/2006/docPropsVTypes" xmlns:a16="http://schemas.microsoft.com/office/drawing/2010/main" id="{FD918875-BBB1-4923-BCD7-D1D91C2D5789}"/>
                 </a:ext>
               </a:extLst>
             </p:cNvPr>
@@ -10547,7 +10550,7 @@
             <p:cNvPr id="16" name="Freeform: Shape 15">
               <a:extLst>
                 <a:ext uri="{A787888F-9473-4E45-A885-3BA60C044A68}">
-                  <a16:creationId xmlns:a16="http://schemas.microsoft.com/office/drawing/2010/main" xmlns:vt="http://schemas.openxmlformats.org/officeDocument/2006/docPropsVTypes" xmlns:ns1="http://schemas.openxmlformats.org/officeDocument/2006/extended-properties" xmlns:cs="http://schemas.microsoft.com/office/drawing/2012/chartStyle" xmlns:c="http://schemas.openxmlformats.org/drawingml/2006/chart" xmlns="" id="{FA6FF701-C4DE-48C0-9C76-F3615CC00284}"/>
+                  <a16:creationId xmlns="" xmlns:c="http://schemas.openxmlformats.org/drawingml/2006/chart" xmlns:cs="http://schemas.microsoft.com/office/drawing/2012/chartStyle" xmlns:ns1="http://schemas.openxmlformats.org/officeDocument/2006/extended-properties" xmlns:vt="http://schemas.openxmlformats.org/officeDocument/2006/docPropsVTypes" xmlns:a16="http://schemas.microsoft.com/office/drawing/2010/main" id="{FA6FF701-C4DE-48C0-9C76-F3615CC00284}"/>
                 </a:ext>
               </a:extLst>
             </p:cNvPr>
@@ -10622,7 +10625,7 @@
             <p:cNvPr id="17" name="Freeform: Shape 16">
               <a:extLst>
                 <a:ext uri="{6B4192BD-602A-4875-83F7-B33C64D90FA4}">
-                  <a16:creationId xmlns:a16="http://schemas.microsoft.com/office/drawing/2010/main" xmlns:vt="http://schemas.openxmlformats.org/officeDocument/2006/docPropsVTypes" xmlns:ns1="http://schemas.openxmlformats.org/officeDocument/2006/extended-properties" xmlns:cs="http://schemas.microsoft.com/office/drawing/2012/chartStyle" xmlns:c="http://schemas.openxmlformats.org/drawingml/2006/chart" xmlns="" id="{551280DB-2312-4CCC-B8C1-2645AC4F29DA}"/>
+                  <a16:creationId xmlns="" xmlns:c="http://schemas.openxmlformats.org/drawingml/2006/chart" xmlns:cs="http://schemas.microsoft.com/office/drawing/2012/chartStyle" xmlns:ns1="http://schemas.openxmlformats.org/officeDocument/2006/extended-properties" xmlns:vt="http://schemas.openxmlformats.org/officeDocument/2006/docPropsVTypes" xmlns:a16="http://schemas.microsoft.com/office/drawing/2010/main" id="{551280DB-2312-4CCC-B8C1-2645AC4F29DA}"/>
                 </a:ext>
               </a:extLst>
             </p:cNvPr>
@@ -10697,7 +10700,7 @@
             <p:cNvPr id="18" name="Freeform: Shape 17">
               <a:extLst>
                 <a:ext uri="{EE25D7A7-1A6E-4886-AAD0-394B9F9161BD}">
-                  <a16:creationId xmlns:a16="http://schemas.microsoft.com/office/drawing/2010/main" xmlns:vt="http://schemas.openxmlformats.org/officeDocument/2006/docPropsVTypes" xmlns:ns1="http://schemas.openxmlformats.org/officeDocument/2006/extended-properties" xmlns:cs="http://schemas.microsoft.com/office/drawing/2012/chartStyle" xmlns:c="http://schemas.openxmlformats.org/drawingml/2006/chart" xmlns="" id="{2EC9CD09-A6D7-4ACE-99E7-AEBF9C9F05A7}"/>
+                  <a16:creationId xmlns="" xmlns:c="http://schemas.openxmlformats.org/drawingml/2006/chart" xmlns:cs="http://schemas.microsoft.com/office/drawing/2012/chartStyle" xmlns:ns1="http://schemas.openxmlformats.org/officeDocument/2006/extended-properties" xmlns:vt="http://schemas.openxmlformats.org/officeDocument/2006/docPropsVTypes" xmlns:a16="http://schemas.microsoft.com/office/drawing/2010/main" id="{2EC9CD09-A6D7-4ACE-99E7-AEBF9C9F05A7}"/>
                 </a:ext>
               </a:extLst>
             </p:cNvPr>
@@ -10772,7 +10775,7 @@
             <p:cNvPr id="19" name="Freeform: Shape 18">
               <a:extLst>
                 <a:ext uri="{39FD1A57-C4C9-4237-BCFF-33C4A3726116}">
-                  <a16:creationId xmlns:a16="http://schemas.microsoft.com/office/drawing/2010/main" xmlns:vt="http://schemas.openxmlformats.org/officeDocument/2006/docPropsVTypes" xmlns:ns1="http://schemas.openxmlformats.org/officeDocument/2006/extended-properties" xmlns:cs="http://schemas.microsoft.com/office/drawing/2012/chartStyle" xmlns:c="http://schemas.openxmlformats.org/drawingml/2006/chart" xmlns="" id="{701016EC-EE7F-40CA-8A9F-BE1B52E582AF}"/>
+                  <a16:creationId xmlns="" xmlns:c="http://schemas.openxmlformats.org/drawingml/2006/chart" xmlns:cs="http://schemas.microsoft.com/office/drawing/2012/chartStyle" xmlns:ns1="http://schemas.openxmlformats.org/officeDocument/2006/extended-properties" xmlns:vt="http://schemas.openxmlformats.org/officeDocument/2006/docPropsVTypes" xmlns:a16="http://schemas.microsoft.com/office/drawing/2010/main" id="{701016EC-EE7F-40CA-8A9F-BE1B52E582AF}"/>
                 </a:ext>
               </a:extLst>
             </p:cNvPr>
@@ -10847,7 +10850,7 @@
             <p:cNvPr id="20" name="Freeform: Shape 19">
               <a:extLst>
                 <a:ext uri="{727E2A6F-DC10-4E06-A125-87BB4AEAD716}">
-                  <a16:creationId xmlns:a16="http://schemas.microsoft.com/office/drawing/2010/main" xmlns:vt="http://schemas.openxmlformats.org/officeDocument/2006/docPropsVTypes" xmlns:ns1="http://schemas.openxmlformats.org/officeDocument/2006/extended-properties" xmlns:cs="http://schemas.microsoft.com/office/drawing/2012/chartStyle" xmlns:c="http://schemas.openxmlformats.org/drawingml/2006/chart" xmlns="" id="{76E40AC2-2654-4AB4-A875-0C393F6ED24C}"/>
+                  <a16:creationId xmlns="" xmlns:c="http://schemas.openxmlformats.org/drawingml/2006/chart" xmlns:cs="http://schemas.microsoft.com/office/drawing/2012/chartStyle" xmlns:ns1="http://schemas.openxmlformats.org/officeDocument/2006/extended-properties" xmlns:vt="http://schemas.openxmlformats.org/officeDocument/2006/docPropsVTypes" xmlns:a16="http://schemas.microsoft.com/office/drawing/2010/main" id="{76E40AC2-2654-4AB4-A875-0C393F6ED24C}"/>
                 </a:ext>
               </a:extLst>
             </p:cNvPr>
@@ -10922,7 +10925,7 @@
             <p:cNvPr id="21" name="Freeform: Shape 20">
               <a:extLst>
                 <a:ext uri="{022B0E09-D203-410E-9983-4C4D70D931FF}">
-                  <a16:creationId xmlns:a16="http://schemas.microsoft.com/office/drawing/2010/main" xmlns:vt="http://schemas.openxmlformats.org/officeDocument/2006/docPropsVTypes" xmlns:ns1="http://schemas.openxmlformats.org/officeDocument/2006/extended-properties" xmlns:cs="http://schemas.microsoft.com/office/drawing/2012/chartStyle" xmlns:c="http://schemas.openxmlformats.org/drawingml/2006/chart" xmlns="" id="{0210CE15-E773-4EA3-B0D1-CB9EADB03DF9}"/>
+                  <a16:creationId xmlns="" xmlns:c="http://schemas.openxmlformats.org/drawingml/2006/chart" xmlns:cs="http://schemas.microsoft.com/office/drawing/2012/chartStyle" xmlns:ns1="http://schemas.openxmlformats.org/officeDocument/2006/extended-properties" xmlns:vt="http://schemas.openxmlformats.org/officeDocument/2006/docPropsVTypes" xmlns:a16="http://schemas.microsoft.com/office/drawing/2010/main" id="{0210CE15-E773-4EA3-B0D1-CB9EADB03DF9}"/>
                 </a:ext>
               </a:extLst>
             </p:cNvPr>
@@ -10997,7 +11000,7 @@
             <p:cNvPr id="22" name="Freeform: Shape 21">
               <a:extLst>
                 <a:ext uri="{A5645B03-BB4F-4F21-865D-8CBCD83E3FFF}">
-                  <a16:creationId xmlns:a16="http://schemas.microsoft.com/office/drawing/2010/main" xmlns:vt="http://schemas.openxmlformats.org/officeDocument/2006/docPropsVTypes" xmlns:ns1="http://schemas.openxmlformats.org/officeDocument/2006/extended-properties" xmlns:cs="http://schemas.microsoft.com/office/drawing/2012/chartStyle" xmlns:c="http://schemas.openxmlformats.org/drawingml/2006/chart" xmlns="" id="{C7339D0A-BE1B-496E-94C5-902AFF047E8E}"/>
+                  <a16:creationId xmlns="" xmlns:c="http://schemas.openxmlformats.org/drawingml/2006/chart" xmlns:cs="http://schemas.microsoft.com/office/drawing/2012/chartStyle" xmlns:ns1="http://schemas.openxmlformats.org/officeDocument/2006/extended-properties" xmlns:vt="http://schemas.openxmlformats.org/officeDocument/2006/docPropsVTypes" xmlns:a16="http://schemas.microsoft.com/office/drawing/2010/main" id="{C7339D0A-BE1B-496E-94C5-902AFF047E8E}"/>
                 </a:ext>
               </a:extLst>
             </p:cNvPr>
@@ -11072,7 +11075,7 @@
             <p:cNvPr id="23" name="Freeform: Shape 22">
               <a:extLst>
                 <a:ext uri="{D1861E19-7643-42C9-8C73-11721CB6FED3}">
-                  <a16:creationId xmlns:a16="http://schemas.microsoft.com/office/drawing/2010/main" xmlns:vt="http://schemas.openxmlformats.org/officeDocument/2006/docPropsVTypes" xmlns:ns1="http://schemas.openxmlformats.org/officeDocument/2006/extended-properties" xmlns:cs="http://schemas.microsoft.com/office/drawing/2012/chartStyle" xmlns:c="http://schemas.openxmlformats.org/drawingml/2006/chart" xmlns="" id="{8EE5A6C2-DA99-47FA-8197-48259D294E8A}"/>
+                  <a16:creationId xmlns="" xmlns:c="http://schemas.openxmlformats.org/drawingml/2006/chart" xmlns:cs="http://schemas.microsoft.com/office/drawing/2012/chartStyle" xmlns:ns1="http://schemas.openxmlformats.org/officeDocument/2006/extended-properties" xmlns:vt="http://schemas.openxmlformats.org/officeDocument/2006/docPropsVTypes" xmlns:a16="http://schemas.microsoft.com/office/drawing/2010/main" id="{8EE5A6C2-DA99-47FA-8197-48259D294E8A}"/>
                 </a:ext>
               </a:extLst>
             </p:cNvPr>
@@ -11147,7 +11150,7 @@
             <p:cNvPr id="24" name="Freeform: Shape 23">
               <a:extLst>
                 <a:ext uri="{43493280-B5FC-447E-81F0-63E6F722C833}">
-                  <a16:creationId xmlns:a16="http://schemas.microsoft.com/office/drawing/2010/main" xmlns:vt="http://schemas.openxmlformats.org/officeDocument/2006/docPropsVTypes" xmlns:ns1="http://schemas.openxmlformats.org/officeDocument/2006/extended-properties" xmlns:cs="http://schemas.microsoft.com/office/drawing/2012/chartStyle" xmlns:c="http://schemas.openxmlformats.org/drawingml/2006/chart" xmlns="" id="{1D113594-1649-4D8C-9900-101D40A4B864}"/>
+                  <a16:creationId xmlns="" xmlns:c="http://schemas.openxmlformats.org/drawingml/2006/chart" xmlns:cs="http://schemas.microsoft.com/office/drawing/2012/chartStyle" xmlns:ns1="http://schemas.openxmlformats.org/officeDocument/2006/extended-properties" xmlns:vt="http://schemas.openxmlformats.org/officeDocument/2006/docPropsVTypes" xmlns:a16="http://schemas.microsoft.com/office/drawing/2010/main" id="{1D113594-1649-4D8C-9900-101D40A4B864}"/>
                 </a:ext>
               </a:extLst>
             </p:cNvPr>
@@ -11222,7 +11225,7 @@
             <p:cNvPr id="25" name="Freeform: Shape 24">
               <a:extLst>
                 <a:ext uri="{C0F832BC-812F-4F26-A133-390575A9A2B5}">
-                  <a16:creationId xmlns:a16="http://schemas.microsoft.com/office/drawing/2010/main" xmlns:vt="http://schemas.openxmlformats.org/officeDocument/2006/docPropsVTypes" xmlns:ns1="http://schemas.openxmlformats.org/officeDocument/2006/extended-properties" xmlns:cs="http://schemas.microsoft.com/office/drawing/2012/chartStyle" xmlns:c="http://schemas.openxmlformats.org/drawingml/2006/chart" xmlns="" id="{DE1D3E69-3CE0-4E8F-B834-F6C409EB63D5}"/>
+                  <a16:creationId xmlns="" xmlns:c="http://schemas.openxmlformats.org/drawingml/2006/chart" xmlns:cs="http://schemas.microsoft.com/office/drawing/2012/chartStyle" xmlns:ns1="http://schemas.openxmlformats.org/officeDocument/2006/extended-properties" xmlns:vt="http://schemas.openxmlformats.org/officeDocument/2006/docPropsVTypes" xmlns:a16="http://schemas.microsoft.com/office/drawing/2010/main" id="{DE1D3E69-3CE0-4E8F-B834-F6C409EB63D5}"/>
                 </a:ext>
               </a:extLst>
             </p:cNvPr>
@@ -11297,7 +11300,7 @@
             <p:cNvPr id="26" name="Freeform: Shape 25">
               <a:extLst>
                 <a:ext uri="{4FA64E1C-3F3F-41D3-BDED-6559FC11AC35}">
-                  <a16:creationId xmlns:a16="http://schemas.microsoft.com/office/drawing/2010/main" xmlns:vt="http://schemas.openxmlformats.org/officeDocument/2006/docPropsVTypes" xmlns:ns1="http://schemas.openxmlformats.org/officeDocument/2006/extended-properties" xmlns:cs="http://schemas.microsoft.com/office/drawing/2012/chartStyle" xmlns:c="http://schemas.openxmlformats.org/drawingml/2006/chart" xmlns="" id="{C62E71CC-80EE-48EB-9F69-B75255EC1129}"/>
+                  <a16:creationId xmlns="" xmlns:c="http://schemas.openxmlformats.org/drawingml/2006/chart" xmlns:cs="http://schemas.microsoft.com/office/drawing/2012/chartStyle" xmlns:ns1="http://schemas.openxmlformats.org/officeDocument/2006/extended-properties" xmlns:vt="http://schemas.openxmlformats.org/officeDocument/2006/docPropsVTypes" xmlns:a16="http://schemas.microsoft.com/office/drawing/2010/main" id="{C62E71CC-80EE-48EB-9F69-B75255EC1129}"/>
                 </a:ext>
               </a:extLst>
             </p:cNvPr>
@@ -11372,7 +11375,7 @@
             <p:cNvPr id="27" name="Freeform: Shape 26">
               <a:extLst>
                 <a:ext uri="{4138E2A0-F827-4DE9-99A3-563784D0A3D1}">
-                  <a16:creationId xmlns:a16="http://schemas.microsoft.com/office/drawing/2010/main" xmlns:vt="http://schemas.openxmlformats.org/officeDocument/2006/docPropsVTypes" xmlns:ns1="http://schemas.openxmlformats.org/officeDocument/2006/extended-properties" xmlns:cs="http://schemas.microsoft.com/office/drawing/2012/chartStyle" xmlns:c="http://schemas.openxmlformats.org/drawingml/2006/chart" xmlns="" id="{6B98D92B-41E0-48E4-AF2A-4A4C255F3DFF}"/>
+                  <a16:creationId xmlns="" xmlns:c="http://schemas.openxmlformats.org/drawingml/2006/chart" xmlns:cs="http://schemas.microsoft.com/office/drawing/2012/chartStyle" xmlns:ns1="http://schemas.openxmlformats.org/officeDocument/2006/extended-properties" xmlns:vt="http://schemas.openxmlformats.org/officeDocument/2006/docPropsVTypes" xmlns:a16="http://schemas.microsoft.com/office/drawing/2010/main" id="{6B98D92B-41E0-48E4-AF2A-4A4C255F3DFF}"/>
                 </a:ext>
               </a:extLst>
             </p:cNvPr>
@@ -11448,7 +11451,7 @@
           <p:cNvPr id="28" name="Freeform: Shape 27">
             <a:extLst>
               <a:ext uri="{190A9099-A384-4206-861B-FE60CCA7AC96}">
-                <a16:creationId xmlns:a16="http://schemas.microsoft.com/office/drawing/2010/main" xmlns:vt="http://schemas.openxmlformats.org/officeDocument/2006/docPropsVTypes" xmlns:ns1="http://schemas.openxmlformats.org/officeDocument/2006/extended-properties" xmlns:cs="http://schemas.microsoft.com/office/drawing/2012/chartStyle" xmlns:c="http://schemas.openxmlformats.org/drawingml/2006/chart" xmlns="" id="{C6A4DC48-464F-4648-9E13-4D4AF6A3CAF6}"/>
+                <a16:creationId xmlns="" xmlns:c="http://schemas.openxmlformats.org/drawingml/2006/chart" xmlns:cs="http://schemas.microsoft.com/office/drawing/2012/chartStyle" xmlns:ns1="http://schemas.openxmlformats.org/officeDocument/2006/extended-properties" xmlns:vt="http://schemas.openxmlformats.org/officeDocument/2006/docPropsVTypes" xmlns:a16="http://schemas.microsoft.com/office/drawing/2010/main" id="{C6A4DC48-464F-4648-9E13-4D4AF6A3CAF6}"/>
               </a:ext>
             </a:extLst>
           </p:cNvPr>
@@ -11522,7 +11525,7 @@
           <p:cNvPr id="29" name="Freeform: Shape 28">
             <a:extLst>
               <a:ext uri="{F11D730A-3BB1-4268-A3A9-AC746D6E5B2C}">
-                <a16:creationId xmlns:a16="http://schemas.microsoft.com/office/drawing/2010/main" xmlns:vt="http://schemas.openxmlformats.org/officeDocument/2006/docPropsVTypes" xmlns:ns1="http://schemas.openxmlformats.org/officeDocument/2006/extended-properties" xmlns:cs="http://schemas.microsoft.com/office/drawing/2012/chartStyle" xmlns:c="http://schemas.openxmlformats.org/drawingml/2006/chart" xmlns="" id="{B996E6F1-9EF8-4F88-A434-51A877685FE3}"/>
+                <a16:creationId xmlns="" xmlns:c="http://schemas.openxmlformats.org/drawingml/2006/chart" xmlns:cs="http://schemas.microsoft.com/office/drawing/2012/chartStyle" xmlns:ns1="http://schemas.openxmlformats.org/officeDocument/2006/extended-properties" xmlns:vt="http://schemas.openxmlformats.org/officeDocument/2006/docPropsVTypes" xmlns:a16="http://schemas.microsoft.com/office/drawing/2010/main" id="{B996E6F1-9EF8-4F88-A434-51A877685FE3}"/>
               </a:ext>
             </a:extLst>
           </p:cNvPr>
@@ -11594,7 +11597,7 @@
     </p:spTree>
     <p:extLst>
       <p:ext uri="{6B2F2E59-72C3-4860-A497-59862A8A4645}">
-        <p14:creationId xmlns:p14="http://schemas.microsoft.com/office/powerpoint/2010/main" xmlns:vt="http://schemas.openxmlformats.org/officeDocument/2006/docPropsVTypes" xmlns:ns1="http://schemas.openxmlformats.org/officeDocument/2006/extended-properties" xmlns:cs="http://schemas.microsoft.com/office/drawing/2012/chartStyle" xmlns:c="http://schemas.openxmlformats.org/drawingml/2006/chart" xmlns="" val="1753295003060"/>
+        <p14:creationId xmlns="" xmlns:c="http://schemas.openxmlformats.org/drawingml/2006/chart" xmlns:cs="http://schemas.microsoft.com/office/drawing/2012/chartStyle" xmlns:ns1="http://schemas.openxmlformats.org/officeDocument/2006/extended-properties" xmlns:vt="http://schemas.openxmlformats.org/officeDocument/2006/docPropsVTypes" xmlns:p14="http://schemas.microsoft.com/office/powerpoint/2010/main" val="1753295003060"/>
       </p:ext>
     </p:extLst>
   </p:cSld>
@@ -11626,7 +11629,7 @@
           <p:cNvPr id="2" name="Slide Number Placeholder 3">
             <a:extLst>
               <a:ext uri="{B48AE6D9-F97A-44A1-B1CA-D75DC7F5774E}">
-                <a16:creationId xmlns:a16="http://schemas.microsoft.com/office/drawing/2010/main" xmlns:vt="http://schemas.openxmlformats.org/officeDocument/2006/docPropsVTypes" xmlns:ns1="http://schemas.openxmlformats.org/officeDocument/2006/extended-properties" xmlns:cs="http://schemas.microsoft.com/office/drawing/2012/chartStyle" xmlns:c="http://schemas.openxmlformats.org/drawingml/2006/chart" xmlns="" id="{59677D68-B268-4873-8B21-F63553500333}"/>
+                <a16:creationId xmlns="" xmlns:c="http://schemas.openxmlformats.org/drawingml/2006/chart" xmlns:cs="http://schemas.microsoft.com/office/drawing/2012/chartStyle" xmlns:ns1="http://schemas.openxmlformats.org/officeDocument/2006/extended-properties" xmlns:vt="http://schemas.openxmlformats.org/officeDocument/2006/docPropsVTypes" xmlns:a16="http://schemas.microsoft.com/office/drawing/2010/main" id="{59677D68-B268-4873-8B21-F63553500333}"/>
               </a:ext>
             </a:extLst>
           </p:cNvPr>
@@ -11659,7 +11662,7 @@
           <p:cNvPr id="3" name="Footer Placeholder 2">
             <a:extLst>
               <a:ext uri="{50A051EB-BDE1-4ACB-AF94-9F1830001F85}">
-                <a16:creationId xmlns:a16="http://schemas.microsoft.com/office/drawing/2010/main" xmlns:vt="http://schemas.openxmlformats.org/officeDocument/2006/docPropsVTypes" xmlns:ns1="http://schemas.openxmlformats.org/officeDocument/2006/extended-properties" xmlns:cs="http://schemas.microsoft.com/office/drawing/2012/chartStyle" xmlns:c="http://schemas.openxmlformats.org/drawingml/2006/chart" xmlns="" id="{B8087457-1E7A-47F1-97C9-74FE953978CD}"/>
+                <a16:creationId xmlns="" xmlns:c="http://schemas.openxmlformats.org/drawingml/2006/chart" xmlns:cs="http://schemas.microsoft.com/office/drawing/2012/chartStyle" xmlns:ns1="http://schemas.openxmlformats.org/officeDocument/2006/extended-properties" xmlns:vt="http://schemas.openxmlformats.org/officeDocument/2006/docPropsVTypes" xmlns:a16="http://schemas.microsoft.com/office/drawing/2010/main" id="{B8087457-1E7A-47F1-97C9-74FE953978CD}"/>
               </a:ext>
             </a:extLst>
           </p:cNvPr>
@@ -11687,7 +11690,7 @@
           <p:cNvPr id="4" name="Date Placeholder 1" hidden="1">
             <a:extLst>
               <a:ext uri="{EFCDEC87-BC14-443E-84C9-E78C50FB363E}">
-                <a16:creationId xmlns:a16="http://schemas.microsoft.com/office/drawing/2010/main" xmlns:vt="http://schemas.openxmlformats.org/officeDocument/2006/docPropsVTypes" xmlns:ns1="http://schemas.openxmlformats.org/officeDocument/2006/extended-properties" xmlns:cs="http://schemas.microsoft.com/office/drawing/2012/chartStyle" xmlns:c="http://schemas.openxmlformats.org/drawingml/2006/chart" xmlns="" id="{A716E3DF-2AAA-4B2C-A21E-391C93D4ACD1}"/>
+                <a16:creationId xmlns="" xmlns:c="http://schemas.openxmlformats.org/drawingml/2006/chart" xmlns:cs="http://schemas.microsoft.com/office/drawing/2012/chartStyle" xmlns:ns1="http://schemas.openxmlformats.org/officeDocument/2006/extended-properties" xmlns:vt="http://schemas.openxmlformats.org/officeDocument/2006/docPropsVTypes" xmlns:a16="http://schemas.microsoft.com/office/drawing/2010/main" id="{A716E3DF-2AAA-4B2C-A21E-391C93D4ACD1}"/>
               </a:ext>
             </a:extLst>
           </p:cNvPr>
@@ -11718,7 +11721,7 @@
     </p:spTree>
     <p:extLst>
       <p:ext uri="{70C19325-0E8E-42DC-B39B-529D014444B0}">
-        <p14:creationId xmlns:p14="http://schemas.microsoft.com/office/powerpoint/2010/main" xmlns:vt="http://schemas.openxmlformats.org/officeDocument/2006/docPropsVTypes" xmlns:ns1="http://schemas.openxmlformats.org/officeDocument/2006/extended-properties" xmlns:cs="http://schemas.microsoft.com/office/drawing/2012/chartStyle" xmlns:c="http://schemas.openxmlformats.org/drawingml/2006/chart" xmlns="" val="1753295003062"/>
+        <p14:creationId xmlns="" xmlns:c="http://schemas.openxmlformats.org/drawingml/2006/chart" xmlns:cs="http://schemas.microsoft.com/office/drawing/2012/chartStyle" xmlns:ns1="http://schemas.openxmlformats.org/officeDocument/2006/extended-properties" xmlns:vt="http://schemas.openxmlformats.org/officeDocument/2006/docPropsVTypes" xmlns:p14="http://schemas.microsoft.com/office/powerpoint/2010/main" val="1753295003062"/>
       </p:ext>
     </p:extLst>
   </p:cSld>
@@ -11750,7 +11753,7 @@
           <p:cNvPr id="2" name="Title 1">
             <a:extLst>
               <a:ext uri="{8CF1AF0A-17A7-4489-9083-9FB7037B55DB}">
-                <a16:creationId xmlns:a16="http://schemas.microsoft.com/office/drawing/2010/main" xmlns:vt="http://schemas.openxmlformats.org/officeDocument/2006/docPropsVTypes" xmlns:ns1="http://schemas.openxmlformats.org/officeDocument/2006/extended-properties" xmlns:cs="http://schemas.microsoft.com/office/drawing/2012/chartStyle" xmlns:c="http://schemas.openxmlformats.org/drawingml/2006/chart" xmlns="" id="{EBF5B7CB-1451-40E7-9DD2-AEE4C7783111}"/>
+                <a16:creationId xmlns="" xmlns:c="http://schemas.openxmlformats.org/drawingml/2006/chart" xmlns:cs="http://schemas.microsoft.com/office/drawing/2012/chartStyle" xmlns:ns1="http://schemas.openxmlformats.org/officeDocument/2006/extended-properties" xmlns:vt="http://schemas.openxmlformats.org/officeDocument/2006/docPropsVTypes" xmlns:a16="http://schemas.microsoft.com/office/drawing/2010/main" id="{EBF5B7CB-1451-40E7-9DD2-AEE4C7783111}"/>
               </a:ext>
             </a:extLst>
           </p:cNvPr>
@@ -11785,7 +11788,7 @@
           <p:cNvPr id="3" name="Text Placeholder 3">
             <a:extLst>
               <a:ext uri="{90815584-F669-438D-8788-A48A4067B3C9}">
-                <a16:creationId xmlns:a16="http://schemas.microsoft.com/office/drawing/2010/main" xmlns:vt="http://schemas.openxmlformats.org/officeDocument/2006/docPropsVTypes" xmlns:ns1="http://schemas.openxmlformats.org/officeDocument/2006/extended-properties" xmlns:cs="http://schemas.microsoft.com/office/drawing/2012/chartStyle" xmlns:c="http://schemas.openxmlformats.org/drawingml/2006/chart" xmlns="" id="{14F76803-69FC-41DC-9E71-D074DF8CEA10}"/>
+                <a16:creationId xmlns="" xmlns:c="http://schemas.openxmlformats.org/drawingml/2006/chart" xmlns:cs="http://schemas.microsoft.com/office/drawing/2012/chartStyle" xmlns:ns1="http://schemas.openxmlformats.org/officeDocument/2006/extended-properties" xmlns:vt="http://schemas.openxmlformats.org/officeDocument/2006/docPropsVTypes" xmlns:a16="http://schemas.microsoft.com/office/drawing/2010/main" id="{14F76803-69FC-41DC-9E71-D074DF8CEA10}"/>
               </a:ext>
             </a:extLst>
           </p:cNvPr>
@@ -11824,7 +11827,7 @@
           <p:cNvPr id="4" name="Content Placeholder 2">
             <a:extLst>
               <a:ext uri="{DFC2FA1E-5147-4B7D-9984-6249EDFBCB39}">
-                <a16:creationId xmlns:a16="http://schemas.microsoft.com/office/drawing/2010/main" xmlns:vt="http://schemas.openxmlformats.org/officeDocument/2006/docPropsVTypes" xmlns:ns1="http://schemas.openxmlformats.org/officeDocument/2006/extended-properties" xmlns:cs="http://schemas.microsoft.com/office/drawing/2012/chartStyle" xmlns:c="http://schemas.openxmlformats.org/drawingml/2006/chart" xmlns="" id="{CF9A86F7-C51B-4B1C-BC46-6B9C953B2BE2}"/>
+                <a16:creationId xmlns="" xmlns:c="http://schemas.openxmlformats.org/drawingml/2006/chart" xmlns:cs="http://schemas.microsoft.com/office/drawing/2012/chartStyle" xmlns:ns1="http://schemas.openxmlformats.org/officeDocument/2006/extended-properties" xmlns:vt="http://schemas.openxmlformats.org/officeDocument/2006/docPropsVTypes" xmlns:a16="http://schemas.microsoft.com/office/drawing/2010/main" id="{CF9A86F7-C51B-4B1C-BC46-6B9C953B2BE2}"/>
               </a:ext>
             </a:extLst>
           </p:cNvPr>
@@ -11894,7 +11897,7 @@
           <p:cNvPr id="5" name="Slide Number Placeholder 3">
             <a:extLst>
               <a:ext uri="{AA442F7B-A02A-4AF7-9EBA-D8005A22A6A3}">
-                <a16:creationId xmlns:a16="http://schemas.microsoft.com/office/drawing/2010/main" xmlns:vt="http://schemas.openxmlformats.org/officeDocument/2006/docPropsVTypes" xmlns:ns1="http://schemas.openxmlformats.org/officeDocument/2006/extended-properties" xmlns:cs="http://schemas.microsoft.com/office/drawing/2012/chartStyle" xmlns:c="http://schemas.openxmlformats.org/drawingml/2006/chart" xmlns="" id="{F09DA1E6-FBB5-4D91-AD44-6B1C6E3549ED}"/>
+                <a16:creationId xmlns="" xmlns:c="http://schemas.openxmlformats.org/drawingml/2006/chart" xmlns:cs="http://schemas.microsoft.com/office/drawing/2012/chartStyle" xmlns:ns1="http://schemas.openxmlformats.org/officeDocument/2006/extended-properties" xmlns:vt="http://schemas.openxmlformats.org/officeDocument/2006/docPropsVTypes" xmlns:a16="http://schemas.microsoft.com/office/drawing/2010/main" id="{F09DA1E6-FBB5-4D91-AD44-6B1C6E3549ED}"/>
               </a:ext>
             </a:extLst>
           </p:cNvPr>
@@ -11922,7 +11925,7 @@
           <p:cNvPr id="6" name="Footer Placeholder 2">
             <a:extLst>
               <a:ext uri="{EA5FDF2A-DB5F-45E0-A043-A7C510F115B4}">
-                <a16:creationId xmlns:a16="http://schemas.microsoft.com/office/drawing/2010/main" xmlns:vt="http://schemas.openxmlformats.org/officeDocument/2006/docPropsVTypes" xmlns:ns1="http://schemas.openxmlformats.org/officeDocument/2006/extended-properties" xmlns:cs="http://schemas.microsoft.com/office/drawing/2012/chartStyle" xmlns:c="http://schemas.openxmlformats.org/drawingml/2006/chart" xmlns="" id="{7C0085C6-8969-4320-AF83-94CDEA41EE2D}"/>
+                <a16:creationId xmlns="" xmlns:c="http://schemas.openxmlformats.org/drawingml/2006/chart" xmlns:cs="http://schemas.microsoft.com/office/drawing/2012/chartStyle" xmlns:ns1="http://schemas.openxmlformats.org/officeDocument/2006/extended-properties" xmlns:vt="http://schemas.openxmlformats.org/officeDocument/2006/docPropsVTypes" xmlns:a16="http://schemas.microsoft.com/office/drawing/2010/main" id="{7C0085C6-8969-4320-AF83-94CDEA41EE2D}"/>
               </a:ext>
             </a:extLst>
           </p:cNvPr>
@@ -11950,7 +11953,7 @@
           <p:cNvPr id="7" name="Date Placeholder 1">
             <a:extLst>
               <a:ext uri="{D784A1BF-49C0-4BF2-9BE9-B3C170EB53A7}">
-                <a16:creationId xmlns:a16="http://schemas.microsoft.com/office/drawing/2010/main" xmlns:vt="http://schemas.openxmlformats.org/officeDocument/2006/docPropsVTypes" xmlns:ns1="http://schemas.openxmlformats.org/officeDocument/2006/extended-properties" xmlns:cs="http://schemas.microsoft.com/office/drawing/2012/chartStyle" xmlns:c="http://schemas.openxmlformats.org/drawingml/2006/chart" xmlns="" id="{636EEA7D-B52A-45A9-915C-FAB5FE6C04B8}"/>
+                <a16:creationId xmlns="" xmlns:c="http://schemas.openxmlformats.org/drawingml/2006/chart" xmlns:cs="http://schemas.microsoft.com/office/drawing/2012/chartStyle" xmlns:ns1="http://schemas.openxmlformats.org/officeDocument/2006/extended-properties" xmlns:vt="http://schemas.openxmlformats.org/officeDocument/2006/docPropsVTypes" xmlns:a16="http://schemas.microsoft.com/office/drawing/2010/main" id="{636EEA7D-B52A-45A9-915C-FAB5FE6C04B8}"/>
               </a:ext>
             </a:extLst>
           </p:cNvPr>
@@ -11978,7 +11981,7 @@
           <p:cNvPr id="8" name="Group 7">
             <a:extLst>
               <a:ext uri="{286E129A-DF86-419D-837A-C68BFEE1018E}">
-                <a16:creationId xmlns:a16="http://schemas.microsoft.com/office/drawing/2010/main" xmlns:vt="http://schemas.openxmlformats.org/officeDocument/2006/docPropsVTypes" xmlns:ns1="http://schemas.openxmlformats.org/officeDocument/2006/extended-properties" xmlns:cs="http://schemas.microsoft.com/office/drawing/2012/chartStyle" xmlns:c="http://schemas.openxmlformats.org/drawingml/2006/chart" xmlns="" id="{AD8C80C5-FFEF-48E9-8BAE-988A39261D77}"/>
+                <a16:creationId xmlns="" xmlns:c="http://schemas.openxmlformats.org/drawingml/2006/chart" xmlns:cs="http://schemas.microsoft.com/office/drawing/2012/chartStyle" xmlns:ns1="http://schemas.openxmlformats.org/officeDocument/2006/extended-properties" xmlns:vt="http://schemas.openxmlformats.org/officeDocument/2006/docPropsVTypes" xmlns:a16="http://schemas.microsoft.com/office/drawing/2010/main" id="{AD8C80C5-FFEF-48E9-8BAE-988A39261D77}"/>
               </a:ext>
             </a:extLst>
           </p:cNvPr>
@@ -12000,7 +12003,7 @@
             <p:cNvPr id="9" name="Freeform: Shape 8">
               <a:extLst>
                 <a:ext uri="{CE7DEF32-2E3C-4D8D-87D6-6B3CFC717565}">
-                  <a16:creationId xmlns:a16="http://schemas.microsoft.com/office/drawing/2010/main" xmlns:vt="http://schemas.openxmlformats.org/officeDocument/2006/docPropsVTypes" xmlns:ns1="http://schemas.openxmlformats.org/officeDocument/2006/extended-properties" xmlns:cs="http://schemas.microsoft.com/office/drawing/2012/chartStyle" xmlns:c="http://schemas.openxmlformats.org/drawingml/2006/chart" xmlns="" id="{35F872CE-AAB0-4C01-BAE9-7261FA1234C0}"/>
+                  <a16:creationId xmlns="" xmlns:c="http://schemas.openxmlformats.org/drawingml/2006/chart" xmlns:cs="http://schemas.microsoft.com/office/drawing/2012/chartStyle" xmlns:ns1="http://schemas.openxmlformats.org/officeDocument/2006/extended-properties" xmlns:vt="http://schemas.openxmlformats.org/officeDocument/2006/docPropsVTypes" xmlns:a16="http://schemas.microsoft.com/office/drawing/2010/main" id="{35F872CE-AAB0-4C01-BAE9-7261FA1234C0}"/>
                 </a:ext>
               </a:extLst>
             </p:cNvPr>
@@ -12077,7 +12080,7 @@
             <p:cNvPr id="10" name="Freeform: Shape 9">
               <a:extLst>
                 <a:ext uri="{E09D3513-E02B-41F7-9CDC-CC5B6569266D}">
-                  <a16:creationId xmlns:a16="http://schemas.microsoft.com/office/drawing/2010/main" xmlns:vt="http://schemas.openxmlformats.org/officeDocument/2006/docPropsVTypes" xmlns:ns1="http://schemas.openxmlformats.org/officeDocument/2006/extended-properties" xmlns:cs="http://schemas.microsoft.com/office/drawing/2012/chartStyle" xmlns:c="http://schemas.openxmlformats.org/drawingml/2006/chart" xmlns="" id="{8EB44803-15B5-47F8-8CC0-FDBB5F734597}"/>
+                  <a16:creationId xmlns="" xmlns:c="http://schemas.openxmlformats.org/drawingml/2006/chart" xmlns:cs="http://schemas.microsoft.com/office/drawing/2012/chartStyle" xmlns:ns1="http://schemas.openxmlformats.org/officeDocument/2006/extended-properties" xmlns:vt="http://schemas.openxmlformats.org/officeDocument/2006/docPropsVTypes" xmlns:a16="http://schemas.microsoft.com/office/drawing/2010/main" id="{8EB44803-15B5-47F8-8CC0-FDBB5F734597}"/>
                 </a:ext>
               </a:extLst>
             </p:cNvPr>
@@ -12155,7 +12158,7 @@
           <p:cNvPr id="11" name="Group 10">
             <a:extLst>
               <a:ext uri="{DF0276A8-0261-4520-AB6D-BB24C5DDA910}">
-                <a16:creationId xmlns:a16="http://schemas.microsoft.com/office/drawing/2010/main" xmlns:vt="http://schemas.openxmlformats.org/officeDocument/2006/docPropsVTypes" xmlns:ns1="http://schemas.openxmlformats.org/officeDocument/2006/extended-properties" xmlns:cs="http://schemas.microsoft.com/office/drawing/2012/chartStyle" xmlns:c="http://schemas.openxmlformats.org/drawingml/2006/chart" xmlns="" id="{8599384A-7630-4A06-8EBF-6EB5B28F6F22}"/>
+                <a16:creationId xmlns="" xmlns:c="http://schemas.openxmlformats.org/drawingml/2006/chart" xmlns:cs="http://schemas.microsoft.com/office/drawing/2012/chartStyle" xmlns:ns1="http://schemas.openxmlformats.org/officeDocument/2006/extended-properties" xmlns:vt="http://schemas.openxmlformats.org/officeDocument/2006/docPropsVTypes" xmlns:a16="http://schemas.microsoft.com/office/drawing/2010/main" id="{8599384A-7630-4A06-8EBF-6EB5B28F6F22}"/>
               </a:ext>
             </a:extLst>
           </p:cNvPr>
@@ -12177,7 +12180,7 @@
             <p:cNvPr id="12" name="Freeform: Shape 11">
               <a:extLst>
                 <a:ext uri="{3B241695-17E4-4F8A-8000-51821154A02E}">
-                  <a16:creationId xmlns:a16="http://schemas.microsoft.com/office/drawing/2010/main" xmlns:vt="http://schemas.openxmlformats.org/officeDocument/2006/docPropsVTypes" xmlns:ns1="http://schemas.openxmlformats.org/officeDocument/2006/extended-properties" xmlns:cs="http://schemas.microsoft.com/office/drawing/2012/chartStyle" xmlns:c="http://schemas.openxmlformats.org/drawingml/2006/chart" xmlns="" id="{2E5414ED-A2C4-4717-8FD6-7350A18B0CE2}"/>
+                  <a16:creationId xmlns="" xmlns:c="http://schemas.openxmlformats.org/drawingml/2006/chart" xmlns:cs="http://schemas.microsoft.com/office/drawing/2012/chartStyle" xmlns:ns1="http://schemas.openxmlformats.org/officeDocument/2006/extended-properties" xmlns:vt="http://schemas.openxmlformats.org/officeDocument/2006/docPropsVTypes" xmlns:a16="http://schemas.microsoft.com/office/drawing/2010/main" id="{2E5414ED-A2C4-4717-8FD6-7350A18B0CE2}"/>
                 </a:ext>
               </a:extLst>
             </p:cNvPr>
@@ -12254,7 +12257,7 @@
             <p:cNvPr id="13" name="Freeform: Shape 12">
               <a:extLst>
                 <a:ext uri="{051DF562-4A73-4A4D-BBCD-B4366EF3A7B5}">
-                  <a16:creationId xmlns:a16="http://schemas.microsoft.com/office/drawing/2010/main" xmlns:vt="http://schemas.openxmlformats.org/officeDocument/2006/docPropsVTypes" xmlns:ns1="http://schemas.openxmlformats.org/officeDocument/2006/extended-properties" xmlns:cs="http://schemas.microsoft.com/office/drawing/2012/chartStyle" xmlns:c="http://schemas.openxmlformats.org/drawingml/2006/chart" xmlns="" id="{5E707AEE-BA36-4F1C-BD1C-3A81E12970A2}"/>
+                  <a16:creationId xmlns="" xmlns:c="http://schemas.openxmlformats.org/drawingml/2006/chart" xmlns:cs="http://schemas.microsoft.com/office/drawing/2012/chartStyle" xmlns:ns1="http://schemas.openxmlformats.org/officeDocument/2006/extended-properties" xmlns:vt="http://schemas.openxmlformats.org/officeDocument/2006/docPropsVTypes" xmlns:a16="http://schemas.microsoft.com/office/drawing/2010/main" id="{5E707AEE-BA36-4F1C-BD1C-3A81E12970A2}"/>
                 </a:ext>
               </a:extLst>
             </p:cNvPr>
@@ -12332,7 +12335,7 @@
           <p:cNvPr id="14" name="Group 13">
             <a:extLst>
               <a:ext uri="{B9B98E37-BFAC-4CE4-AE54-1BDA5F2C04F1}">
-                <a16:creationId xmlns:a16="http://schemas.microsoft.com/office/drawing/2010/main" xmlns:vt="http://schemas.openxmlformats.org/officeDocument/2006/docPropsVTypes" xmlns:ns1="http://schemas.openxmlformats.org/officeDocument/2006/extended-properties" xmlns:cs="http://schemas.microsoft.com/office/drawing/2012/chartStyle" xmlns:c="http://schemas.openxmlformats.org/drawingml/2006/chart" xmlns="" id="{D81069F8-F655-4C5D-90F7-000DE74BDD27}"/>
+                <a16:creationId xmlns="" xmlns:c="http://schemas.openxmlformats.org/drawingml/2006/chart" xmlns:cs="http://schemas.microsoft.com/office/drawing/2012/chartStyle" xmlns:ns1="http://schemas.openxmlformats.org/officeDocument/2006/extended-properties" xmlns:vt="http://schemas.openxmlformats.org/officeDocument/2006/docPropsVTypes" xmlns:a16="http://schemas.microsoft.com/office/drawing/2010/main" id="{D81069F8-F655-4C5D-90F7-000DE74BDD27}"/>
               </a:ext>
             </a:extLst>
           </p:cNvPr>
@@ -12354,7 +12357,7 @@
             <p:cNvPr id="15" name="Freeform: Shape 14">
               <a:extLst>
                 <a:ext uri="{8C91FA6F-1933-4F5A-A4D4-FD62E112F855}">
-                  <a16:creationId xmlns:a16="http://schemas.microsoft.com/office/drawing/2010/main" xmlns:vt="http://schemas.openxmlformats.org/officeDocument/2006/docPropsVTypes" xmlns:ns1="http://schemas.openxmlformats.org/officeDocument/2006/extended-properties" xmlns:cs="http://schemas.microsoft.com/office/drawing/2012/chartStyle" xmlns:c="http://schemas.openxmlformats.org/drawingml/2006/chart" xmlns="" id="{C8543A1F-C76C-4026-B7BD-DFBAC70EA16D}"/>
+                  <a16:creationId xmlns="" xmlns:c="http://schemas.openxmlformats.org/drawingml/2006/chart" xmlns:cs="http://schemas.microsoft.com/office/drawing/2012/chartStyle" xmlns:ns1="http://schemas.openxmlformats.org/officeDocument/2006/extended-properties" xmlns:vt="http://schemas.openxmlformats.org/officeDocument/2006/docPropsVTypes" xmlns:a16="http://schemas.microsoft.com/office/drawing/2010/main" id="{C8543A1F-C76C-4026-B7BD-DFBAC70EA16D}"/>
                 </a:ext>
               </a:extLst>
             </p:cNvPr>
@@ -12431,7 +12434,7 @@
             <p:cNvPr id="16" name="Freeform: Shape 15">
               <a:extLst>
                 <a:ext uri="{E1302AF4-A6FF-4666-9C84-D2A75604F5AD}">
-                  <a16:creationId xmlns:a16="http://schemas.microsoft.com/office/drawing/2010/main" xmlns:vt="http://schemas.openxmlformats.org/officeDocument/2006/docPropsVTypes" xmlns:ns1="http://schemas.openxmlformats.org/officeDocument/2006/extended-properties" xmlns:cs="http://schemas.microsoft.com/office/drawing/2012/chartStyle" xmlns:c="http://schemas.openxmlformats.org/drawingml/2006/chart" xmlns="" id="{B5D4F073-1D19-4AE0-809A-FDC9EC9CAFBC}"/>
+                  <a16:creationId xmlns="" xmlns:c="http://schemas.openxmlformats.org/drawingml/2006/chart" xmlns:cs="http://schemas.microsoft.com/office/drawing/2012/chartStyle" xmlns:ns1="http://schemas.openxmlformats.org/officeDocument/2006/extended-properties" xmlns:vt="http://schemas.openxmlformats.org/officeDocument/2006/docPropsVTypes" xmlns:a16="http://schemas.microsoft.com/office/drawing/2010/main" id="{B5D4F073-1D19-4AE0-809A-FDC9EC9CAFBC}"/>
                 </a:ext>
               </a:extLst>
             </p:cNvPr>
@@ -12508,7 +12511,7 @@
             <p:cNvPr id="17" name="Freeform: Shape 16">
               <a:extLst>
                 <a:ext uri="{549D29BA-EAD6-478D-995D-D527551CA746}">
-                  <a16:creationId xmlns:a16="http://schemas.microsoft.com/office/drawing/2010/main" xmlns:vt="http://schemas.openxmlformats.org/officeDocument/2006/docPropsVTypes" xmlns:ns1="http://schemas.openxmlformats.org/officeDocument/2006/extended-properties" xmlns:cs="http://schemas.microsoft.com/office/drawing/2012/chartStyle" xmlns:c="http://schemas.openxmlformats.org/drawingml/2006/chart" xmlns="" id="{4238DFB4-4A7A-4DB2-A0E4-9C196C0DB4E1}"/>
+                  <a16:creationId xmlns="" xmlns:c="http://schemas.openxmlformats.org/drawingml/2006/chart" xmlns:cs="http://schemas.microsoft.com/office/drawing/2012/chartStyle" xmlns:ns1="http://schemas.openxmlformats.org/officeDocument/2006/extended-properties" xmlns:vt="http://schemas.openxmlformats.org/officeDocument/2006/docPropsVTypes" xmlns:a16="http://schemas.microsoft.com/office/drawing/2010/main" id="{4238DFB4-4A7A-4DB2-A0E4-9C196C0DB4E1}"/>
                 </a:ext>
               </a:extLst>
             </p:cNvPr>
@@ -12584,7 +12587,7 @@
     </p:spTree>
     <p:extLst>
       <p:ext uri="{8C717000-6B71-49E0-8CE7-B6A65767BCCE}">
-        <p14:creationId xmlns:p14="http://schemas.microsoft.com/office/powerpoint/2010/main" xmlns:vt="http://schemas.openxmlformats.org/officeDocument/2006/docPropsVTypes" xmlns:ns1="http://schemas.openxmlformats.org/officeDocument/2006/extended-properties" xmlns:cs="http://schemas.microsoft.com/office/drawing/2012/chartStyle" xmlns:c="http://schemas.openxmlformats.org/drawingml/2006/chart" xmlns="" val="1753295003063"/>
+        <p14:creationId xmlns="" xmlns:c="http://schemas.openxmlformats.org/drawingml/2006/chart" xmlns:cs="http://schemas.microsoft.com/office/drawing/2012/chartStyle" xmlns:ns1="http://schemas.openxmlformats.org/officeDocument/2006/extended-properties" xmlns:vt="http://schemas.openxmlformats.org/officeDocument/2006/docPropsVTypes" xmlns:p14="http://schemas.microsoft.com/office/powerpoint/2010/main" val="1753295003063"/>
       </p:ext>
     </p:extLst>
   </p:cSld>
@@ -12616,7 +12619,7 @@
           <p:cNvPr id="2" name="Group 1">
             <a:extLst>
               <a:ext uri="{64D69E70-9292-4125-9CC5-AE08B0E2D49A}">
-                <a16:creationId xmlns:a16="http://schemas.microsoft.com/office/drawing/2010/main" xmlns:vt="http://schemas.openxmlformats.org/officeDocument/2006/docPropsVTypes" xmlns:ns1="http://schemas.openxmlformats.org/officeDocument/2006/extended-properties" xmlns:cs="http://schemas.microsoft.com/office/drawing/2012/chartStyle" xmlns:c="http://schemas.openxmlformats.org/drawingml/2006/chart" xmlns="" id="{0F7FD9B6-6586-446B-966E-2B256D6E25A6}"/>
+                <a16:creationId xmlns="" xmlns:c="http://schemas.openxmlformats.org/drawingml/2006/chart" xmlns:cs="http://schemas.microsoft.com/office/drawing/2012/chartStyle" xmlns:ns1="http://schemas.openxmlformats.org/officeDocument/2006/extended-properties" xmlns:vt="http://schemas.openxmlformats.org/officeDocument/2006/docPropsVTypes" xmlns:a16="http://schemas.microsoft.com/office/drawing/2010/main" id="{0F7FD9B6-6586-446B-966E-2B256D6E25A6}"/>
               </a:ext>
             </a:extLst>
           </p:cNvPr>
@@ -12638,7 +12641,7 @@
             <p:cNvPr id="3" name="Freeform: Shape 2">
               <a:extLst>
                 <a:ext uri="{8E8F6227-C53F-4113-9E98-0B0577C036A0}">
-                  <a16:creationId xmlns:a16="http://schemas.microsoft.com/office/drawing/2010/main" xmlns:vt="http://schemas.openxmlformats.org/officeDocument/2006/docPropsVTypes" xmlns:ns1="http://schemas.openxmlformats.org/officeDocument/2006/extended-properties" xmlns:cs="http://schemas.microsoft.com/office/drawing/2012/chartStyle" xmlns:c="http://schemas.openxmlformats.org/drawingml/2006/chart" xmlns="" id="{A4029C3E-25DF-415E-8D60-289C3AF28688}"/>
+                  <a16:creationId xmlns="" xmlns:c="http://schemas.openxmlformats.org/drawingml/2006/chart" xmlns:cs="http://schemas.microsoft.com/office/drawing/2012/chartStyle" xmlns:ns1="http://schemas.openxmlformats.org/officeDocument/2006/extended-properties" xmlns:vt="http://schemas.openxmlformats.org/officeDocument/2006/docPropsVTypes" xmlns:a16="http://schemas.microsoft.com/office/drawing/2010/main" id="{A4029C3E-25DF-415E-8D60-289C3AF28688}"/>
                 </a:ext>
               </a:extLst>
             </p:cNvPr>
@@ -12715,7 +12718,7 @@
             <p:cNvPr id="4" name="Freeform: Shape 3">
               <a:extLst>
                 <a:ext uri="{2DA284D9-F729-4A83-BB4A-FA135BE5E36A}">
-                  <a16:creationId xmlns:a16="http://schemas.microsoft.com/office/drawing/2010/main" xmlns:vt="http://schemas.openxmlformats.org/officeDocument/2006/docPropsVTypes" xmlns:ns1="http://schemas.openxmlformats.org/officeDocument/2006/extended-properties" xmlns:cs="http://schemas.microsoft.com/office/drawing/2012/chartStyle" xmlns:c="http://schemas.openxmlformats.org/drawingml/2006/chart" xmlns="" id="{F114DC3E-B5B1-4A17-B499-42B7315869BF}"/>
+                  <a16:creationId xmlns="" xmlns:c="http://schemas.openxmlformats.org/drawingml/2006/chart" xmlns:cs="http://schemas.microsoft.com/office/drawing/2012/chartStyle" xmlns:ns1="http://schemas.openxmlformats.org/officeDocument/2006/extended-properties" xmlns:vt="http://schemas.openxmlformats.org/officeDocument/2006/docPropsVTypes" xmlns:a16="http://schemas.microsoft.com/office/drawing/2010/main" id="{F114DC3E-B5B1-4A17-B499-42B7315869BF}"/>
                 </a:ext>
               </a:extLst>
             </p:cNvPr>
@@ -12793,7 +12796,7 @@
           <p:cNvPr id="5" name="Group 4">
             <a:extLst>
               <a:ext uri="{C913EFB0-C203-4193-BA2A-E85FE49D3ACB}">
-                <a16:creationId xmlns:a16="http://schemas.microsoft.com/office/drawing/2010/main" xmlns:vt="http://schemas.openxmlformats.org/officeDocument/2006/docPropsVTypes" xmlns:ns1="http://schemas.openxmlformats.org/officeDocument/2006/extended-properties" xmlns:cs="http://schemas.microsoft.com/office/drawing/2012/chartStyle" xmlns:c="http://schemas.openxmlformats.org/drawingml/2006/chart" xmlns="" id="{FF107D5A-61FB-454A-BA3E-EFDADB2A02B6}"/>
+                <a16:creationId xmlns="" xmlns:c="http://schemas.openxmlformats.org/drawingml/2006/chart" xmlns:cs="http://schemas.microsoft.com/office/drawing/2012/chartStyle" xmlns:ns1="http://schemas.openxmlformats.org/officeDocument/2006/extended-properties" xmlns:vt="http://schemas.openxmlformats.org/officeDocument/2006/docPropsVTypes" xmlns:a16="http://schemas.microsoft.com/office/drawing/2010/main" id="{FF107D5A-61FB-454A-BA3E-EFDADB2A02B6}"/>
               </a:ext>
             </a:extLst>
           </p:cNvPr>
@@ -12815,7 +12818,7 @@
             <p:cNvPr id="6" name="Freeform: Shape 5">
               <a:extLst>
                 <a:ext uri="{5C75FCD6-D76A-4A3B-AA6F-9AA3D6503B95}">
-                  <a16:creationId xmlns:a16="http://schemas.microsoft.com/office/drawing/2010/main" xmlns:vt="http://schemas.openxmlformats.org/officeDocument/2006/docPropsVTypes" xmlns:ns1="http://schemas.openxmlformats.org/officeDocument/2006/extended-properties" xmlns:cs="http://schemas.microsoft.com/office/drawing/2012/chartStyle" xmlns:c="http://schemas.openxmlformats.org/drawingml/2006/chart" xmlns="" id="{1750B127-84A6-4675-9E9D-2616BFD583BB}"/>
+                  <a16:creationId xmlns="" xmlns:c="http://schemas.openxmlformats.org/drawingml/2006/chart" xmlns:cs="http://schemas.microsoft.com/office/drawing/2012/chartStyle" xmlns:ns1="http://schemas.openxmlformats.org/officeDocument/2006/extended-properties" xmlns:vt="http://schemas.openxmlformats.org/officeDocument/2006/docPropsVTypes" xmlns:a16="http://schemas.microsoft.com/office/drawing/2010/main" id="{1750B127-84A6-4675-9E9D-2616BFD583BB}"/>
                 </a:ext>
               </a:extLst>
             </p:cNvPr>
@@ -12892,7 +12895,7 @@
             <p:cNvPr id="7" name="Freeform: Shape 6">
               <a:extLst>
                 <a:ext uri="{FA4D9102-3264-47D0-8ACB-626619AA27CF}">
-                  <a16:creationId xmlns:a16="http://schemas.microsoft.com/office/drawing/2010/main" xmlns:vt="http://schemas.openxmlformats.org/officeDocument/2006/docPropsVTypes" xmlns:ns1="http://schemas.openxmlformats.org/officeDocument/2006/extended-properties" xmlns:cs="http://schemas.microsoft.com/office/drawing/2012/chartStyle" xmlns:c="http://schemas.openxmlformats.org/drawingml/2006/chart" xmlns="" id="{87AF8DE3-59F2-4874-B1DC-5DA9FA4CB9B1}"/>
+                  <a16:creationId xmlns="" xmlns:c="http://schemas.openxmlformats.org/drawingml/2006/chart" xmlns:cs="http://schemas.microsoft.com/office/drawing/2012/chartStyle" xmlns:ns1="http://schemas.openxmlformats.org/officeDocument/2006/extended-properties" xmlns:vt="http://schemas.openxmlformats.org/officeDocument/2006/docPropsVTypes" xmlns:a16="http://schemas.microsoft.com/office/drawing/2010/main" id="{87AF8DE3-59F2-4874-B1DC-5DA9FA4CB9B1}"/>
                 </a:ext>
               </a:extLst>
             </p:cNvPr>
@@ -12970,7 +12973,7 @@
           <p:cNvPr id="8" name="Isosceles Triangle 7">
             <a:extLst>
               <a:ext uri="{A34EB9F8-E43E-4495-BE16-943848C1F35F}">
-                <a16:creationId xmlns:a16="http://schemas.microsoft.com/office/drawing/2010/main" xmlns:vt="http://schemas.openxmlformats.org/officeDocument/2006/docPropsVTypes" xmlns:ns1="http://schemas.openxmlformats.org/officeDocument/2006/extended-properties" xmlns:cs="http://schemas.microsoft.com/office/drawing/2012/chartStyle" xmlns:c="http://schemas.openxmlformats.org/drawingml/2006/chart" xmlns="" id="{85764EA1-FCC4-4235-8EE2-DF99A4E261DD}"/>
+                <a16:creationId xmlns="" xmlns:c="http://schemas.openxmlformats.org/drawingml/2006/chart" xmlns:cs="http://schemas.microsoft.com/office/drawing/2012/chartStyle" xmlns:ns1="http://schemas.openxmlformats.org/officeDocument/2006/extended-properties" xmlns:vt="http://schemas.openxmlformats.org/officeDocument/2006/docPropsVTypes" xmlns:a16="http://schemas.microsoft.com/office/drawing/2010/main" id="{85764EA1-FCC4-4235-8EE2-DF99A4E261DD}"/>
               </a:ext>
             </a:extLst>
           </p:cNvPr>
@@ -13031,7 +13034,7 @@
           <p:cNvPr id="9" name="Title 1">
             <a:extLst>
               <a:ext uri="{FAD8F847-EA85-4DF1-8D82-8A10E393A4C9}">
-                <a16:creationId xmlns:a16="http://schemas.microsoft.com/office/drawing/2010/main" xmlns:vt="http://schemas.openxmlformats.org/officeDocument/2006/docPropsVTypes" xmlns:ns1="http://schemas.openxmlformats.org/officeDocument/2006/extended-properties" xmlns:cs="http://schemas.microsoft.com/office/drawing/2012/chartStyle" xmlns:c="http://schemas.openxmlformats.org/drawingml/2006/chart" xmlns="" id="{E8072C67-65D2-41A5-8E27-0DFE5FB1C0F3}"/>
+                <a16:creationId xmlns="" xmlns:c="http://schemas.openxmlformats.org/drawingml/2006/chart" xmlns:cs="http://schemas.microsoft.com/office/drawing/2012/chartStyle" xmlns:ns1="http://schemas.openxmlformats.org/officeDocument/2006/extended-properties" xmlns:vt="http://schemas.openxmlformats.org/officeDocument/2006/docPropsVTypes" xmlns:a16="http://schemas.microsoft.com/office/drawing/2010/main" id="{E8072C67-65D2-41A5-8E27-0DFE5FB1C0F3}"/>
               </a:ext>
             </a:extLst>
           </p:cNvPr>
@@ -13066,7 +13069,7 @@
           <p:cNvPr id="10" name="Text Placeholder 3">
             <a:extLst>
               <a:ext uri="{F004BCE0-1290-4B11-90B2-94A757DAFB74}">
-                <a16:creationId xmlns:a16="http://schemas.microsoft.com/office/drawing/2010/main" xmlns:vt="http://schemas.openxmlformats.org/officeDocument/2006/docPropsVTypes" xmlns:ns1="http://schemas.openxmlformats.org/officeDocument/2006/extended-properties" xmlns:cs="http://schemas.microsoft.com/office/drawing/2012/chartStyle" xmlns:c="http://schemas.openxmlformats.org/drawingml/2006/chart" xmlns="" id="{3B26FFD8-A1CA-46C1-B1BD-28DB5E7DFE2B}"/>
+                <a16:creationId xmlns="" xmlns:c="http://schemas.openxmlformats.org/drawingml/2006/chart" xmlns:cs="http://schemas.microsoft.com/office/drawing/2012/chartStyle" xmlns:ns1="http://schemas.openxmlformats.org/officeDocument/2006/extended-properties" xmlns:vt="http://schemas.openxmlformats.org/officeDocument/2006/docPropsVTypes" xmlns:a16="http://schemas.microsoft.com/office/drawing/2010/main" id="{3B26FFD8-A1CA-46C1-B1BD-28DB5E7DFE2B}"/>
               </a:ext>
             </a:extLst>
           </p:cNvPr>
@@ -13105,7 +13108,7 @@
           <p:cNvPr id="11" name="Slide Number Placeholder 4">
             <a:extLst>
               <a:ext uri="{963DF08D-E6B7-4F77-880B-A2C545BDE2E0}">
-                <a16:creationId xmlns:a16="http://schemas.microsoft.com/office/drawing/2010/main" xmlns:vt="http://schemas.openxmlformats.org/officeDocument/2006/docPropsVTypes" xmlns:ns1="http://schemas.openxmlformats.org/officeDocument/2006/extended-properties" xmlns:cs="http://schemas.microsoft.com/office/drawing/2012/chartStyle" xmlns:c="http://schemas.openxmlformats.org/drawingml/2006/chart" xmlns="" id="{598DFC33-FADB-40E6-B34E-EC6CE1B9330B}"/>
+                <a16:creationId xmlns="" xmlns:c="http://schemas.openxmlformats.org/drawingml/2006/chart" xmlns:cs="http://schemas.microsoft.com/office/drawing/2012/chartStyle" xmlns:ns1="http://schemas.openxmlformats.org/officeDocument/2006/extended-properties" xmlns:vt="http://schemas.openxmlformats.org/officeDocument/2006/docPropsVTypes" xmlns:a16="http://schemas.microsoft.com/office/drawing/2010/main" id="{598DFC33-FADB-40E6-B34E-EC6CE1B9330B}"/>
               </a:ext>
             </a:extLst>
           </p:cNvPr>
@@ -13133,7 +13136,7 @@
           <p:cNvPr id="12" name="Footer Placeholder 3">
             <a:extLst>
               <a:ext uri="{214155B6-5955-4E39-845E-772B696A573D}">
-                <a16:creationId xmlns:a16="http://schemas.microsoft.com/office/drawing/2010/main" xmlns:vt="http://schemas.openxmlformats.org/officeDocument/2006/docPropsVTypes" xmlns:ns1="http://schemas.openxmlformats.org/officeDocument/2006/extended-properties" xmlns:cs="http://schemas.microsoft.com/office/drawing/2012/chartStyle" xmlns:c="http://schemas.openxmlformats.org/drawingml/2006/chart" xmlns="" id="{26322EE7-FFAB-4B78-826F-2C66131EA465}"/>
+                <a16:creationId xmlns="" xmlns:c="http://schemas.openxmlformats.org/drawingml/2006/chart" xmlns:cs="http://schemas.microsoft.com/office/drawing/2012/chartStyle" xmlns:ns1="http://schemas.openxmlformats.org/officeDocument/2006/extended-properties" xmlns:vt="http://schemas.openxmlformats.org/officeDocument/2006/docPropsVTypes" xmlns:a16="http://schemas.microsoft.com/office/drawing/2010/main" id="{26322EE7-FFAB-4B78-826F-2C66131EA465}"/>
               </a:ext>
             </a:extLst>
           </p:cNvPr>
@@ -13161,7 +13164,7 @@
           <p:cNvPr id="13" name="Date Placeholder 1">
             <a:extLst>
               <a:ext uri="{34914FF9-53FC-4F1A-A789-977885CFE16A}">
-                <a16:creationId xmlns:a16="http://schemas.microsoft.com/office/drawing/2010/main" xmlns:vt="http://schemas.openxmlformats.org/officeDocument/2006/docPropsVTypes" xmlns:ns1="http://schemas.openxmlformats.org/officeDocument/2006/extended-properties" xmlns:cs="http://schemas.microsoft.com/office/drawing/2012/chartStyle" xmlns:c="http://schemas.openxmlformats.org/drawingml/2006/chart" xmlns="" id="{7B6768C1-F540-4E4E-B359-26B269AE547E}"/>
+                <a16:creationId xmlns="" xmlns:c="http://schemas.openxmlformats.org/drawingml/2006/chart" xmlns:cs="http://schemas.microsoft.com/office/drawing/2012/chartStyle" xmlns:ns1="http://schemas.openxmlformats.org/officeDocument/2006/extended-properties" xmlns:vt="http://schemas.openxmlformats.org/officeDocument/2006/docPropsVTypes" xmlns:a16="http://schemas.microsoft.com/office/drawing/2010/main" id="{7B6768C1-F540-4E4E-B359-26B269AE547E}"/>
               </a:ext>
             </a:extLst>
           </p:cNvPr>
@@ -13189,7 +13192,7 @@
           <p:cNvPr id="14" name="Group 13">
             <a:extLst>
               <a:ext uri="{E9F8336E-17BE-4F7E-B2F7-4245316C078B}">
-                <a16:creationId xmlns:a16="http://schemas.microsoft.com/office/drawing/2010/main" xmlns:vt="http://schemas.openxmlformats.org/officeDocument/2006/docPropsVTypes" xmlns:ns1="http://schemas.openxmlformats.org/officeDocument/2006/extended-properties" xmlns:cs="http://schemas.microsoft.com/office/drawing/2012/chartStyle" xmlns:c="http://schemas.openxmlformats.org/drawingml/2006/chart" xmlns="" id="{573AEFC4-F553-4704-8302-106AEDE76E6E}"/>
+                <a16:creationId xmlns="" xmlns:c="http://schemas.openxmlformats.org/drawingml/2006/chart" xmlns:cs="http://schemas.microsoft.com/office/drawing/2012/chartStyle" xmlns:ns1="http://schemas.openxmlformats.org/officeDocument/2006/extended-properties" xmlns:vt="http://schemas.openxmlformats.org/officeDocument/2006/docPropsVTypes" xmlns:a16="http://schemas.microsoft.com/office/drawing/2010/main" id="{573AEFC4-F553-4704-8302-106AEDE76E6E}"/>
               </a:ext>
             </a:extLst>
           </p:cNvPr>
@@ -13211,7 +13214,7 @@
             <p:cNvPr id="15" name="Freeform: Shape 14">
               <a:extLst>
                 <a:ext uri="{05FCE66E-B593-4CFB-B90F-F7E7112FFF4E}">
-                  <a16:creationId xmlns:a16="http://schemas.microsoft.com/office/drawing/2010/main" xmlns:vt="http://schemas.openxmlformats.org/officeDocument/2006/docPropsVTypes" xmlns:ns1="http://schemas.openxmlformats.org/officeDocument/2006/extended-properties" xmlns:cs="http://schemas.microsoft.com/office/drawing/2012/chartStyle" xmlns:c="http://schemas.openxmlformats.org/drawingml/2006/chart" xmlns="" id="{9CEF9241-9C11-432F-A1B8-4A0220C3B9E8}"/>
+                  <a16:creationId xmlns="" xmlns:c="http://schemas.openxmlformats.org/drawingml/2006/chart" xmlns:cs="http://schemas.microsoft.com/office/drawing/2012/chartStyle" xmlns:ns1="http://schemas.openxmlformats.org/officeDocument/2006/extended-properties" xmlns:vt="http://schemas.openxmlformats.org/officeDocument/2006/docPropsVTypes" xmlns:a16="http://schemas.microsoft.com/office/drawing/2010/main" id="{9CEF9241-9C11-432F-A1B8-4A0220C3B9E8}"/>
                 </a:ext>
               </a:extLst>
             </p:cNvPr>
@@ -13288,7 +13291,7 @@
             <p:cNvPr id="16" name="Freeform: Shape 15">
               <a:extLst>
                 <a:ext uri="{BE44E241-47F5-4A80-ADFF-9715ED60728B}">
-                  <a16:creationId xmlns:a16="http://schemas.microsoft.com/office/drawing/2010/main" xmlns:vt="http://schemas.openxmlformats.org/officeDocument/2006/docPropsVTypes" xmlns:ns1="http://schemas.openxmlformats.org/officeDocument/2006/extended-properties" xmlns:cs="http://schemas.microsoft.com/office/drawing/2012/chartStyle" xmlns:c="http://schemas.openxmlformats.org/drawingml/2006/chart" xmlns="" id="{A7A62056-9FD7-4457-A8C2-D3A75164D8BC}"/>
+                  <a16:creationId xmlns="" xmlns:c="http://schemas.openxmlformats.org/drawingml/2006/chart" xmlns:cs="http://schemas.microsoft.com/office/drawing/2012/chartStyle" xmlns:ns1="http://schemas.openxmlformats.org/officeDocument/2006/extended-properties" xmlns:vt="http://schemas.openxmlformats.org/officeDocument/2006/docPropsVTypes" xmlns:a16="http://schemas.microsoft.com/office/drawing/2010/main" id="{A7A62056-9FD7-4457-A8C2-D3A75164D8BC}"/>
                 </a:ext>
               </a:extLst>
             </p:cNvPr>
@@ -13366,7 +13369,7 @@
           <p:cNvPr id="17" name="Freeform: Shape 16">
             <a:extLst>
               <a:ext uri="{BC16076D-929F-489F-B284-6A842CE9D21D}">
-                <a16:creationId xmlns:a16="http://schemas.microsoft.com/office/drawing/2010/main" xmlns:vt="http://schemas.openxmlformats.org/officeDocument/2006/docPropsVTypes" xmlns:ns1="http://schemas.openxmlformats.org/officeDocument/2006/extended-properties" xmlns:cs="http://schemas.microsoft.com/office/drawing/2012/chartStyle" xmlns:c="http://schemas.openxmlformats.org/drawingml/2006/chart" xmlns="" id="{6362ADC8-7FFB-489F-9148-2B4DE774E380}"/>
+                <a16:creationId xmlns="" xmlns:c="http://schemas.openxmlformats.org/drawingml/2006/chart" xmlns:cs="http://schemas.microsoft.com/office/drawing/2012/chartStyle" xmlns:ns1="http://schemas.openxmlformats.org/officeDocument/2006/extended-properties" xmlns:vt="http://schemas.openxmlformats.org/officeDocument/2006/docPropsVTypes" xmlns:a16="http://schemas.microsoft.com/office/drawing/2010/main" id="{6362ADC8-7FFB-489F-9148-2B4DE774E380}"/>
               </a:ext>
             </a:extLst>
           </p:cNvPr>
@@ -13442,7 +13445,7 @@
           <p:cNvPr id="18" name="Freeform: Shape 17">
             <a:extLst>
               <a:ext uri="{D7EBA6FD-4862-441D-A519-42A3AB90DC1A}">
-                <a16:creationId xmlns:a16="http://schemas.microsoft.com/office/drawing/2010/main" xmlns:vt="http://schemas.openxmlformats.org/officeDocument/2006/docPropsVTypes" xmlns:ns1="http://schemas.openxmlformats.org/officeDocument/2006/extended-properties" xmlns:cs="http://schemas.microsoft.com/office/drawing/2012/chartStyle" xmlns:c="http://schemas.openxmlformats.org/drawingml/2006/chart" xmlns="" id="{153E3E86-D041-4DBD-A307-EB8E7FE4FF8B}"/>
+                <a16:creationId xmlns="" xmlns:c="http://schemas.openxmlformats.org/drawingml/2006/chart" xmlns:cs="http://schemas.microsoft.com/office/drawing/2012/chartStyle" xmlns:ns1="http://schemas.openxmlformats.org/officeDocument/2006/extended-properties" xmlns:vt="http://schemas.openxmlformats.org/officeDocument/2006/docPropsVTypes" xmlns:a16="http://schemas.microsoft.com/office/drawing/2010/main" id="{153E3E86-D041-4DBD-A307-EB8E7FE4FF8B}"/>
               </a:ext>
             </a:extLst>
           </p:cNvPr>
@@ -13518,7 +13521,7 @@
           <p:cNvPr id="19" name="Freeform: Shape 18">
             <a:extLst>
               <a:ext uri="{92FB4A48-2231-4272-8C81-E586F481544D}">
-                <a16:creationId xmlns:a16="http://schemas.microsoft.com/office/drawing/2010/main" xmlns:vt="http://schemas.openxmlformats.org/officeDocument/2006/docPropsVTypes" xmlns:ns1="http://schemas.openxmlformats.org/officeDocument/2006/extended-properties" xmlns:cs="http://schemas.microsoft.com/office/drawing/2012/chartStyle" xmlns:c="http://schemas.openxmlformats.org/drawingml/2006/chart" xmlns="" id="{7C22AB0D-639A-4C66-BB78-F29D03530549}"/>
+                <a16:creationId xmlns="" xmlns:c="http://schemas.openxmlformats.org/drawingml/2006/chart" xmlns:cs="http://schemas.microsoft.com/office/drawing/2012/chartStyle" xmlns:ns1="http://schemas.openxmlformats.org/officeDocument/2006/extended-properties" xmlns:vt="http://schemas.openxmlformats.org/officeDocument/2006/docPropsVTypes" xmlns:a16="http://schemas.microsoft.com/office/drawing/2010/main" id="{7C22AB0D-639A-4C66-BB78-F29D03530549}"/>
               </a:ext>
             </a:extLst>
           </p:cNvPr>
@@ -13594,7 +13597,7 @@
           <p:cNvPr id="20" name="Freeform: Shape 19">
             <a:extLst>
               <a:ext uri="{194BB11B-1917-4E5B-BE78-AA3B6402980E}">
-                <a16:creationId xmlns:a16="http://schemas.microsoft.com/office/drawing/2010/main" xmlns:vt="http://schemas.openxmlformats.org/officeDocument/2006/docPropsVTypes" xmlns:ns1="http://schemas.openxmlformats.org/officeDocument/2006/extended-properties" xmlns:cs="http://schemas.microsoft.com/office/drawing/2012/chartStyle" xmlns:c="http://schemas.openxmlformats.org/drawingml/2006/chart" xmlns="" id="{CBDD8A86-6650-4CC3-90DE-CD2FCB6D549C}"/>
+                <a16:creationId xmlns="" xmlns:c="http://schemas.openxmlformats.org/drawingml/2006/chart" xmlns:cs="http://schemas.microsoft.com/office/drawing/2012/chartStyle" xmlns:ns1="http://schemas.openxmlformats.org/officeDocument/2006/extended-properties" xmlns:vt="http://schemas.openxmlformats.org/officeDocument/2006/docPropsVTypes" xmlns:a16="http://schemas.microsoft.com/office/drawing/2010/main" id="{CBDD8A86-6650-4CC3-90DE-CD2FCB6D549C}"/>
               </a:ext>
             </a:extLst>
           </p:cNvPr>
@@ -13670,7 +13673,7 @@
           <p:cNvPr id="21" name="Picture Placeholder 2">
             <a:extLst>
               <a:ext uri="{6EA1D458-2067-413D-896C-50F80736DF0D}">
-                <a16:creationId xmlns:a16="http://schemas.microsoft.com/office/drawing/2010/main" xmlns:vt="http://schemas.openxmlformats.org/officeDocument/2006/docPropsVTypes" xmlns:ns1="http://schemas.openxmlformats.org/officeDocument/2006/extended-properties" xmlns:cs="http://schemas.microsoft.com/office/drawing/2012/chartStyle" xmlns:c="http://schemas.openxmlformats.org/drawingml/2006/chart" xmlns="" id="{D5C88D15-D4A6-435B-99E3-FD8A84CD7A45}"/>
+                <a16:creationId xmlns="" xmlns:c="http://schemas.openxmlformats.org/drawingml/2006/chart" xmlns:cs="http://schemas.microsoft.com/office/drawing/2012/chartStyle" xmlns:ns1="http://schemas.openxmlformats.org/officeDocument/2006/extended-properties" xmlns:vt="http://schemas.openxmlformats.org/officeDocument/2006/docPropsVTypes" xmlns:a16="http://schemas.microsoft.com/office/drawing/2010/main" id="{D5C88D15-D4A6-435B-99E3-FD8A84CD7A45}"/>
               </a:ext>
             </a:extLst>
           </p:cNvPr>
@@ -13714,7 +13717,7 @@
     </p:spTree>
     <p:extLst>
       <p:ext uri="{2D8F1988-8643-4617-892F-7A62FFD0AA34}">
-        <p14:creationId xmlns:p14="http://schemas.microsoft.com/office/powerpoint/2010/main" xmlns:vt="http://schemas.openxmlformats.org/officeDocument/2006/docPropsVTypes" xmlns:ns1="http://schemas.openxmlformats.org/officeDocument/2006/extended-properties" xmlns:cs="http://schemas.microsoft.com/office/drawing/2012/chartStyle" xmlns:c="http://schemas.openxmlformats.org/drawingml/2006/chart" xmlns="" val="1753295003065"/>
+        <p14:creationId xmlns="" xmlns:c="http://schemas.openxmlformats.org/drawingml/2006/chart" xmlns:cs="http://schemas.microsoft.com/office/drawing/2012/chartStyle" xmlns:ns1="http://schemas.openxmlformats.org/officeDocument/2006/extended-properties" xmlns:vt="http://schemas.openxmlformats.org/officeDocument/2006/docPropsVTypes" xmlns:p14="http://schemas.microsoft.com/office/powerpoint/2010/main" val="1753295003065"/>
       </p:ext>
     </p:extLst>
   </p:cSld>
@@ -13754,7 +13757,7 @@
           <p:cNvPr id="2" name="Slide Number Placeholder 5" hidden="1">
             <a:extLst>
               <a:ext uri="{F35DFF0A-645B-48B5-A6C3-C4BAA213DA21}">
-                <a16:creationId xmlns:a16="http://schemas.microsoft.com/office/drawing/2010/main" xmlns:vt="http://schemas.openxmlformats.org/officeDocument/2006/docPropsVTypes" xmlns:ns1="http://schemas.openxmlformats.org/officeDocument/2006/extended-properties" xmlns:cs="http://schemas.microsoft.com/office/drawing/2012/chartStyle" xmlns:c="http://schemas.openxmlformats.org/drawingml/2006/chart" xmlns="" id="{9E0F0AEB-D055-49A6-A846-353C860028CB}"/>
+                <a16:creationId xmlns="" xmlns:c="http://schemas.openxmlformats.org/drawingml/2006/chart" xmlns:cs="http://schemas.microsoft.com/office/drawing/2012/chartStyle" xmlns:ns1="http://schemas.openxmlformats.org/officeDocument/2006/extended-properties" xmlns:vt="http://schemas.openxmlformats.org/officeDocument/2006/docPropsVTypes" xmlns:a16="http://schemas.microsoft.com/office/drawing/2010/main" id="{9E0F0AEB-D055-49A6-A846-353C860028CB}"/>
               </a:ext>
             </a:extLst>
           </p:cNvPr>
@@ -13901,7 +13904,7 @@
           <p:cNvPr id="3" name="Footer Placeholder 4" hidden="1">
             <a:extLst>
               <a:ext uri="{42A8DE77-AB60-4318-896A-90425F549A60}">
-                <a16:creationId xmlns:a16="http://schemas.microsoft.com/office/drawing/2010/main" xmlns:vt="http://schemas.openxmlformats.org/officeDocument/2006/docPropsVTypes" xmlns:ns1="http://schemas.openxmlformats.org/officeDocument/2006/extended-properties" xmlns:cs="http://schemas.microsoft.com/office/drawing/2012/chartStyle" xmlns:c="http://schemas.openxmlformats.org/drawingml/2006/chart" xmlns="" id="{D94C4E8D-E143-417E-A54C-E22EB329AC81}"/>
+                <a16:creationId xmlns="" xmlns:c="http://schemas.openxmlformats.org/drawingml/2006/chart" xmlns:cs="http://schemas.microsoft.com/office/drawing/2012/chartStyle" xmlns:ns1="http://schemas.openxmlformats.org/officeDocument/2006/extended-properties" xmlns:vt="http://schemas.openxmlformats.org/officeDocument/2006/docPropsVTypes" xmlns:a16="http://schemas.microsoft.com/office/drawing/2010/main" id="{D94C4E8D-E143-417E-A54C-E22EB329AC81}"/>
               </a:ext>
             </a:extLst>
           </p:cNvPr>
@@ -14048,7 +14051,7 @@
           <p:cNvPr id="4" name="Date Placeholder 3" hidden="1">
             <a:extLst>
               <a:ext uri="{DD030BEF-2651-489E-8334-6CA67928DF20}">
-                <a16:creationId xmlns:a16="http://schemas.microsoft.com/office/drawing/2010/main" xmlns:vt="http://schemas.openxmlformats.org/officeDocument/2006/docPropsVTypes" xmlns:ns1="http://schemas.openxmlformats.org/officeDocument/2006/extended-properties" xmlns:cs="http://schemas.microsoft.com/office/drawing/2012/chartStyle" xmlns:c="http://schemas.openxmlformats.org/drawingml/2006/chart" xmlns="" id="{9BA4F50E-A3B6-4398-8460-87E5767984E7}"/>
+                <a16:creationId xmlns="" xmlns:c="http://schemas.openxmlformats.org/drawingml/2006/chart" xmlns:cs="http://schemas.microsoft.com/office/drawing/2012/chartStyle" xmlns:ns1="http://schemas.openxmlformats.org/officeDocument/2006/extended-properties" xmlns:vt="http://schemas.openxmlformats.org/officeDocument/2006/docPropsVTypes" xmlns:a16="http://schemas.microsoft.com/office/drawing/2010/main" id="{9BA4F50E-A3B6-4398-8460-87E5767984E7}"/>
               </a:ext>
             </a:extLst>
           </p:cNvPr>
@@ -14195,7 +14198,7 @@
           <p:cNvPr id="5" name="Slide Number Placeholder 5" hidden="1">
             <a:extLst>
               <a:ext uri="{1C0D1939-4577-4080-A2C7-0501178B2EBB}">
-                <a16:creationId xmlns:a16="http://schemas.microsoft.com/office/drawing/2010/main" xmlns:vt="http://schemas.openxmlformats.org/officeDocument/2006/docPropsVTypes" xmlns:ns1="http://schemas.openxmlformats.org/officeDocument/2006/extended-properties" xmlns:cs="http://schemas.microsoft.com/office/drawing/2012/chartStyle" xmlns:c="http://schemas.openxmlformats.org/drawingml/2006/chart" xmlns="" id="{6B6B3567-221B-4311-9760-DC4EDE437B47}"/>
+                <a16:creationId xmlns="" xmlns:c="http://schemas.openxmlformats.org/drawingml/2006/chart" xmlns:cs="http://schemas.microsoft.com/office/drawing/2012/chartStyle" xmlns:ns1="http://schemas.openxmlformats.org/officeDocument/2006/extended-properties" xmlns:vt="http://schemas.openxmlformats.org/officeDocument/2006/docPropsVTypes" xmlns:a16="http://schemas.microsoft.com/office/drawing/2010/main" id="{6B6B3567-221B-4311-9760-DC4EDE437B47}"/>
               </a:ext>
             </a:extLst>
           </p:cNvPr>
@@ -14342,7 +14345,7 @@
           <p:cNvPr id="6" name="Footer Placeholder 4" hidden="1">
             <a:extLst>
               <a:ext uri="{51CC0875-CE34-43A3-A649-774CE19B7A2F}">
-                <a16:creationId xmlns:a16="http://schemas.microsoft.com/office/drawing/2010/main" xmlns:vt="http://schemas.openxmlformats.org/officeDocument/2006/docPropsVTypes" xmlns:ns1="http://schemas.openxmlformats.org/officeDocument/2006/extended-properties" xmlns:cs="http://schemas.microsoft.com/office/drawing/2012/chartStyle" xmlns:c="http://schemas.openxmlformats.org/drawingml/2006/chart" xmlns="" id="{4709F829-2220-4DB7-835B-963FAF7B5B86}"/>
+                <a16:creationId xmlns="" xmlns:c="http://schemas.openxmlformats.org/drawingml/2006/chart" xmlns:cs="http://schemas.microsoft.com/office/drawing/2012/chartStyle" xmlns:ns1="http://schemas.openxmlformats.org/officeDocument/2006/extended-properties" xmlns:vt="http://schemas.openxmlformats.org/officeDocument/2006/docPropsVTypes" xmlns:a16="http://schemas.microsoft.com/office/drawing/2010/main" id="{4709F829-2220-4DB7-835B-963FAF7B5B86}"/>
               </a:ext>
             </a:extLst>
           </p:cNvPr>
@@ -14489,7 +14492,7 @@
           <p:cNvPr id="7" name="Date Placeholder 3" hidden="1">
             <a:extLst>
               <a:ext uri="{4D2E7353-71B1-4160-817F-72D8E5877F86}">
-                <a16:creationId xmlns:a16="http://schemas.microsoft.com/office/drawing/2010/main" xmlns:vt="http://schemas.openxmlformats.org/officeDocument/2006/docPropsVTypes" xmlns:ns1="http://schemas.openxmlformats.org/officeDocument/2006/extended-properties" xmlns:cs="http://schemas.microsoft.com/office/drawing/2012/chartStyle" xmlns:c="http://schemas.openxmlformats.org/drawingml/2006/chart" xmlns="" id="{EF4CA69E-7575-404B-A597-EEFF6B6D1395}"/>
+                <a16:creationId xmlns="" xmlns:c="http://schemas.openxmlformats.org/drawingml/2006/chart" xmlns:cs="http://schemas.microsoft.com/office/drawing/2012/chartStyle" xmlns:ns1="http://schemas.openxmlformats.org/officeDocument/2006/extended-properties" xmlns:vt="http://schemas.openxmlformats.org/officeDocument/2006/docPropsVTypes" xmlns:a16="http://schemas.microsoft.com/office/drawing/2010/main" id="{EF4CA69E-7575-404B-A597-EEFF6B6D1395}"/>
               </a:ext>
             </a:extLst>
           </p:cNvPr>
@@ -14636,7 +14639,7 @@
           <p:cNvPr id="8" name="Slide Number Placeholder 5" hidden="1">
             <a:extLst>
               <a:ext uri="{A32ADD43-A890-41B1-94C0-379C1CB09CED}">
-                <a16:creationId xmlns:a16="http://schemas.microsoft.com/office/drawing/2010/main" xmlns:vt="http://schemas.openxmlformats.org/officeDocument/2006/docPropsVTypes" xmlns:ns1="http://schemas.openxmlformats.org/officeDocument/2006/extended-properties" xmlns:cs="http://schemas.microsoft.com/office/drawing/2012/chartStyle" xmlns:c="http://schemas.openxmlformats.org/drawingml/2006/chart" xmlns="" id="{7935D0E0-32F7-456D-AB82-582EC8CAAD5F}"/>
+                <a16:creationId xmlns="" xmlns:c="http://schemas.openxmlformats.org/drawingml/2006/chart" xmlns:cs="http://schemas.microsoft.com/office/drawing/2012/chartStyle" xmlns:ns1="http://schemas.openxmlformats.org/officeDocument/2006/extended-properties" xmlns:vt="http://schemas.openxmlformats.org/officeDocument/2006/docPropsVTypes" xmlns:a16="http://schemas.microsoft.com/office/drawing/2010/main" id="{7935D0E0-32F7-456D-AB82-582EC8CAAD5F}"/>
               </a:ext>
             </a:extLst>
           </p:cNvPr>
@@ -14783,7 +14786,7 @@
           <p:cNvPr id="9" name="Footer Placeholder 4" hidden="1">
             <a:extLst>
               <a:ext uri="{8F8761F2-3EE3-46B5-A6F1-3DFD22CFA075}">
-                <a16:creationId xmlns:a16="http://schemas.microsoft.com/office/drawing/2010/main" xmlns:vt="http://schemas.openxmlformats.org/officeDocument/2006/docPropsVTypes" xmlns:ns1="http://schemas.openxmlformats.org/officeDocument/2006/extended-properties" xmlns:cs="http://schemas.microsoft.com/office/drawing/2012/chartStyle" xmlns:c="http://schemas.openxmlformats.org/drawingml/2006/chart" xmlns="" id="{83DF7869-0588-4AB3-90DD-2D3492D4F305}"/>
+                <a16:creationId xmlns="" xmlns:c="http://schemas.openxmlformats.org/drawingml/2006/chart" xmlns:cs="http://schemas.microsoft.com/office/drawing/2012/chartStyle" xmlns:ns1="http://schemas.openxmlformats.org/officeDocument/2006/extended-properties" xmlns:vt="http://schemas.openxmlformats.org/officeDocument/2006/docPropsVTypes" xmlns:a16="http://schemas.microsoft.com/office/drawing/2010/main" id="{83DF7869-0588-4AB3-90DD-2D3492D4F305}"/>
               </a:ext>
             </a:extLst>
           </p:cNvPr>
@@ -14930,7 +14933,7 @@
           <p:cNvPr id="10" name="Date Placeholder 3" hidden="1">
             <a:extLst>
               <a:ext uri="{B8F443BB-D081-4CF3-AE37-FB417B677100}">
-                <a16:creationId xmlns:a16="http://schemas.microsoft.com/office/drawing/2010/main" xmlns:vt="http://schemas.openxmlformats.org/officeDocument/2006/docPropsVTypes" xmlns:ns1="http://schemas.openxmlformats.org/officeDocument/2006/extended-properties" xmlns:cs="http://schemas.microsoft.com/office/drawing/2012/chartStyle" xmlns:c="http://schemas.openxmlformats.org/drawingml/2006/chart" xmlns="" id="{EC4DA1A6-ED31-454E-9DDC-BCF3999F549E}"/>
+                <a16:creationId xmlns="" xmlns:c="http://schemas.openxmlformats.org/drawingml/2006/chart" xmlns:cs="http://schemas.microsoft.com/office/drawing/2012/chartStyle" xmlns:ns1="http://schemas.openxmlformats.org/officeDocument/2006/extended-properties" xmlns:vt="http://schemas.openxmlformats.org/officeDocument/2006/docPropsVTypes" xmlns:a16="http://schemas.microsoft.com/office/drawing/2010/main" id="{EC4DA1A6-ED31-454E-9DDC-BCF3999F549E}"/>
               </a:ext>
             </a:extLst>
           </p:cNvPr>
@@ -15077,7 +15080,7 @@
           <p:cNvPr id="11" name="Title Placeholder 1">
             <a:extLst>
               <a:ext uri="{8D2F45AC-D95E-4CD5-939E-8A4378B39837}">
-                <a16:creationId xmlns:a16="http://schemas.microsoft.com/office/drawing/2010/main" xmlns:vt="http://schemas.openxmlformats.org/officeDocument/2006/docPropsVTypes" xmlns:ns1="http://schemas.openxmlformats.org/officeDocument/2006/extended-properties" xmlns:cs="http://schemas.microsoft.com/office/drawing/2012/chartStyle" xmlns:c="http://schemas.openxmlformats.org/drawingml/2006/chart" xmlns="" id="{4876D928-492D-47C4-A2D9-6279EFF77AAB}"/>
+                <a16:creationId xmlns="" xmlns:c="http://schemas.openxmlformats.org/drawingml/2006/chart" xmlns:cs="http://schemas.microsoft.com/office/drawing/2012/chartStyle" xmlns:ns1="http://schemas.openxmlformats.org/officeDocument/2006/extended-properties" xmlns:vt="http://schemas.openxmlformats.org/officeDocument/2006/docPropsVTypes" xmlns:a16="http://schemas.microsoft.com/office/drawing/2010/main" id="{4876D928-492D-47C4-A2D9-6279EFF77AAB}"/>
               </a:ext>
             </a:extLst>
           </p:cNvPr>
@@ -15115,7 +15118,7 @@
           <p:cNvPr id="12" name="Text Placeholder 2">
             <a:extLst>
               <a:ext uri="{3E39BE47-38A6-4BDD-AD20-F14F2CD4A8BB}">
-                <a16:creationId xmlns:a16="http://schemas.microsoft.com/office/drawing/2010/main" xmlns:vt="http://schemas.openxmlformats.org/officeDocument/2006/docPropsVTypes" xmlns:ns1="http://schemas.openxmlformats.org/officeDocument/2006/extended-properties" xmlns:cs="http://schemas.microsoft.com/office/drawing/2012/chartStyle" xmlns:c="http://schemas.openxmlformats.org/drawingml/2006/chart" xmlns="" id="{44A4C426-AEEA-4CEF-A22F-A2518323C3AC}"/>
+                <a16:creationId xmlns="" xmlns:c="http://schemas.openxmlformats.org/drawingml/2006/chart" xmlns:cs="http://schemas.microsoft.com/office/drawing/2012/chartStyle" xmlns:ns1="http://schemas.openxmlformats.org/officeDocument/2006/extended-properties" xmlns:vt="http://schemas.openxmlformats.org/officeDocument/2006/docPropsVTypes" xmlns:a16="http://schemas.microsoft.com/office/drawing/2010/main" id="{44A4C426-AEEA-4CEF-A22F-A2518323C3AC}"/>
               </a:ext>
             </a:extLst>
           </p:cNvPr>
@@ -15182,7 +15185,7 @@
           <p:cNvPr id="13" name="Slide Number Placeholder 5">
             <a:extLst>
               <a:ext uri="{350F63C8-A219-4D3C-A095-E8CB664CD351}">
-                <a16:creationId xmlns:a16="http://schemas.microsoft.com/office/drawing/2010/main" xmlns:vt="http://schemas.openxmlformats.org/officeDocument/2006/docPropsVTypes" xmlns:ns1="http://schemas.openxmlformats.org/officeDocument/2006/extended-properties" xmlns:cs="http://schemas.microsoft.com/office/drawing/2012/chartStyle" xmlns:c="http://schemas.openxmlformats.org/drawingml/2006/chart" xmlns="" id="{709195DE-357E-4C6A-9D98-F1834393CDD9}"/>
+                <a16:creationId xmlns="" xmlns:c="http://schemas.openxmlformats.org/drawingml/2006/chart" xmlns:cs="http://schemas.microsoft.com/office/drawing/2012/chartStyle" xmlns:ns1="http://schemas.openxmlformats.org/officeDocument/2006/extended-properties" xmlns:vt="http://schemas.openxmlformats.org/officeDocument/2006/docPropsVTypes" xmlns:a16="http://schemas.microsoft.com/office/drawing/2010/main" id="{709195DE-357E-4C6A-9D98-F1834393CDD9}"/>
               </a:ext>
             </a:extLst>
           </p:cNvPr>
@@ -15229,7 +15232,7 @@
           <p:cNvPr id="14" name="Footer Placeholder 4">
             <a:extLst>
               <a:ext uri="{42BD4208-8E83-46F2-9056-F86B570AED3E}">
-                <a16:creationId xmlns:a16="http://schemas.microsoft.com/office/drawing/2010/main" xmlns:vt="http://schemas.openxmlformats.org/officeDocument/2006/docPropsVTypes" xmlns:ns1="http://schemas.openxmlformats.org/officeDocument/2006/extended-properties" xmlns:cs="http://schemas.microsoft.com/office/drawing/2012/chartStyle" xmlns:c="http://schemas.openxmlformats.org/drawingml/2006/chart" xmlns="" id="{378B1FAB-6AA2-46A6-84D1-49F95184E3E9}"/>
+                <a16:creationId xmlns="" xmlns:c="http://schemas.openxmlformats.org/drawingml/2006/chart" xmlns:cs="http://schemas.microsoft.com/office/drawing/2012/chartStyle" xmlns:ns1="http://schemas.openxmlformats.org/officeDocument/2006/extended-properties" xmlns:vt="http://schemas.openxmlformats.org/officeDocument/2006/docPropsVTypes" xmlns:a16="http://schemas.microsoft.com/office/drawing/2010/main" id="{378B1FAB-6AA2-46A6-84D1-49F95184E3E9}"/>
               </a:ext>
             </a:extLst>
           </p:cNvPr>
@@ -15276,7 +15279,7 @@
           <p:cNvPr id="15" name="Date Placeholder 3">
             <a:extLst>
               <a:ext uri="{99B870F4-9C5D-4428-9E8F-ED102CAEE614}">
-                <a16:creationId xmlns:a16="http://schemas.microsoft.com/office/drawing/2010/main" xmlns:vt="http://schemas.openxmlformats.org/officeDocument/2006/docPropsVTypes" xmlns:ns1="http://schemas.openxmlformats.org/officeDocument/2006/extended-properties" xmlns:cs="http://schemas.microsoft.com/office/drawing/2012/chartStyle" xmlns:c="http://schemas.openxmlformats.org/drawingml/2006/chart" xmlns="" id="{76B98191-6281-4ADE-9F3D-185D6CDD3331}"/>
+                <a16:creationId xmlns="" xmlns:c="http://schemas.openxmlformats.org/drawingml/2006/chart" xmlns:cs="http://schemas.microsoft.com/office/drawing/2012/chartStyle" xmlns:ns1="http://schemas.openxmlformats.org/officeDocument/2006/extended-properties" xmlns:vt="http://schemas.openxmlformats.org/officeDocument/2006/docPropsVTypes" xmlns:a16="http://schemas.microsoft.com/office/drawing/2010/main" id="{76B98191-6281-4ADE-9F3D-185D6CDD3331}"/>
               </a:ext>
             </a:extLst>
           </p:cNvPr>
@@ -15579,7 +15582,7 @@
           <p:cNvPr id="2" name="Title 1">
             <a:extLst>
               <a:ext uri="{D1330524-8F33-46FF-8795-C1B6D51A2104}">
-                <a16:creationId xmlns:a16="http://schemas.microsoft.com/office/drawing/2010/main" xmlns:vt="http://schemas.openxmlformats.org/officeDocument/2006/docPropsVTypes" xmlns:ns1="http://schemas.openxmlformats.org/officeDocument/2006/extended-properties" xmlns:cs="http://schemas.microsoft.com/office/drawing/2012/chartStyle" xmlns:c="http://schemas.openxmlformats.org/drawingml/2006/chart" xmlns="" id="{44DA5B05-77F3-42C7-8E7B-4140DDCBF790}"/>
+                <a16:creationId xmlns="" xmlns:c="http://schemas.openxmlformats.org/drawingml/2006/chart" xmlns:cs="http://schemas.microsoft.com/office/drawing/2012/chartStyle" xmlns:ns1="http://schemas.openxmlformats.org/officeDocument/2006/extended-properties" xmlns:vt="http://schemas.openxmlformats.org/officeDocument/2006/docPropsVTypes" xmlns:a16="http://schemas.microsoft.com/office/drawing/2010/main" id="{44DA5B05-77F3-42C7-8E7B-4140DDCBF790}"/>
               </a:ext>
             </a:extLst>
           </p:cNvPr>
@@ -15625,7 +15628,7 @@
           <p:cNvPr id="3" name="Subtitle 2">
             <a:extLst>
               <a:ext uri="{608D179E-7CB1-49F5-B7A7-42AFA5627AA2}">
-                <a16:creationId xmlns:a16="http://schemas.microsoft.com/office/drawing/2010/main" xmlns:vt="http://schemas.openxmlformats.org/officeDocument/2006/docPropsVTypes" xmlns:ns1="http://schemas.openxmlformats.org/officeDocument/2006/extended-properties" xmlns:cs="http://schemas.microsoft.com/office/drawing/2012/chartStyle" xmlns:c="http://schemas.openxmlformats.org/drawingml/2006/chart" xmlns="" id="{F1809B83-7B9B-406C-9EDA-06484D865065}"/>
+                <a16:creationId xmlns="" xmlns:c="http://schemas.openxmlformats.org/drawingml/2006/chart" xmlns:cs="http://schemas.microsoft.com/office/drawing/2012/chartStyle" xmlns:ns1="http://schemas.openxmlformats.org/officeDocument/2006/extended-properties" xmlns:vt="http://schemas.openxmlformats.org/officeDocument/2006/docPropsVTypes" xmlns:a16="http://schemas.microsoft.com/office/drawing/2010/main" id="{F1809B83-7B9B-406C-9EDA-06484D865065}"/>
               </a:ext>
             </a:extLst>
           </p:cNvPr>
@@ -15658,7 +15661,7 @@
     </p:spTree>
     <p:extLst>
       <p:ext uri="{62A64F30-F945-404C-995D-B3C8D3B7350F}">
-        <p14:creationId xmlns:p14="http://schemas.microsoft.com/office/powerpoint/2010/main" xmlns:vt="http://schemas.openxmlformats.org/officeDocument/2006/docPropsVTypes" xmlns:ns1="http://schemas.openxmlformats.org/officeDocument/2006/extended-properties" xmlns:cs="http://schemas.microsoft.com/office/drawing/2012/chartStyle" xmlns:c="http://schemas.openxmlformats.org/drawingml/2006/chart" xmlns="" val="1753295003072"/>
+        <p14:creationId xmlns="" xmlns:c="http://schemas.openxmlformats.org/drawingml/2006/chart" xmlns:cs="http://schemas.microsoft.com/office/drawing/2012/chartStyle" xmlns:ns1="http://schemas.openxmlformats.org/officeDocument/2006/extended-properties" xmlns:vt="http://schemas.openxmlformats.org/officeDocument/2006/docPropsVTypes" xmlns:p14="http://schemas.microsoft.com/office/powerpoint/2010/main" val="1753295003072"/>
       </p:ext>
     </p:extLst>
   </p:cSld>
@@ -15690,7 +15693,7 @@
           <p:cNvPr id="2" name="Text Box 3">
             <a:extLst>
               <a:ext uri="{6DD17E21-D6F3-416B-A329-759BE0B46501}">
-                <a16:creationId xmlns:a16="http://schemas.microsoft.com/office/drawing/2010/main" xmlns:vt="http://schemas.openxmlformats.org/officeDocument/2006/docPropsVTypes" xmlns:ns1="http://schemas.openxmlformats.org/officeDocument/2006/extended-properties" xmlns:cs="http://schemas.microsoft.com/office/drawing/2012/chartStyle" xmlns:c="http://schemas.openxmlformats.org/drawingml/2006/chart" xmlns="" id="{AADC796D-45D3-4BA8-B860-509F078E16AC}"/>
+                <a16:creationId xmlns="" xmlns:c="http://schemas.openxmlformats.org/drawingml/2006/chart" xmlns:cs="http://schemas.microsoft.com/office/drawing/2012/chartStyle" xmlns:ns1="http://schemas.openxmlformats.org/officeDocument/2006/extended-properties" xmlns:vt="http://schemas.openxmlformats.org/officeDocument/2006/docPropsVTypes" xmlns:a16="http://schemas.microsoft.com/office/drawing/2010/main" id="{AADC796D-45D3-4BA8-B860-509F078E16AC}"/>
               </a:ext>
             </a:extLst>
           </p:cNvPr>
@@ -15858,6 +15861,282 @@
         <p:nvSpPr>
           <p:cNvPr id="3" name="Rectangle 3">
             <a:extLst>
+              <a:ext uri="{338663C8-E5D6-4A5C-9019-D820AEB34006}">
+                <a16:creationId xmlns="" xmlns:c="http://schemas.openxmlformats.org/drawingml/2006/chart" xmlns:cs="http://schemas.microsoft.com/office/drawing/2012/chartStyle" xmlns:ns1="http://schemas.openxmlformats.org/officeDocument/2006/extended-properties" xmlns:vt="http://schemas.openxmlformats.org/officeDocument/2006/docPropsVTypes" xmlns:a16="http://schemas.microsoft.com/office/drawing/2010/main" id="{B8F7F23C-2771-4EF2-AD20-19460107E466}"/>
+              </a:ext>
+            </a:extLst>
+          </p:cNvPr>
+          <p:cNvSpPr txBox="1">
+            <a:spLocks noGrp="1"/>
+          </p:cNvSpPr>
+          <p:nvPr/>
+        </p:nvSpPr>
+        <p:spPr>
+          <a:xfrm>
+            <a:off x="99460" y="76885"/>
+            <a:ext cx="8945080" cy="469496"/>
+          </a:xfrm>
+          <a:prstGeom prst="rect">
+            <a:avLst/>
+          </a:prstGeom>
+          <a:ln w="0">
+            <a:noFill/>
+            <a:round/>
+          </a:ln>
+          <a:effectLst/>
+        </p:spPr>
+        <p:txBody>
+          <a:bodyPr lIns="0" tIns="0" rIns="0" bIns="0" numCol="1" spcCol="0" rtlCol="0" anchor="b">
+            <a:noAutofit/>
+          </a:bodyPr>
+          <a:lstStyle>
+            <a:lvl1pPr marL="0" lvl="0" algn="l" rtl="0">
+              <a:lnSpc>
+                <a:spcPct val="100000"/>
+              </a:lnSpc>
+              <a:spcBef>
+                <a:spcPct val="0"/>
+              </a:spcBef>
+              <a:spcAft>
+                <a:spcPts val="0"/>
+              </a:spcAft>
+              <a:buNone/>
+              <a:defRPr lang="en-US" sz="3200" b="1" i="0" dirty="0">
+                <a:solidFill>
+                  <a:schemeClr val="tx1"/>
+                </a:solidFill>
+                <a:latin typeface="Open Sans"/>
+              </a:defRPr>
+            </a:lvl1pPr>
+            <a:lvl2pPr marL="457200" lvl="1" algn="l" rtl="0">
+              <a:lnSpc>
+                <a:spcPct val="100000"/>
+              </a:lnSpc>
+              <a:spcBef>
+                <a:spcPts val="0"/>
+              </a:spcBef>
+              <a:spcAft>
+                <a:spcPts val="0"/>
+              </a:spcAft>
+              <a:defRPr lang="en-US" sz="1800" dirty="0">
+                <a:solidFill>
+                  <a:schemeClr val="tx1"/>
+                </a:solidFill>
+                <a:latin typeface="Open Sans"/>
+              </a:defRPr>
+            </a:lvl2pPr>
+            <a:lvl3pPr marL="914400" lvl="2" algn="l" rtl="0">
+              <a:lnSpc>
+                <a:spcPct val="100000"/>
+              </a:lnSpc>
+              <a:spcBef>
+                <a:spcPts val="0"/>
+              </a:spcBef>
+              <a:spcAft>
+                <a:spcPts val="0"/>
+              </a:spcAft>
+              <a:defRPr lang="en-US" sz="1800" dirty="0">
+                <a:solidFill>
+                  <a:schemeClr val="tx1"/>
+                </a:solidFill>
+                <a:latin typeface="Open Sans"/>
+              </a:defRPr>
+            </a:lvl3pPr>
+            <a:lvl4pPr marL="1371600" lvl="3" algn="l" rtl="0">
+              <a:lnSpc>
+                <a:spcPct val="100000"/>
+              </a:lnSpc>
+              <a:spcBef>
+                <a:spcPts val="0"/>
+              </a:spcBef>
+              <a:spcAft>
+                <a:spcPts val="0"/>
+              </a:spcAft>
+              <a:defRPr lang="en-US" sz="1800" dirty="0">
+                <a:solidFill>
+                  <a:schemeClr val="tx1"/>
+                </a:solidFill>
+                <a:latin typeface="Open Sans"/>
+              </a:defRPr>
+            </a:lvl4pPr>
+            <a:lvl5pPr marL="1828800" lvl="4" algn="l" rtl="0">
+              <a:lnSpc>
+                <a:spcPct val="100000"/>
+              </a:lnSpc>
+              <a:spcBef>
+                <a:spcPts val="0"/>
+              </a:spcBef>
+              <a:spcAft>
+                <a:spcPts val="0"/>
+              </a:spcAft>
+              <a:defRPr lang="en-US" sz="1800" dirty="0">
+                <a:solidFill>
+                  <a:schemeClr val="tx1"/>
+                </a:solidFill>
+                <a:latin typeface="Open Sans"/>
+              </a:defRPr>
+            </a:lvl5pPr>
+            <a:lvl6pPr marL="2286000" lvl="5" algn="l" rtl="0">
+              <a:lnSpc>
+                <a:spcPct val="100000"/>
+              </a:lnSpc>
+              <a:spcBef>
+                <a:spcPts val="0"/>
+              </a:spcBef>
+              <a:spcAft>
+                <a:spcPts val="0"/>
+              </a:spcAft>
+              <a:defRPr lang="en-US" sz="1800" dirty="0">
+                <a:solidFill>
+                  <a:schemeClr val="tx1"/>
+                </a:solidFill>
+                <a:latin typeface="Open Sans"/>
+              </a:defRPr>
+            </a:lvl6pPr>
+            <a:lvl7pPr marL="2743200" lvl="6" algn="l" rtl="0">
+              <a:lnSpc>
+                <a:spcPct val="100000"/>
+              </a:lnSpc>
+              <a:spcBef>
+                <a:spcPts val="0"/>
+              </a:spcBef>
+              <a:spcAft>
+                <a:spcPts val="0"/>
+              </a:spcAft>
+              <a:defRPr lang="en-US" sz="1800" dirty="0">
+                <a:solidFill>
+                  <a:schemeClr val="tx1"/>
+                </a:solidFill>
+                <a:latin typeface="Open Sans"/>
+              </a:defRPr>
+            </a:lvl7pPr>
+            <a:lvl8pPr marL="3200400" lvl="7" algn="l" rtl="0">
+              <a:lnSpc>
+                <a:spcPct val="100000"/>
+              </a:lnSpc>
+              <a:spcBef>
+                <a:spcPts val="0"/>
+              </a:spcBef>
+              <a:spcAft>
+                <a:spcPts val="0"/>
+              </a:spcAft>
+              <a:defRPr lang="en-US" sz="1800" dirty="0">
+                <a:solidFill>
+                  <a:schemeClr val="tx1"/>
+                </a:solidFill>
+                <a:latin typeface="Open Sans"/>
+              </a:defRPr>
+            </a:lvl8pPr>
+            <a:lvl9pPr marL="3657600" lvl="8" algn="l" rtl="0">
+              <a:lnSpc>
+                <a:spcPct val="100000"/>
+              </a:lnSpc>
+              <a:spcBef>
+                <a:spcPts val="0"/>
+              </a:spcBef>
+              <a:spcAft>
+                <a:spcPts val="0"/>
+              </a:spcAft>
+              <a:defRPr lang="en-US" sz="1800" dirty="0">
+                <a:solidFill>
+                  <a:schemeClr val="tx1"/>
+                </a:solidFill>
+                <a:latin typeface="Open Sans"/>
+              </a:defRPr>
+            </a:lvl9pPr>
+          </a:lstStyle>
+          <a:p>
+            <a:pPr lvl="0"/>
+            <a:r>
+              <a:rPr lang="en-US" sz="2800" b="1" i="0" dirty="0">
+                <a:solidFill>
+                  <a:schemeClr val="tx1"/>
+                </a:solidFill>
+                <a:latin typeface="Open Sans"/>
+              </a:rPr>
+              <a:t>Q7.Yearly Value Trends by Transportation Mode </a:t>
+            </a:r>
+            <a:r>
+              <a:rPr lang="en-US" sz="2800" dirty="0"/>
+              <a:t>Cont.</a:t>
+            </a:r>
+            <a:endParaRPr lang="en-US" sz="2800" b="1" i="0" dirty="0">
+              <a:solidFill>
+                <a:schemeClr val="tx1"/>
+              </a:solidFill>
+              <a:latin typeface="Open Sans"/>
+            </a:endParaRPr>
+          </a:p>
+        </p:txBody>
+      </p:sp>
+      <p:pic>
+        <p:nvPicPr>
+          <p:cNvPr id="4" name="Image 4">
+            <a:extLst>
+              <a:ext uri="{4879832C-822A-4D66-B216-F8C7C627D0A9}">
+                <a16:creationId xmlns="" xmlns:c="http://schemas.openxmlformats.org/drawingml/2006/chart" xmlns:cs="http://schemas.microsoft.com/office/drawing/2012/chartStyle" xmlns:ns1="http://schemas.openxmlformats.org/officeDocument/2006/extended-properties" xmlns:vt="http://schemas.openxmlformats.org/officeDocument/2006/docPropsVTypes" xmlns:a16="http://schemas.microsoft.com/office/drawing/2010/main" id="{0FBEC271-77F4-4900-814F-2FE616CFA01C}"/>
+              </a:ext>
+            </a:extLst>
+          </p:cNvPr>
+          <p:cNvPicPr>
+            <a:picLocks noChangeAspect="1"/>
+          </p:cNvPicPr>
+          <p:nvPr/>
+        </p:nvPicPr>
+        <p:blipFill>
+          <a:blip r:embed="rId2"/>
+          <a:stretch>
+            <a:fillRect/>
+          </a:stretch>
+        </p:blipFill>
+        <p:spPr>
+          <a:xfrm>
+            <a:off x="200929" y="623335"/>
+            <a:ext cx="5116411" cy="4263675"/>
+          </a:xfrm>
+          <a:prstGeom prst="rect">
+            <a:avLst/>
+          </a:prstGeom>
+          <a:noFill/>
+        </p:spPr>
+      </p:pic>
+    </p:spTree>
+    <p:extLst>
+      <p:ext uri="{B03C41CC-910A-484C-A055-6EBA1544D74C}">
+        <p14:creationId xmlns="" xmlns:c="http://schemas.openxmlformats.org/drawingml/2006/chart" xmlns:cs="http://schemas.microsoft.com/office/drawing/2012/chartStyle" xmlns:ns1="http://schemas.openxmlformats.org/officeDocument/2006/extended-properties" xmlns:vt="http://schemas.openxmlformats.org/officeDocument/2006/docPropsVTypes" xmlns:p14="http://schemas.microsoft.com/office/powerpoint/2010/main" val="1753295003086"/>
+      </p:ext>
+    </p:extLst>
+  </p:cSld>
+  <p:clrMapOvr>
+    <a:masterClrMapping/>
+  </p:clrMapOvr>
+</p:sld>
+</file>
+
+<file path=ppt/slides/slide11.xml><?xml version="1.0" encoding="utf-8"?>
+<p:sld xmlns:a="http://schemas.openxmlformats.org/drawingml/2006/main" xmlns:r="http://schemas.openxmlformats.org/officeDocument/2006/relationships" xmlns:p="http://schemas.openxmlformats.org/presentationml/2006/main">
+  <p:cSld>
+    <p:spTree>
+      <p:nvGrpSpPr>
+        <p:cNvPr id="1" name=""/>
+        <p:cNvGrpSpPr/>
+        <p:nvPr/>
+      </p:nvGrpSpPr>
+      <p:grpSpPr>
+        <a:xfrm>
+          <a:off x="0" y="0"/>
+          <a:ext cx="0" cy="0"/>
+          <a:chOff x="0" y="0"/>
+          <a:chExt cx="0" cy="0"/>
+        </a:xfrm>
+      </p:grpSpPr>
+      <p:sp>
+        <p:nvSpPr>
+          <p:cNvPr id="6" name="Rectangle 3">
+            <a:extLst>
+              <a:ext uri="{FF2B5EF4-FFF2-40B4-BE49-F238E27FC236}">
+                <a16:creationId xmlns:a16="http://schemas.microsoft.com/office/drawing/2014/main" id="{C54EFC48-4191-F47D-CEBC-22785C75B969}"/>
+              </a:ext>
               <a:ext uri="{338663C8-E5D6-4A5C-9019-D820AEB34006}">
                 <a16:creationId xmlns:a16="http://schemas.microsoft.com/office/drawing/2010/main" xmlns:vt="http://schemas.openxmlformats.org/officeDocument/2006/docPropsVTypes" xmlns:ns1="http://schemas.openxmlformats.org/officeDocument/2006/extended-properties" xmlns:cs="http://schemas.microsoft.com/office/drawing/2012/chartStyle" xmlns:c="http://schemas.openxmlformats.org/drawingml/2006/chart" xmlns="" id="{B8F7F23C-2771-4EF2-AD20-19460107E466}"/>
               </a:ext>
@@ -16062,46 +16341,1175 @@
                 </a:solidFill>
                 <a:latin typeface="Open Sans"/>
               </a:rPr>
-              <a:t>Q7.Yearly Value Trends by Transportation Mode</a:t>
+              <a:t>Final insight</a:t>
             </a:r>
           </a:p>
         </p:txBody>
       </p:sp>
-      <p:pic>
-        <p:nvPicPr>
-          <p:cNvPr id="4" name="Image 4">
+      <p:sp>
+        <p:nvSpPr>
+          <p:cNvPr id="7" name="Text Box 3">
             <a:extLst>
-              <a:ext uri="{4879832C-822A-4D66-B216-F8C7C627D0A9}">
-                <a16:creationId xmlns:a16="http://schemas.microsoft.com/office/drawing/2010/main" xmlns:vt="http://schemas.openxmlformats.org/officeDocument/2006/docPropsVTypes" xmlns:ns1="http://schemas.openxmlformats.org/officeDocument/2006/extended-properties" xmlns:cs="http://schemas.microsoft.com/office/drawing/2012/chartStyle" xmlns:c="http://schemas.openxmlformats.org/drawingml/2006/chart" xmlns="" id="{0FBEC271-77F4-4900-814F-2FE616CFA01C}"/>
+              <a:ext uri="{FF2B5EF4-FFF2-40B4-BE49-F238E27FC236}">
+                <a16:creationId xmlns:a16="http://schemas.microsoft.com/office/drawing/2014/main" id="{8EB01D28-D49A-DE87-40E1-0BC52FD0B441}"/>
+              </a:ext>
+              <a:ext uri="{6DD17E21-D6F3-416B-A329-759BE0B46501}">
+                <a16:creationId xmlns:a16="http://schemas.microsoft.com/office/drawing/2010/main" xmlns:vt="http://schemas.openxmlformats.org/officeDocument/2006/docPropsVTypes" xmlns:ns1="http://schemas.openxmlformats.org/officeDocument/2006/extended-properties" xmlns:cs="http://schemas.microsoft.com/office/drawing/2012/chartStyle" xmlns:c="http://schemas.openxmlformats.org/drawingml/2006/chart" xmlns="" id="{AADC796D-45D3-4BA8-B860-509F078E16AC}"/>
               </a:ext>
             </a:extLst>
           </p:cNvPr>
-          <p:cNvPicPr>
-            <a:picLocks noChangeAspect="1"/>
-          </p:cNvPicPr>
+          <p:cNvSpPr txBox="1"/>
           <p:nvPr/>
-        </p:nvPicPr>
-        <p:blipFill>
-          <a:blip r:embed="rId2"/>
-          <a:stretch>
-            <a:fillRect/>
-          </a:stretch>
-        </p:blipFill>
+        </p:nvSpPr>
         <p:spPr>
           <a:xfrm>
-            <a:off x="200929" y="623335"/>
-            <a:ext cx="5116411" cy="4263675"/>
+            <a:off x="152400" y="546381"/>
+            <a:ext cx="8839200" cy="4251164"/>
           </a:xfrm>
           <a:prstGeom prst="rect">
             <a:avLst/>
           </a:prstGeom>
-          <a:noFill/>
         </p:spPr>
-      </p:pic>
+        <p:txBody>
+          <a:bodyPr wrap="square" lIns="95250" tIns="47625" rIns="95250" bIns="47625" rtlCol="0" anchor="t">
+            <a:spAutoFit/>
+          </a:bodyPr>
+          <a:lstStyle/>
+          <a:p>
+            <a:pPr marL="285750" indent="-285750" algn="just">
+              <a:buFont typeface="Arial" panose="020B0604020202020204" pitchFamily="34" charset="0"/>
+              <a:buChar char="•"/>
+              <a:defRPr lang="en-US" sz="1400" dirty="0"/>
+            </a:pPr>
+            <a:r>
+              <a:rPr lang="en-US" sz="1500" b="1" dirty="0">
+                <a:latin typeface="Consolas"/>
+              </a:rPr>
+              <a:t>Recovery post-pandemic (2020 – 2022):</a:t>
+            </a:r>
+          </a:p>
+          <a:p>
+            <a:pPr marL="742950" lvl="1" indent="-285750" algn="just">
+              <a:buFontTx/>
+              <a:buChar char="-"/>
+              <a:defRPr lang="en-US" sz="1400" dirty="0"/>
+            </a:pPr>
+            <a:r>
+              <a:rPr lang="en-US" sz="1500" dirty="0">
+                <a:latin typeface="Consolas"/>
+              </a:rPr>
+              <a:t>Shipping weight and trade values sharply increased after a noticeable dip in 2020, due to the pandemic.</a:t>
+            </a:r>
+          </a:p>
+          <a:p>
+            <a:pPr marL="285750" indent="-285750" algn="just">
+              <a:buFont typeface="Arial" panose="020B0604020202020204" pitchFamily="34" charset="0"/>
+              <a:buChar char="•"/>
+              <a:defRPr lang="en-US" sz="1400" dirty="0"/>
+            </a:pPr>
+            <a:r>
+              <a:rPr lang="en-US" sz="1500" b="1" dirty="0">
+                <a:latin typeface="Consolas"/>
+              </a:rPr>
+              <a:t>Dominant Transportation modes by category:</a:t>
+            </a:r>
+          </a:p>
+          <a:p>
+            <a:pPr marL="742950" lvl="1" indent="-285750" algn="just">
+              <a:buFontTx/>
+              <a:buChar char="-"/>
+              <a:defRPr lang="en-US" sz="1400" dirty="0"/>
+            </a:pPr>
+            <a:r>
+              <a:rPr lang="en-US" sz="1500" dirty="0">
+                <a:latin typeface="Consolas"/>
+              </a:rPr>
+              <a:t>Vessel and pipeline led in shipping weight, while truck and rail dominated in the trade value  </a:t>
+            </a:r>
+          </a:p>
+          <a:p>
+            <a:pPr marL="285750" indent="-285750" algn="just">
+              <a:buFont typeface="Arial" panose="020B0604020202020204" pitchFamily="34" charset="0"/>
+              <a:buChar char="•"/>
+              <a:defRPr lang="en-US" sz="1400" dirty="0"/>
+            </a:pPr>
+            <a:r>
+              <a:rPr lang="en-US" sz="1500" b="1" dirty="0">
+                <a:latin typeface="Consolas"/>
+              </a:rPr>
+              <a:t>Seasonality and Patterns:</a:t>
+            </a:r>
+          </a:p>
+          <a:p>
+            <a:pPr marL="742950" lvl="1" indent="-285750" algn="just">
+              <a:buFontTx/>
+              <a:buChar char="-"/>
+              <a:defRPr lang="en-US" sz="1400" dirty="0"/>
+            </a:pPr>
+            <a:r>
+              <a:rPr lang="en-US" sz="1500" dirty="0">
+                <a:latin typeface="Consolas"/>
+              </a:rPr>
+              <a:t>A clear seasonal trend was observed with a high trad activity in the early months (especially January), tapering off towards December.</a:t>
+            </a:r>
+          </a:p>
+          <a:p>
+            <a:pPr marL="285750" indent="-285750" algn="just">
+              <a:buFont typeface="Arial" panose="020B0604020202020204" pitchFamily="34" charset="0"/>
+              <a:buChar char="•"/>
+              <a:defRPr lang="en-US" sz="1400" dirty="0"/>
+            </a:pPr>
+            <a:r>
+              <a:rPr lang="en-US" sz="1500" b="1" dirty="0">
+                <a:latin typeface="Consolas"/>
+              </a:rPr>
+              <a:t>Geographic contributions:</a:t>
+            </a:r>
+          </a:p>
+          <a:p>
+            <a:pPr marL="742950" lvl="1" indent="-285750" algn="just">
+              <a:buFontTx/>
+              <a:buChar char="-"/>
+              <a:defRPr lang="en-US" sz="1400" dirty="0"/>
+            </a:pPr>
+            <a:r>
+              <a:rPr lang="en-US" sz="1500" dirty="0">
+                <a:latin typeface="Consolas"/>
+              </a:rPr>
+              <a:t>Texas was the top contributing state, especially in 2021 and 2022, before experiencing slight decline.</a:t>
+            </a:r>
+          </a:p>
+          <a:p>
+            <a:pPr marL="742950" lvl="1" indent="-285750" algn="just">
+              <a:buFontTx/>
+              <a:buChar char="-"/>
+              <a:defRPr lang="en-US" sz="1400" dirty="0"/>
+            </a:pPr>
+            <a:r>
+              <a:rPr lang="en-US" sz="1500" dirty="0">
+                <a:latin typeface="Consolas"/>
+              </a:rPr>
+              <a:t>Canada and Mexico were consistently top international trade partners, reaffirming strong NAFTA/USMCA trade ties.</a:t>
+            </a:r>
+          </a:p>
+          <a:p>
+            <a:pPr marL="285750" indent="-285750" algn="just">
+              <a:buFont typeface="Arial" panose="020B0604020202020204" pitchFamily="34" charset="0"/>
+              <a:buChar char="•"/>
+              <a:defRPr lang="en-US" sz="1400" dirty="0"/>
+            </a:pPr>
+            <a:r>
+              <a:rPr lang="en-US" sz="1500" b="1" dirty="0">
+                <a:latin typeface="Consolas"/>
+              </a:rPr>
+              <a:t>Trade Type and Container Use:</a:t>
+            </a:r>
+          </a:p>
+          <a:p>
+            <a:pPr marL="742950" lvl="1" indent="-285750" algn="just">
+              <a:buFontTx/>
+              <a:buChar char="-"/>
+              <a:defRPr lang="en-US" sz="1400" dirty="0"/>
+            </a:pPr>
+            <a:r>
+              <a:rPr lang="en-US" sz="1500" dirty="0">
+                <a:latin typeface="Consolas"/>
+              </a:rPr>
+              <a:t>Domestic trade types dominated, but foreign produced imports surged notably in 2022.</a:t>
+            </a:r>
+          </a:p>
+          <a:p>
+            <a:pPr marL="742950" lvl="1" indent="-285750" algn="just">
+              <a:buFontTx/>
+              <a:buChar char="-"/>
+              <a:defRPr lang="en-US" sz="1400" dirty="0"/>
+            </a:pPr>
+            <a:r>
+              <a:rPr lang="en-US" sz="1500" dirty="0">
+                <a:latin typeface="Consolas"/>
+              </a:rPr>
+              <a:t>Container usage varied across modes.</a:t>
+            </a:r>
+          </a:p>
+        </p:txBody>
+      </p:sp>
     </p:spTree>
     <p:extLst>
-      <p:ext uri="{B03C41CC-910A-484C-A055-6EBA1544D74C}">
-        <p14:creationId xmlns:p14="http://schemas.microsoft.com/office/powerpoint/2010/main" xmlns:vt="http://schemas.openxmlformats.org/officeDocument/2006/docPropsVTypes" xmlns:ns1="http://schemas.openxmlformats.org/officeDocument/2006/extended-properties" xmlns:cs="http://schemas.microsoft.com/office/drawing/2012/chartStyle" xmlns:c="http://schemas.openxmlformats.org/drawingml/2006/chart" xmlns="" val="1753295003086"/>
+      <p:ext uri="{BB962C8B-B14F-4D97-AF65-F5344CB8AC3E}">
+        <p14:creationId xmlns:p14="http://schemas.microsoft.com/office/powerpoint/2010/main" val="1199639890"/>
+      </p:ext>
+    </p:extLst>
+  </p:cSld>
+  <p:clrMapOvr>
+    <a:masterClrMapping/>
+  </p:clrMapOvr>
+</p:sld>
+</file>
+
+<file path=ppt/slides/slide12.xml><?xml version="1.0" encoding="utf-8"?>
+<p:sld xmlns:a="http://schemas.openxmlformats.org/drawingml/2006/main" xmlns:r="http://schemas.openxmlformats.org/officeDocument/2006/relationships" xmlns:p="http://schemas.openxmlformats.org/presentationml/2006/main">
+  <p:cSld>
+    <p:spTree>
+      <p:nvGrpSpPr>
+        <p:cNvPr id="1" name=""/>
+        <p:cNvGrpSpPr/>
+        <p:nvPr/>
+      </p:nvGrpSpPr>
+      <p:grpSpPr>
+        <a:xfrm>
+          <a:off x="0" y="0"/>
+          <a:ext cx="0" cy="0"/>
+          <a:chOff x="0" y="0"/>
+          <a:chExt cx="0" cy="0"/>
+        </a:xfrm>
+      </p:grpSpPr>
+      <p:sp>
+        <p:nvSpPr>
+          <p:cNvPr id="4" name="Rectangle 3">
+            <a:extLst>
+              <a:ext uri="{FF2B5EF4-FFF2-40B4-BE49-F238E27FC236}">
+                <a16:creationId xmlns:a16="http://schemas.microsoft.com/office/drawing/2014/main" id="{56D671F7-3FE5-CB35-8C6A-97C42F3695B1}"/>
+              </a:ext>
+              <a:ext uri="{338663C8-E5D6-4A5C-9019-D820AEB34006}">
+                <a16:creationId xmlns:a16="http://schemas.microsoft.com/office/drawing/2010/main" xmlns:vt="http://schemas.openxmlformats.org/officeDocument/2006/docPropsVTypes" xmlns:ns1="http://schemas.openxmlformats.org/officeDocument/2006/extended-properties" xmlns:cs="http://schemas.microsoft.com/office/drawing/2012/chartStyle" xmlns:c="http://schemas.openxmlformats.org/drawingml/2006/chart" xmlns="" id="{B8F7F23C-2771-4EF2-AD20-19460107E466}"/>
+              </a:ext>
+            </a:extLst>
+          </p:cNvPr>
+          <p:cNvSpPr txBox="1">
+            <a:spLocks noGrp="1"/>
+          </p:cNvSpPr>
+          <p:nvPr/>
+        </p:nvSpPr>
+        <p:spPr>
+          <a:xfrm>
+            <a:off x="99460" y="76885"/>
+            <a:ext cx="8945080" cy="469496"/>
+          </a:xfrm>
+          <a:prstGeom prst="rect">
+            <a:avLst/>
+          </a:prstGeom>
+          <a:ln w="0">
+            <a:noFill/>
+            <a:round/>
+          </a:ln>
+          <a:effectLst/>
+        </p:spPr>
+        <p:txBody>
+          <a:bodyPr lIns="0" tIns="0" rIns="0" bIns="0" numCol="1" spcCol="0" rtlCol="0" anchor="b">
+            <a:noAutofit/>
+          </a:bodyPr>
+          <a:lstStyle>
+            <a:lvl1pPr marL="0" lvl="0" algn="l" rtl="0">
+              <a:lnSpc>
+                <a:spcPct val="100000"/>
+              </a:lnSpc>
+              <a:spcBef>
+                <a:spcPct val="0"/>
+              </a:spcBef>
+              <a:spcAft>
+                <a:spcPts val="0"/>
+              </a:spcAft>
+              <a:buNone/>
+              <a:defRPr lang="en-US" sz="3200" b="1" i="0" dirty="0">
+                <a:solidFill>
+                  <a:schemeClr val="tx1"/>
+                </a:solidFill>
+                <a:latin typeface="Open Sans"/>
+              </a:defRPr>
+            </a:lvl1pPr>
+            <a:lvl2pPr marL="457200" lvl="1" algn="l" rtl="0">
+              <a:lnSpc>
+                <a:spcPct val="100000"/>
+              </a:lnSpc>
+              <a:spcBef>
+                <a:spcPts val="0"/>
+              </a:spcBef>
+              <a:spcAft>
+                <a:spcPts val="0"/>
+              </a:spcAft>
+              <a:defRPr lang="en-US" sz="1800" dirty="0">
+                <a:solidFill>
+                  <a:schemeClr val="tx1"/>
+                </a:solidFill>
+                <a:latin typeface="Open Sans"/>
+              </a:defRPr>
+            </a:lvl2pPr>
+            <a:lvl3pPr marL="914400" lvl="2" algn="l" rtl="0">
+              <a:lnSpc>
+                <a:spcPct val="100000"/>
+              </a:lnSpc>
+              <a:spcBef>
+                <a:spcPts val="0"/>
+              </a:spcBef>
+              <a:spcAft>
+                <a:spcPts val="0"/>
+              </a:spcAft>
+              <a:defRPr lang="en-US" sz="1800" dirty="0">
+                <a:solidFill>
+                  <a:schemeClr val="tx1"/>
+                </a:solidFill>
+                <a:latin typeface="Open Sans"/>
+              </a:defRPr>
+            </a:lvl3pPr>
+            <a:lvl4pPr marL="1371600" lvl="3" algn="l" rtl="0">
+              <a:lnSpc>
+                <a:spcPct val="100000"/>
+              </a:lnSpc>
+              <a:spcBef>
+                <a:spcPts val="0"/>
+              </a:spcBef>
+              <a:spcAft>
+                <a:spcPts val="0"/>
+              </a:spcAft>
+              <a:defRPr lang="en-US" sz="1800" dirty="0">
+                <a:solidFill>
+                  <a:schemeClr val="tx1"/>
+                </a:solidFill>
+                <a:latin typeface="Open Sans"/>
+              </a:defRPr>
+            </a:lvl4pPr>
+            <a:lvl5pPr marL="1828800" lvl="4" algn="l" rtl="0">
+              <a:lnSpc>
+                <a:spcPct val="100000"/>
+              </a:lnSpc>
+              <a:spcBef>
+                <a:spcPts val="0"/>
+              </a:spcBef>
+              <a:spcAft>
+                <a:spcPts val="0"/>
+              </a:spcAft>
+              <a:defRPr lang="en-US" sz="1800" dirty="0">
+                <a:solidFill>
+                  <a:schemeClr val="tx1"/>
+                </a:solidFill>
+                <a:latin typeface="Open Sans"/>
+              </a:defRPr>
+            </a:lvl5pPr>
+            <a:lvl6pPr marL="2286000" lvl="5" algn="l" rtl="0">
+              <a:lnSpc>
+                <a:spcPct val="100000"/>
+              </a:lnSpc>
+              <a:spcBef>
+                <a:spcPts val="0"/>
+              </a:spcBef>
+              <a:spcAft>
+                <a:spcPts val="0"/>
+              </a:spcAft>
+              <a:defRPr lang="en-US" sz="1800" dirty="0">
+                <a:solidFill>
+                  <a:schemeClr val="tx1"/>
+                </a:solidFill>
+                <a:latin typeface="Open Sans"/>
+              </a:defRPr>
+            </a:lvl6pPr>
+            <a:lvl7pPr marL="2743200" lvl="6" algn="l" rtl="0">
+              <a:lnSpc>
+                <a:spcPct val="100000"/>
+              </a:lnSpc>
+              <a:spcBef>
+                <a:spcPts val="0"/>
+              </a:spcBef>
+              <a:spcAft>
+                <a:spcPts val="0"/>
+              </a:spcAft>
+              <a:defRPr lang="en-US" sz="1800" dirty="0">
+                <a:solidFill>
+                  <a:schemeClr val="tx1"/>
+                </a:solidFill>
+                <a:latin typeface="Open Sans"/>
+              </a:defRPr>
+            </a:lvl7pPr>
+            <a:lvl8pPr marL="3200400" lvl="7" algn="l" rtl="0">
+              <a:lnSpc>
+                <a:spcPct val="100000"/>
+              </a:lnSpc>
+              <a:spcBef>
+                <a:spcPts val="0"/>
+              </a:spcBef>
+              <a:spcAft>
+                <a:spcPts val="0"/>
+              </a:spcAft>
+              <a:defRPr lang="en-US" sz="1800" dirty="0">
+                <a:solidFill>
+                  <a:schemeClr val="tx1"/>
+                </a:solidFill>
+                <a:latin typeface="Open Sans"/>
+              </a:defRPr>
+            </a:lvl8pPr>
+            <a:lvl9pPr marL="3657600" lvl="8" algn="l" rtl="0">
+              <a:lnSpc>
+                <a:spcPct val="100000"/>
+              </a:lnSpc>
+              <a:spcBef>
+                <a:spcPts val="0"/>
+              </a:spcBef>
+              <a:spcAft>
+                <a:spcPts val="0"/>
+              </a:spcAft>
+              <a:defRPr lang="en-US" sz="1800" dirty="0">
+                <a:solidFill>
+                  <a:schemeClr val="tx1"/>
+                </a:solidFill>
+                <a:latin typeface="Open Sans"/>
+              </a:defRPr>
+            </a:lvl9pPr>
+          </a:lstStyle>
+          <a:p>
+            <a:pPr marL="0" lvl="0" algn="l" rtl="0">
+              <a:lnSpc>
+                <a:spcPct val="100000"/>
+              </a:lnSpc>
+              <a:spcBef>
+                <a:spcPct val="0"/>
+              </a:spcBef>
+              <a:spcAft>
+                <a:spcPts val="0"/>
+              </a:spcAft>
+              <a:buNone/>
+            </a:pPr>
+            <a:r>
+              <a:rPr lang="en-US" sz="2800" dirty="0"/>
+              <a:t>Overview of Methods Used</a:t>
+            </a:r>
+            <a:endParaRPr lang="en-US" sz="2800" b="1" i="0" dirty="0">
+              <a:solidFill>
+                <a:schemeClr val="tx1"/>
+              </a:solidFill>
+              <a:latin typeface="Open Sans"/>
+            </a:endParaRPr>
+          </a:p>
+        </p:txBody>
+      </p:sp>
+      <p:sp>
+        <p:nvSpPr>
+          <p:cNvPr id="5" name="Text Box 3">
+            <a:extLst>
+              <a:ext uri="{FF2B5EF4-FFF2-40B4-BE49-F238E27FC236}">
+                <a16:creationId xmlns:a16="http://schemas.microsoft.com/office/drawing/2014/main" id="{6435D7A2-4D73-1AEC-0C2D-5B706CDA3A21}"/>
+              </a:ext>
+              <a:ext uri="{6DD17E21-D6F3-416B-A329-759BE0B46501}">
+                <a16:creationId xmlns:a16="http://schemas.microsoft.com/office/drawing/2010/main" xmlns:vt="http://schemas.openxmlformats.org/officeDocument/2006/docPropsVTypes" xmlns:ns1="http://schemas.openxmlformats.org/officeDocument/2006/extended-properties" xmlns:cs="http://schemas.microsoft.com/office/drawing/2012/chartStyle" xmlns:c="http://schemas.openxmlformats.org/drawingml/2006/chart" xmlns="" id="{AADC796D-45D3-4BA8-B860-509F078E16AC}"/>
+              </a:ext>
+            </a:extLst>
+          </p:cNvPr>
+          <p:cNvSpPr txBox="1"/>
+          <p:nvPr/>
+        </p:nvSpPr>
+        <p:spPr>
+          <a:xfrm>
+            <a:off x="99460" y="550344"/>
+            <a:ext cx="9044539" cy="1465786"/>
+          </a:xfrm>
+          <a:prstGeom prst="rect">
+            <a:avLst/>
+          </a:prstGeom>
+        </p:spPr>
+        <p:txBody>
+          <a:bodyPr wrap="square" lIns="95250" tIns="47625" rIns="95250" bIns="47625" rtlCol="0" anchor="t">
+            <a:spAutoFit/>
+          </a:bodyPr>
+          <a:lstStyle/>
+          <a:p>
+            <a:pPr algn="l" rtl="0">
+              <a:lnSpc>
+                <a:spcPct val="100000"/>
+              </a:lnSpc>
+              <a:spcBef>
+                <a:spcPts val="0"/>
+              </a:spcBef>
+              <a:spcAft>
+                <a:spcPts val="0"/>
+              </a:spcAft>
+              <a:defRPr lang="en-US" sz="1400" dirty="0"/>
+            </a:pPr>
+            <a:r>
+              <a:rPr lang="en-US" b="1" dirty="0">
+                <a:latin typeface="Consolas"/>
+              </a:rPr>
+              <a:t>1. Data Loading And Preprocessing. </a:t>
+            </a:r>
+            <a:endParaRPr lang="en-US" sz="1800" dirty="0">
+              <a:solidFill>
+                <a:schemeClr val="tx1"/>
+              </a:solidFill>
+              <a:latin typeface="Consolas"/>
+            </a:endParaRPr>
+          </a:p>
+          <a:p>
+            <a:pPr marL="285750" indent="-285750" algn="l" rtl="0">
+              <a:lnSpc>
+                <a:spcPct val="100000"/>
+              </a:lnSpc>
+              <a:spcBef>
+                <a:spcPts val="0"/>
+              </a:spcBef>
+              <a:spcAft>
+                <a:spcPts val="0"/>
+              </a:spcAft>
+              <a:buFont typeface="Arial" panose="020B0604020202020204" pitchFamily="34" charset="0"/>
+              <a:buChar char="•"/>
+              <a:defRPr lang="en-US" sz="1400" dirty="0"/>
+            </a:pPr>
+            <a:r>
+              <a:rPr lang="en-US" sz="1500" dirty="0">
+                <a:solidFill>
+                  <a:schemeClr val="tx1"/>
+                </a:solidFill>
+                <a:latin typeface="Consolas"/>
+              </a:rPr>
+              <a:t>Tools Used: (Pandas, </a:t>
+            </a:r>
+            <a:r>
+              <a:rPr lang="en-US" sz="1500" dirty="0" err="1">
+                <a:solidFill>
+                  <a:schemeClr val="tx1"/>
+                </a:solidFill>
+                <a:latin typeface="Consolas"/>
+              </a:rPr>
+              <a:t>Dask</a:t>
+            </a:r>
+            <a:r>
+              <a:rPr lang="en-US" sz="1500" dirty="0">
+                <a:solidFill>
+                  <a:schemeClr val="tx1"/>
+                </a:solidFill>
+                <a:latin typeface="Consolas"/>
+              </a:rPr>
+              <a:t>, </a:t>
+            </a:r>
+            <a:r>
+              <a:rPr lang="en-US" sz="1500" dirty="0" err="1">
+                <a:latin typeface="Consolas"/>
+              </a:rPr>
+              <a:t>Numpy</a:t>
+            </a:r>
+            <a:r>
+              <a:rPr lang="en-US" sz="1500" dirty="0">
+                <a:latin typeface="Consolas"/>
+              </a:rPr>
+              <a:t>, </a:t>
+            </a:r>
+            <a:r>
+              <a:rPr lang="en-US" sz="1500" dirty="0" err="1">
+                <a:latin typeface="Consolas"/>
+              </a:rPr>
+              <a:t>Os</a:t>
+            </a:r>
+            <a:r>
+              <a:rPr lang="en-US" sz="1500" dirty="0">
+                <a:latin typeface="Consolas"/>
+              </a:rPr>
+              <a:t>)</a:t>
+            </a:r>
+          </a:p>
+          <a:p>
+            <a:pPr algn="l" rtl="0">
+              <a:lnSpc>
+                <a:spcPct val="100000"/>
+              </a:lnSpc>
+              <a:spcBef>
+                <a:spcPts val="0"/>
+              </a:spcBef>
+              <a:spcAft>
+                <a:spcPts val="0"/>
+              </a:spcAft>
+              <a:defRPr lang="en-US" sz="1400" dirty="0"/>
+            </a:pPr>
+            <a:r>
+              <a:rPr lang="en-US" sz="1500" dirty="0">
+                <a:solidFill>
+                  <a:schemeClr val="tx1"/>
+                </a:solidFill>
+                <a:latin typeface="Consolas"/>
+              </a:rPr>
+              <a:t>Steps:</a:t>
+            </a:r>
+          </a:p>
+          <a:p>
+            <a:pPr marL="742950" lvl="1" indent="-285750">
+              <a:buFontTx/>
+              <a:buChar char="-"/>
+              <a:defRPr lang="en-US" sz="1400" dirty="0"/>
+            </a:pPr>
+            <a:r>
+              <a:rPr lang="en-US" sz="1500" dirty="0">
+                <a:solidFill>
+                  <a:schemeClr val="tx1"/>
+                </a:solidFill>
+                <a:latin typeface="Consolas"/>
+              </a:rPr>
+              <a:t>Loaded and read data with </a:t>
+            </a:r>
+            <a:r>
+              <a:rPr lang="en-US" sz="1500" dirty="0" err="1">
+                <a:solidFill>
+                  <a:schemeClr val="tx1"/>
+                </a:solidFill>
+                <a:latin typeface="Consolas"/>
+              </a:rPr>
+              <a:t>Os</a:t>
+            </a:r>
+            <a:r>
+              <a:rPr lang="en-US" sz="1500" dirty="0">
+                <a:solidFill>
+                  <a:schemeClr val="tx1"/>
+                </a:solidFill>
+                <a:latin typeface="Consolas"/>
+              </a:rPr>
+              <a:t> and Pandas, the data was saved in parquets in another folder and used garbage collection and reclaim memory used </a:t>
+            </a:r>
+          </a:p>
+          <a:p>
+            <a:pPr lvl="1">
+              <a:defRPr lang="en-US" sz="1400" dirty="0"/>
+            </a:pPr>
+            <a:r>
+              <a:rPr lang="en-US" sz="1500" dirty="0">
+                <a:solidFill>
+                  <a:schemeClr val="tx1"/>
+                </a:solidFill>
+                <a:latin typeface="Consolas"/>
+              </a:rPr>
+              <a:t>- Cleaned missing values and standardized categorical entries. </a:t>
+            </a:r>
+          </a:p>
+        </p:txBody>
+      </p:sp>
+      <p:sp>
+        <p:nvSpPr>
+          <p:cNvPr id="6" name="Text Box 3">
+            <a:extLst>
+              <a:ext uri="{FF2B5EF4-FFF2-40B4-BE49-F238E27FC236}">
+                <a16:creationId xmlns:a16="http://schemas.microsoft.com/office/drawing/2014/main" id="{B6FCF419-199C-979B-6AD6-BF966CCE41D5}"/>
+              </a:ext>
+              <a:ext uri="{6DD17E21-D6F3-416B-A329-759BE0B46501}">
+                <a16:creationId xmlns:a16="http://schemas.microsoft.com/office/drawing/2010/main" xmlns:vt="http://schemas.openxmlformats.org/officeDocument/2006/docPropsVTypes" xmlns:ns1="http://schemas.openxmlformats.org/officeDocument/2006/extended-properties" xmlns:cs="http://schemas.microsoft.com/office/drawing/2012/chartStyle" xmlns:c="http://schemas.openxmlformats.org/drawingml/2006/chart" xmlns="" id="{AADC796D-45D3-4BA8-B860-509F078E16AC}"/>
+              </a:ext>
+            </a:extLst>
+          </p:cNvPr>
+          <p:cNvSpPr txBox="1"/>
+          <p:nvPr/>
+        </p:nvSpPr>
+        <p:spPr>
+          <a:xfrm>
+            <a:off x="124455" y="2577084"/>
+            <a:ext cx="9044539" cy="1481175"/>
+          </a:xfrm>
+          <a:prstGeom prst="rect">
+            <a:avLst/>
+          </a:prstGeom>
+        </p:spPr>
+        <p:txBody>
+          <a:bodyPr wrap="square" lIns="95250" tIns="47625" rIns="95250" bIns="47625" rtlCol="0" anchor="t">
+            <a:spAutoFit/>
+          </a:bodyPr>
+          <a:lstStyle/>
+          <a:p>
+            <a:pPr algn="l" rtl="0">
+              <a:lnSpc>
+                <a:spcPct val="100000"/>
+              </a:lnSpc>
+              <a:spcBef>
+                <a:spcPts val="0"/>
+              </a:spcBef>
+              <a:spcAft>
+                <a:spcPts val="0"/>
+              </a:spcAft>
+              <a:defRPr lang="en-US" sz="1400" dirty="0"/>
+            </a:pPr>
+            <a:r>
+              <a:rPr lang="en-US" sz="1500" b="1" dirty="0">
+                <a:latin typeface="Consolas"/>
+              </a:rPr>
+              <a:t>2. Data Transformation. </a:t>
+            </a:r>
+            <a:endParaRPr lang="en-US" sz="1500" dirty="0">
+              <a:solidFill>
+                <a:schemeClr val="tx1"/>
+              </a:solidFill>
+              <a:latin typeface="Consolas"/>
+            </a:endParaRPr>
+          </a:p>
+          <a:p>
+            <a:pPr marL="285750" indent="-285750" algn="l" rtl="0">
+              <a:lnSpc>
+                <a:spcPct val="100000"/>
+              </a:lnSpc>
+              <a:spcBef>
+                <a:spcPts val="0"/>
+              </a:spcBef>
+              <a:spcAft>
+                <a:spcPts val="0"/>
+              </a:spcAft>
+              <a:buFont typeface="Arial" panose="020B0604020202020204" pitchFamily="34" charset="0"/>
+              <a:buChar char="•"/>
+              <a:defRPr lang="en-US" sz="1400" dirty="0"/>
+            </a:pPr>
+            <a:r>
+              <a:rPr lang="en-US" sz="1500" dirty="0">
+                <a:latin typeface="Consolas"/>
+              </a:rPr>
+              <a:t>Grouped and aggregated data by:</a:t>
+            </a:r>
+          </a:p>
+          <a:p>
+            <a:pPr marL="742950" lvl="1" indent="-285750">
+              <a:buFontTx/>
+              <a:buChar char="-"/>
+              <a:defRPr lang="en-US" sz="1400" dirty="0"/>
+            </a:pPr>
+            <a:r>
+              <a:rPr lang="en-US" sz="1500" dirty="0">
+                <a:solidFill>
+                  <a:schemeClr val="tx1"/>
+                </a:solidFill>
+                <a:latin typeface="Consolas"/>
+              </a:rPr>
+              <a:t>Year, mode of transportation, container type, and trade type</a:t>
+            </a:r>
+          </a:p>
+          <a:p>
+            <a:pPr marL="285750" indent="-285750">
+              <a:buFont typeface="Arial" panose="020B0604020202020204" pitchFamily="34" charset="0"/>
+              <a:buChar char="•"/>
+              <a:defRPr lang="en-US" sz="1400" dirty="0"/>
+            </a:pPr>
+            <a:r>
+              <a:rPr lang="en-US" sz="1500" dirty="0">
+                <a:latin typeface="Consolas"/>
+              </a:rPr>
+              <a:t>Computed metrics:</a:t>
+            </a:r>
+          </a:p>
+          <a:p>
+            <a:pPr marL="742950" lvl="1" indent="-285750">
+              <a:buFontTx/>
+              <a:buChar char="-"/>
+              <a:defRPr lang="en-US" sz="1400" dirty="0"/>
+            </a:pPr>
+            <a:r>
+              <a:rPr lang="en-US" sz="1500" dirty="0">
+                <a:latin typeface="Consolas"/>
+              </a:rPr>
+              <a:t>Shipment counts, total shipping weight, trade type distribution (domestic and foreign).</a:t>
+            </a:r>
+          </a:p>
+        </p:txBody>
+      </p:sp>
+    </p:spTree>
+    <p:extLst>
+      <p:ext uri="{BB962C8B-B14F-4D97-AF65-F5344CB8AC3E}">
+        <p14:creationId xmlns:p14="http://schemas.microsoft.com/office/powerpoint/2010/main" val="585322867"/>
+      </p:ext>
+    </p:extLst>
+  </p:cSld>
+  <p:clrMapOvr>
+    <a:masterClrMapping/>
+  </p:clrMapOvr>
+</p:sld>
+</file>
+
+<file path=ppt/slides/slide13.xml><?xml version="1.0" encoding="utf-8"?>
+<p:sld xmlns:a="http://schemas.openxmlformats.org/drawingml/2006/main" xmlns:r="http://schemas.openxmlformats.org/officeDocument/2006/relationships" xmlns:p="http://schemas.openxmlformats.org/presentationml/2006/main">
+  <p:cSld>
+    <p:spTree>
+      <p:nvGrpSpPr>
+        <p:cNvPr id="1" name=""/>
+        <p:cNvGrpSpPr/>
+        <p:nvPr/>
+      </p:nvGrpSpPr>
+      <p:grpSpPr>
+        <a:xfrm>
+          <a:off x="0" y="0"/>
+          <a:ext cx="0" cy="0"/>
+          <a:chOff x="0" y="0"/>
+          <a:chExt cx="0" cy="0"/>
+        </a:xfrm>
+      </p:grpSpPr>
+      <p:sp>
+        <p:nvSpPr>
+          <p:cNvPr id="4" name="Rectangle 3">
+            <a:extLst>
+              <a:ext uri="{FF2B5EF4-FFF2-40B4-BE49-F238E27FC236}">
+                <a16:creationId xmlns:a16="http://schemas.microsoft.com/office/drawing/2014/main" id="{8B1EBE46-568D-59AE-4762-32E3CDF0FB69}"/>
+              </a:ext>
+              <a:ext uri="{338663C8-E5D6-4A5C-9019-D820AEB34006}">
+                <a16:creationId xmlns:a16="http://schemas.microsoft.com/office/drawing/2010/main" xmlns:vt="http://schemas.openxmlformats.org/officeDocument/2006/docPropsVTypes" xmlns:ns1="http://schemas.openxmlformats.org/officeDocument/2006/extended-properties" xmlns:cs="http://schemas.microsoft.com/office/drawing/2012/chartStyle" xmlns:c="http://schemas.openxmlformats.org/drawingml/2006/chart" xmlns="" id="{B8F7F23C-2771-4EF2-AD20-19460107E466}"/>
+              </a:ext>
+            </a:extLst>
+          </p:cNvPr>
+          <p:cNvSpPr txBox="1">
+            <a:spLocks noGrp="1"/>
+          </p:cNvSpPr>
+          <p:nvPr/>
+        </p:nvSpPr>
+        <p:spPr>
+          <a:xfrm>
+            <a:off x="99460" y="76885"/>
+            <a:ext cx="8945080" cy="469496"/>
+          </a:xfrm>
+          <a:prstGeom prst="rect">
+            <a:avLst/>
+          </a:prstGeom>
+          <a:ln w="0">
+            <a:noFill/>
+            <a:round/>
+          </a:ln>
+          <a:effectLst/>
+        </p:spPr>
+        <p:txBody>
+          <a:bodyPr lIns="0" tIns="0" rIns="0" bIns="0" numCol="1" spcCol="0" rtlCol="0" anchor="b">
+            <a:noAutofit/>
+          </a:bodyPr>
+          <a:lstStyle>
+            <a:lvl1pPr marL="0" lvl="0" algn="l" rtl="0">
+              <a:lnSpc>
+                <a:spcPct val="100000"/>
+              </a:lnSpc>
+              <a:spcBef>
+                <a:spcPct val="0"/>
+              </a:spcBef>
+              <a:spcAft>
+                <a:spcPts val="0"/>
+              </a:spcAft>
+              <a:buNone/>
+              <a:defRPr lang="en-US" sz="3200" b="1" i="0" dirty="0">
+                <a:solidFill>
+                  <a:schemeClr val="tx1"/>
+                </a:solidFill>
+                <a:latin typeface="Open Sans"/>
+              </a:defRPr>
+            </a:lvl1pPr>
+            <a:lvl2pPr marL="457200" lvl="1" algn="l" rtl="0">
+              <a:lnSpc>
+                <a:spcPct val="100000"/>
+              </a:lnSpc>
+              <a:spcBef>
+                <a:spcPts val="0"/>
+              </a:spcBef>
+              <a:spcAft>
+                <a:spcPts val="0"/>
+              </a:spcAft>
+              <a:defRPr lang="en-US" sz="1800" dirty="0">
+                <a:solidFill>
+                  <a:schemeClr val="tx1"/>
+                </a:solidFill>
+                <a:latin typeface="Open Sans"/>
+              </a:defRPr>
+            </a:lvl2pPr>
+            <a:lvl3pPr marL="914400" lvl="2" algn="l" rtl="0">
+              <a:lnSpc>
+                <a:spcPct val="100000"/>
+              </a:lnSpc>
+              <a:spcBef>
+                <a:spcPts val="0"/>
+              </a:spcBef>
+              <a:spcAft>
+                <a:spcPts val="0"/>
+              </a:spcAft>
+              <a:defRPr lang="en-US" sz="1800" dirty="0">
+                <a:solidFill>
+                  <a:schemeClr val="tx1"/>
+                </a:solidFill>
+                <a:latin typeface="Open Sans"/>
+              </a:defRPr>
+            </a:lvl3pPr>
+            <a:lvl4pPr marL="1371600" lvl="3" algn="l" rtl="0">
+              <a:lnSpc>
+                <a:spcPct val="100000"/>
+              </a:lnSpc>
+              <a:spcBef>
+                <a:spcPts val="0"/>
+              </a:spcBef>
+              <a:spcAft>
+                <a:spcPts val="0"/>
+              </a:spcAft>
+              <a:defRPr lang="en-US" sz="1800" dirty="0">
+                <a:solidFill>
+                  <a:schemeClr val="tx1"/>
+                </a:solidFill>
+                <a:latin typeface="Open Sans"/>
+              </a:defRPr>
+            </a:lvl4pPr>
+            <a:lvl5pPr marL="1828800" lvl="4" algn="l" rtl="0">
+              <a:lnSpc>
+                <a:spcPct val="100000"/>
+              </a:lnSpc>
+              <a:spcBef>
+                <a:spcPts val="0"/>
+              </a:spcBef>
+              <a:spcAft>
+                <a:spcPts val="0"/>
+              </a:spcAft>
+              <a:defRPr lang="en-US" sz="1800" dirty="0">
+                <a:solidFill>
+                  <a:schemeClr val="tx1"/>
+                </a:solidFill>
+                <a:latin typeface="Open Sans"/>
+              </a:defRPr>
+            </a:lvl5pPr>
+            <a:lvl6pPr marL="2286000" lvl="5" algn="l" rtl="0">
+              <a:lnSpc>
+                <a:spcPct val="100000"/>
+              </a:lnSpc>
+              <a:spcBef>
+                <a:spcPts val="0"/>
+              </a:spcBef>
+              <a:spcAft>
+                <a:spcPts val="0"/>
+              </a:spcAft>
+              <a:defRPr lang="en-US" sz="1800" dirty="0">
+                <a:solidFill>
+                  <a:schemeClr val="tx1"/>
+                </a:solidFill>
+                <a:latin typeface="Open Sans"/>
+              </a:defRPr>
+            </a:lvl6pPr>
+            <a:lvl7pPr marL="2743200" lvl="6" algn="l" rtl="0">
+              <a:lnSpc>
+                <a:spcPct val="100000"/>
+              </a:lnSpc>
+              <a:spcBef>
+                <a:spcPts val="0"/>
+              </a:spcBef>
+              <a:spcAft>
+                <a:spcPts val="0"/>
+              </a:spcAft>
+              <a:defRPr lang="en-US" sz="1800" dirty="0">
+                <a:solidFill>
+                  <a:schemeClr val="tx1"/>
+                </a:solidFill>
+                <a:latin typeface="Open Sans"/>
+              </a:defRPr>
+            </a:lvl7pPr>
+            <a:lvl8pPr marL="3200400" lvl="7" algn="l" rtl="0">
+              <a:lnSpc>
+                <a:spcPct val="100000"/>
+              </a:lnSpc>
+              <a:spcBef>
+                <a:spcPts val="0"/>
+              </a:spcBef>
+              <a:spcAft>
+                <a:spcPts val="0"/>
+              </a:spcAft>
+              <a:defRPr lang="en-US" sz="1800" dirty="0">
+                <a:solidFill>
+                  <a:schemeClr val="tx1"/>
+                </a:solidFill>
+                <a:latin typeface="Open Sans"/>
+              </a:defRPr>
+            </a:lvl8pPr>
+            <a:lvl9pPr marL="3657600" lvl="8" algn="l" rtl="0">
+              <a:lnSpc>
+                <a:spcPct val="100000"/>
+              </a:lnSpc>
+              <a:spcBef>
+                <a:spcPts val="0"/>
+              </a:spcBef>
+              <a:spcAft>
+                <a:spcPts val="0"/>
+              </a:spcAft>
+              <a:defRPr lang="en-US" sz="1800" dirty="0">
+                <a:solidFill>
+                  <a:schemeClr val="tx1"/>
+                </a:solidFill>
+                <a:latin typeface="Open Sans"/>
+              </a:defRPr>
+            </a:lvl9pPr>
+          </a:lstStyle>
+          <a:p>
+            <a:pPr marL="0" lvl="0" algn="l" rtl="0">
+              <a:lnSpc>
+                <a:spcPct val="100000"/>
+              </a:lnSpc>
+              <a:spcBef>
+                <a:spcPct val="0"/>
+              </a:spcBef>
+              <a:spcAft>
+                <a:spcPts val="0"/>
+              </a:spcAft>
+              <a:buNone/>
+            </a:pPr>
+            <a:r>
+              <a:rPr lang="en-US" sz="2800" dirty="0"/>
+              <a:t>Overview of Methods Used Cont.</a:t>
+            </a:r>
+            <a:endParaRPr lang="en-US" sz="2800" b="1" i="0" dirty="0">
+              <a:solidFill>
+                <a:schemeClr val="tx1"/>
+              </a:solidFill>
+              <a:latin typeface="Open Sans"/>
+            </a:endParaRPr>
+          </a:p>
+        </p:txBody>
+      </p:sp>
+      <p:sp>
+        <p:nvSpPr>
+          <p:cNvPr id="5" name="Text Box 3">
+            <a:extLst>
+              <a:ext uri="{FF2B5EF4-FFF2-40B4-BE49-F238E27FC236}">
+                <a16:creationId xmlns:a16="http://schemas.microsoft.com/office/drawing/2014/main" id="{51D19D9E-338D-E065-9D48-7D80F5078E54}"/>
+              </a:ext>
+              <a:ext uri="{6DD17E21-D6F3-416B-A329-759BE0B46501}">
+                <a16:creationId xmlns:a16="http://schemas.microsoft.com/office/drawing/2010/main" xmlns:vt="http://schemas.openxmlformats.org/officeDocument/2006/docPropsVTypes" xmlns:ns1="http://schemas.openxmlformats.org/officeDocument/2006/extended-properties" xmlns:cs="http://schemas.microsoft.com/office/drawing/2012/chartStyle" xmlns:c="http://schemas.openxmlformats.org/drawingml/2006/chart" xmlns="" id="{AADC796D-45D3-4BA8-B860-509F078E16AC}"/>
+              </a:ext>
+            </a:extLst>
+          </p:cNvPr>
+          <p:cNvSpPr txBox="1"/>
+          <p:nvPr/>
+        </p:nvSpPr>
+        <p:spPr>
+          <a:xfrm>
+            <a:off x="99460" y="546380"/>
+            <a:ext cx="8994809" cy="1942840"/>
+          </a:xfrm>
+          <a:prstGeom prst="rect">
+            <a:avLst/>
+          </a:prstGeom>
+        </p:spPr>
+        <p:txBody>
+          <a:bodyPr wrap="square" lIns="95250" tIns="47625" rIns="95250" bIns="47625" rtlCol="0" anchor="t">
+            <a:spAutoFit/>
+          </a:bodyPr>
+          <a:lstStyle/>
+          <a:p>
+            <a:pPr algn="l" rtl="0">
+              <a:lnSpc>
+                <a:spcPct val="100000"/>
+              </a:lnSpc>
+              <a:spcBef>
+                <a:spcPts val="0"/>
+              </a:spcBef>
+              <a:spcAft>
+                <a:spcPts val="0"/>
+              </a:spcAft>
+              <a:defRPr lang="en-US" sz="1400" dirty="0"/>
+            </a:pPr>
+            <a:r>
+              <a:rPr lang="en-US" sz="1500" b="1" dirty="0">
+                <a:latin typeface="Consolas"/>
+              </a:rPr>
+              <a:t>3. Exploratory Data Analysis and Visualization. </a:t>
+            </a:r>
+            <a:endParaRPr lang="en-US" sz="1500" dirty="0">
+              <a:solidFill>
+                <a:schemeClr val="tx1"/>
+              </a:solidFill>
+              <a:latin typeface="Consolas"/>
+            </a:endParaRPr>
+          </a:p>
+          <a:p>
+            <a:pPr marL="285750" indent="-285750">
+              <a:buFont typeface="Arial" panose="020B0604020202020204" pitchFamily="34" charset="0"/>
+              <a:buChar char="•"/>
+              <a:defRPr lang="en-US" sz="1400" dirty="0"/>
+            </a:pPr>
+            <a:r>
+              <a:rPr lang="en-US" sz="1500" dirty="0">
+                <a:latin typeface="Consolas"/>
+              </a:rPr>
+              <a:t>Tools Used: (</a:t>
+            </a:r>
+            <a:r>
+              <a:rPr lang="en-US" sz="1500" dirty="0" err="1">
+                <a:latin typeface="Consolas"/>
+              </a:rPr>
+              <a:t>Plotly</a:t>
+            </a:r>
+            <a:r>
+              <a:rPr lang="en-US" sz="1500" dirty="0">
+                <a:latin typeface="Consolas"/>
+              </a:rPr>
+              <a:t>, Matplotlib,  and seaborn)</a:t>
+            </a:r>
+          </a:p>
+          <a:p>
+            <a:pPr marL="742950" lvl="1" indent="-285750">
+              <a:buFontTx/>
+              <a:buChar char="-"/>
+              <a:defRPr lang="en-US" sz="1400" dirty="0"/>
+            </a:pPr>
+            <a:r>
+              <a:rPr lang="en-US" sz="1500" dirty="0">
+                <a:solidFill>
+                  <a:schemeClr val="tx1"/>
+                </a:solidFill>
+                <a:latin typeface="Consolas"/>
+              </a:rPr>
+              <a:t>Year, mode of transportation, container type, and trade type</a:t>
+            </a:r>
+          </a:p>
+          <a:p>
+            <a:pPr marL="285750" indent="-285750">
+              <a:buFont typeface="Arial" panose="020B0604020202020204" pitchFamily="34" charset="0"/>
+              <a:buChar char="•"/>
+              <a:defRPr lang="en-US" sz="1400" dirty="0"/>
+            </a:pPr>
+            <a:r>
+              <a:rPr lang="en-US" sz="1500" dirty="0">
+                <a:latin typeface="Consolas"/>
+              </a:rPr>
+              <a:t>Visualization Created:</a:t>
+            </a:r>
+          </a:p>
+          <a:p>
+            <a:pPr marL="742950" lvl="1" indent="-285750">
+              <a:buFontTx/>
+              <a:buChar char="-"/>
+              <a:defRPr lang="en-US" sz="1400" dirty="0"/>
+            </a:pPr>
+            <a:r>
+              <a:rPr lang="en-US" sz="1500" dirty="0">
+                <a:latin typeface="Consolas"/>
+              </a:rPr>
+              <a:t>Bar chats comparing container usage by transportation mode across the years.</a:t>
+            </a:r>
+          </a:p>
+          <a:p>
+            <a:pPr marL="742950" lvl="1" indent="-285750">
+              <a:buFontTx/>
+              <a:buChar char="-"/>
+              <a:defRPr lang="en-US" sz="1400" dirty="0"/>
+            </a:pPr>
+            <a:r>
+              <a:rPr lang="en-US" sz="1500" dirty="0">
+                <a:latin typeface="Consolas"/>
+              </a:rPr>
+              <a:t>Trade type distribution</a:t>
+            </a:r>
+          </a:p>
+          <a:p>
+            <a:pPr marL="742950" lvl="1" indent="-285750">
+              <a:buFontTx/>
+              <a:buChar char="-"/>
+              <a:defRPr lang="en-US" sz="1400" dirty="0"/>
+            </a:pPr>
+            <a:r>
+              <a:rPr lang="en-US" sz="1500" dirty="0">
+                <a:latin typeface="Consolas"/>
+              </a:rPr>
+              <a:t>Shipping weight trends by transport type.</a:t>
+            </a:r>
+          </a:p>
+          <a:p>
+            <a:pPr marL="742950" lvl="1" indent="-285750">
+              <a:buFontTx/>
+              <a:buChar char="-"/>
+              <a:defRPr lang="en-US" sz="1400" dirty="0"/>
+            </a:pPr>
+            <a:r>
+              <a:rPr lang="en-US" sz="1500" dirty="0">
+                <a:latin typeface="Consolas"/>
+              </a:rPr>
+              <a:t>Highlighted top 2 modes per year using grouped rankings.</a:t>
+            </a:r>
+          </a:p>
+        </p:txBody>
+      </p:sp>
+    </p:spTree>
+    <p:extLst>
+      <p:ext uri="{BB962C8B-B14F-4D97-AF65-F5344CB8AC3E}">
+        <p14:creationId xmlns:p14="http://schemas.microsoft.com/office/powerpoint/2010/main" val="1122021410"/>
       </p:ext>
     </p:extLst>
   </p:cSld>
@@ -16133,7 +17541,7 @@
           <p:cNvPr id="2" name="Title 7">
             <a:extLst>
               <a:ext uri="{3E2169F4-E406-4762-8DAB-63DDE9CF3531}">
-                <a16:creationId xmlns:a16="http://schemas.microsoft.com/office/drawing/2010/main" xmlns:vt="http://schemas.openxmlformats.org/officeDocument/2006/docPropsVTypes" xmlns:ns1="http://schemas.openxmlformats.org/officeDocument/2006/extended-properties" xmlns:cs="http://schemas.microsoft.com/office/drawing/2012/chartStyle" xmlns:c="http://schemas.openxmlformats.org/drawingml/2006/chart" xmlns="" id="{E8C02154-E825-4D29-BF3E-5846F261290F}"/>
+                <a16:creationId xmlns="" xmlns:c="http://schemas.openxmlformats.org/drawingml/2006/chart" xmlns:cs="http://schemas.microsoft.com/office/drawing/2012/chartStyle" xmlns:ns1="http://schemas.openxmlformats.org/officeDocument/2006/extended-properties" xmlns:vt="http://schemas.openxmlformats.org/officeDocument/2006/docPropsVTypes" xmlns:a16="http://schemas.microsoft.com/office/drawing/2010/main" id="{E8C02154-E825-4D29-BF3E-5846F261290F}"/>
               </a:ext>
             </a:extLst>
           </p:cNvPr>
@@ -16172,7 +17580,7 @@
           <p:cNvPr id="3" name="Image 5">
             <a:extLst>
               <a:ext uri="{31F3E35E-882B-420D-AEBF-844CEB3D5185}">
-                <a16:creationId xmlns:a16="http://schemas.microsoft.com/office/drawing/2010/main" xmlns:vt="http://schemas.openxmlformats.org/officeDocument/2006/docPropsVTypes" xmlns:ns1="http://schemas.openxmlformats.org/officeDocument/2006/extended-properties" xmlns:cs="http://schemas.microsoft.com/office/drawing/2012/chartStyle" xmlns:c="http://schemas.openxmlformats.org/drawingml/2006/chart" xmlns="" id="{4718B7FE-6029-4173-A666-F4EB0816567C}"/>
+                <a16:creationId xmlns="" xmlns:c="http://schemas.openxmlformats.org/drawingml/2006/chart" xmlns:cs="http://schemas.microsoft.com/office/drawing/2012/chartStyle" xmlns:ns1="http://schemas.openxmlformats.org/officeDocument/2006/extended-properties" xmlns:vt="http://schemas.openxmlformats.org/officeDocument/2006/docPropsVTypes" xmlns:a16="http://schemas.microsoft.com/office/drawing/2010/main" id="{4718B7FE-6029-4173-A666-F4EB0816567C}"/>
               </a:ext>
             </a:extLst>
           </p:cNvPr>
@@ -16186,7 +17594,7 @@
             <a:lum bright="10000" contrast="20000"/>
             <a:extLst>
               <a:ext uri="{344838AA-7BC3-45F6-8FE6-50FC72186B86}">
-                <a14:imgProps xmlns:a14="http://schemas.microsoft.com/office/drawing/2010/main" xmlns:vt="http://schemas.openxmlformats.org/officeDocument/2006/docPropsVTypes" xmlns:ns1="http://schemas.openxmlformats.org/officeDocument/2006/extended-properties" xmlns:cs="http://schemas.microsoft.com/office/drawing/2012/chartStyle" xmlns:c="http://schemas.openxmlformats.org/drawingml/2006/chart" xmlns="">
+                <a14:imgProps xmlns="" xmlns:c="http://schemas.openxmlformats.org/drawingml/2006/chart" xmlns:cs="http://schemas.microsoft.com/office/drawing/2012/chartStyle" xmlns:ns1="http://schemas.openxmlformats.org/officeDocument/2006/extended-properties" xmlns:vt="http://schemas.openxmlformats.org/officeDocument/2006/docPropsVTypes" xmlns:a14="http://schemas.microsoft.com/office/drawing/2010/main">
                   <a14:imgLayer>
                     <a14:imgEffect>
                       <a14:brightnessContrast bright="10000" contrast="20000"/>
@@ -16195,7 +17603,7 @@
                 </a14:imgProps>
               </a:ext>
               <a:ext uri="{FEED39AF-131B-4956-B083-F6276CE26072}">
-                <a14:useLocalDpi xmlns:a14="http://schemas.microsoft.com/office/drawing/2010/main" xmlns:vt="http://schemas.openxmlformats.org/officeDocument/2006/docPropsVTypes" xmlns:ns1="http://schemas.openxmlformats.org/officeDocument/2006/extended-properties" xmlns:cs="http://schemas.microsoft.com/office/drawing/2012/chartStyle" xmlns:c="http://schemas.openxmlformats.org/drawingml/2006/chart" xmlns="" val="0"/>
+                <a14:useLocalDpi xmlns="" xmlns:c="http://schemas.openxmlformats.org/drawingml/2006/chart" xmlns:cs="http://schemas.microsoft.com/office/drawing/2012/chartStyle" xmlns:ns1="http://schemas.openxmlformats.org/officeDocument/2006/extended-properties" xmlns:vt="http://schemas.openxmlformats.org/officeDocument/2006/docPropsVTypes" xmlns:a14="http://schemas.microsoft.com/office/drawing/2010/main" val="0"/>
               </a:ext>
             </a:extLst>
           </a:blip>
@@ -16235,7 +17643,7 @@
           <p:cNvPr id="4" name="Text Box 6">
             <a:extLst>
               <a:ext uri="{033E48D0-6E42-4245-83B4-44AB03E82BEE}">
-                <a16:creationId xmlns:a16="http://schemas.microsoft.com/office/drawing/2010/main" xmlns:vt="http://schemas.openxmlformats.org/officeDocument/2006/docPropsVTypes" xmlns:ns1="http://schemas.openxmlformats.org/officeDocument/2006/extended-properties" xmlns:cs="http://schemas.microsoft.com/office/drawing/2012/chartStyle" xmlns:c="http://schemas.openxmlformats.org/drawingml/2006/chart" xmlns="" id="{21AE80C1-2614-4AD4-AA78-92D375161231}"/>
+                <a16:creationId xmlns="" xmlns:c="http://schemas.openxmlformats.org/drawingml/2006/chart" xmlns:cs="http://schemas.microsoft.com/office/drawing/2012/chartStyle" xmlns:ns1="http://schemas.openxmlformats.org/officeDocument/2006/extended-properties" xmlns:vt="http://schemas.openxmlformats.org/officeDocument/2006/docPropsVTypes" xmlns:a16="http://schemas.microsoft.com/office/drawing/2010/main" id="{21AE80C1-2614-4AD4-AA78-92D375161231}"/>
               </a:ext>
             </a:extLst>
           </p:cNvPr>
@@ -16300,7 +17708,7 @@
     </p:spTree>
     <p:extLst>
       <p:ext uri="{911813B6-56D2-4932-B543-43651566087E}">
-        <p14:creationId xmlns:p14="http://schemas.microsoft.com/office/powerpoint/2010/main" xmlns:vt="http://schemas.openxmlformats.org/officeDocument/2006/docPropsVTypes" xmlns:ns1="http://schemas.openxmlformats.org/officeDocument/2006/extended-properties" xmlns:cs="http://schemas.microsoft.com/office/drawing/2012/chartStyle" xmlns:c="http://schemas.openxmlformats.org/drawingml/2006/chart" xmlns="" val="1753295003074"/>
+        <p14:creationId xmlns="" xmlns:c="http://schemas.openxmlformats.org/drawingml/2006/chart" xmlns:cs="http://schemas.microsoft.com/office/drawing/2012/chartStyle" xmlns:ns1="http://schemas.openxmlformats.org/officeDocument/2006/extended-properties" xmlns:vt="http://schemas.openxmlformats.org/officeDocument/2006/docPropsVTypes" xmlns:p14="http://schemas.microsoft.com/office/powerpoint/2010/main" val="1753295003074"/>
       </p:ext>
     </p:extLst>
   </p:cSld>
@@ -16332,7 +17740,7 @@
           <p:cNvPr id="2" name="Rectangle 3">
             <a:extLst>
               <a:ext uri="{6B6A61BC-4C4A-4DD5-9EBF-69B629A34C74}">
-                <a16:creationId xmlns:a16="http://schemas.microsoft.com/office/drawing/2010/main" xmlns:vt="http://schemas.openxmlformats.org/officeDocument/2006/docPropsVTypes" xmlns:ns1="http://schemas.openxmlformats.org/officeDocument/2006/extended-properties" xmlns:cs="http://schemas.microsoft.com/office/drawing/2012/chartStyle" xmlns:c="http://schemas.openxmlformats.org/drawingml/2006/chart" xmlns="" id="{7FA1285C-1D83-481E-BE08-85F9644D6005}"/>
+                <a16:creationId xmlns="" xmlns:c="http://schemas.openxmlformats.org/drawingml/2006/chart" xmlns:cs="http://schemas.microsoft.com/office/drawing/2012/chartStyle" xmlns:ns1="http://schemas.openxmlformats.org/officeDocument/2006/extended-properties" xmlns:vt="http://schemas.openxmlformats.org/officeDocument/2006/docPropsVTypes" xmlns:a16="http://schemas.microsoft.com/office/drawing/2010/main" id="{7FA1285C-1D83-481E-BE08-85F9644D6005}"/>
               </a:ext>
             </a:extLst>
           </p:cNvPr>
@@ -16516,18 +17924,7 @@
             </a:lvl9pPr>
           </a:lstStyle>
           <a:p>
-            <a:pPr marL="0" lvl="0" algn="l" rtl="0">
-              <a:lnSpc>
-                <a:spcPct val="100000"/>
-              </a:lnSpc>
-              <a:spcBef>
-                <a:spcPct val="0"/>
-              </a:spcBef>
-              <a:spcAft>
-                <a:spcPts val="0"/>
-              </a:spcAft>
-              <a:buNone/>
-            </a:pPr>
+            <a:pPr lvl="0"/>
             <a:r>
               <a:rPr lang="en-US" sz="2800" b="1" i="0" dirty="0">
                 <a:solidFill>
@@ -16544,8 +17941,18 @@
                 </a:solidFill>
                 <a:latin typeface="Calibri"/>
               </a:rPr>
-              <a:t>Dominant Transportation Modes by Value</a:t>
-            </a:r>
+              <a:t>Dominant Transportation Modes by Value </a:t>
+            </a:r>
+            <a:r>
+              <a:rPr lang="en-US" sz="2800" dirty="0"/>
+              <a:t>Cont.</a:t>
+            </a:r>
+            <a:endParaRPr lang="en-US" sz="2800" b="1" i="0" dirty="0">
+              <a:solidFill>
+                <a:schemeClr val="tx1"/>
+              </a:solidFill>
+              <a:latin typeface="Calibri"/>
+            </a:endParaRPr>
           </a:p>
         </p:txBody>
       </p:sp>
@@ -16554,7 +17961,7 @@
           <p:cNvPr id="3" name="Image 4">
             <a:extLst>
               <a:ext uri="{81C033CB-9AE6-47FD-B2B8-93D1D08CD7CE}">
-                <a16:creationId xmlns:a16="http://schemas.microsoft.com/office/drawing/2010/main" xmlns:vt="http://schemas.openxmlformats.org/officeDocument/2006/docPropsVTypes" xmlns:ns1="http://schemas.openxmlformats.org/officeDocument/2006/extended-properties" xmlns:cs="http://schemas.microsoft.com/office/drawing/2012/chartStyle" xmlns:c="http://schemas.openxmlformats.org/drawingml/2006/chart" xmlns="" id="{A3CEC967-4F53-440C-AEA8-20E79DC833D5}"/>
+                <a16:creationId xmlns="" xmlns:c="http://schemas.openxmlformats.org/drawingml/2006/chart" xmlns:cs="http://schemas.microsoft.com/office/drawing/2012/chartStyle" xmlns:ns1="http://schemas.openxmlformats.org/officeDocument/2006/extended-properties" xmlns:vt="http://schemas.openxmlformats.org/officeDocument/2006/docPropsVTypes" xmlns:a16="http://schemas.microsoft.com/office/drawing/2010/main" id="{A3CEC967-4F53-440C-AEA8-20E79DC833D5}"/>
               </a:ext>
             </a:extLst>
           </p:cNvPr>
@@ -16569,7 +17976,7 @@
             <a:lum/>
             <a:extLst>
               <a:ext uri="{D64266A8-0188-43AE-AA84-68F6A740DBC9}">
-                <a14:imgProps xmlns:a14="http://schemas.microsoft.com/office/drawing/2010/main" xmlns:vt="http://schemas.openxmlformats.org/officeDocument/2006/docPropsVTypes" xmlns:ns1="http://schemas.openxmlformats.org/officeDocument/2006/extended-properties" xmlns:cs="http://schemas.microsoft.com/office/drawing/2012/chartStyle" xmlns:c="http://schemas.openxmlformats.org/drawingml/2006/chart" xmlns="">
+                <a14:imgProps xmlns="" xmlns:c="http://schemas.openxmlformats.org/drawingml/2006/chart" xmlns:cs="http://schemas.microsoft.com/office/drawing/2012/chartStyle" xmlns:ns1="http://schemas.openxmlformats.org/officeDocument/2006/extended-properties" xmlns:vt="http://schemas.openxmlformats.org/officeDocument/2006/docPropsVTypes" xmlns:a14="http://schemas.microsoft.com/office/drawing/2010/main">
                   <a14:imgLayer>
                     <a14:imgEffect>
                       <a14:brightnessContrast bright="0" contrast="0"/>
@@ -16578,7 +17985,7 @@
                 </a14:imgProps>
               </a:ext>
               <a:ext uri="{AAFF3D56-AE05-4908-924C-CA179A4F358E}">
-                <a14:useLocalDpi xmlns:a14="http://schemas.microsoft.com/office/drawing/2010/main" xmlns:vt="http://schemas.openxmlformats.org/officeDocument/2006/docPropsVTypes" xmlns:ns1="http://schemas.openxmlformats.org/officeDocument/2006/extended-properties" xmlns:cs="http://schemas.microsoft.com/office/drawing/2012/chartStyle" xmlns:c="http://schemas.openxmlformats.org/drawingml/2006/chart" xmlns="" val="0"/>
+                <a14:useLocalDpi xmlns="" xmlns:c="http://schemas.openxmlformats.org/drawingml/2006/chart" xmlns:cs="http://schemas.microsoft.com/office/drawing/2012/chartStyle" xmlns:ns1="http://schemas.openxmlformats.org/officeDocument/2006/extended-properties" xmlns:vt="http://schemas.openxmlformats.org/officeDocument/2006/docPropsVTypes" xmlns:a14="http://schemas.microsoft.com/office/drawing/2010/main" val="0"/>
               </a:ext>
             </a:extLst>
           </a:blip>
@@ -16618,7 +18025,7 @@
           <p:cNvPr id="4" name="Text Box 6">
             <a:extLst>
               <a:ext uri="{3ECBA4C2-3012-4C71-B9BA-ACED2FB0D044}">
-                <a16:creationId xmlns:a16="http://schemas.microsoft.com/office/drawing/2010/main" xmlns:vt="http://schemas.openxmlformats.org/officeDocument/2006/docPropsVTypes" xmlns:ns1="http://schemas.openxmlformats.org/officeDocument/2006/extended-properties" xmlns:cs="http://schemas.microsoft.com/office/drawing/2012/chartStyle" xmlns:c="http://schemas.openxmlformats.org/drawingml/2006/chart" xmlns="" id="{CE8BAD5E-B7B6-4142-96DF-15B243B978A3}"/>
+                <a16:creationId xmlns="" xmlns:c="http://schemas.openxmlformats.org/drawingml/2006/chart" xmlns:cs="http://schemas.microsoft.com/office/drawing/2012/chartStyle" xmlns:ns1="http://schemas.openxmlformats.org/officeDocument/2006/extended-properties" xmlns:vt="http://schemas.openxmlformats.org/officeDocument/2006/docPropsVTypes" xmlns:a16="http://schemas.microsoft.com/office/drawing/2010/main" id="{CE8BAD5E-B7B6-4142-96DF-15B243B978A3}"/>
               </a:ext>
             </a:extLst>
           </p:cNvPr>
@@ -16705,7 +18112,7 @@
     </p:spTree>
     <p:extLst>
       <p:ext uri="{7CDE17BF-2AB4-4DAB-A5BA-50D60AB77B70}">
-        <p14:creationId xmlns:p14="http://schemas.microsoft.com/office/powerpoint/2010/main" xmlns:vt="http://schemas.openxmlformats.org/officeDocument/2006/docPropsVTypes" xmlns:ns1="http://schemas.openxmlformats.org/officeDocument/2006/extended-properties" xmlns:cs="http://schemas.microsoft.com/office/drawing/2012/chartStyle" xmlns:c="http://schemas.openxmlformats.org/drawingml/2006/chart" xmlns="" val="1753295003075"/>
+        <p14:creationId xmlns="" xmlns:c="http://schemas.openxmlformats.org/drawingml/2006/chart" xmlns:cs="http://schemas.microsoft.com/office/drawing/2012/chartStyle" xmlns:ns1="http://schemas.openxmlformats.org/officeDocument/2006/extended-properties" xmlns:vt="http://schemas.openxmlformats.org/officeDocument/2006/docPropsVTypes" xmlns:p14="http://schemas.microsoft.com/office/powerpoint/2010/main" val="1753295003075"/>
       </p:ext>
     </p:extLst>
   </p:cSld>
@@ -16737,7 +18144,7 @@
           <p:cNvPr id="2" name="Title 7">
             <a:extLst>
               <a:ext uri="{A40D67E8-EC9B-4AA8-857D-D2CB22AE6B38}">
-                <a16:creationId xmlns:a16="http://schemas.microsoft.com/office/drawing/2010/main" xmlns:vt="http://schemas.openxmlformats.org/officeDocument/2006/docPropsVTypes" xmlns:ns1="http://schemas.openxmlformats.org/officeDocument/2006/extended-properties" xmlns:cs="http://schemas.microsoft.com/office/drawing/2012/chartStyle" xmlns:c="http://schemas.openxmlformats.org/drawingml/2006/chart" xmlns="" id="{2DDF1775-4C45-4BE1-BD7C-558008BE052E}"/>
+                <a16:creationId xmlns="" xmlns:c="http://schemas.openxmlformats.org/drawingml/2006/chart" xmlns:cs="http://schemas.microsoft.com/office/drawing/2012/chartStyle" xmlns:ns1="http://schemas.openxmlformats.org/officeDocument/2006/extended-properties" xmlns:vt="http://schemas.openxmlformats.org/officeDocument/2006/docPropsVTypes" xmlns:a16="http://schemas.microsoft.com/office/drawing/2010/main" id="{2DDF1775-4C45-4BE1-BD7C-558008BE052E}"/>
               </a:ext>
             </a:extLst>
           </p:cNvPr>
@@ -16776,7 +18183,7 @@
           <p:cNvPr id="3" name="Text Box 3">
             <a:extLst>
               <a:ext uri="{54076075-64A8-4DF9-BDE5-7B590710C60B}">
-                <a16:creationId xmlns:a16="http://schemas.microsoft.com/office/drawing/2010/main" xmlns:vt="http://schemas.openxmlformats.org/officeDocument/2006/docPropsVTypes" xmlns:ns1="http://schemas.openxmlformats.org/officeDocument/2006/extended-properties" xmlns:cs="http://schemas.microsoft.com/office/drawing/2012/chartStyle" xmlns:c="http://schemas.openxmlformats.org/drawingml/2006/chart" xmlns="" id="{5CD2990D-1AB1-4A0D-8FC1-D8E206640A90}"/>
+                <a16:creationId xmlns="" xmlns:c="http://schemas.openxmlformats.org/drawingml/2006/chart" xmlns:cs="http://schemas.microsoft.com/office/drawing/2012/chartStyle" xmlns:ns1="http://schemas.openxmlformats.org/officeDocument/2006/extended-properties" xmlns:vt="http://schemas.openxmlformats.org/officeDocument/2006/docPropsVTypes" xmlns:a16="http://schemas.microsoft.com/office/drawing/2010/main" id="{5CD2990D-1AB1-4A0D-8FC1-D8E206640A90}"/>
               </a:ext>
             </a:extLst>
           </p:cNvPr>
@@ -16902,7 +18309,7 @@
           <p:cNvPr id="4" name="Image 4">
             <a:extLst>
               <a:ext uri="{872022D5-5A08-48EE-B262-3DAE3C32ADBC}">
-                <a16:creationId xmlns:a16="http://schemas.microsoft.com/office/drawing/2010/main" xmlns:vt="http://schemas.openxmlformats.org/officeDocument/2006/docPropsVTypes" xmlns:ns1="http://schemas.openxmlformats.org/officeDocument/2006/extended-properties" xmlns:cs="http://schemas.microsoft.com/office/drawing/2012/chartStyle" xmlns:c="http://schemas.openxmlformats.org/drawingml/2006/chart" xmlns="" id="{3E3A4E74-BDA3-46BE-923F-610E245B3E0A}"/>
+                <a16:creationId xmlns="" xmlns:c="http://schemas.openxmlformats.org/drawingml/2006/chart" xmlns:cs="http://schemas.microsoft.com/office/drawing/2012/chartStyle" xmlns:ns1="http://schemas.openxmlformats.org/officeDocument/2006/extended-properties" xmlns:vt="http://schemas.openxmlformats.org/officeDocument/2006/docPropsVTypes" xmlns:a16="http://schemas.microsoft.com/office/drawing/2010/main" id="{3E3A4E74-BDA3-46BE-923F-610E245B3E0A}"/>
               </a:ext>
             </a:extLst>
           </p:cNvPr>
@@ -16916,7 +18323,7 @@
             <a:lum bright="10000" contrast="20000"/>
             <a:extLst>
               <a:ext uri="{F25B6981-7833-4F61-BE1A-EDA3B8957174}">
-                <a14:imgProps xmlns:a14="http://schemas.microsoft.com/office/drawing/2010/main" xmlns:vt="http://schemas.openxmlformats.org/officeDocument/2006/docPropsVTypes" xmlns:ns1="http://schemas.openxmlformats.org/officeDocument/2006/extended-properties" xmlns:cs="http://schemas.microsoft.com/office/drawing/2012/chartStyle" xmlns:c="http://schemas.openxmlformats.org/drawingml/2006/chart" xmlns="">
+                <a14:imgProps xmlns="" xmlns:c="http://schemas.openxmlformats.org/drawingml/2006/chart" xmlns:cs="http://schemas.microsoft.com/office/drawing/2012/chartStyle" xmlns:ns1="http://schemas.openxmlformats.org/officeDocument/2006/extended-properties" xmlns:vt="http://schemas.openxmlformats.org/officeDocument/2006/docPropsVTypes" xmlns:a14="http://schemas.microsoft.com/office/drawing/2010/main">
                   <a14:imgLayer>
                     <a14:imgEffect>
                       <a14:brightnessContrast bright="10000" contrast="20000"/>
@@ -16925,7 +18332,7 @@
                 </a14:imgProps>
               </a:ext>
               <a:ext uri="{1F38EA99-352A-4933-9C76-43B311C9485E}">
-                <a14:useLocalDpi xmlns:a14="http://schemas.microsoft.com/office/drawing/2010/main" xmlns:vt="http://schemas.openxmlformats.org/officeDocument/2006/docPropsVTypes" xmlns:ns1="http://schemas.openxmlformats.org/officeDocument/2006/extended-properties" xmlns:cs="http://schemas.microsoft.com/office/drawing/2012/chartStyle" xmlns:c="http://schemas.openxmlformats.org/drawingml/2006/chart" xmlns="" val="0"/>
+                <a14:useLocalDpi xmlns="" xmlns:c="http://schemas.openxmlformats.org/drawingml/2006/chart" xmlns:cs="http://schemas.microsoft.com/office/drawing/2012/chartStyle" xmlns:ns1="http://schemas.openxmlformats.org/officeDocument/2006/extended-properties" xmlns:vt="http://schemas.openxmlformats.org/officeDocument/2006/docPropsVTypes" xmlns:a14="http://schemas.microsoft.com/office/drawing/2010/main" val="0"/>
               </a:ext>
             </a:extLst>
           </a:blip>
@@ -16963,7 +18370,7 @@
     </p:spTree>
     <p:extLst>
       <p:ext uri="{103DDE8A-7FCA-419C-9B8E-E98393C0FA15}">
-        <p14:creationId xmlns:p14="http://schemas.microsoft.com/office/powerpoint/2010/main" xmlns:vt="http://schemas.openxmlformats.org/officeDocument/2006/docPropsVTypes" xmlns:ns1="http://schemas.openxmlformats.org/officeDocument/2006/extended-properties" xmlns:cs="http://schemas.microsoft.com/office/drawing/2012/chartStyle" xmlns:c="http://schemas.openxmlformats.org/drawingml/2006/chart" xmlns="" val="1753295003077"/>
+        <p14:creationId xmlns="" xmlns:c="http://schemas.openxmlformats.org/drawingml/2006/chart" xmlns:cs="http://schemas.microsoft.com/office/drawing/2012/chartStyle" xmlns:ns1="http://schemas.openxmlformats.org/officeDocument/2006/extended-properties" xmlns:vt="http://schemas.openxmlformats.org/officeDocument/2006/docPropsVTypes" xmlns:p14="http://schemas.microsoft.com/office/powerpoint/2010/main" val="1753295003077"/>
       </p:ext>
     </p:extLst>
   </p:cSld>
@@ -16995,7 +18402,7 @@
           <p:cNvPr id="2" name="Title 7">
             <a:extLst>
               <a:ext uri="{55318770-AAD1-4085-A39C-98658758CB2D}">
-                <a16:creationId xmlns:a16="http://schemas.microsoft.com/office/drawing/2010/main" xmlns:vt="http://schemas.openxmlformats.org/officeDocument/2006/docPropsVTypes" xmlns:ns1="http://schemas.openxmlformats.org/officeDocument/2006/extended-properties" xmlns:cs="http://schemas.microsoft.com/office/drawing/2012/chartStyle" xmlns:c="http://schemas.openxmlformats.org/drawingml/2006/chart" xmlns="" id="{F357D816-876F-462C-8AB3-8005670E40EC}"/>
+                <a16:creationId xmlns="" xmlns:c="http://schemas.openxmlformats.org/drawingml/2006/chart" xmlns:cs="http://schemas.microsoft.com/office/drawing/2012/chartStyle" xmlns:ns1="http://schemas.openxmlformats.org/officeDocument/2006/extended-properties" xmlns:vt="http://schemas.openxmlformats.org/officeDocument/2006/docPropsVTypes" xmlns:a16="http://schemas.microsoft.com/office/drawing/2010/main" id="{F357D816-876F-462C-8AB3-8005670E40EC}"/>
               </a:ext>
             </a:extLst>
           </p:cNvPr>
@@ -17034,7 +18441,7 @@
           <p:cNvPr id="3" name="Image 2">
             <a:extLst>
               <a:ext uri="{C301ADF3-8A1E-4651-A932-B814E350F28D}">
-                <a16:creationId xmlns:a16="http://schemas.microsoft.com/office/drawing/2010/main" xmlns:vt="http://schemas.openxmlformats.org/officeDocument/2006/docPropsVTypes" xmlns:ns1="http://schemas.openxmlformats.org/officeDocument/2006/extended-properties" xmlns:cs="http://schemas.microsoft.com/office/drawing/2012/chartStyle" xmlns:c="http://schemas.openxmlformats.org/drawingml/2006/chart" xmlns="" id="{4FFB5900-ACE0-4ABE-95D0-7CF4B5672FCD}"/>
+                <a16:creationId xmlns="" xmlns:c="http://schemas.openxmlformats.org/drawingml/2006/chart" xmlns:cs="http://schemas.microsoft.com/office/drawing/2012/chartStyle" xmlns:ns1="http://schemas.openxmlformats.org/officeDocument/2006/extended-properties" xmlns:vt="http://schemas.openxmlformats.org/officeDocument/2006/docPropsVTypes" xmlns:a16="http://schemas.microsoft.com/office/drawing/2010/main" id="{4FFB5900-ACE0-4ABE-95D0-7CF4B5672FCD}"/>
               </a:ext>
             </a:extLst>
           </p:cNvPr>
@@ -17065,7 +18472,7 @@
           <p:cNvPr id="4" name="Text Box 3">
             <a:extLst>
               <a:ext uri="{1C7CD96D-6BBA-4FB4-B17A-1883A9DE418E}">
-                <a16:creationId xmlns:a16="http://schemas.microsoft.com/office/drawing/2010/main" xmlns:vt="http://schemas.openxmlformats.org/officeDocument/2006/docPropsVTypes" xmlns:ns1="http://schemas.openxmlformats.org/officeDocument/2006/extended-properties" xmlns:cs="http://schemas.microsoft.com/office/drawing/2012/chartStyle" xmlns:c="http://schemas.openxmlformats.org/drawingml/2006/chart" xmlns="" id="{E5ECCE24-0DFD-4CD1-A005-2F5380B90997}"/>
+                <a16:creationId xmlns="" xmlns:c="http://schemas.openxmlformats.org/drawingml/2006/chart" xmlns:cs="http://schemas.microsoft.com/office/drawing/2012/chartStyle" xmlns:ns1="http://schemas.openxmlformats.org/officeDocument/2006/extended-properties" xmlns:vt="http://schemas.openxmlformats.org/officeDocument/2006/docPropsVTypes" xmlns:a16="http://schemas.microsoft.com/office/drawing/2010/main" id="{E5ECCE24-0DFD-4CD1-A005-2F5380B90997}"/>
               </a:ext>
             </a:extLst>
           </p:cNvPr>
@@ -17189,7 +18596,7 @@
     </p:spTree>
     <p:extLst>
       <p:ext uri="{D68EDC31-4787-43D4-905C-80DE3CCA0972}">
-        <p14:creationId xmlns:p14="http://schemas.microsoft.com/office/powerpoint/2010/main" xmlns:vt="http://schemas.openxmlformats.org/officeDocument/2006/docPropsVTypes" xmlns:ns1="http://schemas.openxmlformats.org/officeDocument/2006/extended-properties" xmlns:cs="http://schemas.microsoft.com/office/drawing/2012/chartStyle" xmlns:c="http://schemas.openxmlformats.org/drawingml/2006/chart" xmlns="" val="1753295003078"/>
+        <p14:creationId xmlns="" xmlns:c="http://schemas.openxmlformats.org/drawingml/2006/chart" xmlns:cs="http://schemas.microsoft.com/office/drawing/2012/chartStyle" xmlns:ns1="http://schemas.openxmlformats.org/officeDocument/2006/extended-properties" xmlns:vt="http://schemas.openxmlformats.org/officeDocument/2006/docPropsVTypes" xmlns:p14="http://schemas.microsoft.com/office/powerpoint/2010/main" val="1753295003078"/>
       </p:ext>
     </p:extLst>
   </p:cSld>
@@ -17221,7 +18628,7 @@
           <p:cNvPr id="2" name="Title 7">
             <a:extLst>
               <a:ext uri="{F6939B69-9AFF-4AFA-85BC-0246B782D1C0}">
-                <a16:creationId xmlns:a16="http://schemas.microsoft.com/office/drawing/2010/main" xmlns:vt="http://schemas.openxmlformats.org/officeDocument/2006/docPropsVTypes" xmlns:ns1="http://schemas.openxmlformats.org/officeDocument/2006/extended-properties" xmlns:cs="http://schemas.microsoft.com/office/drawing/2012/chartStyle" xmlns:c="http://schemas.openxmlformats.org/drawingml/2006/chart" xmlns="" id="{72B4B6C3-B6B2-48DD-8377-A8713AE4A20A}"/>
+                <a16:creationId xmlns="" xmlns:c="http://schemas.openxmlformats.org/drawingml/2006/chart" xmlns:cs="http://schemas.microsoft.com/office/drawing/2012/chartStyle" xmlns:ns1="http://schemas.openxmlformats.org/officeDocument/2006/extended-properties" xmlns:vt="http://schemas.openxmlformats.org/officeDocument/2006/docPropsVTypes" xmlns:a16="http://schemas.microsoft.com/office/drawing/2010/main" id="{72B4B6C3-B6B2-48DD-8377-A8713AE4A20A}"/>
               </a:ext>
             </a:extLst>
           </p:cNvPr>
@@ -17260,7 +18667,7 @@
           <p:cNvPr id="3" name="Text Box 3">
             <a:extLst>
               <a:ext uri="{D0C8E467-7F26-4BC3-91FF-B0A2A3F23321}">
-                <a16:creationId xmlns:a16="http://schemas.microsoft.com/office/drawing/2010/main" xmlns:vt="http://schemas.openxmlformats.org/officeDocument/2006/docPropsVTypes" xmlns:ns1="http://schemas.openxmlformats.org/officeDocument/2006/extended-properties" xmlns:cs="http://schemas.microsoft.com/office/drawing/2012/chartStyle" xmlns:c="http://schemas.openxmlformats.org/drawingml/2006/chart" xmlns="" id="{66D56D24-12B8-4957-A508-96186A093874}"/>
+                <a16:creationId xmlns="" xmlns:c="http://schemas.openxmlformats.org/drawingml/2006/chart" xmlns:cs="http://schemas.microsoft.com/office/drawing/2012/chartStyle" xmlns:ns1="http://schemas.openxmlformats.org/officeDocument/2006/extended-properties" xmlns:vt="http://schemas.openxmlformats.org/officeDocument/2006/docPropsVTypes" xmlns:a16="http://schemas.microsoft.com/office/drawing/2010/main" id="{66D56D24-12B8-4957-A508-96186A093874}"/>
               </a:ext>
             </a:extLst>
           </p:cNvPr>
@@ -17386,7 +18793,7 @@
           <p:cNvPr id="4" name="Image 4">
             <a:extLst>
               <a:ext uri="{C14491E8-A814-4495-8645-BFBD08E5BC3D}">
-                <a16:creationId xmlns:a16="http://schemas.microsoft.com/office/drawing/2010/main" xmlns:vt="http://schemas.openxmlformats.org/officeDocument/2006/docPropsVTypes" xmlns:ns1="http://schemas.openxmlformats.org/officeDocument/2006/extended-properties" xmlns:cs="http://schemas.microsoft.com/office/drawing/2012/chartStyle" xmlns:c="http://schemas.openxmlformats.org/drawingml/2006/chart" xmlns="" id="{432EFB49-EB01-4743-B867-66306BF06D8B}"/>
+                <a16:creationId xmlns="" xmlns:c="http://schemas.openxmlformats.org/drawingml/2006/chart" xmlns:cs="http://schemas.microsoft.com/office/drawing/2012/chartStyle" xmlns:ns1="http://schemas.openxmlformats.org/officeDocument/2006/extended-properties" xmlns:vt="http://schemas.openxmlformats.org/officeDocument/2006/docPropsVTypes" xmlns:a16="http://schemas.microsoft.com/office/drawing/2010/main" id="{432EFB49-EB01-4743-B867-66306BF06D8B}"/>
               </a:ext>
             </a:extLst>
           </p:cNvPr>
@@ -17415,7 +18822,7 @@
     </p:spTree>
     <p:extLst>
       <p:ext uri="{C7AEA059-7259-4E2B-BC74-C0D5068C4E8B}">
-        <p14:creationId xmlns:p14="http://schemas.microsoft.com/office/powerpoint/2010/main" xmlns:vt="http://schemas.openxmlformats.org/officeDocument/2006/docPropsVTypes" xmlns:ns1="http://schemas.openxmlformats.org/officeDocument/2006/extended-properties" xmlns:cs="http://schemas.microsoft.com/office/drawing/2012/chartStyle" xmlns:c="http://schemas.openxmlformats.org/drawingml/2006/chart" xmlns="" val="1753295003080"/>
+        <p14:creationId xmlns="" xmlns:c="http://schemas.openxmlformats.org/drawingml/2006/chart" xmlns:cs="http://schemas.microsoft.com/office/drawing/2012/chartStyle" xmlns:ns1="http://schemas.openxmlformats.org/officeDocument/2006/extended-properties" xmlns:vt="http://schemas.openxmlformats.org/officeDocument/2006/docPropsVTypes" xmlns:p14="http://schemas.microsoft.com/office/powerpoint/2010/main" val="1753295003080"/>
       </p:ext>
     </p:extLst>
   </p:cSld>
@@ -17447,7 +18854,7 @@
           <p:cNvPr id="2" name="Rectangle 3">
             <a:extLst>
               <a:ext uri="{CEBB13BC-1FF5-4192-8377-CF599E66AB19}">
-                <a16:creationId xmlns:a16="http://schemas.microsoft.com/office/drawing/2010/main" xmlns:vt="http://schemas.openxmlformats.org/officeDocument/2006/docPropsVTypes" xmlns:ns1="http://schemas.openxmlformats.org/officeDocument/2006/extended-properties" xmlns:cs="http://schemas.microsoft.com/office/drawing/2012/chartStyle" xmlns:c="http://schemas.openxmlformats.org/drawingml/2006/chart" xmlns="" id="{F4FFA4CA-2795-4416-9114-8F4584F708D7}"/>
+                <a16:creationId xmlns="" xmlns:c="http://schemas.openxmlformats.org/drawingml/2006/chart" xmlns:cs="http://schemas.microsoft.com/office/drawing/2012/chartStyle" xmlns:ns1="http://schemas.openxmlformats.org/officeDocument/2006/extended-properties" xmlns:vt="http://schemas.openxmlformats.org/officeDocument/2006/docPropsVTypes" xmlns:a16="http://schemas.microsoft.com/office/drawing/2010/main" id="{F4FFA4CA-2795-4416-9114-8F4584F708D7}"/>
               </a:ext>
             </a:extLst>
           </p:cNvPr>
@@ -17669,7 +19076,7 @@
           <p:cNvPr id="3" name="Text Box 3">
             <a:extLst>
               <a:ext uri="{990D657B-BE91-463F-9D6C-6FC127950EF7}">
-                <a16:creationId xmlns:a16="http://schemas.microsoft.com/office/drawing/2010/main" xmlns:vt="http://schemas.openxmlformats.org/officeDocument/2006/docPropsVTypes" xmlns:ns1="http://schemas.openxmlformats.org/officeDocument/2006/extended-properties" xmlns:cs="http://schemas.microsoft.com/office/drawing/2012/chartStyle" xmlns:c="http://schemas.openxmlformats.org/drawingml/2006/chart" xmlns="" id="{29AAC83E-B094-4BC8-ACC6-C5B351A7688B}"/>
+                <a16:creationId xmlns="" xmlns:c="http://schemas.openxmlformats.org/drawingml/2006/chart" xmlns:cs="http://schemas.microsoft.com/office/drawing/2012/chartStyle" xmlns:ns1="http://schemas.openxmlformats.org/officeDocument/2006/extended-properties" xmlns:vt="http://schemas.openxmlformats.org/officeDocument/2006/docPropsVTypes" xmlns:a16="http://schemas.microsoft.com/office/drawing/2010/main" id="{29AAC83E-B094-4BC8-ACC6-C5B351A7688B}"/>
               </a:ext>
             </a:extLst>
           </p:cNvPr>
@@ -17813,7 +19220,7 @@
           <p:cNvPr id="4" name="Image 4">
             <a:extLst>
               <a:ext uri="{61023B72-433D-49C8-8D28-DD7450ACA897}">
-                <a16:creationId xmlns:a16="http://schemas.microsoft.com/office/drawing/2010/main" xmlns:vt="http://schemas.openxmlformats.org/officeDocument/2006/docPropsVTypes" xmlns:ns1="http://schemas.openxmlformats.org/officeDocument/2006/extended-properties" xmlns:cs="http://schemas.microsoft.com/office/drawing/2012/chartStyle" xmlns:c="http://schemas.openxmlformats.org/drawingml/2006/chart" xmlns="" id="{A8F63071-2D14-49C7-A368-9CA8474F741C}"/>
+                <a16:creationId xmlns="" xmlns:c="http://schemas.openxmlformats.org/drawingml/2006/chart" xmlns:cs="http://schemas.microsoft.com/office/drawing/2012/chartStyle" xmlns:ns1="http://schemas.openxmlformats.org/officeDocument/2006/extended-properties" xmlns:vt="http://schemas.openxmlformats.org/officeDocument/2006/docPropsVTypes" xmlns:a16="http://schemas.microsoft.com/office/drawing/2010/main" id="{A8F63071-2D14-49C7-A368-9CA8474F741C}"/>
               </a:ext>
             </a:extLst>
           </p:cNvPr>
@@ -17842,7 +19249,7 @@
     </p:spTree>
     <p:extLst>
       <p:ext uri="{B97B6F3A-2552-4695-AECC-21A2A6C63C22}">
-        <p14:creationId xmlns:p14="http://schemas.microsoft.com/office/powerpoint/2010/main" xmlns:vt="http://schemas.openxmlformats.org/officeDocument/2006/docPropsVTypes" xmlns:ns1="http://schemas.openxmlformats.org/officeDocument/2006/extended-properties" xmlns:cs="http://schemas.microsoft.com/office/drawing/2012/chartStyle" xmlns:c="http://schemas.openxmlformats.org/drawingml/2006/chart" xmlns="" val="1753295003081"/>
+        <p14:creationId xmlns="" xmlns:c="http://schemas.openxmlformats.org/drawingml/2006/chart" xmlns:cs="http://schemas.microsoft.com/office/drawing/2012/chartStyle" xmlns:ns1="http://schemas.openxmlformats.org/officeDocument/2006/extended-properties" xmlns:vt="http://schemas.openxmlformats.org/officeDocument/2006/docPropsVTypes" xmlns:p14="http://schemas.microsoft.com/office/powerpoint/2010/main" val="1753295003081"/>
       </p:ext>
     </p:extLst>
   </p:cSld>
@@ -17874,7 +19281,7 @@
           <p:cNvPr id="2" name="Rectangle 3">
             <a:extLst>
               <a:ext uri="{34059230-D971-4536-AB6C-F9CBD03D78B7}">
-                <a16:creationId xmlns:a16="http://schemas.microsoft.com/office/drawing/2010/main" xmlns:vt="http://schemas.openxmlformats.org/officeDocument/2006/docPropsVTypes" xmlns:ns1="http://schemas.openxmlformats.org/officeDocument/2006/extended-properties" xmlns:cs="http://schemas.microsoft.com/office/drawing/2012/chartStyle" xmlns:c="http://schemas.openxmlformats.org/drawingml/2006/chart" xmlns="" id="{B3EAC487-2EFF-40DB-89AC-A0E21B6EB271}"/>
+                <a16:creationId xmlns="" xmlns:c="http://schemas.openxmlformats.org/drawingml/2006/chart" xmlns:cs="http://schemas.microsoft.com/office/drawing/2012/chartStyle" xmlns:ns1="http://schemas.openxmlformats.org/officeDocument/2006/extended-properties" xmlns:vt="http://schemas.openxmlformats.org/officeDocument/2006/docPropsVTypes" xmlns:a16="http://schemas.microsoft.com/office/drawing/2010/main" id="{B3EAC487-2EFF-40DB-89AC-A0E21B6EB271}"/>
               </a:ext>
             </a:extLst>
           </p:cNvPr>
@@ -18096,7 +19503,7 @@
           <p:cNvPr id="3" name="Text Box 3">
             <a:extLst>
               <a:ext uri="{8E2FD967-1B72-432D-9DB8-29F46944D564}">
-                <a16:creationId xmlns:a16="http://schemas.microsoft.com/office/drawing/2010/main" xmlns:vt="http://schemas.openxmlformats.org/officeDocument/2006/docPropsVTypes" xmlns:ns1="http://schemas.openxmlformats.org/officeDocument/2006/extended-properties" xmlns:cs="http://schemas.microsoft.com/office/drawing/2012/chartStyle" xmlns:c="http://schemas.openxmlformats.org/drawingml/2006/chart" xmlns="" id="{D2DEC0EC-0B2A-426B-8C4C-C86437D7E163}"/>
+                <a16:creationId xmlns="" xmlns:c="http://schemas.openxmlformats.org/drawingml/2006/chart" xmlns:cs="http://schemas.microsoft.com/office/drawing/2012/chartStyle" xmlns:ns1="http://schemas.openxmlformats.org/officeDocument/2006/extended-properties" xmlns:vt="http://schemas.openxmlformats.org/officeDocument/2006/docPropsVTypes" xmlns:a16="http://schemas.microsoft.com/office/drawing/2010/main" id="{D2DEC0EC-0B2A-426B-8C4C-C86437D7E163}"/>
               </a:ext>
             </a:extLst>
           </p:cNvPr>
@@ -18265,7 +19672,7 @@
           <p:cNvPr id="4" name="Image 4">
             <a:extLst>
               <a:ext uri="{A9DB831A-23FE-4F22-BBC2-C21CF171C55F}">
-                <a16:creationId xmlns:a16="http://schemas.microsoft.com/office/drawing/2010/main" xmlns:vt="http://schemas.openxmlformats.org/officeDocument/2006/docPropsVTypes" xmlns:ns1="http://schemas.openxmlformats.org/officeDocument/2006/extended-properties" xmlns:cs="http://schemas.microsoft.com/office/drawing/2012/chartStyle" xmlns:c="http://schemas.openxmlformats.org/drawingml/2006/chart" xmlns="" id="{0A9D7CC4-CFA0-4C52-A879-9B49CF3301BC}"/>
+                <a16:creationId xmlns="" xmlns:c="http://schemas.openxmlformats.org/drawingml/2006/chart" xmlns:cs="http://schemas.microsoft.com/office/drawing/2012/chartStyle" xmlns:ns1="http://schemas.openxmlformats.org/officeDocument/2006/extended-properties" xmlns:vt="http://schemas.openxmlformats.org/officeDocument/2006/docPropsVTypes" xmlns:a16="http://schemas.microsoft.com/office/drawing/2010/main" id="{0A9D7CC4-CFA0-4C52-A879-9B49CF3301BC}"/>
               </a:ext>
             </a:extLst>
           </p:cNvPr>
@@ -18294,7 +19701,7 @@
     </p:spTree>
     <p:extLst>
       <p:ext uri="{56DEE42E-B6B9-4354-8527-EA041ADB2270}">
-        <p14:creationId xmlns:p14="http://schemas.microsoft.com/office/powerpoint/2010/main" xmlns:vt="http://schemas.openxmlformats.org/officeDocument/2006/docPropsVTypes" xmlns:ns1="http://schemas.openxmlformats.org/officeDocument/2006/extended-properties" xmlns:cs="http://schemas.microsoft.com/office/drawing/2012/chartStyle" xmlns:c="http://schemas.openxmlformats.org/drawingml/2006/chart" xmlns="" val="1753295003083"/>
+        <p14:creationId xmlns="" xmlns:c="http://schemas.openxmlformats.org/drawingml/2006/chart" xmlns:cs="http://schemas.microsoft.com/office/drawing/2012/chartStyle" xmlns:ns1="http://schemas.openxmlformats.org/officeDocument/2006/extended-properties" xmlns:vt="http://schemas.openxmlformats.org/officeDocument/2006/docPropsVTypes" xmlns:p14="http://schemas.microsoft.com/office/powerpoint/2010/main" val="1753295003083"/>
       </p:ext>
     </p:extLst>
   </p:cSld>
@@ -18326,7 +19733,7 @@
           <p:cNvPr id="2" name="Rectangle 3">
             <a:extLst>
               <a:ext uri="{93780A58-41E0-4B4A-AEFE-500767A5897D}">
-                <a16:creationId xmlns:a16="http://schemas.microsoft.com/office/drawing/2010/main" xmlns:vt="http://schemas.openxmlformats.org/officeDocument/2006/docPropsVTypes" xmlns:ns1="http://schemas.openxmlformats.org/officeDocument/2006/extended-properties" xmlns:cs="http://schemas.microsoft.com/office/drawing/2012/chartStyle" xmlns:c="http://schemas.openxmlformats.org/drawingml/2006/chart" xmlns="" id="{37F5113C-A52F-4264-B614-A2CC4C7F5EA2}"/>
+                <a16:creationId xmlns="" xmlns:c="http://schemas.openxmlformats.org/drawingml/2006/chart" xmlns:cs="http://schemas.microsoft.com/office/drawing/2012/chartStyle" xmlns:ns1="http://schemas.openxmlformats.org/officeDocument/2006/extended-properties" xmlns:vt="http://schemas.openxmlformats.org/officeDocument/2006/docPropsVTypes" xmlns:a16="http://schemas.microsoft.com/office/drawing/2010/main" id="{37F5113C-A52F-4264-B614-A2CC4C7F5EA2}"/>
               </a:ext>
             </a:extLst>
           </p:cNvPr>
@@ -18539,7 +19946,7 @@
           <p:cNvPr id="3" name="Text Box 3">
             <a:extLst>
               <a:ext uri="{C0E2FA14-D769-4818-AC02-DA52E3E8FCCF}">
-                <a16:creationId xmlns:a16="http://schemas.microsoft.com/office/drawing/2010/main" xmlns:vt="http://schemas.openxmlformats.org/officeDocument/2006/docPropsVTypes" xmlns:ns1="http://schemas.openxmlformats.org/officeDocument/2006/extended-properties" xmlns:cs="http://schemas.microsoft.com/office/drawing/2012/chartStyle" xmlns:c="http://schemas.openxmlformats.org/drawingml/2006/chart" xmlns="" id="{3367C552-5B7E-407A-A6C9-D4B51B19D984}"/>
+                <a16:creationId xmlns="" xmlns:c="http://schemas.openxmlformats.org/drawingml/2006/chart" xmlns:cs="http://schemas.microsoft.com/office/drawing/2012/chartStyle" xmlns:ns1="http://schemas.openxmlformats.org/officeDocument/2006/extended-properties" xmlns:vt="http://schemas.openxmlformats.org/officeDocument/2006/docPropsVTypes" xmlns:a16="http://schemas.microsoft.com/office/drawing/2010/main" id="{3367C552-5B7E-407A-A6C9-D4B51B19D984}"/>
               </a:ext>
             </a:extLst>
           </p:cNvPr>
@@ -18708,7 +20115,7 @@
           <p:cNvPr id="4" name="Image 4">
             <a:extLst>
               <a:ext uri="{01E57D8D-E43C-45F0-A885-E06BFD07C689}">
-                <a16:creationId xmlns:a16="http://schemas.microsoft.com/office/drawing/2010/main" xmlns:vt="http://schemas.openxmlformats.org/officeDocument/2006/docPropsVTypes" xmlns:ns1="http://schemas.openxmlformats.org/officeDocument/2006/extended-properties" xmlns:cs="http://schemas.microsoft.com/office/drawing/2012/chartStyle" xmlns:c="http://schemas.openxmlformats.org/drawingml/2006/chart" xmlns="" id="{94E08CA1-5C2D-4B4A-AD8B-F9A547322979}"/>
+                <a16:creationId xmlns="" xmlns:c="http://schemas.openxmlformats.org/drawingml/2006/chart" xmlns:cs="http://schemas.microsoft.com/office/drawing/2012/chartStyle" xmlns:ns1="http://schemas.openxmlformats.org/officeDocument/2006/extended-properties" xmlns:vt="http://schemas.openxmlformats.org/officeDocument/2006/docPropsVTypes" xmlns:a16="http://schemas.microsoft.com/office/drawing/2010/main" id="{94E08CA1-5C2D-4B4A-AD8B-F9A547322979}"/>
               </a:ext>
             </a:extLst>
           </p:cNvPr>
@@ -18722,7 +20129,7 @@
             <a:lum/>
             <a:extLst>
               <a:ext uri="{3A8B4AAB-A969-4B0E-B37E-D82926F29193}">
-                <a14:imgProps xmlns:a14="http://schemas.microsoft.com/office/drawing/2010/main" xmlns:vt="http://schemas.openxmlformats.org/officeDocument/2006/docPropsVTypes" xmlns:ns1="http://schemas.openxmlformats.org/officeDocument/2006/extended-properties" xmlns:cs="http://schemas.microsoft.com/office/drawing/2012/chartStyle" xmlns:c="http://schemas.openxmlformats.org/drawingml/2006/chart" xmlns="">
+                <a14:imgProps xmlns="" xmlns:c="http://schemas.openxmlformats.org/drawingml/2006/chart" xmlns:cs="http://schemas.microsoft.com/office/drawing/2012/chartStyle" xmlns:ns1="http://schemas.openxmlformats.org/officeDocument/2006/extended-properties" xmlns:vt="http://schemas.openxmlformats.org/officeDocument/2006/docPropsVTypes" xmlns:a14="http://schemas.microsoft.com/office/drawing/2010/main">
                   <a14:imgLayer>
                     <a14:imgEffect>
                       <a14:brightnessContrast bright="0" contrast="0"/>
@@ -18731,7 +20138,7 @@
                 </a14:imgProps>
               </a:ext>
               <a:ext uri="{24DDF160-C78D-4823-88D6-49C3675EE45A}">
-                <a14:useLocalDpi xmlns:a14="http://schemas.microsoft.com/office/drawing/2010/main" xmlns:vt="http://schemas.openxmlformats.org/officeDocument/2006/docPropsVTypes" xmlns:ns1="http://schemas.openxmlformats.org/officeDocument/2006/extended-properties" xmlns:cs="http://schemas.microsoft.com/office/drawing/2012/chartStyle" xmlns:c="http://schemas.openxmlformats.org/drawingml/2006/chart" xmlns="" val="0"/>
+                <a14:useLocalDpi xmlns="" xmlns:c="http://schemas.openxmlformats.org/drawingml/2006/chart" xmlns:cs="http://schemas.microsoft.com/office/drawing/2012/chartStyle" xmlns:ns1="http://schemas.openxmlformats.org/officeDocument/2006/extended-properties" xmlns:vt="http://schemas.openxmlformats.org/officeDocument/2006/docPropsVTypes" xmlns:a14="http://schemas.microsoft.com/office/drawing/2010/main" val="0"/>
               </a:ext>
             </a:extLst>
           </a:blip>
@@ -18769,7 +20176,7 @@
     </p:spTree>
     <p:extLst>
       <p:ext uri="{929BAB8E-F485-4E04-8AAE-9660D15D7002}">
-        <p14:creationId xmlns:p14="http://schemas.microsoft.com/office/powerpoint/2010/main" xmlns:vt="http://schemas.openxmlformats.org/officeDocument/2006/docPropsVTypes" xmlns:ns1="http://schemas.openxmlformats.org/officeDocument/2006/extended-properties" xmlns:cs="http://schemas.microsoft.com/office/drawing/2012/chartStyle" xmlns:c="http://schemas.openxmlformats.org/drawingml/2006/chart" xmlns="" val="1753295003084"/>
+        <p14:creationId xmlns="" xmlns:c="http://schemas.openxmlformats.org/drawingml/2006/chart" xmlns:cs="http://schemas.microsoft.com/office/drawing/2012/chartStyle" xmlns:ns1="http://schemas.openxmlformats.org/officeDocument/2006/extended-properties" xmlns:vt="http://schemas.openxmlformats.org/officeDocument/2006/docPropsVTypes" xmlns:p14="http://schemas.microsoft.com/office/powerpoint/2010/main" val="1753295003084"/>
       </p:ext>
     </p:extLst>
   </p:cSld>
